--- a/final_project/cheng_hau.pptx
+++ b/final_project/cheng_hau.pptx
@@ -5,20 +5,21 @@
     <p:sldMasterId id="2147484341" r:id="rId1"/>
   </p:sldMasterIdLst>
   <p:notesMasterIdLst>
-    <p:notesMasterId r:id="rId13"/>
+    <p:notesMasterId r:id="rId14"/>
   </p:notesMasterIdLst>
   <p:sldIdLst>
     <p:sldId id="1970" r:id="rId2"/>
     <p:sldId id="2983" r:id="rId3"/>
     <p:sldId id="1971" r:id="rId4"/>
     <p:sldId id="1972" r:id="rId5"/>
-    <p:sldId id="1973" r:id="rId6"/>
-    <p:sldId id="265" r:id="rId7"/>
-    <p:sldId id="2982" r:id="rId8"/>
-    <p:sldId id="2984" r:id="rId9"/>
-    <p:sldId id="2986" r:id="rId10"/>
-    <p:sldId id="2988" r:id="rId11"/>
-    <p:sldId id="2987" r:id="rId12"/>
+    <p:sldId id="2989" r:id="rId6"/>
+    <p:sldId id="1973" r:id="rId7"/>
+    <p:sldId id="265" r:id="rId8"/>
+    <p:sldId id="2982" r:id="rId9"/>
+    <p:sldId id="2984" r:id="rId10"/>
+    <p:sldId id="2986" r:id="rId11"/>
+    <p:sldId id="2988" r:id="rId12"/>
+    <p:sldId id="2987" r:id="rId13"/>
   </p:sldIdLst>
   <p:sldSz cx="9144000" cy="6858000" type="screen4x3"/>
   <p:notesSz cx="6858000" cy="9144000"/>
@@ -4632,6 +4633,96 @@
 </p:notes>
 </file>
 
+<file path=ppt/notesSlides/notesSlide2.xml><?xml version="1.0" encoding="utf-8"?>
+<p:notes xmlns:a="http://schemas.openxmlformats.org/drawingml/2006/main" xmlns:r="http://schemas.openxmlformats.org/officeDocument/2006/relationships" xmlns:p="http://schemas.openxmlformats.org/presentationml/2006/main">
+  <p:cSld>
+    <p:spTree>
+      <p:nvGrpSpPr>
+        <p:cNvPr id="1" name=""/>
+        <p:cNvGrpSpPr/>
+        <p:nvPr/>
+      </p:nvGrpSpPr>
+      <p:grpSpPr>
+        <a:xfrm>
+          <a:off x="0" y="0"/>
+          <a:ext cx="0" cy="0"/>
+          <a:chOff x="0" y="0"/>
+          <a:chExt cx="0" cy="0"/>
+        </a:xfrm>
+      </p:grpSpPr>
+      <p:sp>
+        <p:nvSpPr>
+          <p:cNvPr id="2" name="投影片影像版面配置區 1"/>
+          <p:cNvSpPr>
+            <a:spLocks noGrp="1" noRot="1" noChangeAspect="1"/>
+          </p:cNvSpPr>
+          <p:nvPr>
+            <p:ph type="sldImg"/>
+          </p:nvPr>
+        </p:nvSpPr>
+        <p:spPr/>
+      </p:sp>
+      <p:sp>
+        <p:nvSpPr>
+          <p:cNvPr id="3" name="備忘稿版面配置區 2"/>
+          <p:cNvSpPr>
+            <a:spLocks noGrp="1"/>
+          </p:cNvSpPr>
+          <p:nvPr>
+            <p:ph type="body" idx="1"/>
+          </p:nvPr>
+        </p:nvSpPr>
+        <p:spPr/>
+        <p:txBody>
+          <a:bodyPr/>
+          <a:lstStyle/>
+          <a:p>
+            <a:endParaRPr kumimoji="1" lang="zh-TW" altLang="en-US" dirty="0"/>
+          </a:p>
+        </p:txBody>
+      </p:sp>
+      <p:sp>
+        <p:nvSpPr>
+          <p:cNvPr id="4" name="投影片編號版面配置區 3"/>
+          <p:cNvSpPr>
+            <a:spLocks noGrp="1"/>
+          </p:cNvSpPr>
+          <p:nvPr>
+            <p:ph type="sldNum" sz="quarter" idx="5"/>
+          </p:nvPr>
+        </p:nvSpPr>
+        <p:spPr/>
+        <p:txBody>
+          <a:bodyPr/>
+          <a:lstStyle/>
+          <a:p>
+            <a:pPr>
+              <a:defRPr/>
+            </a:pPr>
+            <a:fld id="{7441CEBD-F7F6-CC42-9711-7EAE0FD68C7F}" type="slidenum">
+              <a:rPr lang="en-US" smtClean="0"/>
+              <a:pPr>
+                <a:defRPr/>
+              </a:pPr>
+              <a:t>5</a:t>
+            </a:fld>
+            <a:endParaRPr lang="en-US"/>
+          </a:p>
+        </p:txBody>
+      </p:sp>
+    </p:spTree>
+    <p:extLst>
+      <p:ext uri="{BB962C8B-B14F-4D97-AF65-F5344CB8AC3E}">
+        <p14:creationId xmlns:p14="http://schemas.microsoft.com/office/powerpoint/2010/main" val="2528813877"/>
+      </p:ext>
+    </p:extLst>
+  </p:cSld>
+  <p:clrMapOvr>
+    <a:masterClrMapping/>
+  </p:clrMapOvr>
+</p:notes>
+</file>
+
 <file path=ppt/slideLayouts/slideLayout1.xml><?xml version="1.0" encoding="utf-8"?>
 <p:sldLayout xmlns:a="http://schemas.openxmlformats.org/drawingml/2006/main" xmlns:r="http://schemas.openxmlformats.org/officeDocument/2006/relationships" xmlns:p="http://schemas.openxmlformats.org/presentationml/2006/main" type="title" preserve="1">
   <p:cSld name="Title Slide">
@@ -5940,7 +6031,7 @@
                 </a:solidFill>
                 <a:cs typeface="Helvetica Neue Medium"/>
               </a:rPr>
-              <a:t>Solving Poisson Equation using Finite Element Method</a:t>
+              <a:t>Solving Poisson Equation Parallelly using Finite Element Method</a:t>
             </a:r>
             <a:endParaRPr lang="en-US" sz="3200" dirty="0">
               <a:solidFill>
@@ -6310,6 +6401,344 @@
           <p:cNvPr id="2" name="標題 1">
             <a:extLst>
               <a:ext uri="{FF2B5EF4-FFF2-40B4-BE49-F238E27FC236}">
+                <a16:creationId xmlns:a16="http://schemas.microsoft.com/office/drawing/2014/main" id="{9D58FFB0-FFE6-1A49-0D99-88A594DC2168}"/>
+              </a:ext>
+            </a:extLst>
+          </p:cNvPr>
+          <p:cNvSpPr>
+            <a:spLocks noGrp="1"/>
+          </p:cNvSpPr>
+          <p:nvPr>
+            <p:ph type="title"/>
+          </p:nvPr>
+        </p:nvSpPr>
+        <p:spPr/>
+        <p:txBody>
+          <a:bodyPr/>
+          <a:lstStyle/>
+          <a:p>
+            <a:r>
+              <a:rPr kumimoji="1" lang="en-US" altLang="zh-TW" dirty="0"/>
+              <a:t>Results</a:t>
+            </a:r>
+            <a:endParaRPr kumimoji="1" lang="zh-TW" altLang="en-US" dirty="0"/>
+          </a:p>
+        </p:txBody>
+      </p:sp>
+      <p:sp>
+        <p:nvSpPr>
+          <p:cNvPr id="4" name="投影片編號版面配置區 3">
+            <a:extLst>
+              <a:ext uri="{FF2B5EF4-FFF2-40B4-BE49-F238E27FC236}">
+                <a16:creationId xmlns:a16="http://schemas.microsoft.com/office/drawing/2014/main" id="{638F9F28-153A-DF02-C975-F3856BE26967}"/>
+              </a:ext>
+            </a:extLst>
+          </p:cNvPr>
+          <p:cNvSpPr>
+            <a:spLocks noGrp="1"/>
+          </p:cNvSpPr>
+          <p:nvPr>
+            <p:ph type="sldNum" sz="quarter" idx="4"/>
+          </p:nvPr>
+        </p:nvSpPr>
+        <p:spPr/>
+        <p:txBody>
+          <a:bodyPr/>
+          <a:lstStyle/>
+          <a:p>
+            <a:pPr>
+              <a:defRPr/>
+            </a:pPr>
+            <a:fld id="{E8C28225-8C40-1B4C-8782-A48A7246F811}" type="slidenum">
+              <a:rPr lang="en-US" smtClean="0"/>
+              <a:pPr>
+                <a:defRPr/>
+              </a:pPr>
+              <a:t>10</a:t>
+            </a:fld>
+            <a:endParaRPr lang="en-US" dirty="0"/>
+          </a:p>
+        </p:txBody>
+      </p:sp>
+      <p:pic>
+        <p:nvPicPr>
+          <p:cNvPr id="6" name="圖片 5">
+            <a:extLst>
+              <a:ext uri="{FF2B5EF4-FFF2-40B4-BE49-F238E27FC236}">
+                <a16:creationId xmlns:a16="http://schemas.microsoft.com/office/drawing/2014/main" id="{D72FA874-08A3-1899-8964-E17AA2A166AB}"/>
+              </a:ext>
+            </a:extLst>
+          </p:cNvPr>
+          <p:cNvPicPr>
+            <a:picLocks noChangeAspect="1"/>
+          </p:cNvPicPr>
+          <p:nvPr/>
+        </p:nvPicPr>
+        <p:blipFill>
+          <a:blip r:embed="rId2">
+            <a:clrChange>
+              <a:clrFrom>
+                <a:srgbClr val="FFFFFF"/>
+              </a:clrFrom>
+              <a:clrTo>
+                <a:srgbClr val="FFFFFF">
+                  <a:alpha val="0"/>
+                </a:srgbClr>
+              </a:clrTo>
+            </a:clrChange>
+          </a:blip>
+          <a:stretch>
+            <a:fillRect/>
+          </a:stretch>
+        </p:blipFill>
+        <p:spPr>
+          <a:xfrm>
+            <a:off x="5084319" y="3609700"/>
+            <a:ext cx="3954753" cy="2880000"/>
+          </a:xfrm>
+          <a:prstGeom prst="rect">
+            <a:avLst/>
+          </a:prstGeom>
+        </p:spPr>
+      </p:pic>
+      <p:pic>
+        <p:nvPicPr>
+          <p:cNvPr id="8" name="圖片 7">
+            <a:extLst>
+              <a:ext uri="{FF2B5EF4-FFF2-40B4-BE49-F238E27FC236}">
+                <a16:creationId xmlns:a16="http://schemas.microsoft.com/office/drawing/2014/main" id="{51D42406-7244-E818-4053-A156BB51C67D}"/>
+              </a:ext>
+            </a:extLst>
+          </p:cNvPr>
+          <p:cNvPicPr>
+            <a:picLocks noChangeAspect="1"/>
+          </p:cNvPicPr>
+          <p:nvPr/>
+        </p:nvPicPr>
+        <p:blipFill>
+          <a:blip r:embed="rId3">
+            <a:clrChange>
+              <a:clrFrom>
+                <a:srgbClr val="FFFFFF"/>
+              </a:clrFrom>
+              <a:clrTo>
+                <a:srgbClr val="FFFFFF">
+                  <a:alpha val="0"/>
+                </a:srgbClr>
+              </a:clrTo>
+            </a:clrChange>
+          </a:blip>
+          <a:stretch>
+            <a:fillRect/>
+          </a:stretch>
+        </p:blipFill>
+        <p:spPr>
+          <a:xfrm>
+            <a:off x="719211" y="3609700"/>
+            <a:ext cx="3318073" cy="2880000"/>
+          </a:xfrm>
+          <a:prstGeom prst="rect">
+            <a:avLst/>
+          </a:prstGeom>
+        </p:spPr>
+      </p:pic>
+      <p:sp>
+        <p:nvSpPr>
+          <p:cNvPr id="9" name="文字方塊 8">
+            <a:extLst>
+              <a:ext uri="{FF2B5EF4-FFF2-40B4-BE49-F238E27FC236}">
+                <a16:creationId xmlns:a16="http://schemas.microsoft.com/office/drawing/2014/main" id="{B6FE0C8E-9BAB-EC90-561E-4A68A6933F6E}"/>
+              </a:ext>
+            </a:extLst>
+          </p:cNvPr>
+          <p:cNvSpPr txBox="1"/>
+          <p:nvPr/>
+        </p:nvSpPr>
+        <p:spPr>
+          <a:xfrm>
+            <a:off x="4059680" y="3503943"/>
+            <a:ext cx="955711" cy="369332"/>
+          </a:xfrm>
+          <a:prstGeom prst="rect">
+            <a:avLst/>
+          </a:prstGeom>
+          <a:noFill/>
+        </p:spPr>
+        <p:txBody>
+          <a:bodyPr wrap="none" rtlCol="0">
+            <a:spAutoFit/>
+          </a:bodyPr>
+          <a:lstStyle/>
+          <a:p>
+            <a:r>
+              <a:rPr kumimoji="1" lang="en-US" altLang="zh-TW" dirty="0">
+                <a:latin typeface="Times" pitchFamily="2" charset="0"/>
+              </a:rPr>
+              <a:t>m = 161</a:t>
+            </a:r>
+            <a:endParaRPr kumimoji="1" lang="zh-TW" altLang="en-US" dirty="0">
+              <a:latin typeface="Times" pitchFamily="2" charset="0"/>
+            </a:endParaRPr>
+          </a:p>
+        </p:txBody>
+      </p:sp>
+      <p:sp>
+        <p:nvSpPr>
+          <p:cNvPr id="10" name="文字方塊 9">
+            <a:extLst>
+              <a:ext uri="{FF2B5EF4-FFF2-40B4-BE49-F238E27FC236}">
+                <a16:creationId xmlns:a16="http://schemas.microsoft.com/office/drawing/2014/main" id="{A3C84944-B21C-3DFF-1C9D-CBCD4FBFB6F7}"/>
+              </a:ext>
+            </a:extLst>
+          </p:cNvPr>
+          <p:cNvSpPr txBox="1"/>
+          <p:nvPr/>
+        </p:nvSpPr>
+        <p:spPr>
+          <a:xfrm>
+            <a:off x="4123799" y="821005"/>
+            <a:ext cx="840295" cy="369332"/>
+          </a:xfrm>
+          <a:prstGeom prst="rect">
+            <a:avLst/>
+          </a:prstGeom>
+          <a:noFill/>
+        </p:spPr>
+        <p:txBody>
+          <a:bodyPr wrap="none" rtlCol="0">
+            <a:spAutoFit/>
+          </a:bodyPr>
+          <a:lstStyle/>
+          <a:p>
+            <a:r>
+              <a:rPr kumimoji="1" lang="en-US" altLang="zh-TW" dirty="0">
+                <a:latin typeface="Times" pitchFamily="2" charset="0"/>
+              </a:rPr>
+              <a:t>m = 21</a:t>
+            </a:r>
+            <a:endParaRPr kumimoji="1" lang="zh-TW" altLang="en-US" dirty="0">
+              <a:latin typeface="Times" pitchFamily="2" charset="0"/>
+            </a:endParaRPr>
+          </a:p>
+        </p:txBody>
+      </p:sp>
+      <p:pic>
+        <p:nvPicPr>
+          <p:cNvPr id="12" name="圖片 11">
+            <a:extLst>
+              <a:ext uri="{FF2B5EF4-FFF2-40B4-BE49-F238E27FC236}">
+                <a16:creationId xmlns:a16="http://schemas.microsoft.com/office/drawing/2014/main" id="{E7E2653F-EF01-DE82-B5C7-11307B10F098}"/>
+              </a:ext>
+            </a:extLst>
+          </p:cNvPr>
+          <p:cNvPicPr>
+            <a:picLocks noChangeAspect="1"/>
+          </p:cNvPicPr>
+          <p:nvPr/>
+        </p:nvPicPr>
+        <p:blipFill>
+          <a:blip r:embed="rId4">
+            <a:clrChange>
+              <a:clrFrom>
+                <a:srgbClr val="FFFFFF"/>
+              </a:clrFrom>
+              <a:clrTo>
+                <a:srgbClr val="FFFFFF">
+                  <a:alpha val="0"/>
+                </a:srgbClr>
+              </a:clrTo>
+            </a:clrChange>
+          </a:blip>
+          <a:stretch>
+            <a:fillRect/>
+          </a:stretch>
+        </p:blipFill>
+        <p:spPr>
+          <a:xfrm>
+            <a:off x="544468" y="634912"/>
+            <a:ext cx="3387273" cy="2880000"/>
+          </a:xfrm>
+          <a:prstGeom prst="rect">
+            <a:avLst/>
+          </a:prstGeom>
+        </p:spPr>
+      </p:pic>
+      <p:pic>
+        <p:nvPicPr>
+          <p:cNvPr id="14" name="圖片 13">
+            <a:extLst>
+              <a:ext uri="{FF2B5EF4-FFF2-40B4-BE49-F238E27FC236}">
+                <a16:creationId xmlns:a16="http://schemas.microsoft.com/office/drawing/2014/main" id="{DF3B0073-96DA-EC56-813F-5CD582D34E76}"/>
+              </a:ext>
+            </a:extLst>
+          </p:cNvPr>
+          <p:cNvPicPr>
+            <a:picLocks noChangeAspect="1"/>
+          </p:cNvPicPr>
+          <p:nvPr/>
+        </p:nvPicPr>
+        <p:blipFill>
+          <a:blip r:embed="rId5">
+            <a:clrChange>
+              <a:clrFrom>
+                <a:srgbClr val="FFFFFF"/>
+              </a:clrFrom>
+              <a:clrTo>
+                <a:srgbClr val="FFFFFF">
+                  <a:alpha val="0"/>
+                </a:srgbClr>
+              </a:clrTo>
+            </a:clrChange>
+          </a:blip>
+          <a:stretch>
+            <a:fillRect/>
+          </a:stretch>
+        </p:blipFill>
+        <p:spPr>
+          <a:xfrm>
+            <a:off x="5125261" y="634912"/>
+            <a:ext cx="3731719" cy="2880000"/>
+          </a:xfrm>
+          <a:prstGeom prst="rect">
+            <a:avLst/>
+          </a:prstGeom>
+        </p:spPr>
+      </p:pic>
+    </p:spTree>
+    <p:extLst>
+      <p:ext uri="{BB962C8B-B14F-4D97-AF65-F5344CB8AC3E}">
+        <p14:creationId xmlns:p14="http://schemas.microsoft.com/office/powerpoint/2010/main" val="2022446168"/>
+      </p:ext>
+    </p:extLst>
+  </p:cSld>
+  <p:clrMapOvr>
+    <a:masterClrMapping/>
+  </p:clrMapOvr>
+</p:sld>
+</file>
+
+<file path=ppt/slides/slide11.xml><?xml version="1.0" encoding="utf-8"?>
+<p:sld xmlns:a="http://schemas.openxmlformats.org/drawingml/2006/main" xmlns:r="http://schemas.openxmlformats.org/officeDocument/2006/relationships" xmlns:p="http://schemas.openxmlformats.org/presentationml/2006/main">
+  <p:cSld>
+    <p:spTree>
+      <p:nvGrpSpPr>
+        <p:cNvPr id="1" name=""/>
+        <p:cNvGrpSpPr/>
+        <p:nvPr/>
+      </p:nvGrpSpPr>
+      <p:grpSpPr>
+        <a:xfrm>
+          <a:off x="0" y="0"/>
+          <a:ext cx="0" cy="0"/>
+          <a:chOff x="0" y="0"/>
+          <a:chExt cx="0" cy="0"/>
+        </a:xfrm>
+      </p:grpSpPr>
+      <p:sp>
+        <p:nvSpPr>
+          <p:cNvPr id="2" name="標題 1">
+            <a:extLst>
+              <a:ext uri="{FF2B5EF4-FFF2-40B4-BE49-F238E27FC236}">
                 <a16:creationId xmlns:a16="http://schemas.microsoft.com/office/drawing/2014/main" id="{F87F004B-691C-CDA0-59B2-F1CF6468CD04}"/>
               </a:ext>
             </a:extLst>
@@ -6363,7 +6792,7 @@
               <a:pPr>
                 <a:defRPr/>
               </a:pPr>
-              <a:t>10</a:t>
+              <a:t>11</a:t>
             </a:fld>
             <a:endParaRPr lang="en-US" dirty="0"/>
           </a:p>
@@ -7252,7 +7681,7 @@
 </p:sld>
 </file>
 
-<file path=ppt/slides/slide11.xml><?xml version="1.0" encoding="utf-8"?>
+<file path=ppt/slides/slide12.xml><?xml version="1.0" encoding="utf-8"?>
 <p:sld xmlns:a="http://schemas.openxmlformats.org/drawingml/2006/main" xmlns:r="http://schemas.openxmlformats.org/officeDocument/2006/relationships" xmlns:p="http://schemas.openxmlformats.org/presentationml/2006/main">
   <p:cSld>
     <p:spTree>
@@ -7327,7 +7756,7 @@
               <a:pPr>
                 <a:defRPr/>
               </a:pPr>
-              <a:t>11</a:t>
+              <a:t>12</a:t>
             </a:fld>
             <a:endParaRPr lang="en-US" dirty="0"/>
           </a:p>
@@ -8153,8 +8582,8 @@
           </a:prstGeom>
         </p:spPr>
       </p:pic>
-      <mc:AlternateContent xmlns:mc="http://schemas.openxmlformats.org/markup-compatibility/2006">
-        <mc:Choice xmlns:a14="http://schemas.microsoft.com/office/drawing/2010/main" Requires="a14">
+      <mc:AlternateContent xmlns:mc="http://schemas.openxmlformats.org/markup-compatibility/2006" xmlns:a14="http://schemas.microsoft.com/office/drawing/2010/main">
+        <mc:Choice Requires="a14">
           <p:sp>
             <p:nvSpPr>
               <p:cNvPr id="5" name="內容版面配置區 2">
@@ -8404,7 +8833,7 @@
             </p:txBody>
           </p:sp>
         </mc:Choice>
-        <mc:Fallback>
+        <mc:Fallback xmlns="">
           <p:sp>
             <p:nvSpPr>
               <p:cNvPr id="5" name="內容版面配置區 2">
@@ -8448,8 +8877,8 @@
           </p:sp>
         </mc:Fallback>
       </mc:AlternateContent>
-      <mc:AlternateContent xmlns:mc="http://schemas.openxmlformats.org/markup-compatibility/2006">
-        <mc:Choice xmlns:a14="http://schemas.microsoft.com/office/drawing/2010/main" Requires="a14">
+      <mc:AlternateContent xmlns:mc="http://schemas.openxmlformats.org/markup-compatibility/2006" xmlns:a14="http://schemas.microsoft.com/office/drawing/2010/main">
+        <mc:Choice Requires="a14">
           <p:sp>
             <p:nvSpPr>
               <p:cNvPr id="3" name="矩形 2">
@@ -8506,7 +8935,7 @@
             </p:txBody>
           </p:sp>
         </mc:Choice>
-        <mc:Fallback>
+        <mc:Fallback xmlns="">
           <p:sp>
             <p:nvSpPr>
               <p:cNvPr id="3" name="矩形 2">
@@ -8551,8 +8980,8 @@
           </p:sp>
         </mc:Fallback>
       </mc:AlternateContent>
-      <mc:AlternateContent xmlns:mc="http://schemas.openxmlformats.org/markup-compatibility/2006">
-        <mc:Choice xmlns:a14="http://schemas.microsoft.com/office/drawing/2010/main" Requires="a14">
+      <mc:AlternateContent xmlns:mc="http://schemas.openxmlformats.org/markup-compatibility/2006" xmlns:a14="http://schemas.microsoft.com/office/drawing/2010/main">
+        <mc:Choice Requires="a14">
           <p:sp>
             <p:nvSpPr>
               <p:cNvPr id="7" name="矩形 6">
@@ -8580,6 +9009,7 @@
               </a:bodyPr>
               <a:lstStyle/>
               <a:p>
+                <a:pPr/>
                 <a14:m>
                   <m:oMathPara xmlns:m="http://schemas.openxmlformats.org/officeDocument/2006/math">
                     <m:oMathParaPr>
@@ -8724,7 +9154,7 @@
             </p:txBody>
           </p:sp>
         </mc:Choice>
-        <mc:Fallback>
+        <mc:Fallback xmlns="">
           <p:sp>
             <p:nvSpPr>
               <p:cNvPr id="7" name="矩形 6">
@@ -8769,8 +9199,8 @@
           </p:sp>
         </mc:Fallback>
       </mc:AlternateContent>
-      <mc:AlternateContent xmlns:mc="http://schemas.openxmlformats.org/markup-compatibility/2006">
-        <mc:Choice xmlns:a14="http://schemas.microsoft.com/office/drawing/2010/main" Requires="a14">
+      <mc:AlternateContent xmlns:mc="http://schemas.openxmlformats.org/markup-compatibility/2006" xmlns:a14="http://schemas.microsoft.com/office/drawing/2010/main">
+        <mc:Choice Requires="a14">
           <p:sp>
             <p:nvSpPr>
               <p:cNvPr id="8" name="矩形 7">
@@ -8827,7 +9257,7 @@
             </p:txBody>
           </p:sp>
         </mc:Choice>
-        <mc:Fallback>
+        <mc:Fallback xmlns="">
           <p:sp>
             <p:nvSpPr>
               <p:cNvPr id="8" name="矩形 7">
@@ -8872,8 +9302,8 @@
           </p:sp>
         </mc:Fallback>
       </mc:AlternateContent>
-      <mc:AlternateContent xmlns:mc="http://schemas.openxmlformats.org/markup-compatibility/2006">
-        <mc:Choice xmlns:a14="http://schemas.microsoft.com/office/drawing/2010/main" Requires="a14">
+      <mc:AlternateContent xmlns:mc="http://schemas.openxmlformats.org/markup-compatibility/2006" xmlns:a14="http://schemas.microsoft.com/office/drawing/2010/main">
+        <mc:Choice Requires="a14">
           <p:sp>
             <p:nvSpPr>
               <p:cNvPr id="9" name="矩形 8">
@@ -8930,7 +9360,7 @@
             </p:txBody>
           </p:sp>
         </mc:Choice>
-        <mc:Fallback>
+        <mc:Fallback xmlns="">
           <p:sp>
             <p:nvSpPr>
               <p:cNvPr id="9" name="矩形 8">
@@ -8975,8 +9405,8 @@
           </p:sp>
         </mc:Fallback>
       </mc:AlternateContent>
-      <mc:AlternateContent xmlns:mc="http://schemas.openxmlformats.org/markup-compatibility/2006">
-        <mc:Choice xmlns:a14="http://schemas.microsoft.com/office/drawing/2010/main" Requires="a14">
+      <mc:AlternateContent xmlns:mc="http://schemas.openxmlformats.org/markup-compatibility/2006" xmlns:a14="http://schemas.microsoft.com/office/drawing/2010/main">
+        <mc:Choice Requires="a14">
           <p:sp>
             <p:nvSpPr>
               <p:cNvPr id="10" name="矩形 9">
@@ -9033,7 +9463,7 @@
             </p:txBody>
           </p:sp>
         </mc:Choice>
-        <mc:Fallback>
+        <mc:Fallback xmlns="">
           <p:sp>
             <p:nvSpPr>
               <p:cNvPr id="10" name="矩形 9">
@@ -9137,8 +9567,8 @@
           </a:p>
         </p:txBody>
       </p:sp>
-      <mc:AlternateContent xmlns:mc="http://schemas.openxmlformats.org/markup-compatibility/2006">
-        <mc:Choice xmlns:a14="http://schemas.microsoft.com/office/drawing/2010/main" Requires="a14">
+      <mc:AlternateContent xmlns:mc="http://schemas.openxmlformats.org/markup-compatibility/2006" xmlns:a14="http://schemas.microsoft.com/office/drawing/2010/main">
+        <mc:Choice Requires="a14">
           <p:sp>
             <p:nvSpPr>
               <p:cNvPr id="3" name="內容版面配置區 2">
@@ -9177,9 +9607,9 @@
                     <m:sSup>
                       <m:sSupPr>
                         <m:ctrlPr>
-                          <a:rPr lang="zh-TW" altLang="zh-TW" i="1">
+                          <a:rPr lang="zh-TW" altLang="zh-TW" i="1" smtClean="0">
                             <a:solidFill>
-                              <a:srgbClr val="000000"/>
+                              <a:srgbClr val="FF0000"/>
                             </a:solidFill>
                             <a:latin typeface="Cambria Math" panose="02040503050406030204" pitchFamily="18" charset="0"/>
                             <a:ea typeface="Cambria Math" panose="02040503050406030204" pitchFamily="18" charset="0"/>
@@ -9193,7 +9623,7 @@
                           </m:rPr>
                           <a:rPr lang="en-US" altLang="zh-TW">
                             <a:solidFill>
-                              <a:srgbClr val="000000"/>
+                              <a:srgbClr val="FF0000"/>
                             </a:solidFill>
                             <a:latin typeface="Cambria Math" panose="02040503050406030204" pitchFamily="18" charset="0"/>
                             <a:ea typeface="Times New Roman" panose="02020603050405020304" pitchFamily="18" charset="0"/>
@@ -9205,7 +9635,7 @@
                         <m:r>
                           <a:rPr lang="en-US" altLang="zh-TW">
                             <a:solidFill>
-                              <a:srgbClr val="000000"/>
+                              <a:srgbClr val="FF0000"/>
                             </a:solidFill>
                             <a:latin typeface="Cambria Math" panose="02040503050406030204" pitchFamily="18" charset="0"/>
                             <a:ea typeface="Times New Roman" panose="02020603050405020304" pitchFamily="18" charset="0"/>
@@ -9220,7 +9650,7 @@
                       </m:rPr>
                       <a:rPr lang="en-US" altLang="zh-TW" b="0" i="0" smtClean="0">
                         <a:solidFill>
-                          <a:srgbClr val="000000"/>
+                          <a:srgbClr val="FF0000"/>
                         </a:solidFill>
                         <a:latin typeface="Cambria Math" panose="02040503050406030204" pitchFamily="18" charset="0"/>
                         <a:ea typeface="Times New Roman" panose="02020603050405020304" pitchFamily="18" charset="0"/>
@@ -9230,7 +9660,7 @@
                     <m:r>
                       <a:rPr lang="en-US" altLang="zh-TW">
                         <a:solidFill>
-                          <a:srgbClr val="000000"/>
+                          <a:srgbClr val="FF0000"/>
                         </a:solidFill>
                         <a:latin typeface="Cambria Math" panose="02040503050406030204" pitchFamily="18" charset="0"/>
                         <a:ea typeface="Times New Roman" panose="02020603050405020304" pitchFamily="18" charset="0"/>
@@ -9243,7 +9673,7 @@
                       </m:rPr>
                       <a:rPr lang="en-US" altLang="zh-TW" b="0" i="0" smtClean="0">
                         <a:solidFill>
-                          <a:srgbClr val="000000"/>
+                          <a:srgbClr val="FF0000"/>
                         </a:solidFill>
                         <a:latin typeface="Cambria Math" panose="02040503050406030204" pitchFamily="18" charset="0"/>
                         <a:ea typeface="Times New Roman" panose="02020603050405020304" pitchFamily="18" charset="0"/>
@@ -9255,11 +9685,20 @@
                 <a:r>
                   <a:rPr lang="en-US" altLang="zh-TW" dirty="0">
                     <a:solidFill>
+                      <a:srgbClr val="FF0000"/>
+                    </a:solidFill>
+                    <a:ea typeface="Times New Roman" panose="02020603050405020304" pitchFamily="18" charset="0"/>
+                  </a:rPr>
+                  <a:t> </a:t>
+                </a:r>
+                <a:r>
+                  <a:rPr lang="en-US" altLang="zh-TW" dirty="0">
+                    <a:solidFill>
                       <a:srgbClr val="000000"/>
                     </a:solidFill>
                     <a:ea typeface="Times New Roman" panose="02020603050405020304" pitchFamily="18" charset="0"/>
                   </a:rPr>
-                  <a:t> .</a:t>
+                  <a:t>.</a:t>
                 </a:r>
                 <a:endParaRPr lang="zh-TW" altLang="zh-TW" dirty="0">
                   <a:latin typeface="Times New Roman" panose="02020603050405020304" pitchFamily="18" charset="0"/>
@@ -10560,9 +10999,9 @@
                       <m:rPr>
                         <m:sty m:val="p"/>
                       </m:rPr>
-                      <a:rPr lang="en-US" altLang="zh-TW">
+                      <a:rPr lang="en-US" altLang="zh-TW" smtClean="0">
                         <a:solidFill>
-                          <a:srgbClr val="000000"/>
+                          <a:srgbClr val="FF0000"/>
                         </a:solidFill>
                         <a:latin typeface="Cambria Math" panose="02040503050406030204" pitchFamily="18" charset="0"/>
                         <a:ea typeface="Times New Roman" panose="02020603050405020304" pitchFamily="18" charset="0"/>
@@ -10570,9 +11009,9 @@
                       <m:t>weak</m:t>
                     </m:r>
                     <m:r>
-                      <a:rPr lang="en-US" altLang="zh-TW">
+                      <a:rPr lang="en-US" altLang="zh-TW" smtClean="0">
                         <a:solidFill>
-                          <a:srgbClr val="000000"/>
+                          <a:srgbClr val="FF0000"/>
                         </a:solidFill>
                         <a:latin typeface="Cambria Math" panose="02040503050406030204" pitchFamily="18" charset="0"/>
                         <a:ea typeface="Times New Roman" panose="02020603050405020304" pitchFamily="18" charset="0"/>
@@ -10583,9 +11022,9 @@
                       <m:rPr>
                         <m:sty m:val="p"/>
                       </m:rPr>
-                      <a:rPr lang="en-US" altLang="zh-TW">
+                      <a:rPr lang="en-US" altLang="zh-TW" smtClean="0">
                         <a:solidFill>
-                          <a:srgbClr val="000000"/>
+                          <a:srgbClr val="FF0000"/>
                         </a:solidFill>
                         <a:latin typeface="Cambria Math" panose="02040503050406030204" pitchFamily="18" charset="0"/>
                         <a:ea typeface="Times New Roman" panose="02020603050405020304" pitchFamily="18" charset="0"/>
@@ -10593,9 +11032,9 @@
                       <m:t>form</m:t>
                     </m:r>
                     <m:r>
-                      <a:rPr lang="en-US" altLang="zh-TW">
+                      <a:rPr lang="en-US" altLang="zh-TW" smtClean="0">
                         <a:solidFill>
-                          <a:srgbClr val="000000"/>
+                          <a:srgbClr val="FF0000"/>
                         </a:solidFill>
                         <a:latin typeface="Cambria Math" panose="02040503050406030204" pitchFamily="18" charset="0"/>
                         <a:ea typeface="Times New Roman" panose="02020603050405020304" pitchFamily="18" charset="0"/>
@@ -10610,7 +11049,7 @@
                         <m:ctrlPr>
                           <a:rPr lang="zh-TW" altLang="zh-TW" i="1">
                             <a:solidFill>
-                              <a:srgbClr val="000000"/>
+                              <a:srgbClr val="FF0000"/>
                             </a:solidFill>
                             <a:latin typeface="Cambria Math" panose="02040503050406030204" pitchFamily="18" charset="0"/>
                             <a:ea typeface="Cambria Math" panose="02040503050406030204" pitchFamily="18" charset="0"/>
@@ -10626,7 +11065,7 @@
                           </m:rPr>
                           <a:rPr lang="en-US" altLang="zh-TW">
                             <a:solidFill>
-                              <a:srgbClr val="000000"/>
+                              <a:srgbClr val="FF0000"/>
                             </a:solidFill>
                             <a:latin typeface="Cambria Math" panose="02040503050406030204" pitchFamily="18" charset="0"/>
                             <a:ea typeface="Times New Roman" panose="02020603050405020304" pitchFamily="18" charset="0"/>
@@ -10639,7 +11078,7 @@
                           </m:rPr>
                           <a:rPr lang="en-US" altLang="zh-TW" b="0" i="0" smtClean="0">
                             <a:solidFill>
-                              <a:srgbClr val="000000"/>
+                              <a:srgbClr val="FF0000"/>
                             </a:solidFill>
                             <a:latin typeface="Cambria Math" panose="02040503050406030204" pitchFamily="18" charset="0"/>
                             <a:ea typeface="Times New Roman" panose="02020603050405020304" pitchFamily="18" charset="0"/>
@@ -10652,7 +11091,7 @@
                           </m:rPr>
                           <a:rPr lang="en-US" altLang="zh-TW">
                             <a:solidFill>
-                              <a:srgbClr val="000000"/>
+                              <a:srgbClr val="FF0000"/>
                             </a:solidFill>
                             <a:latin typeface="Cambria Math" panose="02040503050406030204" pitchFamily="18" charset="0"/>
                             <a:ea typeface="Times New Roman" panose="02020603050405020304" pitchFamily="18" charset="0"/>
@@ -10662,7 +11101,7 @@
                         <m:r>
                           <a:rPr lang="en-US" altLang="zh-TW">
                             <a:solidFill>
-                              <a:srgbClr val="000000"/>
+                              <a:srgbClr val="FF0000"/>
                             </a:solidFill>
                             <a:latin typeface="Cambria Math" panose="02040503050406030204" pitchFamily="18" charset="0"/>
                             <a:ea typeface="Times New Roman" panose="02020603050405020304" pitchFamily="18" charset="0"/>
@@ -10675,7 +11114,7 @@
                           </m:rPr>
                           <a:rPr lang="en-US" altLang="zh-TW">
                             <a:solidFill>
-                              <a:srgbClr val="000000"/>
+                              <a:srgbClr val="FF0000"/>
                             </a:solidFill>
                             <a:latin typeface="Cambria Math" panose="02040503050406030204" pitchFamily="18" charset="0"/>
                             <a:ea typeface="Times New Roman" panose="02020603050405020304" pitchFamily="18" charset="0"/>
@@ -10685,7 +11124,7 @@
                         <m:r>
                           <a:rPr lang="en-US" altLang="zh-TW">
                             <a:solidFill>
-                              <a:srgbClr val="000000"/>
+                              <a:srgbClr val="FF0000"/>
                             </a:solidFill>
                             <a:latin typeface="Cambria Math" panose="02040503050406030204" pitchFamily="18" charset="0"/>
                             <a:ea typeface="Times New Roman" panose="02020603050405020304" pitchFamily="18" charset="0"/>
@@ -10700,7 +11139,7 @@
                             <m:ctrlPr>
                               <a:rPr lang="zh-TW" altLang="zh-TW" i="1">
                                 <a:solidFill>
-                                  <a:srgbClr val="000000"/>
+                                  <a:srgbClr val="FF0000"/>
                                 </a:solidFill>
                                 <a:latin typeface="Cambria Math" panose="02040503050406030204" pitchFamily="18" charset="0"/>
                                 <a:ea typeface="Cambria Math" panose="02040503050406030204" pitchFamily="18" charset="0"/>
@@ -10716,7 +11155,7 @@
                               </m:rPr>
                               <a:rPr lang="en-US" altLang="zh-TW">
                                 <a:solidFill>
-                                  <a:srgbClr val="000000"/>
+                                  <a:srgbClr val="FF0000"/>
                                 </a:solidFill>
                                 <a:latin typeface="Cambria Math" panose="02040503050406030204" pitchFamily="18" charset="0"/>
                                 <a:ea typeface="Cambria Math" panose="02040503050406030204" pitchFamily="18" charset="0"/>
@@ -10726,7 +11165,7 @@
                             <m:r>
                               <a:rPr lang="en-US" altLang="zh-TW">
                                 <a:solidFill>
-                                  <a:srgbClr val="000000"/>
+                                  <a:srgbClr val="FF0000"/>
                                 </a:solidFill>
                                 <a:latin typeface="Cambria Math" panose="02040503050406030204" pitchFamily="18" charset="0"/>
                                 <a:ea typeface="Times New Roman" panose="02020603050405020304" pitchFamily="18" charset="0"/>
@@ -10739,7 +11178,7 @@
                               </m:rPr>
                               <a:rPr lang="en-US" altLang="zh-TW">
                                 <a:solidFill>
-                                  <a:srgbClr val="000000"/>
+                                  <a:srgbClr val="FF0000"/>
                                 </a:solidFill>
                                 <a:latin typeface="Cambria Math" panose="02040503050406030204" pitchFamily="18" charset="0"/>
                                 <a:ea typeface="Times New Roman" panose="02020603050405020304" pitchFamily="18" charset="0"/>
@@ -10751,7 +11190,7 @@
                         <m:r>
                           <a:rPr lang="en-US" altLang="zh-TW" b="0" i="1" smtClean="0">
                             <a:solidFill>
-                              <a:srgbClr val="000000"/>
+                              <a:srgbClr val="FF0000"/>
                             </a:solidFill>
                             <a:latin typeface="Cambria Math" panose="02040503050406030204" pitchFamily="18" charset="0"/>
                             <a:ea typeface="Times New Roman" panose="02020603050405020304" pitchFamily="18" charset="0"/>
@@ -10795,7 +11234,7 @@
             </p:txBody>
           </p:sp>
         </mc:Choice>
-        <mc:Fallback>
+        <mc:Fallback xmlns="">
           <p:sp>
             <p:nvSpPr>
               <p:cNvPr id="3" name="內容版面配置區 2">
@@ -10900,40 +11339,139 @@
           <a:chExt cx="0" cy="0"/>
         </a:xfrm>
       </p:grpSpPr>
-      <p:sp>
-        <p:nvSpPr>
-          <p:cNvPr id="2" name="標題 1">
-            <a:extLst>
-              <a:ext uri="{FF2B5EF4-FFF2-40B4-BE49-F238E27FC236}">
-                <a16:creationId xmlns:a16="http://schemas.microsoft.com/office/drawing/2014/main" id="{21C18848-0518-A241-A991-ECFF82FE4B1F}"/>
-              </a:ext>
-            </a:extLst>
-          </p:cNvPr>
-          <p:cNvSpPr>
-            <a:spLocks noGrp="1"/>
-          </p:cNvSpPr>
-          <p:nvPr>
-            <p:ph type="title"/>
-          </p:nvPr>
-        </p:nvSpPr>
-        <p:spPr/>
-        <p:txBody>
-          <a:bodyPr/>
-          <a:lstStyle/>
-          <a:p>
-            <a:r>
-              <a:rPr lang="en-US" altLang="zh-TW" dirty="0">
-                <a:solidFill>
-                  <a:srgbClr val="000000"/>
-                </a:solidFill>
-                <a:ea typeface="Times New Roman" panose="02020603050405020304" pitchFamily="18" charset="0"/>
-              </a:rPr>
-              <a:t>Linear triangle element: LHS (Ae)</a:t>
-            </a:r>
-            <a:endParaRPr kumimoji="1" lang="zh-TW" altLang="en-US" dirty="0"/>
-          </a:p>
-        </p:txBody>
-      </p:sp>
+      <mc:AlternateContent xmlns:mc="http://schemas.openxmlformats.org/markup-compatibility/2006">
+        <mc:Choice xmlns:a14="http://schemas.microsoft.com/office/drawing/2010/main" Requires="a14">
+          <p:sp>
+            <p:nvSpPr>
+              <p:cNvPr id="2" name="標題 1">
+                <a:extLst>
+                  <a:ext uri="{FF2B5EF4-FFF2-40B4-BE49-F238E27FC236}">
+                    <a16:creationId xmlns:a16="http://schemas.microsoft.com/office/drawing/2014/main" id="{21C18848-0518-A241-A991-ECFF82FE4B1F}"/>
+                  </a:ext>
+                </a:extLst>
+              </p:cNvPr>
+              <p:cNvSpPr>
+                <a:spLocks noGrp="1"/>
+              </p:cNvSpPr>
+              <p:nvPr>
+                <p:ph type="title"/>
+              </p:nvPr>
+            </p:nvSpPr>
+            <p:spPr/>
+            <p:txBody>
+              <a:bodyPr/>
+              <a:lstStyle/>
+              <a:p>
+                <a:r>
+                  <a:rPr lang="en-US" altLang="zh-TW" dirty="0">
+                    <a:solidFill>
+                      <a:srgbClr val="000000"/>
+                    </a:solidFill>
+                    <a:ea typeface="Times New Roman" panose="02020603050405020304" pitchFamily="18" charset="0"/>
+                  </a:rPr>
+                  <a:t>Linear triangle element: LHS (</a:t>
+                </a:r>
+                <a14:m>
+                  <m:oMath xmlns:m="http://schemas.openxmlformats.org/officeDocument/2006/math">
+                    <m:sSup>
+                      <m:sSupPr>
+                        <m:ctrlPr>
+                          <a:rPr lang="zh-TW" altLang="zh-TW" i="1">
+                            <a:solidFill>
+                              <a:srgbClr val="000000"/>
+                            </a:solidFill>
+                            <a:latin typeface="Cambria Math" panose="02040503050406030204" pitchFamily="18" charset="0"/>
+                            <a:ea typeface="Cambria Math" panose="02040503050406030204" pitchFamily="18" charset="0"/>
+                          </a:rPr>
+                        </m:ctrlPr>
+                      </m:sSupPr>
+                      <m:e>
+                        <m:r>
+                          <m:rPr>
+                            <m:sty m:val="p"/>
+                          </m:rPr>
+                          <a:rPr lang="en-US" altLang="zh-TW" b="0" i="0" smtClean="0">
+                            <a:solidFill>
+                              <a:srgbClr val="000000"/>
+                            </a:solidFill>
+                            <a:latin typeface="Cambria Math" panose="02040503050406030204" pitchFamily="18" charset="0"/>
+                            <a:ea typeface="Cambria Math" panose="02040503050406030204" pitchFamily="18" charset="0"/>
+                          </a:rPr>
+                          <m:t>K</m:t>
+                        </m:r>
+                      </m:e>
+                      <m:sup>
+                        <m:r>
+                          <m:rPr>
+                            <m:sty m:val="p"/>
+                          </m:rPr>
+                          <a:rPr lang="en-US" altLang="zh-TW">
+                            <a:solidFill>
+                              <a:srgbClr val="000000"/>
+                            </a:solidFill>
+                            <a:latin typeface="Cambria Math" panose="02040503050406030204" pitchFamily="18" charset="0"/>
+                            <a:ea typeface="Times New Roman" panose="02020603050405020304" pitchFamily="18" charset="0"/>
+                          </a:rPr>
+                          <m:t>e</m:t>
+                        </m:r>
+                      </m:sup>
+                    </m:sSup>
+                  </m:oMath>
+                </a14:m>
+                <a:r>
+                  <a:rPr lang="en-US" altLang="zh-TW" dirty="0">
+                    <a:solidFill>
+                      <a:srgbClr val="000000"/>
+                    </a:solidFill>
+                    <a:ea typeface="Times New Roman" panose="02020603050405020304" pitchFamily="18" charset="0"/>
+                  </a:rPr>
+                  <a:t>)</a:t>
+                </a:r>
+                <a:endParaRPr kumimoji="1" lang="zh-TW" altLang="en-US" dirty="0"/>
+              </a:p>
+            </p:txBody>
+          </p:sp>
+        </mc:Choice>
+        <mc:Fallback>
+          <p:sp>
+            <p:nvSpPr>
+              <p:cNvPr id="2" name="標題 1">
+                <a:extLst>
+                  <a:ext uri="{FF2B5EF4-FFF2-40B4-BE49-F238E27FC236}">
+                    <a16:creationId xmlns:a16="http://schemas.microsoft.com/office/drawing/2014/main" id="{21C18848-0518-A241-A991-ECFF82FE4B1F}"/>
+                  </a:ext>
+                </a:extLst>
+              </p:cNvPr>
+              <p:cNvSpPr>
+                <a:spLocks noGrp="1" noRot="1" noChangeAspect="1" noMove="1" noResize="1" noEditPoints="1" noAdjustHandles="1" noChangeArrowheads="1" noChangeShapeType="1" noTextEdit="1"/>
+              </p:cNvSpPr>
+              <p:nvPr>
+                <p:ph type="title"/>
+              </p:nvPr>
+            </p:nvSpPr>
+            <p:spPr>
+              <a:blipFill>
+                <a:blip r:embed="rId2"/>
+                <a:stretch>
+                  <a:fillRect t="-7018" b="-28070"/>
+                </a:stretch>
+              </a:blipFill>
+            </p:spPr>
+            <p:txBody>
+              <a:bodyPr/>
+              <a:lstStyle/>
+              <a:p>
+                <a:r>
+                  <a:rPr lang="zh-TW" altLang="en-US">
+                    <a:noFill/>
+                  </a:rPr>
+                  <a:t> </a:t>
+                </a:r>
+              </a:p>
+            </p:txBody>
+          </p:sp>
+        </mc:Fallback>
+      </mc:AlternateContent>
       <mc:AlternateContent xmlns:mc="http://schemas.openxmlformats.org/markup-compatibility/2006">
         <mc:Choice xmlns:a14="http://schemas.microsoft.com/office/drawing/2010/main" Requires="a14">
           <p:sp>
@@ -11442,9 +11980,9 @@
                     <m:sSup>
                       <m:sSupPr>
                         <m:ctrlPr>
-                          <a:rPr lang="zh-TW" altLang="zh-TW" i="1">
+                          <a:rPr lang="zh-TW" altLang="zh-TW" i="1" smtClean="0">
                             <a:solidFill>
-                              <a:srgbClr val="000000"/>
+                              <a:srgbClr val="FF0000"/>
                             </a:solidFill>
                             <a:latin typeface="Cambria Math" panose="02040503050406030204" pitchFamily="18" charset="0"/>
                             <a:ea typeface="Cambria Math" panose="02040503050406030204" pitchFamily="18" charset="0"/>
@@ -11456,7 +11994,7 @@
                         <m:r>
                           <a:rPr lang="en-US" altLang="zh-TW">
                             <a:solidFill>
-                              <a:srgbClr val="000000"/>
+                              <a:srgbClr val="FF0000"/>
                             </a:solidFill>
                             <a:latin typeface="Cambria Math" panose="02040503050406030204" pitchFamily="18" charset="0"/>
                             <a:ea typeface="MS Mincho" panose="02020609040205080304" pitchFamily="49" charset="-128"/>
@@ -11469,7 +12007,7 @@
                             <m:ctrlPr>
                               <a:rPr lang="zh-TW" altLang="zh-TW" i="1">
                                 <a:solidFill>
-                                  <a:srgbClr val="000000"/>
+                                  <a:srgbClr val="FF0000"/>
                                 </a:solidFill>
                                 <a:latin typeface="Cambria Math" panose="02040503050406030204" pitchFamily="18" charset="0"/>
                                 <a:ea typeface="Cambria Math" panose="02040503050406030204" pitchFamily="18" charset="0"/>
@@ -11484,7 +12022,7 @@
                               </m:rPr>
                               <a:rPr lang="en-US" altLang="zh-TW">
                                 <a:solidFill>
-                                  <a:srgbClr val="000000"/>
+                                  <a:srgbClr val="FF0000"/>
                                 </a:solidFill>
                                 <a:latin typeface="Cambria Math" panose="02040503050406030204" pitchFamily="18" charset="0"/>
                                 <a:ea typeface="MS Mincho" panose="02020609040205080304" pitchFamily="49" charset="-128"/>
@@ -11500,7 +12038,7 @@
                               </m:rPr>
                               <a:rPr lang="en-US" altLang="zh-TW">
                                 <a:solidFill>
-                                  <a:srgbClr val="000000"/>
+                                  <a:srgbClr val="FF0000"/>
                                 </a:solidFill>
                                 <a:latin typeface="Cambria Math" panose="02040503050406030204" pitchFamily="18" charset="0"/>
                                 <a:ea typeface="MS Mincho" panose="02020609040205080304" pitchFamily="49" charset="-128"/>
@@ -11513,7 +12051,7 @@
                         <m:r>
                           <a:rPr lang="en-US" altLang="zh-TW">
                             <a:solidFill>
-                              <a:srgbClr val="000000"/>
+                              <a:srgbClr val="FF0000"/>
                             </a:solidFill>
                             <a:latin typeface="Cambria Math" panose="02040503050406030204" pitchFamily="18" charset="0"/>
                             <a:ea typeface="MS Mincho" panose="02020609040205080304" pitchFamily="49" charset="-128"/>
@@ -11529,7 +12067,7 @@
                           </m:rPr>
                           <a:rPr lang="en-US" altLang="zh-TW">
                             <a:solidFill>
-                              <a:srgbClr val="000000"/>
+                              <a:srgbClr val="FF0000"/>
                             </a:solidFill>
                             <a:latin typeface="Cambria Math" panose="02040503050406030204" pitchFamily="18" charset="0"/>
                             <a:ea typeface="MS Mincho" panose="02020609040205080304" pitchFamily="49" charset="-128"/>
@@ -12108,15 +12646,15 @@
                               <m:rPr>
                                 <m:sty m:val="p"/>
                               </m:rPr>
-                              <a:rPr lang="en-US" altLang="zh-TW">
+                              <a:rPr lang="en-US" altLang="zh-TW" b="0" i="0" smtClean="0">
                                 <a:solidFill>
                                   <a:srgbClr val="000000"/>
                                 </a:solidFill>
                                 <a:latin typeface="Cambria Math" panose="02040503050406030204" pitchFamily="18" charset="0"/>
-                                <a:ea typeface="MS Mincho" panose="02020609040205080304" pitchFamily="49" charset="-128"/>
+                                <a:ea typeface="Cambria Math" panose="02040503050406030204" pitchFamily="18" charset="0"/>
                                 <a:cs typeface="Times New Roman" panose="02020603050405020304" pitchFamily="18" charset="0"/>
                               </a:rPr>
-                              <m:t>T</m:t>
+                              <m:t>u</m:t>
                             </m:r>
                           </m:e>
                           <m:sup>
@@ -12397,15 +12935,15 @@
                               <m:rPr>
                                 <m:sty m:val="p"/>
                               </m:rPr>
-                              <a:rPr lang="en-US" altLang="zh-TW">
+                              <a:rPr lang="en-US" altLang="zh-TW" b="0" i="0" smtClean="0">
                                 <a:solidFill>
                                   <a:srgbClr val="000000"/>
                                 </a:solidFill>
                                 <a:latin typeface="Cambria Math" panose="02040503050406030204" pitchFamily="18" charset="0"/>
-                                <a:ea typeface="MS Mincho" panose="02020609040205080304" pitchFamily="49" charset="-128"/>
+                                <a:ea typeface="Cambria Math" panose="02040503050406030204" pitchFamily="18" charset="0"/>
                                 <a:cs typeface="Times New Roman" panose="02020603050405020304" pitchFamily="18" charset="0"/>
                               </a:rPr>
-                              <m:t>T</m:t>
+                              <m:t>u</m:t>
                             </m:r>
                           </m:e>
                           <m:sup>
@@ -12549,7 +13087,7 @@
                                 <m:rPr>
                                   <m:sty m:val="p"/>
                                 </m:rPr>
-                                <a:rPr lang="en-US" altLang="zh-TW">
+                                <a:rPr lang="en-US" altLang="zh-TW" smtClean="0">
                                   <a:solidFill>
                                     <a:srgbClr val="000000"/>
                                   </a:solidFill>
@@ -12808,14 +13346,14 @@
                           <m:rPr>
                             <m:sty m:val="p"/>
                           </m:rPr>
-                          <a:rPr lang="en-US" altLang="zh-TW">
+                          <a:rPr lang="en-US" altLang="zh-TW" b="0" i="0" smtClean="0">
                             <a:solidFill>
                               <a:srgbClr val="000000"/>
                             </a:solidFill>
                             <a:latin typeface="Cambria Math" panose="02040503050406030204" pitchFamily="18" charset="0"/>
-                            <a:ea typeface="Times New Roman" panose="02020603050405020304" pitchFamily="18" charset="0"/>
+                            <a:ea typeface="Cambria Math" panose="02040503050406030204" pitchFamily="18" charset="0"/>
                           </a:rPr>
-                          <m:t>k</m:t>
+                          <m:t>K</m:t>
                         </m:r>
                       </m:e>
                       <m:sup>
@@ -12977,20 +13515,12 @@
                         </m:r>
                       </m:sup>
                     </m:sSup>
-                    <m:r>
-                      <a:rPr lang="en-US" altLang="zh-TW">
-                        <a:solidFill>
-                          <a:srgbClr val="000000"/>
-                        </a:solidFill>
-                        <a:latin typeface="Cambria Math" panose="02040503050406030204" pitchFamily="18" charset="0"/>
-                        <a:ea typeface="Times New Roman" panose="02020603050405020304" pitchFamily="18" charset="0"/>
-                      </a:rPr>
-                      <m:t>[</m:t>
-                    </m:r>
-                    <m:sSup>
-                      <m:sSupPr>
+                    <m:d>
+                      <m:dPr>
+                        <m:begChr m:val="["/>
+                        <m:endChr m:val="]"/>
                         <m:ctrlPr>
-                          <a:rPr lang="zh-TW" altLang="zh-TW" i="1">
+                          <a:rPr lang="en-US" altLang="zh-TW">
                             <a:solidFill>
                               <a:srgbClr val="000000"/>
                             </a:solidFill>
@@ -12998,47 +13528,62 @@
                             <a:ea typeface="Cambria Math" panose="02040503050406030204" pitchFamily="18" charset="0"/>
                           </a:rPr>
                         </m:ctrlPr>
-                      </m:sSupPr>
+                      </m:dPr>
                       <m:e>
-                        <m:r>
-                          <m:rPr>
-                            <m:sty m:val="p"/>
-                          </m:rPr>
-                          <a:rPr lang="en-US" altLang="zh-TW">
-                            <a:solidFill>
-                              <a:srgbClr val="000000"/>
-                            </a:solidFill>
-                            <a:latin typeface="Cambria Math" panose="02040503050406030204" pitchFamily="18" charset="0"/>
-                            <a:ea typeface="Times New Roman" panose="02020603050405020304" pitchFamily="18" charset="0"/>
-                          </a:rPr>
-                          <m:t>B</m:t>
-                        </m:r>
+                        <m:sSup>
+                          <m:sSupPr>
+                            <m:ctrlPr>
+                              <a:rPr lang="zh-TW" altLang="zh-TW" i="1">
+                                <a:solidFill>
+                                  <a:srgbClr val="000000"/>
+                                </a:solidFill>
+                                <a:latin typeface="Cambria Math" panose="02040503050406030204" pitchFamily="18" charset="0"/>
+                                <a:ea typeface="Cambria Math" panose="02040503050406030204" pitchFamily="18" charset="0"/>
+                              </a:rPr>
+                            </m:ctrlPr>
+                          </m:sSupPr>
+                          <m:e>
+                            <m:r>
+                              <m:rPr>
+                                <m:sty m:val="p"/>
+                              </m:rPr>
+                              <a:rPr lang="en-US" altLang="zh-TW">
+                                <a:solidFill>
+                                  <a:srgbClr val="000000"/>
+                                </a:solidFill>
+                                <a:latin typeface="Cambria Math" panose="02040503050406030204" pitchFamily="18" charset="0"/>
+                                <a:ea typeface="Times New Roman" panose="02020603050405020304" pitchFamily="18" charset="0"/>
+                              </a:rPr>
+                              <m:t>B</m:t>
+                            </m:r>
+                          </m:e>
+                          <m:sup>
+                            <m:r>
+                              <m:rPr>
+                                <m:sty m:val="p"/>
+                              </m:rPr>
+                              <a:rPr lang="en-US" altLang="zh-TW">
+                                <a:solidFill>
+                                  <a:srgbClr val="000000"/>
+                                </a:solidFill>
+                                <a:latin typeface="Cambria Math" panose="02040503050406030204" pitchFamily="18" charset="0"/>
+                                <a:ea typeface="Times New Roman" panose="02020603050405020304" pitchFamily="18" charset="0"/>
+                              </a:rPr>
+                              <m:t>e</m:t>
+                            </m:r>
+                          </m:sup>
+                        </m:sSup>
                       </m:e>
-                      <m:sup>
-                        <m:r>
-                          <m:rPr>
-                            <m:sty m:val="p"/>
-                          </m:rPr>
-                          <a:rPr lang="en-US" altLang="zh-TW">
-                            <a:solidFill>
-                              <a:srgbClr val="000000"/>
-                            </a:solidFill>
-                            <a:latin typeface="Cambria Math" panose="02040503050406030204" pitchFamily="18" charset="0"/>
-                            <a:ea typeface="Times New Roman" panose="02020603050405020304" pitchFamily="18" charset="0"/>
-                          </a:rPr>
-                          <m:t>e</m:t>
-                        </m:r>
-                      </m:sup>
-                    </m:sSup>
+                    </m:d>
                     <m:r>
-                      <a:rPr lang="en-US" altLang="zh-TW">
+                      <a:rPr lang="en-US" altLang="zh-TW" b="0" i="1" smtClean="0">
                         <a:solidFill>
                           <a:srgbClr val="000000"/>
                         </a:solidFill>
                         <a:latin typeface="Cambria Math" panose="02040503050406030204" pitchFamily="18" charset="0"/>
                         <a:ea typeface="Times New Roman" panose="02020603050405020304" pitchFamily="18" charset="0"/>
                       </a:rPr>
-                      <m:t>]</m:t>
+                      <m:t>  .</m:t>
                     </m:r>
                   </m:oMath>
                 </a14:m>
@@ -13062,10 +13607,43 @@
                 </a:r>
                 <a14:m>
                   <m:oMath xmlns:m="http://schemas.openxmlformats.org/officeDocument/2006/math">
+                    <m:r>
+                      <m:rPr>
+                        <m:sty m:val="p"/>
+                      </m:rPr>
+                      <a:rPr lang="en-US" altLang="zh-TW" b="0" i="0" smtClean="0">
+                        <a:solidFill>
+                          <a:srgbClr val="000000"/>
+                        </a:solidFill>
+                        <a:latin typeface="Cambria Math" panose="02040503050406030204" pitchFamily="18" charset="0"/>
+                        <a:ea typeface="Cambria Math" panose="02040503050406030204" pitchFamily="18" charset="0"/>
+                      </a:rPr>
+                      <m:t>R</m:t>
+                    </m:r>
+                    <m:r>
+                      <a:rPr lang="en-US" altLang="zh-TW" b="0" i="1" smtClean="0">
+                        <a:solidFill>
+                          <a:srgbClr val="000000"/>
+                        </a:solidFill>
+                        <a:latin typeface="Cambria Math" panose="02040503050406030204" pitchFamily="18" charset="0"/>
+                        <a:ea typeface="Cambria Math" panose="02040503050406030204" pitchFamily="18" charset="0"/>
+                      </a:rPr>
+                      <m:t>𝐻𝑆</m:t>
+                    </m:r>
+                    <m:r>
+                      <a:rPr lang="en-US" altLang="zh-TW" b="0" i="1" smtClean="0">
+                        <a:solidFill>
+                          <a:srgbClr val="000000"/>
+                        </a:solidFill>
+                        <a:latin typeface="Cambria Math" panose="02040503050406030204" pitchFamily="18" charset="0"/>
+                        <a:ea typeface="Cambria Math" panose="02040503050406030204" pitchFamily="18" charset="0"/>
+                      </a:rPr>
+                      <m:t>=</m:t>
+                    </m:r>
                     <m:sSup>
                       <m:sSupPr>
                         <m:ctrlPr>
-                          <a:rPr lang="zh-TW" altLang="zh-TW" i="1">
+                          <a:rPr lang="zh-TW" altLang="zh-TW" i="1" smtClean="0">
                             <a:solidFill>
                               <a:srgbClr val="000000"/>
                             </a:solidFill>
@@ -13079,14 +13657,14 @@
                           <m:rPr>
                             <m:sty m:val="p"/>
                           </m:rPr>
-                          <a:rPr lang="en-US" altLang="zh-TW">
+                          <a:rPr lang="en-US" altLang="zh-TW" b="0" i="0" smtClean="0">
                             <a:solidFill>
                               <a:srgbClr val="000000"/>
                             </a:solidFill>
                             <a:latin typeface="Cambria Math" panose="02040503050406030204" pitchFamily="18" charset="0"/>
-                            <a:ea typeface="Times New Roman" panose="02020603050405020304" pitchFamily="18" charset="0"/>
+                            <a:ea typeface="Cambria Math" panose="02040503050406030204" pitchFamily="18" charset="0"/>
                           </a:rPr>
-                          <m:t>k</m:t>
+                          <m:t>K</m:t>
                         </m:r>
                       </m:e>
                       <m:sup>
@@ -13200,7 +13778,7 @@
             </p:nvSpPr>
             <p:spPr>
               <a:blipFill>
-                <a:blip r:embed="rId2"/>
+                <a:blip r:embed="rId3"/>
                 <a:stretch>
                   <a:fillRect l="-2601" t="-19700" b="-1071"/>
                 </a:stretch>
@@ -13256,6 +13834,62 @@
           </a:p>
         </p:txBody>
       </p:sp>
+      <p:sp>
+        <p:nvSpPr>
+          <p:cNvPr id="5" name="文字方塊 4">
+            <a:extLst>
+              <a:ext uri="{FF2B5EF4-FFF2-40B4-BE49-F238E27FC236}">
+                <a16:creationId xmlns:a16="http://schemas.microsoft.com/office/drawing/2014/main" id="{EDF49925-6442-AE33-FF14-173B471459A5}"/>
+              </a:ext>
+            </a:extLst>
+          </p:cNvPr>
+          <p:cNvSpPr txBox="1"/>
+          <p:nvPr/>
+        </p:nvSpPr>
+        <p:spPr>
+          <a:xfrm>
+            <a:off x="4680456" y="2819400"/>
+            <a:ext cx="1800493" cy="369332"/>
+          </a:xfrm>
+          <a:prstGeom prst="rect">
+            <a:avLst/>
+          </a:prstGeom>
+          <a:solidFill>
+            <a:srgbClr val="FFC000"/>
+          </a:solidFill>
+        </p:spPr>
+        <p:style>
+          <a:lnRef idx="2">
+            <a:schemeClr val="accent2"/>
+          </a:lnRef>
+          <a:fillRef idx="1">
+            <a:schemeClr val="lt1"/>
+          </a:fillRef>
+          <a:effectRef idx="0">
+            <a:schemeClr val="accent2"/>
+          </a:effectRef>
+          <a:fontRef idx="minor">
+            <a:schemeClr val="dk1"/>
+          </a:fontRef>
+        </p:style>
+        <p:txBody>
+          <a:bodyPr wrap="none" rtlCol="0">
+            <a:spAutoFit/>
+          </a:bodyPr>
+          <a:lstStyle/>
+          <a:p>
+            <a:r>
+              <a:rPr kumimoji="1" lang="en-US" altLang="zh-TW" dirty="0">
+                <a:latin typeface="Times" pitchFamily="2" charset="0"/>
+              </a:rPr>
+              <a:t>Cancel with RHS</a:t>
+            </a:r>
+            <a:endParaRPr kumimoji="1" lang="zh-TW" altLang="en-US" dirty="0">
+              <a:latin typeface="Times" pitchFamily="2" charset="0"/>
+            </a:endParaRPr>
+          </a:p>
+        </p:txBody>
+      </p:sp>
     </p:spTree>
     <p:extLst>
       <p:ext uri="{BB962C8B-B14F-4D97-AF65-F5344CB8AC3E}">
@@ -13270,6 +13904,1901 @@
 </file>
 
 <file path=ppt/slides/slide5.xml><?xml version="1.0" encoding="utf-8"?>
+<p:sld xmlns:a="http://schemas.openxmlformats.org/drawingml/2006/main" xmlns:r="http://schemas.openxmlformats.org/officeDocument/2006/relationships" xmlns:p="http://schemas.openxmlformats.org/presentationml/2006/main">
+  <p:cSld>
+    <p:spTree>
+      <p:nvGrpSpPr>
+        <p:cNvPr id="1" name=""/>
+        <p:cNvGrpSpPr/>
+        <p:nvPr/>
+      </p:nvGrpSpPr>
+      <p:grpSpPr>
+        <a:xfrm>
+          <a:off x="0" y="0"/>
+          <a:ext cx="0" cy="0"/>
+          <a:chOff x="0" y="0"/>
+          <a:chExt cx="0" cy="0"/>
+        </a:xfrm>
+      </p:grpSpPr>
+      <mc:AlternateContent xmlns:mc="http://schemas.openxmlformats.org/markup-compatibility/2006">
+        <mc:Choice xmlns:a14="http://schemas.microsoft.com/office/drawing/2010/main" Requires="a14">
+          <p:sp>
+            <p:nvSpPr>
+              <p:cNvPr id="2" name="標題 1">
+                <a:extLst>
+                  <a:ext uri="{FF2B5EF4-FFF2-40B4-BE49-F238E27FC236}">
+                    <a16:creationId xmlns:a16="http://schemas.microsoft.com/office/drawing/2014/main" id="{21C18848-0518-A241-A991-ECFF82FE4B1F}"/>
+                  </a:ext>
+                </a:extLst>
+              </p:cNvPr>
+              <p:cNvSpPr>
+                <a:spLocks noGrp="1"/>
+              </p:cNvSpPr>
+              <p:nvPr>
+                <p:ph type="title"/>
+              </p:nvPr>
+            </p:nvSpPr>
+            <p:spPr/>
+            <p:txBody>
+              <a:bodyPr/>
+              <a:lstStyle/>
+              <a:p>
+                <a:r>
+                  <a:rPr lang="en-US" altLang="zh-TW" dirty="0">
+                    <a:solidFill>
+                      <a:srgbClr val="000000"/>
+                    </a:solidFill>
+                    <a:ea typeface="Times New Roman" panose="02020603050405020304" pitchFamily="18" charset="0"/>
+                  </a:rPr>
+                  <a:t>Linear triangle element: RHS (</a:t>
+                </a:r>
+                <a14:m>
+                  <m:oMath xmlns:m="http://schemas.openxmlformats.org/officeDocument/2006/math">
+                    <m:sSup>
+                      <m:sSupPr>
+                        <m:ctrlPr>
+                          <a:rPr lang="zh-TW" altLang="zh-TW" i="1">
+                            <a:solidFill>
+                              <a:srgbClr val="000000"/>
+                            </a:solidFill>
+                            <a:latin typeface="Cambria Math" panose="02040503050406030204" pitchFamily="18" charset="0"/>
+                            <a:ea typeface="Cambria Math" panose="02040503050406030204" pitchFamily="18" charset="0"/>
+                          </a:rPr>
+                        </m:ctrlPr>
+                      </m:sSupPr>
+                      <m:e>
+                        <m:r>
+                          <m:rPr>
+                            <m:sty m:val="p"/>
+                          </m:rPr>
+                          <a:rPr lang="en-US" altLang="zh-TW" b="0" i="0" smtClean="0">
+                            <a:solidFill>
+                              <a:srgbClr val="000000"/>
+                            </a:solidFill>
+                            <a:latin typeface="Cambria Math" panose="02040503050406030204" pitchFamily="18" charset="0"/>
+                            <a:ea typeface="Cambria Math" panose="02040503050406030204" pitchFamily="18" charset="0"/>
+                          </a:rPr>
+                          <m:t>F</m:t>
+                        </m:r>
+                      </m:e>
+                      <m:sup>
+                        <m:r>
+                          <m:rPr>
+                            <m:sty m:val="p"/>
+                          </m:rPr>
+                          <a:rPr lang="en-US" altLang="zh-TW">
+                            <a:solidFill>
+                              <a:srgbClr val="000000"/>
+                            </a:solidFill>
+                            <a:latin typeface="Cambria Math" panose="02040503050406030204" pitchFamily="18" charset="0"/>
+                            <a:ea typeface="Times New Roman" panose="02020603050405020304" pitchFamily="18" charset="0"/>
+                          </a:rPr>
+                          <m:t>e</m:t>
+                        </m:r>
+                      </m:sup>
+                    </m:sSup>
+                  </m:oMath>
+                </a14:m>
+                <a:r>
+                  <a:rPr lang="en-US" altLang="zh-TW" dirty="0">
+                    <a:solidFill>
+                      <a:srgbClr val="000000"/>
+                    </a:solidFill>
+                    <a:ea typeface="Times New Roman" panose="02020603050405020304" pitchFamily="18" charset="0"/>
+                  </a:rPr>
+                  <a:t>)</a:t>
+                </a:r>
+                <a:endParaRPr kumimoji="1" lang="zh-TW" altLang="en-US" dirty="0"/>
+              </a:p>
+            </p:txBody>
+          </p:sp>
+        </mc:Choice>
+        <mc:Fallback>
+          <p:sp>
+            <p:nvSpPr>
+              <p:cNvPr id="2" name="標題 1">
+                <a:extLst>
+                  <a:ext uri="{FF2B5EF4-FFF2-40B4-BE49-F238E27FC236}">
+                    <a16:creationId xmlns:a16="http://schemas.microsoft.com/office/drawing/2014/main" id="{21C18848-0518-A241-A991-ECFF82FE4B1F}"/>
+                  </a:ext>
+                </a:extLst>
+              </p:cNvPr>
+              <p:cNvSpPr>
+                <a:spLocks noGrp="1" noRot="1" noChangeAspect="1" noMove="1" noResize="1" noEditPoints="1" noAdjustHandles="1" noChangeArrowheads="1" noChangeShapeType="1" noTextEdit="1"/>
+              </p:cNvSpPr>
+              <p:nvPr>
+                <p:ph type="title"/>
+              </p:nvPr>
+            </p:nvSpPr>
+            <p:spPr>
+              <a:blipFill>
+                <a:blip r:embed="rId3"/>
+                <a:stretch>
+                  <a:fillRect t="-7018" b="-28070"/>
+                </a:stretch>
+              </a:blipFill>
+            </p:spPr>
+            <p:txBody>
+              <a:bodyPr/>
+              <a:lstStyle/>
+              <a:p>
+                <a:r>
+                  <a:rPr lang="zh-TW" altLang="en-US">
+                    <a:noFill/>
+                  </a:rPr>
+                  <a:t> </a:t>
+                </a:r>
+              </a:p>
+            </p:txBody>
+          </p:sp>
+        </mc:Fallback>
+      </mc:AlternateContent>
+      <mc:AlternateContent xmlns:mc="http://schemas.openxmlformats.org/markup-compatibility/2006">
+        <mc:Choice xmlns:a14="http://schemas.microsoft.com/office/drawing/2010/main" Requires="a14">
+          <p:sp>
+            <p:nvSpPr>
+              <p:cNvPr id="3" name="內容版面配置區 2">
+                <a:extLst>
+                  <a:ext uri="{FF2B5EF4-FFF2-40B4-BE49-F238E27FC236}">
+                    <a16:creationId xmlns:a16="http://schemas.microsoft.com/office/drawing/2014/main" id="{4AA8B329-5224-6D42-9C87-2A28C30918C1}"/>
+                  </a:ext>
+                </a:extLst>
+              </p:cNvPr>
+              <p:cNvSpPr>
+                <a:spLocks noGrp="1"/>
+              </p:cNvSpPr>
+              <p:nvPr>
+                <p:ph idx="1"/>
+              </p:nvPr>
+            </p:nvSpPr>
+            <p:spPr/>
+            <p:txBody>
+              <a:bodyPr>
+                <a:normAutofit fontScale="92500"/>
+              </a:bodyPr>
+              <a:lstStyle/>
+              <a:p>
+                <a:r>
+                  <a:rPr lang="en-US" altLang="zh-TW" dirty="0">
+                    <a:solidFill>
+                      <a:srgbClr val="000000"/>
+                    </a:solidFill>
+                    <a:ea typeface="Times New Roman" panose="02020603050405020304" pitchFamily="18" charset="0"/>
+                  </a:rPr>
+                  <a:t>From weak form,</a:t>
+                </a:r>
+                <a:endParaRPr lang="zh-TW" altLang="zh-TW" dirty="0">
+                  <a:latin typeface="Times New Roman" panose="02020603050405020304" pitchFamily="18" charset="0"/>
+                  <a:ea typeface="Times New Roman" panose="02020603050405020304" pitchFamily="18" charset="0"/>
+                </a:endParaRPr>
+              </a:p>
+              <a:p>
+                <a:pPr marL="0" indent="0">
+                  <a:buNone/>
+                </a:pPr>
+                <a14:m>
+                  <m:oMathPara xmlns:m="http://schemas.openxmlformats.org/officeDocument/2006/math">
+                    <m:oMathParaPr>
+                      <m:jc m:val="centerGroup"/>
+                    </m:oMathParaPr>
+                    <m:oMath xmlns:m="http://schemas.openxmlformats.org/officeDocument/2006/math">
+                      <m:r>
+                        <a:rPr lang="en-US" altLang="zh-TW" b="0" i="1" smtClean="0">
+                          <a:solidFill>
+                            <a:srgbClr val="000000"/>
+                          </a:solidFill>
+                          <a:latin typeface="Cambria Math" panose="02040503050406030204" pitchFamily="18" charset="0"/>
+                          <a:ea typeface="Cambria Math" panose="02040503050406030204" pitchFamily="18" charset="0"/>
+                        </a:rPr>
+                        <m:t>−</m:t>
+                      </m:r>
+                      <m:nary>
+                        <m:naryPr>
+                          <m:limLoc m:val="undOvr"/>
+                          <m:subHide m:val="on"/>
+                          <m:supHide m:val="on"/>
+                          <m:ctrlPr>
+                            <a:rPr lang="zh-TW" altLang="zh-TW" i="1">
+                              <a:solidFill>
+                                <a:srgbClr val="000000"/>
+                              </a:solidFill>
+                              <a:latin typeface="Cambria Math" panose="02040503050406030204" pitchFamily="18" charset="0"/>
+                              <a:ea typeface="Cambria Math" panose="02040503050406030204" pitchFamily="18" charset="0"/>
+                            </a:rPr>
+                          </m:ctrlPr>
+                        </m:naryPr>
+                        <m:sub/>
+                        <m:sup/>
+                        <m:e>
+                          <m:r>
+                            <m:rPr>
+                              <m:sty m:val="p"/>
+                            </m:rPr>
+                            <a:rPr lang="en-US" altLang="zh-TW">
+                              <a:solidFill>
+                                <a:srgbClr val="000000"/>
+                              </a:solidFill>
+                              <a:latin typeface="Cambria Math" panose="02040503050406030204" pitchFamily="18" charset="0"/>
+                              <a:ea typeface="Cambria Math" panose="02040503050406030204" pitchFamily="18" charset="0"/>
+                            </a:rPr>
+                            <m:t>wf</m:t>
+                          </m:r>
+                          <m:r>
+                            <a:rPr lang="en-US" altLang="zh-TW">
+                              <a:solidFill>
+                                <a:srgbClr val="000000"/>
+                              </a:solidFill>
+                              <a:latin typeface="Cambria Math" panose="02040503050406030204" pitchFamily="18" charset="0"/>
+                              <a:ea typeface="Times New Roman" panose="02020603050405020304" pitchFamily="18" charset="0"/>
+                            </a:rPr>
+                            <m:t> </m:t>
+                          </m:r>
+                          <m:r>
+                            <m:rPr>
+                              <m:sty m:val="p"/>
+                            </m:rPr>
+                            <a:rPr lang="en-US" altLang="zh-TW">
+                              <a:solidFill>
+                                <a:srgbClr val="000000"/>
+                              </a:solidFill>
+                              <a:latin typeface="Cambria Math" panose="02040503050406030204" pitchFamily="18" charset="0"/>
+                              <a:ea typeface="Times New Roman" panose="02020603050405020304" pitchFamily="18" charset="0"/>
+                            </a:rPr>
+                            <m:t>dA</m:t>
+                          </m:r>
+                        </m:e>
+                      </m:nary>
+                      <m:r>
+                        <a:rPr lang="en-US" altLang="zh-TW">
+                          <a:solidFill>
+                            <a:srgbClr val="000000"/>
+                          </a:solidFill>
+                          <a:latin typeface="Cambria Math" panose="02040503050406030204" pitchFamily="18" charset="0"/>
+                          <a:ea typeface="Times New Roman" panose="02020603050405020304" pitchFamily="18" charset="0"/>
+                        </a:rPr>
+                        <m:t>.</m:t>
+                      </m:r>
+                    </m:oMath>
+                  </m:oMathPara>
+                </a14:m>
+                <a:endParaRPr lang="zh-TW" altLang="zh-TW" dirty="0">
+                  <a:latin typeface="Times New Roman" panose="02020603050405020304" pitchFamily="18" charset="0"/>
+                  <a:ea typeface="Times New Roman" panose="02020603050405020304" pitchFamily="18" charset="0"/>
+                </a:endParaRPr>
+              </a:p>
+              <a:p>
+                <a:pPr marL="342900" lvl="0" indent="-342900">
+                  <a:buFont typeface="Wingdings" pitchFamily="2" charset="2"/>
+                  <a:buChar char=""/>
+                </a:pPr>
+                <a14:m>
+                  <m:oMath xmlns:m="http://schemas.openxmlformats.org/officeDocument/2006/math">
+                    <m:r>
+                      <a:rPr lang="en-US" altLang="zh-TW" b="0" i="1" smtClean="0">
+                        <a:solidFill>
+                          <a:srgbClr val="000000"/>
+                        </a:solidFill>
+                        <a:latin typeface="Cambria Math" panose="02040503050406030204" pitchFamily="18" charset="0"/>
+                        <a:ea typeface="Cambria Math" panose="02040503050406030204" pitchFamily="18" charset="0"/>
+                        <a:cs typeface="Times New Roman" panose="02020603050405020304" pitchFamily="18" charset="0"/>
+                      </a:rPr>
+                      <m:t>−</m:t>
+                    </m:r>
+                    <m:nary>
+                      <m:naryPr>
+                        <m:limLoc m:val="undOvr"/>
+                        <m:subHide m:val="on"/>
+                        <m:supHide m:val="on"/>
+                        <m:ctrlPr>
+                          <a:rPr lang="zh-TW" altLang="zh-TW" i="1">
+                            <a:solidFill>
+                              <a:srgbClr val="000000"/>
+                            </a:solidFill>
+                            <a:latin typeface="Cambria Math" panose="02040503050406030204" pitchFamily="18" charset="0"/>
+                            <a:ea typeface="Cambria Math" panose="02040503050406030204" pitchFamily="18" charset="0"/>
+                            <a:cs typeface="Times New Roman" panose="02020603050405020304" pitchFamily="18" charset="0"/>
+                          </a:rPr>
+                        </m:ctrlPr>
+                      </m:naryPr>
+                      <m:sub/>
+                      <m:sup/>
+                      <m:e>
+                        <m:d>
+                          <m:dPr>
+                            <m:begChr m:val="["/>
+                            <m:endChr m:val="]"/>
+                            <m:ctrlPr>
+                              <a:rPr lang="en-US" altLang="zh-TW">
+                                <a:solidFill>
+                                  <a:srgbClr val="000000"/>
+                                </a:solidFill>
+                                <a:latin typeface="Cambria Math" panose="02040503050406030204" pitchFamily="18" charset="0"/>
+                                <a:ea typeface="MS Mincho" panose="02020609040205080304" pitchFamily="49" charset="-128"/>
+                                <a:cs typeface="Times New Roman" panose="02020603050405020304" pitchFamily="18" charset="0"/>
+                              </a:rPr>
+                            </m:ctrlPr>
+                          </m:dPr>
+                          <m:e>
+                            <m:sSup>
+                              <m:sSupPr>
+                                <m:ctrlPr>
+                                  <a:rPr lang="zh-TW" altLang="zh-TW" i="1">
+                                    <a:solidFill>
+                                      <a:srgbClr val="000000"/>
+                                    </a:solidFill>
+                                    <a:latin typeface="Cambria Math" panose="02040503050406030204" pitchFamily="18" charset="0"/>
+                                    <a:ea typeface="Cambria Math" panose="02040503050406030204" pitchFamily="18" charset="0"/>
+                                    <a:cs typeface="Times New Roman" panose="02020603050405020304" pitchFamily="18" charset="0"/>
+                                  </a:rPr>
+                                </m:ctrlPr>
+                              </m:sSupPr>
+                              <m:e>
+                                <m:r>
+                                  <m:rPr>
+                                    <m:sty m:val="p"/>
+                                  </m:rPr>
+                                  <a:rPr lang="en-US" altLang="zh-TW">
+                                    <a:solidFill>
+                                      <a:srgbClr val="000000"/>
+                                    </a:solidFill>
+                                    <a:latin typeface="Cambria Math" panose="02040503050406030204" pitchFamily="18" charset="0"/>
+                                    <a:ea typeface="MS Mincho" panose="02020609040205080304" pitchFamily="49" charset="-128"/>
+                                    <a:cs typeface="Times New Roman" panose="02020603050405020304" pitchFamily="18" charset="0"/>
+                                  </a:rPr>
+                                  <m:t>N</m:t>
+                                </m:r>
+                              </m:e>
+                              <m:sup>
+                                <m:r>
+                                  <m:rPr>
+                                    <m:sty m:val="p"/>
+                                  </m:rPr>
+                                  <a:rPr lang="en-US" altLang="zh-TW">
+                                    <a:solidFill>
+                                      <a:srgbClr val="000000"/>
+                                    </a:solidFill>
+                                    <a:latin typeface="Cambria Math" panose="02040503050406030204" pitchFamily="18" charset="0"/>
+                                    <a:ea typeface="MS Mincho" panose="02020609040205080304" pitchFamily="49" charset="-128"/>
+                                    <a:cs typeface="Times New Roman" panose="02020603050405020304" pitchFamily="18" charset="0"/>
+                                  </a:rPr>
+                                  <m:t>e</m:t>
+                                </m:r>
+                              </m:sup>
+                            </m:sSup>
+                          </m:e>
+                        </m:d>
+                        <m:d>
+                          <m:dPr>
+                            <m:begChr m:val="{"/>
+                            <m:endChr m:val="}"/>
+                            <m:ctrlPr>
+                              <a:rPr lang="en-US" altLang="zh-TW" i="1">
+                                <a:solidFill>
+                                  <a:srgbClr val="000000"/>
+                                </a:solidFill>
+                                <a:latin typeface="Cambria Math" panose="02040503050406030204" pitchFamily="18" charset="0"/>
+                                <a:ea typeface="MS Mincho" panose="02020609040205080304" pitchFamily="49" charset="-128"/>
+                                <a:cs typeface="Times New Roman" panose="02020603050405020304" pitchFamily="18" charset="0"/>
+                              </a:rPr>
+                            </m:ctrlPr>
+                          </m:dPr>
+                          <m:e>
+                            <m:sSup>
+                              <m:sSupPr>
+                                <m:ctrlPr>
+                                  <a:rPr lang="zh-TW" altLang="zh-TW" i="1">
+                                    <a:solidFill>
+                                      <a:srgbClr val="000000"/>
+                                    </a:solidFill>
+                                    <a:latin typeface="Cambria Math" panose="02040503050406030204" pitchFamily="18" charset="0"/>
+                                    <a:ea typeface="Cambria Math" panose="02040503050406030204" pitchFamily="18" charset="0"/>
+                                    <a:cs typeface="Times New Roman" panose="02020603050405020304" pitchFamily="18" charset="0"/>
+                                  </a:rPr>
+                                </m:ctrlPr>
+                              </m:sSupPr>
+                              <m:e>
+                                <m:r>
+                                  <m:rPr>
+                                    <m:sty m:val="p"/>
+                                  </m:rPr>
+                                  <a:rPr lang="en-US" altLang="zh-TW">
+                                    <a:solidFill>
+                                      <a:srgbClr val="000000"/>
+                                    </a:solidFill>
+                                    <a:latin typeface="Cambria Math" panose="02040503050406030204" pitchFamily="18" charset="0"/>
+                                    <a:ea typeface="MS Mincho" panose="02020609040205080304" pitchFamily="49" charset="-128"/>
+                                    <a:cs typeface="Times New Roman" panose="02020603050405020304" pitchFamily="18" charset="0"/>
+                                  </a:rPr>
+                                  <m:t>w</m:t>
+                                </m:r>
+                              </m:e>
+                              <m:sup>
+                                <m:r>
+                                  <m:rPr>
+                                    <m:sty m:val="p"/>
+                                  </m:rPr>
+                                  <a:rPr lang="en-US" altLang="zh-TW">
+                                    <a:solidFill>
+                                      <a:srgbClr val="000000"/>
+                                    </a:solidFill>
+                                    <a:latin typeface="Cambria Math" panose="02040503050406030204" pitchFamily="18" charset="0"/>
+                                    <a:ea typeface="MS Mincho" panose="02020609040205080304" pitchFamily="49" charset="-128"/>
+                                    <a:cs typeface="Times New Roman" panose="02020603050405020304" pitchFamily="18" charset="0"/>
+                                  </a:rPr>
+                                  <m:t>e</m:t>
+                                </m:r>
+                              </m:sup>
+                            </m:sSup>
+                          </m:e>
+                        </m:d>
+                        <m:r>
+                          <a:rPr lang="en-US" altLang="zh-TW" b="0" i="1" smtClean="0">
+                            <a:solidFill>
+                              <a:srgbClr val="000000"/>
+                            </a:solidFill>
+                            <a:latin typeface="Cambria Math" panose="02040503050406030204" pitchFamily="18" charset="0"/>
+                            <a:ea typeface="MS Mincho" panose="02020609040205080304" pitchFamily="49" charset="-128"/>
+                            <a:cs typeface="Times New Roman" panose="02020603050405020304" pitchFamily="18" charset="0"/>
+                          </a:rPr>
+                          <m:t>𝑓</m:t>
+                        </m:r>
+                        <m:r>
+                          <m:rPr>
+                            <m:sty m:val="p"/>
+                          </m:rPr>
+                          <a:rPr lang="en-US" altLang="zh-TW">
+                            <a:solidFill>
+                              <a:srgbClr val="000000"/>
+                            </a:solidFill>
+                            <a:latin typeface="Cambria Math" panose="02040503050406030204" pitchFamily="18" charset="0"/>
+                            <a:ea typeface="MS Mincho" panose="02020609040205080304" pitchFamily="49" charset="-128"/>
+                            <a:cs typeface="Times New Roman" panose="02020603050405020304" pitchFamily="18" charset="0"/>
+                          </a:rPr>
+                          <m:t>dA</m:t>
+                        </m:r>
+                      </m:e>
+                    </m:nary>
+                    <m:r>
+                      <a:rPr lang="en-US" altLang="zh-TW">
+                        <a:solidFill>
+                          <a:srgbClr val="000000"/>
+                        </a:solidFill>
+                        <a:latin typeface="Cambria Math" panose="02040503050406030204" pitchFamily="18" charset="0"/>
+                        <a:ea typeface="MS Mincho" panose="02020609040205080304" pitchFamily="49" charset="-128"/>
+                        <a:cs typeface="Times New Roman" panose="02020603050405020304" pitchFamily="18" charset="0"/>
+                      </a:rPr>
+                      <m:t>  </m:t>
+                    </m:r>
+                  </m:oMath>
+                </a14:m>
+                <a:endParaRPr lang="zh-TW" altLang="zh-TW" dirty="0">
+                  <a:latin typeface="Times New Roman" panose="02020603050405020304" pitchFamily="18" charset="0"/>
+                  <a:ea typeface="MS Mincho" panose="02020609040205080304" pitchFamily="49" charset="-128"/>
+                  <a:cs typeface="Times New Roman" panose="02020603050405020304" pitchFamily="18" charset="0"/>
+                </a:endParaRPr>
+              </a:p>
+              <a:p>
+                <a:pPr marL="342900" lvl="0" indent="-342900">
+                  <a:buFont typeface="Wingdings" pitchFamily="2" charset="2"/>
+                  <a:buChar char=""/>
+                </a:pPr>
+                <a14:m>
+                  <m:oMath xmlns:m="http://schemas.openxmlformats.org/officeDocument/2006/math">
+                    <m:sSup>
+                      <m:sSupPr>
+                        <m:ctrlPr>
+                          <a:rPr lang="zh-TW" altLang="zh-TW" i="1" smtClean="0">
+                            <a:solidFill>
+                              <a:srgbClr val="FF0000"/>
+                            </a:solidFill>
+                            <a:latin typeface="Cambria Math" panose="02040503050406030204" pitchFamily="18" charset="0"/>
+                            <a:ea typeface="Cambria Math" panose="02040503050406030204" pitchFamily="18" charset="0"/>
+                            <a:cs typeface="Times New Roman" panose="02020603050405020304" pitchFamily="18" charset="0"/>
+                          </a:rPr>
+                        </m:ctrlPr>
+                      </m:sSupPr>
+                      <m:e>
+                        <m:r>
+                          <a:rPr lang="en-US" altLang="zh-TW">
+                            <a:solidFill>
+                              <a:srgbClr val="FF0000"/>
+                            </a:solidFill>
+                            <a:latin typeface="Cambria Math" panose="02040503050406030204" pitchFamily="18" charset="0"/>
+                            <a:ea typeface="MS Mincho" panose="02020609040205080304" pitchFamily="49" charset="-128"/>
+                            <a:cs typeface="Times New Roman" panose="02020603050405020304" pitchFamily="18" charset="0"/>
+                          </a:rPr>
+                          <m:t>{</m:t>
+                        </m:r>
+                        <m:sSup>
+                          <m:sSupPr>
+                            <m:ctrlPr>
+                              <a:rPr lang="zh-TW" altLang="zh-TW" i="1">
+                                <a:solidFill>
+                                  <a:srgbClr val="FF0000"/>
+                                </a:solidFill>
+                                <a:latin typeface="Cambria Math" panose="02040503050406030204" pitchFamily="18" charset="0"/>
+                                <a:ea typeface="Cambria Math" panose="02040503050406030204" pitchFamily="18" charset="0"/>
+                                <a:cs typeface="Times New Roman" panose="02020603050405020304" pitchFamily="18" charset="0"/>
+                              </a:rPr>
+                            </m:ctrlPr>
+                          </m:sSupPr>
+                          <m:e>
+                            <m:r>
+                              <m:rPr>
+                                <m:sty m:val="p"/>
+                              </m:rPr>
+                              <a:rPr lang="en-US" altLang="zh-TW">
+                                <a:solidFill>
+                                  <a:srgbClr val="FF0000"/>
+                                </a:solidFill>
+                                <a:latin typeface="Cambria Math" panose="02040503050406030204" pitchFamily="18" charset="0"/>
+                                <a:ea typeface="MS Mincho" panose="02020609040205080304" pitchFamily="49" charset="-128"/>
+                                <a:cs typeface="Times New Roman" panose="02020603050405020304" pitchFamily="18" charset="0"/>
+                              </a:rPr>
+                              <m:t>w</m:t>
+                            </m:r>
+                          </m:e>
+                          <m:sup>
+                            <m:r>
+                              <m:rPr>
+                                <m:sty m:val="p"/>
+                              </m:rPr>
+                              <a:rPr lang="en-US" altLang="zh-TW">
+                                <a:solidFill>
+                                  <a:srgbClr val="FF0000"/>
+                                </a:solidFill>
+                                <a:latin typeface="Cambria Math" panose="02040503050406030204" pitchFamily="18" charset="0"/>
+                                <a:ea typeface="MS Mincho" panose="02020609040205080304" pitchFamily="49" charset="-128"/>
+                                <a:cs typeface="Times New Roman" panose="02020603050405020304" pitchFamily="18" charset="0"/>
+                              </a:rPr>
+                              <m:t>e</m:t>
+                            </m:r>
+                          </m:sup>
+                        </m:sSup>
+                        <m:r>
+                          <a:rPr lang="en-US" altLang="zh-TW">
+                            <a:solidFill>
+                              <a:srgbClr val="FF0000"/>
+                            </a:solidFill>
+                            <a:latin typeface="Cambria Math" panose="02040503050406030204" pitchFamily="18" charset="0"/>
+                            <a:ea typeface="MS Mincho" panose="02020609040205080304" pitchFamily="49" charset="-128"/>
+                            <a:cs typeface="Times New Roman" panose="02020603050405020304" pitchFamily="18" charset="0"/>
+                          </a:rPr>
+                          <m:t>}</m:t>
+                        </m:r>
+                      </m:e>
+                      <m:sup>
+                        <m:r>
+                          <m:rPr>
+                            <m:sty m:val="p"/>
+                          </m:rPr>
+                          <a:rPr lang="en-US" altLang="zh-TW">
+                            <a:solidFill>
+                              <a:srgbClr val="FF0000"/>
+                            </a:solidFill>
+                            <a:latin typeface="Cambria Math" panose="02040503050406030204" pitchFamily="18" charset="0"/>
+                            <a:ea typeface="MS Mincho" panose="02020609040205080304" pitchFamily="49" charset="-128"/>
+                            <a:cs typeface="Times New Roman" panose="02020603050405020304" pitchFamily="18" charset="0"/>
+                          </a:rPr>
+                          <m:t>T</m:t>
+                        </m:r>
+                      </m:sup>
+                    </m:sSup>
+                    <m:nary>
+                      <m:naryPr>
+                        <m:limLoc m:val="undOvr"/>
+                        <m:subHide m:val="on"/>
+                        <m:supHide m:val="on"/>
+                        <m:ctrlPr>
+                          <a:rPr lang="zh-TW" altLang="zh-TW" i="1">
+                            <a:solidFill>
+                              <a:srgbClr val="000000"/>
+                            </a:solidFill>
+                            <a:latin typeface="Cambria Math" panose="02040503050406030204" pitchFamily="18" charset="0"/>
+                            <a:ea typeface="Cambria Math" panose="02040503050406030204" pitchFamily="18" charset="0"/>
+                            <a:cs typeface="Times New Roman" panose="02020603050405020304" pitchFamily="18" charset="0"/>
+                          </a:rPr>
+                        </m:ctrlPr>
+                      </m:naryPr>
+                      <m:sub/>
+                      <m:sup/>
+                      <m:e>
+                        <m:sSup>
+                          <m:sSupPr>
+                            <m:ctrlPr>
+                              <a:rPr lang="zh-TW" altLang="zh-TW" i="1">
+                                <a:solidFill>
+                                  <a:srgbClr val="000000"/>
+                                </a:solidFill>
+                                <a:latin typeface="Cambria Math" panose="02040503050406030204" pitchFamily="18" charset="0"/>
+                                <a:ea typeface="Cambria Math" panose="02040503050406030204" pitchFamily="18" charset="0"/>
+                                <a:cs typeface="Times New Roman" panose="02020603050405020304" pitchFamily="18" charset="0"/>
+                              </a:rPr>
+                            </m:ctrlPr>
+                          </m:sSupPr>
+                          <m:e>
+                            <m:r>
+                              <a:rPr lang="en-US" altLang="zh-TW">
+                                <a:solidFill>
+                                  <a:srgbClr val="000000"/>
+                                </a:solidFill>
+                                <a:latin typeface="Cambria Math" panose="02040503050406030204" pitchFamily="18" charset="0"/>
+                                <a:ea typeface="MS Mincho" panose="02020609040205080304" pitchFamily="49" charset="-128"/>
+                                <a:cs typeface="Times New Roman" panose="02020603050405020304" pitchFamily="18" charset="0"/>
+                              </a:rPr>
+                              <m:t>[</m:t>
+                            </m:r>
+                            <m:sSup>
+                              <m:sSupPr>
+                                <m:ctrlPr>
+                                  <a:rPr lang="zh-TW" altLang="zh-TW" i="1">
+                                    <a:solidFill>
+                                      <a:srgbClr val="000000"/>
+                                    </a:solidFill>
+                                    <a:latin typeface="Cambria Math" panose="02040503050406030204" pitchFamily="18" charset="0"/>
+                                    <a:ea typeface="Cambria Math" panose="02040503050406030204" pitchFamily="18" charset="0"/>
+                                    <a:cs typeface="Times New Roman" panose="02020603050405020304" pitchFamily="18" charset="0"/>
+                                  </a:rPr>
+                                </m:ctrlPr>
+                              </m:sSupPr>
+                              <m:e>
+                                <m:r>
+                                  <m:rPr>
+                                    <m:sty m:val="p"/>
+                                  </m:rPr>
+                                  <a:rPr lang="en-US" altLang="zh-TW">
+                                    <a:solidFill>
+                                      <a:srgbClr val="000000"/>
+                                    </a:solidFill>
+                                    <a:latin typeface="Cambria Math" panose="02040503050406030204" pitchFamily="18" charset="0"/>
+                                    <a:ea typeface="MS Mincho" panose="02020609040205080304" pitchFamily="49" charset="-128"/>
+                                    <a:cs typeface="Times New Roman" panose="02020603050405020304" pitchFamily="18" charset="0"/>
+                                  </a:rPr>
+                                  <m:t>N</m:t>
+                                </m:r>
+                              </m:e>
+                              <m:sup>
+                                <m:r>
+                                  <m:rPr>
+                                    <m:sty m:val="p"/>
+                                  </m:rPr>
+                                  <a:rPr lang="en-US" altLang="zh-TW">
+                                    <a:solidFill>
+                                      <a:srgbClr val="000000"/>
+                                    </a:solidFill>
+                                    <a:latin typeface="Cambria Math" panose="02040503050406030204" pitchFamily="18" charset="0"/>
+                                    <a:ea typeface="MS Mincho" panose="02020609040205080304" pitchFamily="49" charset="-128"/>
+                                    <a:cs typeface="Times New Roman" panose="02020603050405020304" pitchFamily="18" charset="0"/>
+                                  </a:rPr>
+                                  <m:t>e</m:t>
+                                </m:r>
+                              </m:sup>
+                            </m:sSup>
+                            <m:r>
+                              <a:rPr lang="en-US" altLang="zh-TW">
+                                <a:solidFill>
+                                  <a:srgbClr val="000000"/>
+                                </a:solidFill>
+                                <a:latin typeface="Cambria Math" panose="02040503050406030204" pitchFamily="18" charset="0"/>
+                                <a:ea typeface="MS Mincho" panose="02020609040205080304" pitchFamily="49" charset="-128"/>
+                                <a:cs typeface="Times New Roman" panose="02020603050405020304" pitchFamily="18" charset="0"/>
+                              </a:rPr>
+                              <m:t>]</m:t>
+                            </m:r>
+                          </m:e>
+                          <m:sup>
+                            <m:r>
+                              <m:rPr>
+                                <m:sty m:val="p"/>
+                              </m:rPr>
+                              <a:rPr lang="en-US" altLang="zh-TW">
+                                <a:solidFill>
+                                  <a:srgbClr val="000000"/>
+                                </a:solidFill>
+                                <a:latin typeface="Cambria Math" panose="02040503050406030204" pitchFamily="18" charset="0"/>
+                                <a:ea typeface="MS Mincho" panose="02020609040205080304" pitchFamily="49" charset="-128"/>
+                                <a:cs typeface="Times New Roman" panose="02020603050405020304" pitchFamily="18" charset="0"/>
+                              </a:rPr>
+                              <m:t>T</m:t>
+                            </m:r>
+                          </m:sup>
+                        </m:sSup>
+                        <m:r>
+                          <m:rPr>
+                            <m:sty m:val="p"/>
+                          </m:rPr>
+                          <a:rPr lang="en-US" altLang="zh-TW" b="0" i="0" smtClean="0">
+                            <a:solidFill>
+                              <a:srgbClr val="000000"/>
+                            </a:solidFill>
+                            <a:latin typeface="Cambria Math" panose="02040503050406030204" pitchFamily="18" charset="0"/>
+                            <a:ea typeface="MS Mincho" panose="02020609040205080304" pitchFamily="49" charset="-128"/>
+                            <a:cs typeface="Times New Roman" panose="02020603050405020304" pitchFamily="18" charset="0"/>
+                          </a:rPr>
+                          <m:t>f</m:t>
+                        </m:r>
+                        <m:r>
+                          <m:rPr>
+                            <m:sty m:val="p"/>
+                          </m:rPr>
+                          <a:rPr lang="en-US" altLang="zh-TW">
+                            <a:solidFill>
+                              <a:srgbClr val="000000"/>
+                            </a:solidFill>
+                            <a:latin typeface="Cambria Math" panose="02040503050406030204" pitchFamily="18" charset="0"/>
+                            <a:ea typeface="MS Mincho" panose="02020609040205080304" pitchFamily="49" charset="-128"/>
+                            <a:cs typeface="Times New Roman" panose="02020603050405020304" pitchFamily="18" charset="0"/>
+                          </a:rPr>
+                          <m:t>dA</m:t>
+                        </m:r>
+                      </m:e>
+                    </m:nary>
+                    <m:r>
+                      <a:rPr lang="en-US" altLang="zh-TW">
+                        <a:solidFill>
+                          <a:srgbClr val="000000"/>
+                        </a:solidFill>
+                        <a:latin typeface="Cambria Math" panose="02040503050406030204" pitchFamily="18" charset="0"/>
+                        <a:ea typeface="MS Mincho" panose="02020609040205080304" pitchFamily="49" charset="-128"/>
+                        <a:cs typeface="Times New Roman" panose="02020603050405020304" pitchFamily="18" charset="0"/>
+                      </a:rPr>
+                      <m:t>  </m:t>
+                    </m:r>
+                  </m:oMath>
+                </a14:m>
+                <a:endParaRPr lang="zh-TW" altLang="zh-TW" dirty="0">
+                  <a:latin typeface="Times New Roman" panose="02020603050405020304" pitchFamily="18" charset="0"/>
+                  <a:ea typeface="MS Mincho" panose="02020609040205080304" pitchFamily="49" charset="-128"/>
+                  <a:cs typeface="Times New Roman" panose="02020603050405020304" pitchFamily="18" charset="0"/>
+                </a:endParaRPr>
+              </a:p>
+              <a:p>
+                <a:pPr marL="342900" indent="-342900">
+                  <a:buFont typeface="Wingdings" pitchFamily="2" charset="2"/>
+                  <a:buChar char=""/>
+                </a:pPr>
+                <a14:m>
+                  <m:oMath xmlns:m="http://schemas.openxmlformats.org/officeDocument/2006/math">
+                    <m:nary>
+                      <m:naryPr>
+                        <m:limLoc m:val="undOvr"/>
+                        <m:subHide m:val="on"/>
+                        <m:supHide m:val="on"/>
+                        <m:ctrlPr>
+                          <a:rPr lang="zh-TW" altLang="zh-TW" i="1">
+                            <a:solidFill>
+                              <a:srgbClr val="000000"/>
+                            </a:solidFill>
+                            <a:latin typeface="Cambria Math" panose="02040503050406030204" pitchFamily="18" charset="0"/>
+                            <a:ea typeface="Cambria Math" panose="02040503050406030204" pitchFamily="18" charset="0"/>
+                            <a:cs typeface="Times New Roman" panose="02020603050405020304" pitchFamily="18" charset="0"/>
+                          </a:rPr>
+                        </m:ctrlPr>
+                      </m:naryPr>
+                      <m:sub/>
+                      <m:sup/>
+                      <m:e>
+                        <m:sSup>
+                          <m:sSupPr>
+                            <m:ctrlPr>
+                              <a:rPr lang="zh-TW" altLang="zh-TW" i="1">
+                                <a:solidFill>
+                                  <a:srgbClr val="000000"/>
+                                </a:solidFill>
+                                <a:latin typeface="Cambria Math" panose="02040503050406030204" pitchFamily="18" charset="0"/>
+                                <a:ea typeface="Cambria Math" panose="02040503050406030204" pitchFamily="18" charset="0"/>
+                                <a:cs typeface="Times New Roman" panose="02020603050405020304" pitchFamily="18" charset="0"/>
+                              </a:rPr>
+                            </m:ctrlPr>
+                          </m:sSupPr>
+                          <m:e>
+                            <m:d>
+                              <m:dPr>
+                                <m:begChr m:val="["/>
+                                <m:endChr m:val="]"/>
+                                <m:ctrlPr>
+                                  <a:rPr lang="en-US" altLang="zh-TW">
+                                    <a:solidFill>
+                                      <a:srgbClr val="000000"/>
+                                    </a:solidFill>
+                                    <a:latin typeface="Cambria Math" panose="02040503050406030204" pitchFamily="18" charset="0"/>
+                                    <a:ea typeface="MS Mincho" panose="02020609040205080304" pitchFamily="49" charset="-128"/>
+                                    <a:cs typeface="Times New Roman" panose="02020603050405020304" pitchFamily="18" charset="0"/>
+                                  </a:rPr>
+                                </m:ctrlPr>
+                              </m:dPr>
+                              <m:e>
+                                <m:sSup>
+                                  <m:sSupPr>
+                                    <m:ctrlPr>
+                                      <a:rPr lang="zh-TW" altLang="zh-TW" i="1">
+                                        <a:solidFill>
+                                          <a:srgbClr val="000000"/>
+                                        </a:solidFill>
+                                        <a:latin typeface="Cambria Math" panose="02040503050406030204" pitchFamily="18" charset="0"/>
+                                        <a:ea typeface="Cambria Math" panose="02040503050406030204" pitchFamily="18" charset="0"/>
+                                        <a:cs typeface="Times New Roman" panose="02020603050405020304" pitchFamily="18" charset="0"/>
+                                      </a:rPr>
+                                    </m:ctrlPr>
+                                  </m:sSupPr>
+                                  <m:e>
+                                    <m:r>
+                                      <m:rPr>
+                                        <m:sty m:val="p"/>
+                                      </m:rPr>
+                                      <a:rPr lang="en-US" altLang="zh-TW">
+                                        <a:solidFill>
+                                          <a:srgbClr val="000000"/>
+                                        </a:solidFill>
+                                        <a:latin typeface="Cambria Math" panose="02040503050406030204" pitchFamily="18" charset="0"/>
+                                        <a:ea typeface="MS Mincho" panose="02020609040205080304" pitchFamily="49" charset="-128"/>
+                                        <a:cs typeface="Times New Roman" panose="02020603050405020304" pitchFamily="18" charset="0"/>
+                                      </a:rPr>
+                                      <m:t>N</m:t>
+                                    </m:r>
+                                  </m:e>
+                                  <m:sup>
+                                    <m:r>
+                                      <m:rPr>
+                                        <m:sty m:val="p"/>
+                                      </m:rPr>
+                                      <a:rPr lang="en-US" altLang="zh-TW">
+                                        <a:solidFill>
+                                          <a:srgbClr val="000000"/>
+                                        </a:solidFill>
+                                        <a:latin typeface="Cambria Math" panose="02040503050406030204" pitchFamily="18" charset="0"/>
+                                        <a:ea typeface="MS Mincho" panose="02020609040205080304" pitchFamily="49" charset="-128"/>
+                                        <a:cs typeface="Times New Roman" panose="02020603050405020304" pitchFamily="18" charset="0"/>
+                                      </a:rPr>
+                                      <m:t>e</m:t>
+                                    </m:r>
+                                  </m:sup>
+                                </m:sSup>
+                              </m:e>
+                            </m:d>
+                          </m:e>
+                          <m:sup>
+                            <m:r>
+                              <m:rPr>
+                                <m:sty m:val="p"/>
+                              </m:rPr>
+                              <a:rPr lang="en-US" altLang="zh-TW">
+                                <a:solidFill>
+                                  <a:srgbClr val="000000"/>
+                                </a:solidFill>
+                                <a:latin typeface="Cambria Math" panose="02040503050406030204" pitchFamily="18" charset="0"/>
+                                <a:ea typeface="MS Mincho" panose="02020609040205080304" pitchFamily="49" charset="-128"/>
+                                <a:cs typeface="Times New Roman" panose="02020603050405020304" pitchFamily="18" charset="0"/>
+                              </a:rPr>
+                              <m:t>T</m:t>
+                            </m:r>
+                          </m:sup>
+                        </m:sSup>
+                        <m:r>
+                          <m:rPr>
+                            <m:sty m:val="p"/>
+                          </m:rPr>
+                          <a:rPr lang="en-US" altLang="zh-TW">
+                            <a:solidFill>
+                              <a:srgbClr val="000000"/>
+                            </a:solidFill>
+                            <a:latin typeface="Cambria Math" panose="02040503050406030204" pitchFamily="18" charset="0"/>
+                            <a:ea typeface="MS Mincho" panose="02020609040205080304" pitchFamily="49" charset="-128"/>
+                            <a:cs typeface="Times New Roman" panose="02020603050405020304" pitchFamily="18" charset="0"/>
+                          </a:rPr>
+                          <m:t>f</m:t>
+                        </m:r>
+                        <m:r>
+                          <a:rPr lang="en-US" altLang="zh-TW" b="0" i="0" smtClean="0">
+                            <a:solidFill>
+                              <a:srgbClr val="000000"/>
+                            </a:solidFill>
+                            <a:latin typeface="Cambria Math" panose="02040503050406030204" pitchFamily="18" charset="0"/>
+                            <a:ea typeface="MS Mincho" panose="02020609040205080304" pitchFamily="49" charset="-128"/>
+                            <a:cs typeface="Times New Roman" panose="02020603050405020304" pitchFamily="18" charset="0"/>
+                          </a:rPr>
+                          <m:t>(</m:t>
+                        </m:r>
+                        <m:r>
+                          <m:rPr>
+                            <m:sty m:val="p"/>
+                          </m:rPr>
+                          <a:rPr lang="en-US" altLang="zh-TW" b="0" i="0" smtClean="0">
+                            <a:solidFill>
+                              <a:srgbClr val="000000"/>
+                            </a:solidFill>
+                            <a:latin typeface="Cambria Math" panose="02040503050406030204" pitchFamily="18" charset="0"/>
+                            <a:ea typeface="MS Mincho" panose="02020609040205080304" pitchFamily="49" charset="-128"/>
+                            <a:cs typeface="Times New Roman" panose="02020603050405020304" pitchFamily="18" charset="0"/>
+                          </a:rPr>
+                          <m:t>xg</m:t>
+                        </m:r>
+                        <m:r>
+                          <a:rPr lang="en-US" altLang="zh-TW" b="0" i="0" smtClean="0">
+                            <a:solidFill>
+                              <a:srgbClr val="000000"/>
+                            </a:solidFill>
+                            <a:latin typeface="Cambria Math" panose="02040503050406030204" pitchFamily="18" charset="0"/>
+                            <a:ea typeface="MS Mincho" panose="02020609040205080304" pitchFamily="49" charset="-128"/>
+                            <a:cs typeface="Times New Roman" panose="02020603050405020304" pitchFamily="18" charset="0"/>
+                          </a:rPr>
+                          <m:t>,</m:t>
+                        </m:r>
+                        <m:r>
+                          <m:rPr>
+                            <m:sty m:val="p"/>
+                          </m:rPr>
+                          <a:rPr lang="en-US" altLang="zh-TW" b="0" i="0" smtClean="0">
+                            <a:solidFill>
+                              <a:srgbClr val="000000"/>
+                            </a:solidFill>
+                            <a:latin typeface="Cambria Math" panose="02040503050406030204" pitchFamily="18" charset="0"/>
+                            <a:ea typeface="MS Mincho" panose="02020609040205080304" pitchFamily="49" charset="-128"/>
+                            <a:cs typeface="Times New Roman" panose="02020603050405020304" pitchFamily="18" charset="0"/>
+                          </a:rPr>
+                          <m:t>yg</m:t>
+                        </m:r>
+                        <m:r>
+                          <a:rPr lang="en-US" altLang="zh-TW" b="0" i="0" smtClean="0">
+                            <a:solidFill>
+                              <a:srgbClr val="000000"/>
+                            </a:solidFill>
+                            <a:latin typeface="Cambria Math" panose="02040503050406030204" pitchFamily="18" charset="0"/>
+                            <a:ea typeface="MS Mincho" panose="02020609040205080304" pitchFamily="49" charset="-128"/>
+                            <a:cs typeface="Times New Roman" panose="02020603050405020304" pitchFamily="18" charset="0"/>
+                          </a:rPr>
+                          <m:t>)</m:t>
+                        </m:r>
+                        <m:r>
+                          <m:rPr>
+                            <m:sty m:val="p"/>
+                          </m:rPr>
+                          <a:rPr lang="en-US" altLang="zh-TW">
+                            <a:solidFill>
+                              <a:srgbClr val="000000"/>
+                            </a:solidFill>
+                            <a:latin typeface="Cambria Math" panose="02040503050406030204" pitchFamily="18" charset="0"/>
+                            <a:ea typeface="MS Mincho" panose="02020609040205080304" pitchFamily="49" charset="-128"/>
+                            <a:cs typeface="Times New Roman" panose="02020603050405020304" pitchFamily="18" charset="0"/>
+                          </a:rPr>
+                          <m:t>dA</m:t>
+                        </m:r>
+                      </m:e>
+                    </m:nary>
+                    <m:r>
+                      <a:rPr lang="en-US" altLang="zh-TW">
+                        <a:solidFill>
+                          <a:srgbClr val="000000"/>
+                        </a:solidFill>
+                        <a:latin typeface="Cambria Math" panose="02040503050406030204" pitchFamily="18" charset="0"/>
+                        <a:ea typeface="MS Mincho" panose="02020609040205080304" pitchFamily="49" charset="-128"/>
+                        <a:cs typeface="Times New Roman" panose="02020603050405020304" pitchFamily="18" charset="0"/>
+                      </a:rPr>
+                      <m:t>  </m:t>
+                    </m:r>
+                  </m:oMath>
+                </a14:m>
+                <a:endParaRPr lang="en-US" altLang="zh-TW" dirty="0">
+                  <a:solidFill>
+                    <a:srgbClr val="000000"/>
+                  </a:solidFill>
+                  <a:ea typeface="MS Mincho" panose="02020609040205080304" pitchFamily="49" charset="-128"/>
+                  <a:cs typeface="Times New Roman" panose="02020603050405020304" pitchFamily="18" charset="0"/>
+                </a:endParaRPr>
+              </a:p>
+              <a:p>
+                <a:pPr marL="0" lvl="0" indent="0">
+                  <a:buNone/>
+                </a:pPr>
+                <a:r>
+                  <a:rPr lang="en-US" altLang="zh-TW" dirty="0">
+                    <a:solidFill>
+                      <a:srgbClr val="000000"/>
+                    </a:solidFill>
+                    <a:ea typeface="Times New Roman" panose="02020603050405020304" pitchFamily="18" charset="0"/>
+                  </a:rPr>
+                  <a:t> </a:t>
+                </a:r>
+                <a:endParaRPr lang="zh-TW" altLang="zh-TW" dirty="0">
+                  <a:latin typeface="Times New Roman" panose="02020603050405020304" pitchFamily="18" charset="0"/>
+                  <a:ea typeface="Times New Roman" panose="02020603050405020304" pitchFamily="18" charset="0"/>
+                </a:endParaRPr>
+              </a:p>
+              <a:p>
+                <a:pPr marL="0" indent="0">
+                  <a:buNone/>
+                </a:pPr>
+                <a:r>
+                  <a:rPr lang="en-US" altLang="zh-TW" dirty="0">
+                    <a:solidFill>
+                      <a:srgbClr val="000000"/>
+                    </a:solidFill>
+                    <a:ea typeface="Times New Roman" panose="02020603050405020304" pitchFamily="18" charset="0"/>
+                  </a:rPr>
+                  <a:t>For linear triangle element, we can get</a:t>
+                </a:r>
+                <a:endParaRPr lang="zh-TW" altLang="zh-TW" dirty="0">
+                  <a:latin typeface="Times New Roman" panose="02020603050405020304" pitchFamily="18" charset="0"/>
+                  <a:ea typeface="Times New Roman" panose="02020603050405020304" pitchFamily="18" charset="0"/>
+                </a:endParaRPr>
+              </a:p>
+              <a:p>
+                <a:pPr marL="0" indent="0">
+                  <a:buNone/>
+                </a:pPr>
+                <a14:m>
+                  <m:oMathPara xmlns:m="http://schemas.openxmlformats.org/officeDocument/2006/math">
+                    <m:oMathParaPr>
+                      <m:jc m:val="centerGroup"/>
+                    </m:oMathParaPr>
+                    <m:oMath xmlns:m="http://schemas.openxmlformats.org/officeDocument/2006/math">
+                      <m:f>
+                        <m:fPr>
+                          <m:ctrlPr>
+                            <a:rPr lang="en-US" altLang="zh-TW" b="0" i="0" smtClean="0">
+                              <a:solidFill>
+                                <a:srgbClr val="000000"/>
+                              </a:solidFill>
+                              <a:latin typeface="Cambria Math" panose="02040503050406030204" pitchFamily="18" charset="0"/>
+                              <a:ea typeface="Cambria Math" panose="02040503050406030204" pitchFamily="18" charset="0"/>
+                            </a:rPr>
+                          </m:ctrlPr>
+                        </m:fPr>
+                        <m:num>
+                          <m:sSup>
+                            <m:sSupPr>
+                              <m:ctrlPr>
+                                <a:rPr lang="zh-TW" altLang="zh-TW" i="1">
+                                  <a:solidFill>
+                                    <a:srgbClr val="000000"/>
+                                  </a:solidFill>
+                                  <a:latin typeface="Cambria Math" panose="02040503050406030204" pitchFamily="18" charset="0"/>
+                                  <a:ea typeface="Cambria Math" panose="02040503050406030204" pitchFamily="18" charset="0"/>
+                                </a:rPr>
+                              </m:ctrlPr>
+                            </m:sSupPr>
+                            <m:e>
+                              <m:r>
+                                <m:rPr>
+                                  <m:sty m:val="p"/>
+                                </m:rPr>
+                                <a:rPr lang="en-US" altLang="zh-TW">
+                                  <a:solidFill>
+                                    <a:srgbClr val="000000"/>
+                                  </a:solidFill>
+                                  <a:latin typeface="Cambria Math" panose="02040503050406030204" pitchFamily="18" charset="0"/>
+                                  <a:ea typeface="Times New Roman" panose="02020603050405020304" pitchFamily="18" charset="0"/>
+                                </a:rPr>
+                                <m:t>A</m:t>
+                              </m:r>
+                            </m:e>
+                            <m:sup>
+                              <m:r>
+                                <m:rPr>
+                                  <m:sty m:val="p"/>
+                                </m:rPr>
+                                <a:rPr lang="en-US" altLang="zh-TW">
+                                  <a:solidFill>
+                                    <a:srgbClr val="000000"/>
+                                  </a:solidFill>
+                                  <a:latin typeface="Cambria Math" panose="02040503050406030204" pitchFamily="18" charset="0"/>
+                                  <a:ea typeface="Times New Roman" panose="02020603050405020304" pitchFamily="18" charset="0"/>
+                                </a:rPr>
+                                <m:t>e</m:t>
+                              </m:r>
+                            </m:sup>
+                          </m:sSup>
+                          <m:r>
+                            <a:rPr lang="en-US" altLang="zh-TW" b="0" i="1" smtClean="0">
+                              <a:solidFill>
+                                <a:srgbClr val="000000"/>
+                              </a:solidFill>
+                              <a:latin typeface="Cambria Math" panose="02040503050406030204" pitchFamily="18" charset="0"/>
+                              <a:ea typeface="Times New Roman" panose="02020603050405020304" pitchFamily="18" charset="0"/>
+                            </a:rPr>
+                            <m:t>𝑓</m:t>
+                          </m:r>
+                          <m:d>
+                            <m:dPr>
+                              <m:ctrlPr>
+                                <a:rPr lang="en-US" altLang="zh-TW" b="0" i="1" smtClean="0">
+                                  <a:solidFill>
+                                    <a:srgbClr val="000000"/>
+                                  </a:solidFill>
+                                  <a:latin typeface="Cambria Math" panose="02040503050406030204" pitchFamily="18" charset="0"/>
+                                  <a:ea typeface="Times New Roman" panose="02020603050405020304" pitchFamily="18" charset="0"/>
+                                </a:rPr>
+                              </m:ctrlPr>
+                            </m:dPr>
+                            <m:e>
+                              <m:r>
+                                <a:rPr lang="en-US" altLang="zh-TW" b="0" i="1" smtClean="0">
+                                  <a:solidFill>
+                                    <a:srgbClr val="000000"/>
+                                  </a:solidFill>
+                                  <a:latin typeface="Cambria Math" panose="02040503050406030204" pitchFamily="18" charset="0"/>
+                                  <a:ea typeface="Times New Roman" panose="02020603050405020304" pitchFamily="18" charset="0"/>
+                                </a:rPr>
+                                <m:t>𝑥𝑔</m:t>
+                              </m:r>
+                              <m:r>
+                                <a:rPr lang="en-US" altLang="zh-TW" b="0" i="1" smtClean="0">
+                                  <a:solidFill>
+                                    <a:srgbClr val="000000"/>
+                                  </a:solidFill>
+                                  <a:latin typeface="Cambria Math" panose="02040503050406030204" pitchFamily="18" charset="0"/>
+                                  <a:ea typeface="Times New Roman" panose="02020603050405020304" pitchFamily="18" charset="0"/>
+                                </a:rPr>
+                                <m:t>,</m:t>
+                              </m:r>
+                              <m:r>
+                                <a:rPr lang="en-US" altLang="zh-TW" b="0" i="1" smtClean="0">
+                                  <a:solidFill>
+                                    <a:srgbClr val="000000"/>
+                                  </a:solidFill>
+                                  <a:latin typeface="Cambria Math" panose="02040503050406030204" pitchFamily="18" charset="0"/>
+                                  <a:ea typeface="Times New Roman" panose="02020603050405020304" pitchFamily="18" charset="0"/>
+                                </a:rPr>
+                                <m:t>𝑦𝑔</m:t>
+                              </m:r>
+                            </m:e>
+                          </m:d>
+                        </m:num>
+                        <m:den>
+                          <m:r>
+                            <a:rPr lang="en-US" altLang="zh-TW" b="0" i="0" smtClean="0">
+                              <a:solidFill>
+                                <a:srgbClr val="000000"/>
+                              </a:solidFill>
+                              <a:latin typeface="Cambria Math" panose="02040503050406030204" pitchFamily="18" charset="0"/>
+                              <a:ea typeface="Times New Roman" panose="02020603050405020304" pitchFamily="18" charset="0"/>
+                            </a:rPr>
+                            <m:t>3</m:t>
+                          </m:r>
+                        </m:den>
+                      </m:f>
+                      <m:r>
+                        <a:rPr lang="en-US" altLang="zh-TW">
+                          <a:solidFill>
+                            <a:srgbClr val="000000"/>
+                          </a:solidFill>
+                          <a:latin typeface="Cambria Math" panose="02040503050406030204" pitchFamily="18" charset="0"/>
+                          <a:ea typeface="Times New Roman" panose="02020603050405020304" pitchFamily="18" charset="0"/>
+                        </a:rPr>
+                        <m:t>.</m:t>
+                      </m:r>
+                    </m:oMath>
+                  </m:oMathPara>
+                </a14:m>
+                <a:endParaRPr lang="zh-TW" altLang="zh-TW" dirty="0">
+                  <a:latin typeface="Times New Roman" panose="02020603050405020304" pitchFamily="18" charset="0"/>
+                  <a:ea typeface="Times New Roman" panose="02020603050405020304" pitchFamily="18" charset="0"/>
+                </a:endParaRPr>
+              </a:p>
+              <a:p>
+                <a:pPr marL="0" indent="0">
+                  <a:buNone/>
+                </a:pPr>
+                <a:r>
+                  <a:rPr lang="en-US" altLang="zh-TW" dirty="0">
+                    <a:solidFill>
+                      <a:srgbClr val="000000"/>
+                    </a:solidFill>
+                    <a:ea typeface="Times New Roman" panose="02020603050405020304" pitchFamily="18" charset="0"/>
+                  </a:rPr>
+                  <a:t>We let </a:t>
+                </a:r>
+                <a14:m>
+                  <m:oMath xmlns:m="http://schemas.openxmlformats.org/officeDocument/2006/math">
+                    <m:sSup>
+                      <m:sSupPr>
+                        <m:ctrlPr>
+                          <a:rPr lang="zh-TW" altLang="zh-TW" i="1">
+                            <a:solidFill>
+                              <a:srgbClr val="000000"/>
+                            </a:solidFill>
+                            <a:latin typeface="Cambria Math" panose="02040503050406030204" pitchFamily="18" charset="0"/>
+                            <a:ea typeface="Cambria Math" panose="02040503050406030204" pitchFamily="18" charset="0"/>
+                          </a:rPr>
+                        </m:ctrlPr>
+                      </m:sSupPr>
+                      <m:e>
+                        <m:r>
+                          <m:rPr>
+                            <m:sty m:val="p"/>
+                          </m:rPr>
+                          <a:rPr lang="en-US" altLang="zh-TW" b="0" i="0" smtClean="0">
+                            <a:solidFill>
+                              <a:srgbClr val="000000"/>
+                            </a:solidFill>
+                            <a:latin typeface="Cambria Math" panose="02040503050406030204" pitchFamily="18" charset="0"/>
+                            <a:ea typeface="Cambria Math" panose="02040503050406030204" pitchFamily="18" charset="0"/>
+                          </a:rPr>
+                          <m:t>F</m:t>
+                        </m:r>
+                      </m:e>
+                      <m:sup>
+                        <m:r>
+                          <m:rPr>
+                            <m:sty m:val="p"/>
+                          </m:rPr>
+                          <a:rPr lang="en-US" altLang="zh-TW">
+                            <a:solidFill>
+                              <a:srgbClr val="000000"/>
+                            </a:solidFill>
+                            <a:latin typeface="Cambria Math" panose="02040503050406030204" pitchFamily="18" charset="0"/>
+                            <a:ea typeface="Times New Roman" panose="02020603050405020304" pitchFamily="18" charset="0"/>
+                          </a:rPr>
+                          <m:t>e</m:t>
+                        </m:r>
+                      </m:sup>
+                    </m:sSup>
+                    <m:r>
+                      <a:rPr lang="en-US" altLang="zh-TW">
+                        <a:solidFill>
+                          <a:srgbClr val="000000"/>
+                        </a:solidFill>
+                        <a:latin typeface="Cambria Math" panose="02040503050406030204" pitchFamily="18" charset="0"/>
+                        <a:ea typeface="Times New Roman" panose="02020603050405020304" pitchFamily="18" charset="0"/>
+                      </a:rPr>
+                      <m:t>=</m:t>
+                    </m:r>
+                    <m:f>
+                      <m:fPr>
+                        <m:ctrlPr>
+                          <a:rPr lang="en-US" altLang="zh-TW" i="1">
+                            <a:solidFill>
+                              <a:srgbClr val="000000"/>
+                            </a:solidFill>
+                            <a:latin typeface="Cambria Math" panose="02040503050406030204" pitchFamily="18" charset="0"/>
+                            <a:ea typeface="Cambria Math" panose="02040503050406030204" pitchFamily="18" charset="0"/>
+                          </a:rPr>
+                        </m:ctrlPr>
+                      </m:fPr>
+                      <m:num>
+                        <m:sSup>
+                          <m:sSupPr>
+                            <m:ctrlPr>
+                              <a:rPr lang="zh-TW" altLang="zh-TW" i="1">
+                                <a:solidFill>
+                                  <a:srgbClr val="000000"/>
+                                </a:solidFill>
+                                <a:latin typeface="Cambria Math" panose="02040503050406030204" pitchFamily="18" charset="0"/>
+                                <a:ea typeface="Cambria Math" panose="02040503050406030204" pitchFamily="18" charset="0"/>
+                              </a:rPr>
+                            </m:ctrlPr>
+                          </m:sSupPr>
+                          <m:e>
+                            <m:r>
+                              <m:rPr>
+                                <m:sty m:val="p"/>
+                              </m:rPr>
+                              <a:rPr lang="en-US" altLang="zh-TW">
+                                <a:solidFill>
+                                  <a:srgbClr val="000000"/>
+                                </a:solidFill>
+                                <a:latin typeface="Cambria Math" panose="02040503050406030204" pitchFamily="18" charset="0"/>
+                                <a:ea typeface="Times New Roman" panose="02020603050405020304" pitchFamily="18" charset="0"/>
+                              </a:rPr>
+                              <m:t>A</m:t>
+                            </m:r>
+                          </m:e>
+                          <m:sup>
+                            <m:r>
+                              <m:rPr>
+                                <m:sty m:val="p"/>
+                              </m:rPr>
+                              <a:rPr lang="en-US" altLang="zh-TW">
+                                <a:solidFill>
+                                  <a:srgbClr val="000000"/>
+                                </a:solidFill>
+                                <a:latin typeface="Cambria Math" panose="02040503050406030204" pitchFamily="18" charset="0"/>
+                                <a:ea typeface="Times New Roman" panose="02020603050405020304" pitchFamily="18" charset="0"/>
+                              </a:rPr>
+                              <m:t>e</m:t>
+                            </m:r>
+                          </m:sup>
+                        </m:sSup>
+                        <m:r>
+                          <a:rPr lang="en-US" altLang="zh-TW" i="1">
+                            <a:solidFill>
+                              <a:srgbClr val="000000"/>
+                            </a:solidFill>
+                            <a:latin typeface="Cambria Math" panose="02040503050406030204" pitchFamily="18" charset="0"/>
+                            <a:ea typeface="Times New Roman" panose="02020603050405020304" pitchFamily="18" charset="0"/>
+                          </a:rPr>
+                          <m:t>𝑓</m:t>
+                        </m:r>
+                        <m:d>
+                          <m:dPr>
+                            <m:ctrlPr>
+                              <a:rPr lang="en-US" altLang="zh-TW" i="1">
+                                <a:solidFill>
+                                  <a:srgbClr val="000000"/>
+                                </a:solidFill>
+                                <a:latin typeface="Cambria Math" panose="02040503050406030204" pitchFamily="18" charset="0"/>
+                                <a:ea typeface="Times New Roman" panose="02020603050405020304" pitchFamily="18" charset="0"/>
+                              </a:rPr>
+                            </m:ctrlPr>
+                          </m:dPr>
+                          <m:e>
+                            <m:r>
+                              <a:rPr lang="en-US" altLang="zh-TW" i="1">
+                                <a:solidFill>
+                                  <a:srgbClr val="000000"/>
+                                </a:solidFill>
+                                <a:latin typeface="Cambria Math" panose="02040503050406030204" pitchFamily="18" charset="0"/>
+                                <a:ea typeface="Times New Roman" panose="02020603050405020304" pitchFamily="18" charset="0"/>
+                              </a:rPr>
+                              <m:t>𝑥𝑔</m:t>
+                            </m:r>
+                            <m:r>
+                              <a:rPr lang="en-US" altLang="zh-TW" i="1">
+                                <a:solidFill>
+                                  <a:srgbClr val="000000"/>
+                                </a:solidFill>
+                                <a:latin typeface="Cambria Math" panose="02040503050406030204" pitchFamily="18" charset="0"/>
+                                <a:ea typeface="Times New Roman" panose="02020603050405020304" pitchFamily="18" charset="0"/>
+                              </a:rPr>
+                              <m:t>,</m:t>
+                            </m:r>
+                            <m:r>
+                              <a:rPr lang="en-US" altLang="zh-TW" i="1">
+                                <a:solidFill>
+                                  <a:srgbClr val="000000"/>
+                                </a:solidFill>
+                                <a:latin typeface="Cambria Math" panose="02040503050406030204" pitchFamily="18" charset="0"/>
+                                <a:ea typeface="Times New Roman" panose="02020603050405020304" pitchFamily="18" charset="0"/>
+                              </a:rPr>
+                              <m:t>𝑦𝑔</m:t>
+                            </m:r>
+                          </m:e>
+                        </m:d>
+                      </m:num>
+                      <m:den>
+                        <m:r>
+                          <a:rPr lang="en-US" altLang="zh-TW">
+                            <a:solidFill>
+                              <a:srgbClr val="000000"/>
+                            </a:solidFill>
+                            <a:latin typeface="Cambria Math" panose="02040503050406030204" pitchFamily="18" charset="0"/>
+                            <a:ea typeface="Times New Roman" panose="02020603050405020304" pitchFamily="18" charset="0"/>
+                          </a:rPr>
+                          <m:t>3</m:t>
+                        </m:r>
+                      </m:den>
+                    </m:f>
+                    <m:r>
+                      <a:rPr lang="en-US" altLang="zh-TW" b="0" i="0" smtClean="0">
+                        <a:solidFill>
+                          <a:srgbClr val="000000"/>
+                        </a:solidFill>
+                        <a:latin typeface="Cambria Math" panose="02040503050406030204" pitchFamily="18" charset="0"/>
+                        <a:ea typeface="Times New Roman" panose="02020603050405020304" pitchFamily="18" charset="0"/>
+                      </a:rPr>
+                      <m:t>  .</m:t>
+                    </m:r>
+                  </m:oMath>
+                </a14:m>
+                <a:endParaRPr lang="en-US" altLang="zh-TW" b="0" dirty="0">
+                  <a:solidFill>
+                    <a:srgbClr val="000000"/>
+                  </a:solidFill>
+                  <a:ea typeface="Times New Roman" panose="02020603050405020304" pitchFamily="18" charset="0"/>
+                </a:endParaRPr>
+              </a:p>
+              <a:p>
+                <a:pPr marL="0" indent="0">
+                  <a:buNone/>
+                </a:pPr>
+                <a:r>
+                  <a:rPr lang="en-US" altLang="zh-TW" dirty="0">
+                    <a:latin typeface="Times New Roman" panose="02020603050405020304" pitchFamily="18" charset="0"/>
+                    <a:ea typeface="Times New Roman" panose="02020603050405020304" pitchFamily="18" charset="0"/>
+                  </a:rPr>
+                  <a:t>We can get </a:t>
+                </a:r>
+                <a14:m>
+                  <m:oMath xmlns:m="http://schemas.openxmlformats.org/officeDocument/2006/math">
+                    <m:r>
+                      <m:rPr>
+                        <m:sty m:val="p"/>
+                      </m:rPr>
+                      <a:rPr lang="en-US" altLang="zh-TW" b="0" i="0" smtClean="0">
+                        <a:solidFill>
+                          <a:srgbClr val="000000"/>
+                        </a:solidFill>
+                        <a:latin typeface="Cambria Math" panose="02040503050406030204" pitchFamily="18" charset="0"/>
+                        <a:ea typeface="Cambria Math" panose="02040503050406030204" pitchFamily="18" charset="0"/>
+                      </a:rPr>
+                      <m:t>RHS</m:t>
+                    </m:r>
+                    <m:r>
+                      <a:rPr lang="en-US" altLang="zh-TW" b="0" i="0" smtClean="0">
+                        <a:solidFill>
+                          <a:srgbClr val="000000"/>
+                        </a:solidFill>
+                        <a:latin typeface="Cambria Math" panose="02040503050406030204" pitchFamily="18" charset="0"/>
+                        <a:ea typeface="Cambria Math" panose="02040503050406030204" pitchFamily="18" charset="0"/>
+                      </a:rPr>
+                      <m:t>=</m:t>
+                    </m:r>
+                    <m:sSup>
+                      <m:sSupPr>
+                        <m:ctrlPr>
+                          <a:rPr lang="zh-TW" altLang="zh-TW" i="1">
+                            <a:solidFill>
+                              <a:srgbClr val="000000"/>
+                            </a:solidFill>
+                            <a:latin typeface="Cambria Math" panose="02040503050406030204" pitchFamily="18" charset="0"/>
+                            <a:ea typeface="Cambria Math" panose="02040503050406030204" pitchFamily="18" charset="0"/>
+                          </a:rPr>
+                        </m:ctrlPr>
+                      </m:sSupPr>
+                      <m:e>
+                        <m:r>
+                          <m:rPr>
+                            <m:sty m:val="p"/>
+                          </m:rPr>
+                          <a:rPr lang="en-US" altLang="zh-TW">
+                            <a:solidFill>
+                              <a:srgbClr val="000000"/>
+                            </a:solidFill>
+                            <a:latin typeface="Cambria Math" panose="02040503050406030204" pitchFamily="18" charset="0"/>
+                            <a:ea typeface="Cambria Math" panose="02040503050406030204" pitchFamily="18" charset="0"/>
+                          </a:rPr>
+                          <m:t>F</m:t>
+                        </m:r>
+                      </m:e>
+                      <m:sup>
+                        <m:r>
+                          <m:rPr>
+                            <m:sty m:val="p"/>
+                          </m:rPr>
+                          <a:rPr lang="en-US" altLang="zh-TW">
+                            <a:solidFill>
+                              <a:srgbClr val="000000"/>
+                            </a:solidFill>
+                            <a:latin typeface="Cambria Math" panose="02040503050406030204" pitchFamily="18" charset="0"/>
+                            <a:ea typeface="Times New Roman" panose="02020603050405020304" pitchFamily="18" charset="0"/>
+                          </a:rPr>
+                          <m:t>e</m:t>
+                        </m:r>
+                      </m:sup>
+                    </m:sSup>
+                    <m:r>
+                      <a:rPr lang="en-US" altLang="zh-TW">
+                        <a:solidFill>
+                          <a:srgbClr val="000000"/>
+                        </a:solidFill>
+                        <a:latin typeface="Cambria Math" panose="02040503050406030204" pitchFamily="18" charset="0"/>
+                        <a:ea typeface="Times New Roman" panose="02020603050405020304" pitchFamily="18" charset="0"/>
+                      </a:rPr>
+                      <m:t>=</m:t>
+                    </m:r>
+                    <m:f>
+                      <m:fPr>
+                        <m:ctrlPr>
+                          <a:rPr lang="en-US" altLang="zh-TW" i="1">
+                            <a:solidFill>
+                              <a:srgbClr val="000000"/>
+                            </a:solidFill>
+                            <a:latin typeface="Cambria Math" panose="02040503050406030204" pitchFamily="18" charset="0"/>
+                            <a:ea typeface="Cambria Math" panose="02040503050406030204" pitchFamily="18" charset="0"/>
+                          </a:rPr>
+                        </m:ctrlPr>
+                      </m:fPr>
+                      <m:num>
+                        <m:sSup>
+                          <m:sSupPr>
+                            <m:ctrlPr>
+                              <a:rPr lang="zh-TW" altLang="zh-TW" i="1">
+                                <a:solidFill>
+                                  <a:srgbClr val="000000"/>
+                                </a:solidFill>
+                                <a:latin typeface="Cambria Math" panose="02040503050406030204" pitchFamily="18" charset="0"/>
+                                <a:ea typeface="Cambria Math" panose="02040503050406030204" pitchFamily="18" charset="0"/>
+                              </a:rPr>
+                            </m:ctrlPr>
+                          </m:sSupPr>
+                          <m:e>
+                            <m:r>
+                              <m:rPr>
+                                <m:sty m:val="p"/>
+                              </m:rPr>
+                              <a:rPr lang="en-US" altLang="zh-TW">
+                                <a:solidFill>
+                                  <a:srgbClr val="000000"/>
+                                </a:solidFill>
+                                <a:latin typeface="Cambria Math" panose="02040503050406030204" pitchFamily="18" charset="0"/>
+                                <a:ea typeface="Times New Roman" panose="02020603050405020304" pitchFamily="18" charset="0"/>
+                              </a:rPr>
+                              <m:t>A</m:t>
+                            </m:r>
+                          </m:e>
+                          <m:sup>
+                            <m:r>
+                              <m:rPr>
+                                <m:sty m:val="p"/>
+                              </m:rPr>
+                              <a:rPr lang="en-US" altLang="zh-TW">
+                                <a:solidFill>
+                                  <a:srgbClr val="000000"/>
+                                </a:solidFill>
+                                <a:latin typeface="Cambria Math" panose="02040503050406030204" pitchFamily="18" charset="0"/>
+                                <a:ea typeface="Times New Roman" panose="02020603050405020304" pitchFamily="18" charset="0"/>
+                              </a:rPr>
+                              <m:t>e</m:t>
+                            </m:r>
+                          </m:sup>
+                        </m:sSup>
+                        <m:r>
+                          <a:rPr lang="en-US" altLang="zh-TW" i="1">
+                            <a:solidFill>
+                              <a:srgbClr val="000000"/>
+                            </a:solidFill>
+                            <a:latin typeface="Cambria Math" panose="02040503050406030204" pitchFamily="18" charset="0"/>
+                            <a:ea typeface="Times New Roman" panose="02020603050405020304" pitchFamily="18" charset="0"/>
+                          </a:rPr>
+                          <m:t>𝑓</m:t>
+                        </m:r>
+                        <m:d>
+                          <m:dPr>
+                            <m:ctrlPr>
+                              <a:rPr lang="en-US" altLang="zh-TW" i="1">
+                                <a:solidFill>
+                                  <a:srgbClr val="000000"/>
+                                </a:solidFill>
+                                <a:latin typeface="Cambria Math" panose="02040503050406030204" pitchFamily="18" charset="0"/>
+                                <a:ea typeface="Times New Roman" panose="02020603050405020304" pitchFamily="18" charset="0"/>
+                              </a:rPr>
+                            </m:ctrlPr>
+                          </m:dPr>
+                          <m:e>
+                            <m:r>
+                              <a:rPr lang="en-US" altLang="zh-TW" i="1">
+                                <a:solidFill>
+                                  <a:srgbClr val="000000"/>
+                                </a:solidFill>
+                                <a:latin typeface="Cambria Math" panose="02040503050406030204" pitchFamily="18" charset="0"/>
+                                <a:ea typeface="Times New Roman" panose="02020603050405020304" pitchFamily="18" charset="0"/>
+                              </a:rPr>
+                              <m:t>𝑥𝑔</m:t>
+                            </m:r>
+                            <m:r>
+                              <a:rPr lang="en-US" altLang="zh-TW" i="1">
+                                <a:solidFill>
+                                  <a:srgbClr val="000000"/>
+                                </a:solidFill>
+                                <a:latin typeface="Cambria Math" panose="02040503050406030204" pitchFamily="18" charset="0"/>
+                                <a:ea typeface="Times New Roman" panose="02020603050405020304" pitchFamily="18" charset="0"/>
+                              </a:rPr>
+                              <m:t>,</m:t>
+                            </m:r>
+                            <m:r>
+                              <a:rPr lang="en-US" altLang="zh-TW" i="1">
+                                <a:solidFill>
+                                  <a:srgbClr val="000000"/>
+                                </a:solidFill>
+                                <a:latin typeface="Cambria Math" panose="02040503050406030204" pitchFamily="18" charset="0"/>
+                                <a:ea typeface="Times New Roman" panose="02020603050405020304" pitchFamily="18" charset="0"/>
+                              </a:rPr>
+                              <m:t>𝑦𝑔</m:t>
+                            </m:r>
+                          </m:e>
+                        </m:d>
+                      </m:num>
+                      <m:den>
+                        <m:r>
+                          <a:rPr lang="en-US" altLang="zh-TW">
+                            <a:solidFill>
+                              <a:srgbClr val="000000"/>
+                            </a:solidFill>
+                            <a:latin typeface="Cambria Math" panose="02040503050406030204" pitchFamily="18" charset="0"/>
+                            <a:ea typeface="Times New Roman" panose="02020603050405020304" pitchFamily="18" charset="0"/>
+                          </a:rPr>
+                          <m:t>3</m:t>
+                        </m:r>
+                      </m:den>
+                    </m:f>
+                    <m:r>
+                      <a:rPr lang="en-US" altLang="zh-TW">
+                        <a:solidFill>
+                          <a:srgbClr val="000000"/>
+                        </a:solidFill>
+                        <a:latin typeface="Cambria Math" panose="02040503050406030204" pitchFamily="18" charset="0"/>
+                        <a:ea typeface="Times New Roman" panose="02020603050405020304" pitchFamily="18" charset="0"/>
+                      </a:rPr>
+                      <m:t> </m:t>
+                    </m:r>
+                    <m:r>
+                      <a:rPr lang="en-US" altLang="zh-TW" b="0" i="0" smtClean="0">
+                        <a:solidFill>
+                          <a:srgbClr val="000000"/>
+                        </a:solidFill>
+                        <a:latin typeface="Cambria Math" panose="02040503050406030204" pitchFamily="18" charset="0"/>
+                        <a:ea typeface="Times New Roman" panose="02020603050405020304" pitchFamily="18" charset="0"/>
+                      </a:rPr>
+                      <m:t>   .</m:t>
+                    </m:r>
+                  </m:oMath>
+                </a14:m>
+                <a:endParaRPr lang="zh-TW" altLang="zh-TW" dirty="0">
+                  <a:latin typeface="Times New Roman" panose="02020603050405020304" pitchFamily="18" charset="0"/>
+                  <a:ea typeface="Times New Roman" panose="02020603050405020304" pitchFamily="18" charset="0"/>
+                </a:endParaRPr>
+              </a:p>
+              <a:p>
+                <a:endParaRPr kumimoji="1" lang="zh-TW" altLang="en-US" dirty="0"/>
+              </a:p>
+            </p:txBody>
+          </p:sp>
+        </mc:Choice>
+        <mc:Fallback>
+          <p:sp>
+            <p:nvSpPr>
+              <p:cNvPr id="3" name="內容版面配置區 2">
+                <a:extLst>
+                  <a:ext uri="{FF2B5EF4-FFF2-40B4-BE49-F238E27FC236}">
+                    <a16:creationId xmlns:a16="http://schemas.microsoft.com/office/drawing/2014/main" id="{4AA8B329-5224-6D42-9C87-2A28C30918C1}"/>
+                  </a:ext>
+                </a:extLst>
+              </p:cNvPr>
+              <p:cNvSpPr>
+                <a:spLocks noGrp="1" noRot="1" noChangeAspect="1" noMove="1" noResize="1" noEditPoints="1" noAdjustHandles="1" noChangeArrowheads="1" noChangeShapeType="1" noTextEdit="1"/>
+              </p:cNvSpPr>
+              <p:nvPr>
+                <p:ph idx="1"/>
+              </p:nvPr>
+            </p:nvSpPr>
+            <p:spPr>
+              <a:blipFill>
+                <a:blip r:embed="rId4"/>
+                <a:stretch>
+                  <a:fillRect l="-2023" t="-16916" b="-214"/>
+                </a:stretch>
+              </a:blipFill>
+            </p:spPr>
+            <p:txBody>
+              <a:bodyPr/>
+              <a:lstStyle/>
+              <a:p>
+                <a:r>
+                  <a:rPr lang="zh-TW" altLang="en-US">
+                    <a:noFill/>
+                  </a:rPr>
+                  <a:t> </a:t>
+                </a:r>
+              </a:p>
+            </p:txBody>
+          </p:sp>
+        </mc:Fallback>
+      </mc:AlternateContent>
+      <p:sp>
+        <p:nvSpPr>
+          <p:cNvPr id="4" name="投影片編號版面配置區 3">
+            <a:extLst>
+              <a:ext uri="{FF2B5EF4-FFF2-40B4-BE49-F238E27FC236}">
+                <a16:creationId xmlns:a16="http://schemas.microsoft.com/office/drawing/2014/main" id="{64C7D2F8-BFDA-8249-BD97-3781175F21B5}"/>
+              </a:ext>
+            </a:extLst>
+          </p:cNvPr>
+          <p:cNvSpPr>
+            <a:spLocks noGrp="1"/>
+          </p:cNvSpPr>
+          <p:nvPr>
+            <p:ph type="sldNum" sz="quarter" idx="4"/>
+          </p:nvPr>
+        </p:nvSpPr>
+        <p:spPr/>
+        <p:txBody>
+          <a:bodyPr/>
+          <a:lstStyle/>
+          <a:p>
+            <a:pPr>
+              <a:defRPr/>
+            </a:pPr>
+            <a:fld id="{E8C28225-8C40-1B4C-8782-A48A7246F811}" type="slidenum">
+              <a:rPr lang="en-US" smtClean="0"/>
+              <a:pPr>
+                <a:defRPr/>
+              </a:pPr>
+              <a:t>5</a:t>
+            </a:fld>
+            <a:endParaRPr lang="en-US" dirty="0"/>
+          </a:p>
+        </p:txBody>
+      </p:sp>
+      <p:sp>
+        <p:nvSpPr>
+          <p:cNvPr id="5" name="文字方塊 4">
+            <a:extLst>
+              <a:ext uri="{FF2B5EF4-FFF2-40B4-BE49-F238E27FC236}">
+                <a16:creationId xmlns:a16="http://schemas.microsoft.com/office/drawing/2014/main" id="{F29C3EC0-2EB7-9D9B-120C-B10504868211}"/>
+              </a:ext>
+            </a:extLst>
+          </p:cNvPr>
+          <p:cNvSpPr txBox="1"/>
+          <p:nvPr/>
+        </p:nvSpPr>
+        <p:spPr>
+          <a:xfrm>
+            <a:off x="3429000" y="2895600"/>
+            <a:ext cx="1787669" cy="369332"/>
+          </a:xfrm>
+          <a:prstGeom prst="rect">
+            <a:avLst/>
+          </a:prstGeom>
+          <a:solidFill>
+            <a:srgbClr val="FFC000"/>
+          </a:solidFill>
+        </p:spPr>
+        <p:style>
+          <a:lnRef idx="2">
+            <a:schemeClr val="accent2"/>
+          </a:lnRef>
+          <a:fillRef idx="1">
+            <a:schemeClr val="lt1"/>
+          </a:fillRef>
+          <a:effectRef idx="0">
+            <a:schemeClr val="accent2"/>
+          </a:effectRef>
+          <a:fontRef idx="minor">
+            <a:schemeClr val="dk1"/>
+          </a:fontRef>
+        </p:style>
+        <p:txBody>
+          <a:bodyPr wrap="none" rtlCol="0">
+            <a:spAutoFit/>
+          </a:bodyPr>
+          <a:lstStyle/>
+          <a:p>
+            <a:r>
+              <a:rPr kumimoji="1" lang="en-US" altLang="zh-TW" dirty="0">
+                <a:latin typeface="Times" pitchFamily="2" charset="0"/>
+              </a:rPr>
+              <a:t>Cancel with LHS</a:t>
+            </a:r>
+            <a:endParaRPr kumimoji="1" lang="zh-TW" altLang="en-US" dirty="0">
+              <a:latin typeface="Times" pitchFamily="2" charset="0"/>
+            </a:endParaRPr>
+          </a:p>
+        </p:txBody>
+      </p:sp>
+      <p:pic>
+        <p:nvPicPr>
+          <p:cNvPr id="8" name="圖片 7" descr="一張含有 天空, 船, 天線, 距離 的圖片&#10;&#10;自動產生的描述">
+            <a:extLst>
+              <a:ext uri="{FF2B5EF4-FFF2-40B4-BE49-F238E27FC236}">
+                <a16:creationId xmlns:a16="http://schemas.microsoft.com/office/drawing/2014/main" id="{87998159-5A59-3A3E-1DAB-A2AF90DC0D77}"/>
+              </a:ext>
+            </a:extLst>
+          </p:cNvPr>
+          <p:cNvPicPr>
+            <a:picLocks noChangeAspect="1"/>
+          </p:cNvPicPr>
+          <p:nvPr/>
+        </p:nvPicPr>
+        <p:blipFill>
+          <a:blip r:embed="rId5">
+            <a:clrChange>
+              <a:clrFrom>
+                <a:srgbClr val="FFFFFF"/>
+              </a:clrFrom>
+              <a:clrTo>
+                <a:srgbClr val="FFFFFF">
+                  <a:alpha val="0"/>
+                </a:srgbClr>
+              </a:clrTo>
+            </a:clrChange>
+          </a:blip>
+          <a:stretch>
+            <a:fillRect/>
+          </a:stretch>
+        </p:blipFill>
+        <p:spPr>
+          <a:xfrm>
+            <a:off x="5105401" y="3272840"/>
+            <a:ext cx="4038600" cy="2109767"/>
+          </a:xfrm>
+          <a:prstGeom prst="rect">
+            <a:avLst/>
+          </a:prstGeom>
+        </p:spPr>
+      </p:pic>
+      <p:sp>
+        <p:nvSpPr>
+          <p:cNvPr id="9" name="矩形 8">
+            <a:extLst>
+              <a:ext uri="{FF2B5EF4-FFF2-40B4-BE49-F238E27FC236}">
+                <a16:creationId xmlns:a16="http://schemas.microsoft.com/office/drawing/2014/main" id="{221DC0EF-760C-BDA3-DA45-8756A4B7AC27}"/>
+              </a:ext>
+            </a:extLst>
+          </p:cNvPr>
+          <p:cNvSpPr/>
+          <p:nvPr/>
+        </p:nvSpPr>
+        <p:spPr>
+          <a:xfrm>
+            <a:off x="5793567" y="5522741"/>
+            <a:ext cx="3048000" cy="738664"/>
+          </a:xfrm>
+          <a:prstGeom prst="rect">
+            <a:avLst/>
+          </a:prstGeom>
+          <a:solidFill>
+            <a:schemeClr val="bg1">
+              <a:lumMod val="95000"/>
+            </a:schemeClr>
+          </a:solidFill>
+        </p:spPr>
+        <p:txBody>
+          <a:bodyPr wrap="square" lIns="45720" tIns="0" rIns="45720" bIns="0">
+            <a:spAutoFit/>
+          </a:bodyPr>
+          <a:lstStyle/>
+          <a:p>
+            <a:r>
+              <a:rPr lang="en" altLang="zh-TW" sz="1200" b="1" dirty="0">
+                <a:latin typeface="Times" pitchFamily="2" charset="0"/>
+              </a:rPr>
+              <a:t>Numerical solution of partial differential equations by the finite element method</a:t>
+            </a:r>
+            <a:r>
+              <a:rPr lang="en" altLang="zh-TW" sz="1200" dirty="0">
+                <a:latin typeface="Times" pitchFamily="2" charset="0"/>
+              </a:rPr>
+              <a:t>. Acta Appl Math 18, 184–186 (1990). https://</a:t>
+            </a:r>
+            <a:r>
+              <a:rPr lang="en" altLang="zh-TW" sz="1200" dirty="0" err="1">
+                <a:latin typeface="Times" pitchFamily="2" charset="0"/>
+              </a:rPr>
+              <a:t>doi.org</a:t>
+            </a:r>
+            <a:r>
+              <a:rPr lang="en" altLang="zh-TW" sz="1200" dirty="0">
+                <a:latin typeface="Times" pitchFamily="2" charset="0"/>
+              </a:rPr>
+              <a:t>/10.1007/BF00046566</a:t>
+            </a:r>
+          </a:p>
+        </p:txBody>
+      </p:sp>
+    </p:spTree>
+    <p:extLst>
+      <p:ext uri="{BB962C8B-B14F-4D97-AF65-F5344CB8AC3E}">
+        <p14:creationId xmlns:p14="http://schemas.microsoft.com/office/powerpoint/2010/main" val="268373090"/>
+      </p:ext>
+    </p:extLst>
+  </p:cSld>
+  <p:clrMapOvr>
+    <a:masterClrMapping/>
+  </p:clrMapOvr>
+</p:sld>
+</file>
+
+<file path=ppt/slides/slide6.xml><?xml version="1.0" encoding="utf-8"?>
 <p:sld xmlns:a="http://schemas.openxmlformats.org/drawingml/2006/main" xmlns:r="http://schemas.openxmlformats.org/officeDocument/2006/relationships" xmlns:p="http://schemas.openxmlformats.org/presentationml/2006/main">
   <p:cSld>
     <p:spTree>
@@ -13346,7 +15875,7 @@
               <a:pPr>
                 <a:defRPr/>
               </a:pPr>
-              <a:t>5</a:t>
+              <a:t>6</a:t>
             </a:fld>
             <a:endParaRPr lang="en-US" dirty="0"/>
           </a:p>
@@ -13564,6 +16093,71 @@
           </a:fontRef>
         </p:style>
       </p:cxnSp>
+      <p:sp>
+        <p:nvSpPr>
+          <p:cNvPr id="11" name="Rectangle 6">
+            <a:extLst>
+              <a:ext uri="{FF2B5EF4-FFF2-40B4-BE49-F238E27FC236}">
+                <a16:creationId xmlns:a16="http://schemas.microsoft.com/office/drawing/2014/main" id="{1224C256-B323-E0B8-D78D-708AFB9FEB16}"/>
+              </a:ext>
+            </a:extLst>
+          </p:cNvPr>
+          <p:cNvSpPr/>
+          <p:nvPr/>
+        </p:nvSpPr>
+        <p:spPr>
+          <a:xfrm>
+            <a:off x="1071397" y="6495098"/>
+            <a:ext cx="7160231" cy="184666"/>
+          </a:xfrm>
+          <a:prstGeom prst="rect">
+            <a:avLst/>
+          </a:prstGeom>
+          <a:solidFill>
+            <a:schemeClr val="bg1">
+              <a:lumMod val="95000"/>
+            </a:schemeClr>
+          </a:solidFill>
+        </p:spPr>
+        <p:txBody>
+          <a:bodyPr wrap="square" lIns="45720" tIns="0" rIns="45720" bIns="0">
+            <a:spAutoFit/>
+          </a:bodyPr>
+          <a:lstStyle/>
+          <a:p>
+            <a:r>
+              <a:rPr lang="en-US" sz="1200" dirty="0">
+                <a:latin typeface="Times" pitchFamily="2" charset="0"/>
+              </a:rPr>
+              <a:t>J. Fish and T. </a:t>
+            </a:r>
+            <a:r>
+              <a:rPr lang="en-US" sz="1200" dirty="0" err="1">
+                <a:latin typeface="Times" pitchFamily="2" charset="0"/>
+              </a:rPr>
+              <a:t>Belytschko</a:t>
+            </a:r>
+            <a:r>
+              <a:rPr lang="en-US" sz="1200" dirty="0">
+                <a:latin typeface="Times" pitchFamily="2" charset="0"/>
+              </a:rPr>
+              <a:t>, </a:t>
+            </a:r>
+            <a:r>
+              <a:rPr lang="en-US" sz="1200" b="1" dirty="0">
+                <a:latin typeface="Times" pitchFamily="2" charset="0"/>
+              </a:rPr>
+              <a:t>A first course in finite element</a:t>
+            </a:r>
+            <a:r>
+              <a:rPr lang="en-US" sz="1200" dirty="0">
+                <a:latin typeface="Times" pitchFamily="2" charset="0"/>
+              </a:rPr>
+              <a:t>, John Wiley &amp; Sons, Ltd, West Sussex, UK, 2007.</a:t>
+            </a:r>
+          </a:p>
+        </p:txBody>
+      </p:sp>
     </p:spTree>
     <p:extLst>
       <p:ext uri="{BB962C8B-B14F-4D97-AF65-F5344CB8AC3E}">
@@ -13577,7 +16171,7 @@
 </p:sld>
 </file>
 
-<file path=ppt/slides/slide6.xml><?xml version="1.0" encoding="utf-8"?>
+<file path=ppt/slides/slide7.xml><?xml version="1.0" encoding="utf-8"?>
 <p:sld xmlns:a="http://schemas.openxmlformats.org/drawingml/2006/main" xmlns:r="http://schemas.openxmlformats.org/officeDocument/2006/relationships" xmlns:p="http://schemas.openxmlformats.org/presentationml/2006/main">
   <p:cSld>
     <p:spTree>
@@ -13692,7 +16286,7 @@
               <a:pPr>
                 <a:defRPr/>
               </a:pPr>
-              <a:t>6</a:t>
+              <a:t>7</a:t>
             </a:fld>
             <a:endParaRPr lang="en-US" dirty="0"/>
           </a:p>
@@ -14367,7 +16961,7 @@
 </p:sld>
 </file>
 
-<file path=ppt/slides/slide7.xml><?xml version="1.0" encoding="utf-8"?>
+<file path=ppt/slides/slide8.xml><?xml version="1.0" encoding="utf-8"?>
 <p:sld xmlns:a="http://schemas.openxmlformats.org/drawingml/2006/main" xmlns:r="http://schemas.openxmlformats.org/officeDocument/2006/relationships" xmlns:p="http://schemas.openxmlformats.org/presentationml/2006/main">
   <p:cSld>
     <p:spTree>
@@ -14408,7 +17002,7 @@
             <a:pPr lvl="0"/>
             <a:r>
               <a:rPr lang="en-US" altLang="zh-TW" dirty="0"/>
-              <a:t>matrix-vector product</a:t>
+              <a:t>Matrix-vector product</a:t>
             </a:r>
           </a:p>
         </p:txBody>
@@ -14442,7 +17036,7 @@
               <a:pPr>
                 <a:defRPr/>
               </a:pPr>
-              <a:t>7</a:t>
+              <a:t>8</a:t>
             </a:fld>
             <a:endParaRPr lang="en-US" dirty="0"/>
           </a:p>
@@ -15436,7 +18030,7 @@
 </p:sld>
 </file>
 
-<file path=ppt/slides/slide8.xml><?xml version="1.0" encoding="utf-8"?>
+<file path=ppt/slides/slide9.xml><?xml version="1.0" encoding="utf-8"?>
 <p:sld xmlns:a="http://schemas.openxmlformats.org/drawingml/2006/main" xmlns:r="http://schemas.openxmlformats.org/officeDocument/2006/relationships" xmlns:p="http://schemas.openxmlformats.org/presentationml/2006/main">
   <p:cSld>
     <p:spTree>
@@ -15511,7 +18105,7 @@
               <a:pPr>
                 <a:defRPr/>
               </a:pPr>
-              <a:t>8</a:t>
+              <a:t>9</a:t>
             </a:fld>
             <a:endParaRPr lang="en-US" dirty="0"/>
           </a:p>
@@ -15855,344 +18449,6 @@
     <p:extLst>
       <p:ext uri="{BB962C8B-B14F-4D97-AF65-F5344CB8AC3E}">
         <p14:creationId xmlns:p14="http://schemas.microsoft.com/office/powerpoint/2010/main" val="602575482"/>
-      </p:ext>
-    </p:extLst>
-  </p:cSld>
-  <p:clrMapOvr>
-    <a:masterClrMapping/>
-  </p:clrMapOvr>
-</p:sld>
-</file>
-
-<file path=ppt/slides/slide9.xml><?xml version="1.0" encoding="utf-8"?>
-<p:sld xmlns:a="http://schemas.openxmlformats.org/drawingml/2006/main" xmlns:r="http://schemas.openxmlformats.org/officeDocument/2006/relationships" xmlns:p="http://schemas.openxmlformats.org/presentationml/2006/main">
-  <p:cSld>
-    <p:spTree>
-      <p:nvGrpSpPr>
-        <p:cNvPr id="1" name=""/>
-        <p:cNvGrpSpPr/>
-        <p:nvPr/>
-      </p:nvGrpSpPr>
-      <p:grpSpPr>
-        <a:xfrm>
-          <a:off x="0" y="0"/>
-          <a:ext cx="0" cy="0"/>
-          <a:chOff x="0" y="0"/>
-          <a:chExt cx="0" cy="0"/>
-        </a:xfrm>
-      </p:grpSpPr>
-      <p:sp>
-        <p:nvSpPr>
-          <p:cNvPr id="2" name="標題 1">
-            <a:extLst>
-              <a:ext uri="{FF2B5EF4-FFF2-40B4-BE49-F238E27FC236}">
-                <a16:creationId xmlns:a16="http://schemas.microsoft.com/office/drawing/2014/main" id="{9D58FFB0-FFE6-1A49-0D99-88A594DC2168}"/>
-              </a:ext>
-            </a:extLst>
-          </p:cNvPr>
-          <p:cNvSpPr>
-            <a:spLocks noGrp="1"/>
-          </p:cNvSpPr>
-          <p:nvPr>
-            <p:ph type="title"/>
-          </p:nvPr>
-        </p:nvSpPr>
-        <p:spPr/>
-        <p:txBody>
-          <a:bodyPr/>
-          <a:lstStyle/>
-          <a:p>
-            <a:r>
-              <a:rPr kumimoji="1" lang="en-US" altLang="zh-TW" dirty="0"/>
-              <a:t>Results</a:t>
-            </a:r>
-            <a:endParaRPr kumimoji="1" lang="zh-TW" altLang="en-US" dirty="0"/>
-          </a:p>
-        </p:txBody>
-      </p:sp>
-      <p:sp>
-        <p:nvSpPr>
-          <p:cNvPr id="4" name="投影片編號版面配置區 3">
-            <a:extLst>
-              <a:ext uri="{FF2B5EF4-FFF2-40B4-BE49-F238E27FC236}">
-                <a16:creationId xmlns:a16="http://schemas.microsoft.com/office/drawing/2014/main" id="{638F9F28-153A-DF02-C975-F3856BE26967}"/>
-              </a:ext>
-            </a:extLst>
-          </p:cNvPr>
-          <p:cNvSpPr>
-            <a:spLocks noGrp="1"/>
-          </p:cNvSpPr>
-          <p:nvPr>
-            <p:ph type="sldNum" sz="quarter" idx="4"/>
-          </p:nvPr>
-        </p:nvSpPr>
-        <p:spPr/>
-        <p:txBody>
-          <a:bodyPr/>
-          <a:lstStyle/>
-          <a:p>
-            <a:pPr>
-              <a:defRPr/>
-            </a:pPr>
-            <a:fld id="{E8C28225-8C40-1B4C-8782-A48A7246F811}" type="slidenum">
-              <a:rPr lang="en-US" smtClean="0"/>
-              <a:pPr>
-                <a:defRPr/>
-              </a:pPr>
-              <a:t>9</a:t>
-            </a:fld>
-            <a:endParaRPr lang="en-US" dirty="0"/>
-          </a:p>
-        </p:txBody>
-      </p:sp>
-      <p:pic>
-        <p:nvPicPr>
-          <p:cNvPr id="6" name="圖片 5">
-            <a:extLst>
-              <a:ext uri="{FF2B5EF4-FFF2-40B4-BE49-F238E27FC236}">
-                <a16:creationId xmlns:a16="http://schemas.microsoft.com/office/drawing/2014/main" id="{D72FA874-08A3-1899-8964-E17AA2A166AB}"/>
-              </a:ext>
-            </a:extLst>
-          </p:cNvPr>
-          <p:cNvPicPr>
-            <a:picLocks noChangeAspect="1"/>
-          </p:cNvPicPr>
-          <p:nvPr/>
-        </p:nvPicPr>
-        <p:blipFill>
-          <a:blip r:embed="rId2">
-            <a:clrChange>
-              <a:clrFrom>
-                <a:srgbClr val="FFFFFF"/>
-              </a:clrFrom>
-              <a:clrTo>
-                <a:srgbClr val="FFFFFF">
-                  <a:alpha val="0"/>
-                </a:srgbClr>
-              </a:clrTo>
-            </a:clrChange>
-          </a:blip>
-          <a:stretch>
-            <a:fillRect/>
-          </a:stretch>
-        </p:blipFill>
-        <p:spPr>
-          <a:xfrm>
-            <a:off x="5084319" y="3609700"/>
-            <a:ext cx="3954753" cy="2880000"/>
-          </a:xfrm>
-          <a:prstGeom prst="rect">
-            <a:avLst/>
-          </a:prstGeom>
-        </p:spPr>
-      </p:pic>
-      <p:pic>
-        <p:nvPicPr>
-          <p:cNvPr id="8" name="圖片 7">
-            <a:extLst>
-              <a:ext uri="{FF2B5EF4-FFF2-40B4-BE49-F238E27FC236}">
-                <a16:creationId xmlns:a16="http://schemas.microsoft.com/office/drawing/2014/main" id="{51D42406-7244-E818-4053-A156BB51C67D}"/>
-              </a:ext>
-            </a:extLst>
-          </p:cNvPr>
-          <p:cNvPicPr>
-            <a:picLocks noChangeAspect="1"/>
-          </p:cNvPicPr>
-          <p:nvPr/>
-        </p:nvPicPr>
-        <p:blipFill>
-          <a:blip r:embed="rId3">
-            <a:clrChange>
-              <a:clrFrom>
-                <a:srgbClr val="FFFFFF"/>
-              </a:clrFrom>
-              <a:clrTo>
-                <a:srgbClr val="FFFFFF">
-                  <a:alpha val="0"/>
-                </a:srgbClr>
-              </a:clrTo>
-            </a:clrChange>
-          </a:blip>
-          <a:stretch>
-            <a:fillRect/>
-          </a:stretch>
-        </p:blipFill>
-        <p:spPr>
-          <a:xfrm>
-            <a:off x="719211" y="3609700"/>
-            <a:ext cx="3318073" cy="2880000"/>
-          </a:xfrm>
-          <a:prstGeom prst="rect">
-            <a:avLst/>
-          </a:prstGeom>
-        </p:spPr>
-      </p:pic>
-      <p:sp>
-        <p:nvSpPr>
-          <p:cNvPr id="9" name="文字方塊 8">
-            <a:extLst>
-              <a:ext uri="{FF2B5EF4-FFF2-40B4-BE49-F238E27FC236}">
-                <a16:creationId xmlns:a16="http://schemas.microsoft.com/office/drawing/2014/main" id="{B6FE0C8E-9BAB-EC90-561E-4A68A6933F6E}"/>
-              </a:ext>
-            </a:extLst>
-          </p:cNvPr>
-          <p:cNvSpPr txBox="1"/>
-          <p:nvPr/>
-        </p:nvSpPr>
-        <p:spPr>
-          <a:xfrm>
-            <a:off x="4059680" y="3503943"/>
-            <a:ext cx="955711" cy="369332"/>
-          </a:xfrm>
-          <a:prstGeom prst="rect">
-            <a:avLst/>
-          </a:prstGeom>
-          <a:noFill/>
-        </p:spPr>
-        <p:txBody>
-          <a:bodyPr wrap="none" rtlCol="0">
-            <a:spAutoFit/>
-          </a:bodyPr>
-          <a:lstStyle/>
-          <a:p>
-            <a:r>
-              <a:rPr kumimoji="1" lang="en-US" altLang="zh-TW" dirty="0">
-                <a:latin typeface="Times" pitchFamily="2" charset="0"/>
-              </a:rPr>
-              <a:t>m = 161</a:t>
-            </a:r>
-            <a:endParaRPr kumimoji="1" lang="zh-TW" altLang="en-US" dirty="0">
-              <a:latin typeface="Times" pitchFamily="2" charset="0"/>
-            </a:endParaRPr>
-          </a:p>
-        </p:txBody>
-      </p:sp>
-      <p:sp>
-        <p:nvSpPr>
-          <p:cNvPr id="10" name="文字方塊 9">
-            <a:extLst>
-              <a:ext uri="{FF2B5EF4-FFF2-40B4-BE49-F238E27FC236}">
-                <a16:creationId xmlns:a16="http://schemas.microsoft.com/office/drawing/2014/main" id="{A3C84944-B21C-3DFF-1C9D-CBCD4FBFB6F7}"/>
-              </a:ext>
-            </a:extLst>
-          </p:cNvPr>
-          <p:cNvSpPr txBox="1"/>
-          <p:nvPr/>
-        </p:nvSpPr>
-        <p:spPr>
-          <a:xfrm>
-            <a:off x="4123799" y="821005"/>
-            <a:ext cx="840295" cy="369332"/>
-          </a:xfrm>
-          <a:prstGeom prst="rect">
-            <a:avLst/>
-          </a:prstGeom>
-          <a:noFill/>
-        </p:spPr>
-        <p:txBody>
-          <a:bodyPr wrap="none" rtlCol="0">
-            <a:spAutoFit/>
-          </a:bodyPr>
-          <a:lstStyle/>
-          <a:p>
-            <a:r>
-              <a:rPr kumimoji="1" lang="en-US" altLang="zh-TW" dirty="0">
-                <a:latin typeface="Times" pitchFamily="2" charset="0"/>
-              </a:rPr>
-              <a:t>m = 21</a:t>
-            </a:r>
-            <a:endParaRPr kumimoji="1" lang="zh-TW" altLang="en-US" dirty="0">
-              <a:latin typeface="Times" pitchFamily="2" charset="0"/>
-            </a:endParaRPr>
-          </a:p>
-        </p:txBody>
-      </p:sp>
-      <p:pic>
-        <p:nvPicPr>
-          <p:cNvPr id="12" name="圖片 11">
-            <a:extLst>
-              <a:ext uri="{FF2B5EF4-FFF2-40B4-BE49-F238E27FC236}">
-                <a16:creationId xmlns:a16="http://schemas.microsoft.com/office/drawing/2014/main" id="{E7E2653F-EF01-DE82-B5C7-11307B10F098}"/>
-              </a:ext>
-            </a:extLst>
-          </p:cNvPr>
-          <p:cNvPicPr>
-            <a:picLocks noChangeAspect="1"/>
-          </p:cNvPicPr>
-          <p:nvPr/>
-        </p:nvPicPr>
-        <p:blipFill>
-          <a:blip r:embed="rId4">
-            <a:clrChange>
-              <a:clrFrom>
-                <a:srgbClr val="FFFFFF"/>
-              </a:clrFrom>
-              <a:clrTo>
-                <a:srgbClr val="FFFFFF">
-                  <a:alpha val="0"/>
-                </a:srgbClr>
-              </a:clrTo>
-            </a:clrChange>
-          </a:blip>
-          <a:stretch>
-            <a:fillRect/>
-          </a:stretch>
-        </p:blipFill>
-        <p:spPr>
-          <a:xfrm>
-            <a:off x="544468" y="634912"/>
-            <a:ext cx="3387273" cy="2880000"/>
-          </a:xfrm>
-          <a:prstGeom prst="rect">
-            <a:avLst/>
-          </a:prstGeom>
-        </p:spPr>
-      </p:pic>
-      <p:pic>
-        <p:nvPicPr>
-          <p:cNvPr id="14" name="圖片 13">
-            <a:extLst>
-              <a:ext uri="{FF2B5EF4-FFF2-40B4-BE49-F238E27FC236}">
-                <a16:creationId xmlns:a16="http://schemas.microsoft.com/office/drawing/2014/main" id="{DF3B0073-96DA-EC56-813F-5CD582D34E76}"/>
-              </a:ext>
-            </a:extLst>
-          </p:cNvPr>
-          <p:cNvPicPr>
-            <a:picLocks noChangeAspect="1"/>
-          </p:cNvPicPr>
-          <p:nvPr/>
-        </p:nvPicPr>
-        <p:blipFill>
-          <a:blip r:embed="rId5">
-            <a:clrChange>
-              <a:clrFrom>
-                <a:srgbClr val="FFFFFF"/>
-              </a:clrFrom>
-              <a:clrTo>
-                <a:srgbClr val="FFFFFF">
-                  <a:alpha val="0"/>
-                </a:srgbClr>
-              </a:clrTo>
-            </a:clrChange>
-          </a:blip>
-          <a:stretch>
-            <a:fillRect/>
-          </a:stretch>
-        </p:blipFill>
-        <p:spPr>
-          <a:xfrm>
-            <a:off x="5125261" y="634912"/>
-            <a:ext cx="3731719" cy="2880000"/>
-          </a:xfrm>
-          <a:prstGeom prst="rect">
-            <a:avLst/>
-          </a:prstGeom>
-        </p:spPr>
-      </p:pic>
-    </p:spTree>
-    <p:extLst>
-      <p:ext uri="{BB962C8B-B14F-4D97-AF65-F5344CB8AC3E}">
-        <p14:creationId xmlns:p14="http://schemas.microsoft.com/office/powerpoint/2010/main" val="2022446168"/>
       </p:ext>
     </p:extLst>
   </p:cSld>

--- a/final_project/cheng_hau.pptx
+++ b/final_project/cheng_hau.pptx
@@ -11339,8 +11339,8 @@
           <a:chExt cx="0" cy="0"/>
         </a:xfrm>
       </p:grpSpPr>
-      <mc:AlternateContent xmlns:mc="http://schemas.openxmlformats.org/markup-compatibility/2006">
-        <mc:Choice xmlns:a14="http://schemas.microsoft.com/office/drawing/2010/main" Requires="a14">
+      <mc:AlternateContent xmlns:mc="http://schemas.openxmlformats.org/markup-compatibility/2006" xmlns:a14="http://schemas.microsoft.com/office/drawing/2010/main">
+        <mc:Choice Requires="a14">
           <p:sp>
             <p:nvSpPr>
               <p:cNvPr id="2" name="標題 1">
@@ -11432,7 +11432,7 @@
             </p:txBody>
           </p:sp>
         </mc:Choice>
-        <mc:Fallback>
+        <mc:Fallback xmlns="">
           <p:sp>
             <p:nvSpPr>
               <p:cNvPr id="2" name="標題 1">
@@ -11472,8 +11472,8 @@
           </p:sp>
         </mc:Fallback>
       </mc:AlternateContent>
-      <mc:AlternateContent xmlns:mc="http://schemas.openxmlformats.org/markup-compatibility/2006">
-        <mc:Choice xmlns:a14="http://schemas.microsoft.com/office/drawing/2010/main" Requires="a14">
+      <mc:AlternateContent xmlns:mc="http://schemas.openxmlformats.org/markup-compatibility/2006" xmlns:a14="http://schemas.microsoft.com/office/drawing/2010/main">
+        <mc:Choice Requires="a14">
           <p:sp>
             <p:nvSpPr>
               <p:cNvPr id="3" name="內容版面配置區 2">
@@ -13520,7 +13520,7 @@
                         <m:begChr m:val="["/>
                         <m:endChr m:val="]"/>
                         <m:ctrlPr>
-                          <a:rPr lang="en-US" altLang="zh-TW">
+                          <a:rPr lang="en-US" altLang="zh-TW" i="1">
                             <a:solidFill>
                               <a:srgbClr val="000000"/>
                             </a:solidFill>
@@ -13759,7 +13759,7 @@
             </p:txBody>
           </p:sp>
         </mc:Choice>
-        <mc:Fallback>
+        <mc:Fallback xmlns="">
           <p:sp>
             <p:nvSpPr>
               <p:cNvPr id="3" name="內容版面配置區 2">
@@ -13920,8 +13920,8 @@
           <a:chExt cx="0" cy="0"/>
         </a:xfrm>
       </p:grpSpPr>
-      <mc:AlternateContent xmlns:mc="http://schemas.openxmlformats.org/markup-compatibility/2006">
-        <mc:Choice xmlns:a14="http://schemas.microsoft.com/office/drawing/2010/main" Requires="a14">
+      <mc:AlternateContent xmlns:mc="http://schemas.openxmlformats.org/markup-compatibility/2006" xmlns:a14="http://schemas.microsoft.com/office/drawing/2010/main">
+        <mc:Choice Requires="a14">
           <p:sp>
             <p:nvSpPr>
               <p:cNvPr id="2" name="標題 1">
@@ -14013,7 +14013,7 @@
             </p:txBody>
           </p:sp>
         </mc:Choice>
-        <mc:Fallback>
+        <mc:Fallback xmlns="">
           <p:sp>
             <p:nvSpPr>
               <p:cNvPr id="2" name="標題 1">
@@ -14228,7 +14228,7 @@
                             <m:begChr m:val="["/>
                             <m:endChr m:val="]"/>
                             <m:ctrlPr>
-                              <a:rPr lang="en-US" altLang="zh-TW">
+                              <a:rPr lang="en-US" altLang="zh-TW" i="1">
                                 <a:solidFill>
                                   <a:srgbClr val="000000"/>
                                 </a:solidFill>
@@ -14418,6 +14418,17 @@
                         </m:ctrlPr>
                       </m:sSupPr>
                       <m:e>
+                        <m:r>
+                          <a:rPr lang="en-US" altLang="zh-TW" b="0" i="0" smtClean="0">
+                            <a:solidFill>
+                              <a:srgbClr val="FF0000"/>
+                            </a:solidFill>
+                            <a:latin typeface="Cambria Math" panose="02040503050406030204" pitchFamily="18" charset="0"/>
+                            <a:ea typeface="Cambria Math" panose="02040503050406030204" pitchFamily="18" charset="0"/>
+                            <a:cs typeface="Times New Roman" panose="02020603050405020304" pitchFamily="18" charset="0"/>
+                          </a:rPr>
+                          <m:t>−</m:t>
+                        </m:r>
                         <m:r>
                           <a:rPr lang="en-US" altLang="zh-TW">
                             <a:solidFill>
@@ -14679,6 +14690,17 @@
                 </a:pPr>
                 <a14:m>
                   <m:oMath xmlns:m="http://schemas.openxmlformats.org/officeDocument/2006/math">
+                    <m:r>
+                      <a:rPr lang="en-US" altLang="zh-TW" b="0" i="1" smtClean="0">
+                        <a:solidFill>
+                          <a:srgbClr val="000000"/>
+                        </a:solidFill>
+                        <a:latin typeface="Cambria Math" panose="02040503050406030204" pitchFamily="18" charset="0"/>
+                        <a:ea typeface="Cambria Math" panose="02040503050406030204" pitchFamily="18" charset="0"/>
+                        <a:cs typeface="Times New Roman" panose="02020603050405020304" pitchFamily="18" charset="0"/>
+                      </a:rPr>
+                      <m:t>−</m:t>
+                    </m:r>
                     <m:nary>
                       <m:naryPr>
                         <m:limLoc m:val="undOvr"/>
@@ -14717,7 +14739,7 @@
                                 <m:begChr m:val="["/>
                                 <m:endChr m:val="]"/>
                                 <m:ctrlPr>
-                                  <a:rPr lang="en-US" altLang="zh-TW">
+                                  <a:rPr lang="en-US" altLang="zh-TW" i="1">
                                     <a:solidFill>
                                       <a:srgbClr val="000000"/>
                                     </a:solidFill>
@@ -14952,10 +14974,20 @@
                       <m:jc m:val="centerGroup"/>
                     </m:oMathParaPr>
                     <m:oMath xmlns:m="http://schemas.openxmlformats.org/officeDocument/2006/math">
+                      <m:r>
+                        <a:rPr lang="en-US" altLang="zh-TW" b="0" i="1" smtClean="0">
+                          <a:solidFill>
+                            <a:srgbClr val="000000"/>
+                          </a:solidFill>
+                          <a:latin typeface="Cambria Math" panose="02040503050406030204" pitchFamily="18" charset="0"/>
+                          <a:ea typeface="Cambria Math" panose="02040503050406030204" pitchFamily="18" charset="0"/>
+                        </a:rPr>
+                        <m:t>−</m:t>
+                      </m:r>
                       <m:f>
                         <m:fPr>
                           <m:ctrlPr>
-                            <a:rPr lang="en-US" altLang="zh-TW" b="0" i="0" smtClean="0">
+                            <a:rPr lang="en-US" altLang="zh-TW" b="0" i="1" smtClean="0">
                               <a:solidFill>
                                 <a:srgbClr val="000000"/>
                               </a:solidFill>
@@ -15162,6 +15194,16 @@
                         <a:ea typeface="Times New Roman" panose="02020603050405020304" pitchFamily="18" charset="0"/>
                       </a:rPr>
                       <m:t>=</m:t>
+                    </m:r>
+                    <m:r>
+                      <a:rPr lang="en-US" altLang="zh-TW" b="0" i="1" smtClean="0">
+                        <a:solidFill>
+                          <a:srgbClr val="000000"/>
+                        </a:solidFill>
+                        <a:latin typeface="Cambria Math" panose="02040503050406030204" pitchFamily="18" charset="0"/>
+                        <a:ea typeface="Times New Roman" panose="02020603050405020304" pitchFamily="18" charset="0"/>
+                      </a:rPr>
+                      <m:t>−</m:t>
                     </m:r>
                     <m:f>
                       <m:fPr>
@@ -15396,6 +15438,16 @@
                       </a:rPr>
                       <m:t>=</m:t>
                     </m:r>
+                    <m:r>
+                      <a:rPr lang="en-US" altLang="zh-TW" b="0" i="1" smtClean="0">
+                        <a:solidFill>
+                          <a:srgbClr val="000000"/>
+                        </a:solidFill>
+                        <a:latin typeface="Cambria Math" panose="02040503050406030204" pitchFamily="18" charset="0"/>
+                        <a:ea typeface="Times New Roman" panose="02020603050405020304" pitchFamily="18" charset="0"/>
+                      </a:rPr>
+                      <m:t>−</m:t>
+                    </m:r>
                     <m:f>
                       <m:fPr>
                         <m:ctrlPr>
@@ -15575,7 +15627,7 @@
               <a:blipFill>
                 <a:blip r:embed="rId4"/>
                 <a:stretch>
-                  <a:fillRect l="-2023" t="-16916" b="-214"/>
+                  <a:fillRect l="-867" t="-16916" b="-214"/>
                 </a:stretch>
               </a:blipFill>
             </p:spPr>
@@ -17506,7 +17558,7 @@
         </p:nvGrpSpPr>
         <p:grpSpPr>
           <a:xfrm>
-            <a:off x="609600" y="4495800"/>
+            <a:off x="800100" y="4306789"/>
             <a:ext cx="2438400" cy="1716219"/>
             <a:chOff x="762000" y="4495800"/>
             <a:chExt cx="2438400" cy="1716219"/>

--- a/final_project/cheng_hau.pptx
+++ b/final_project/cheng_hau.pptx
@@ -13890,6 +13890,49 @@
           </a:p>
         </p:txBody>
       </p:sp>
+      <p:sp>
+        <p:nvSpPr>
+          <p:cNvPr id="6" name="矩形 5">
+            <a:extLst>
+              <a:ext uri="{FF2B5EF4-FFF2-40B4-BE49-F238E27FC236}">
+                <a16:creationId xmlns:a16="http://schemas.microsoft.com/office/drawing/2014/main" id="{E82D5F48-4224-6CA2-D807-B119E3A6C735}"/>
+              </a:ext>
+            </a:extLst>
+          </p:cNvPr>
+          <p:cNvSpPr/>
+          <p:nvPr/>
+        </p:nvSpPr>
+        <p:spPr>
+          <a:xfrm>
+            <a:off x="5029200" y="5773875"/>
+            <a:ext cx="3581400" cy="430887"/>
+          </a:xfrm>
+          <a:prstGeom prst="rect">
+            <a:avLst/>
+          </a:prstGeom>
+          <a:solidFill>
+            <a:schemeClr val="bg2"/>
+          </a:solidFill>
+        </p:spPr>
+        <p:txBody>
+          <a:bodyPr wrap="square">
+            <a:spAutoFit/>
+          </a:bodyPr>
+          <a:lstStyle/>
+          <a:p>
+            <a:r>
+              <a:rPr lang="zh-TW" altLang="en-US" sz="1100" dirty="0"/>
+              <a:t>temp_Ke = matrix_mult_transpose(&amp;Be, &amp;Be);</a:t>
+            </a:r>
+          </a:p>
+          <a:p>
+            <a:r>
+              <a:rPr lang="zh-TW" altLang="en-US" sz="1100" dirty="0"/>
+              <a:t>Ke = scale_matrix(&amp;temp_Ke, Area);</a:t>
+            </a:r>
+          </a:p>
+        </p:txBody>
+      </p:sp>
     </p:spTree>
     <p:extLst>
       <p:ext uri="{BB962C8B-B14F-4D97-AF65-F5344CB8AC3E}">
@@ -14053,8 +14096,8 @@
           </p:sp>
         </mc:Fallback>
       </mc:AlternateContent>
-      <mc:AlternateContent xmlns:mc="http://schemas.openxmlformats.org/markup-compatibility/2006">
-        <mc:Choice xmlns:a14="http://schemas.microsoft.com/office/drawing/2010/main" Requires="a14">
+      <mc:AlternateContent xmlns:mc="http://schemas.openxmlformats.org/markup-compatibility/2006" xmlns:a14="http://schemas.microsoft.com/office/drawing/2010/main">
+        <mc:Choice Requires="a14">
           <p:sp>
             <p:nvSpPr>
               <p:cNvPr id="3" name="內容版面配置區 2">
@@ -15606,7 +15649,7 @@
             </p:txBody>
           </p:sp>
         </mc:Choice>
-        <mc:Fallback>
+        <mc:Fallback xmlns="">
           <p:sp>
             <p:nvSpPr>
               <p:cNvPr id="3" name="內容版面配置區 2">
@@ -15837,6 +15880,82 @@
           </a:p>
         </p:txBody>
       </p:sp>
+      <p:sp>
+        <p:nvSpPr>
+          <p:cNvPr id="10" name="矩形 9">
+            <a:extLst>
+              <a:ext uri="{FF2B5EF4-FFF2-40B4-BE49-F238E27FC236}">
+                <a16:creationId xmlns:a16="http://schemas.microsoft.com/office/drawing/2014/main" id="{DE10FD59-5097-4C4D-DBE7-09D65E7B1D49}"/>
+              </a:ext>
+            </a:extLst>
+          </p:cNvPr>
+          <p:cNvSpPr/>
+          <p:nvPr/>
+        </p:nvSpPr>
+        <p:spPr>
+          <a:xfrm>
+            <a:off x="5671221" y="925578"/>
+            <a:ext cx="3292692" cy="2169825"/>
+          </a:xfrm>
+          <a:prstGeom prst="rect">
+            <a:avLst/>
+          </a:prstGeom>
+          <a:solidFill>
+            <a:schemeClr val="bg2"/>
+          </a:solidFill>
+        </p:spPr>
+        <p:txBody>
+          <a:bodyPr wrap="square">
+            <a:spAutoFit/>
+          </a:bodyPr>
+          <a:lstStyle/>
+          <a:p>
+            <a:r>
+              <a:rPr lang="zh-TW" altLang="en-US" sz="900" dirty="0"/>
+              <a:t> double xg = (mget(Global_Coords, (int)vget(tri_nodes_number, 1), 1) + mget(Global_Coords, (int)vget(tri_nodes_number, 2), 1) + mget(Global_Coords, (int)vget(tri_nodes_number, 3), 1)) / 3;</a:t>
+            </a:r>
+          </a:p>
+          <a:p>
+            <a:r>
+              <a:rPr lang="zh-TW" altLang="en-US" sz="900" dirty="0"/>
+              <a:t>    double yg = (mget(Global_Coords, (int)vget(tri_nodes_number, 1), 2) + mget(Global_Coords, (int)vget(tri_nodes_number, 2), 2) + mget(Global_Coords, (int)vget(tri_nodes_number, 3), 2)) / 3;</a:t>
+            </a:r>
+          </a:p>
+          <a:p>
+            <a:r>
+              <a:rPr lang="zh-TW" altLang="en-US" sz="900" dirty="0"/>
+              <a:t>    double eval_f = 2 * M_PI * M_PI * sin(M_PI * xg) * sin(M_PI * yg);</a:t>
+            </a:r>
+          </a:p>
+          <a:p>
+            <a:endParaRPr lang="zh-TW" altLang="en-US" sz="900" dirty="0"/>
+          </a:p>
+          <a:p>
+            <a:r>
+              <a:rPr lang="zh-TW" altLang="en-US" sz="900" dirty="0"/>
+              <a:t>    for (int i = 1; i &lt;= 3; i++)</a:t>
+            </a:r>
+          </a:p>
+          <a:p>
+            <a:r>
+              <a:rPr lang="zh-TW" altLang="en-US" sz="900" dirty="0"/>
+              <a:t>    {</a:t>
+            </a:r>
+          </a:p>
+          <a:p>
+            <a:r>
+              <a:rPr lang="zh-TW" altLang="en-US" sz="900" dirty="0"/>
+              <a:t>      vget(Fe, i) = Area * eval_f / 3;</a:t>
+            </a:r>
+          </a:p>
+          <a:p>
+            <a:r>
+              <a:rPr lang="zh-TW" altLang="en-US" sz="900" dirty="0"/>
+              <a:t>    }</a:t>
+            </a:r>
+          </a:p>
+        </p:txBody>
+      </p:sp>
     </p:spTree>
     <p:extLst>
       <p:ext uri="{BB962C8B-B14F-4D97-AF65-F5344CB8AC3E}">
@@ -15994,7 +16113,7 @@
         </p:blipFill>
         <p:spPr>
           <a:xfrm>
-            <a:off x="4907280" y="4419600"/>
+            <a:off x="4876800" y="4673945"/>
             <a:ext cx="3962400" cy="762000"/>
           </a:xfrm>
           <a:prstGeom prst="rect">
@@ -16024,7 +16143,7 @@
         </p:blipFill>
         <p:spPr>
           <a:xfrm>
-            <a:off x="532082" y="4094594"/>
+            <a:off x="415925" y="4324197"/>
             <a:ext cx="3740150" cy="1412012"/>
           </a:xfrm>
           <a:prstGeom prst="rect">
@@ -16073,13 +16192,14 @@
           </p:cNvPr>
           <p:cNvCxnSpPr>
             <a:cxnSpLocks/>
+            <a:stCxn id="8" idx="0"/>
           </p:cNvCxnSpPr>
           <p:nvPr/>
         </p:nvCxnSpPr>
         <p:spPr>
           <a:xfrm flipV="1">
-            <a:off x="3352800" y="2895600"/>
-            <a:ext cx="1752600" cy="1198994"/>
+            <a:off x="2286000" y="2895600"/>
+            <a:ext cx="2819400" cy="1428597"/>
           </a:xfrm>
           <a:prstGeom prst="straightConnector1">
             <a:avLst/>
@@ -16120,8 +16240,8 @@
         </p:nvCxnSpPr>
         <p:spPr>
           <a:xfrm>
-            <a:off x="6400800" y="3126003"/>
-            <a:ext cx="487680" cy="1293597"/>
+            <a:off x="6400800" y="3200400"/>
+            <a:ext cx="457200" cy="1473545"/>
           </a:xfrm>
           <a:prstGeom prst="straightConnector1">
             <a:avLst/>

--- a/final_project/cheng_hau.pptx
+++ b/final_project/cheng_hau.pptx
@@ -5,7 +5,7 @@
     <p:sldMasterId id="2147484341" r:id="rId1"/>
   </p:sldMasterIdLst>
   <p:notesMasterIdLst>
-    <p:notesMasterId r:id="rId14"/>
+    <p:notesMasterId r:id="rId15"/>
   </p:notesMasterIdLst>
   <p:sldIdLst>
     <p:sldId id="1970" r:id="rId2"/>
@@ -20,6 +20,7 @@
     <p:sldId id="2986" r:id="rId11"/>
     <p:sldId id="2988" r:id="rId12"/>
     <p:sldId id="2987" r:id="rId13"/>
+    <p:sldId id="2576" r:id="rId14"/>
   </p:sldIdLst>
   <p:sldSz cx="9144000" cy="6858000" type="screen4x3"/>
   <p:notesSz cx="6858000" cy="9144000"/>
@@ -4214,7 +4215,7 @@
               <a:pPr>
                 <a:defRPr/>
               </a:pPr>
-              <a:t>5/3/22</a:t>
+              <a:t>5/4/22</a:t>
             </a:fld>
             <a:endParaRPr lang="en-US"/>
           </a:p>
@@ -4714,6 +4715,96 @@
     <p:extLst>
       <p:ext uri="{BB962C8B-B14F-4D97-AF65-F5344CB8AC3E}">
         <p14:creationId xmlns:p14="http://schemas.microsoft.com/office/powerpoint/2010/main" val="2528813877"/>
+      </p:ext>
+    </p:extLst>
+  </p:cSld>
+  <p:clrMapOvr>
+    <a:masterClrMapping/>
+  </p:clrMapOvr>
+</p:notes>
+</file>
+
+<file path=ppt/notesSlides/notesSlide3.xml><?xml version="1.0" encoding="utf-8"?>
+<p:notes xmlns:a="http://schemas.openxmlformats.org/drawingml/2006/main" xmlns:r="http://schemas.openxmlformats.org/officeDocument/2006/relationships" xmlns:p="http://schemas.openxmlformats.org/presentationml/2006/main">
+  <p:cSld>
+    <p:spTree>
+      <p:nvGrpSpPr>
+        <p:cNvPr id="1" name=""/>
+        <p:cNvGrpSpPr/>
+        <p:nvPr/>
+      </p:nvGrpSpPr>
+      <p:grpSpPr>
+        <a:xfrm>
+          <a:off x="0" y="0"/>
+          <a:ext cx="0" cy="0"/>
+          <a:chOff x="0" y="0"/>
+          <a:chExt cx="0" cy="0"/>
+        </a:xfrm>
+      </p:grpSpPr>
+      <p:sp>
+        <p:nvSpPr>
+          <p:cNvPr id="2" name="投影片影像版面配置區 1"/>
+          <p:cNvSpPr>
+            <a:spLocks noGrp="1" noRot="1" noChangeAspect="1"/>
+          </p:cNvSpPr>
+          <p:nvPr>
+            <p:ph type="sldImg"/>
+          </p:nvPr>
+        </p:nvSpPr>
+        <p:spPr/>
+      </p:sp>
+      <p:sp>
+        <p:nvSpPr>
+          <p:cNvPr id="3" name="備忘稿版面配置區 2"/>
+          <p:cNvSpPr>
+            <a:spLocks noGrp="1"/>
+          </p:cNvSpPr>
+          <p:nvPr>
+            <p:ph type="body" idx="1"/>
+          </p:nvPr>
+        </p:nvSpPr>
+        <p:spPr/>
+        <p:txBody>
+          <a:bodyPr/>
+          <a:lstStyle/>
+          <a:p>
+            <a:endParaRPr kumimoji="1" lang="zh-TW" altLang="en-US" dirty="0"/>
+          </a:p>
+        </p:txBody>
+      </p:sp>
+      <p:sp>
+        <p:nvSpPr>
+          <p:cNvPr id="4" name="投影片編號版面配置區 3"/>
+          <p:cNvSpPr>
+            <a:spLocks noGrp="1"/>
+          </p:cNvSpPr>
+          <p:nvPr>
+            <p:ph type="sldNum" sz="quarter" idx="5"/>
+          </p:nvPr>
+        </p:nvSpPr>
+        <p:spPr/>
+        <p:txBody>
+          <a:bodyPr/>
+          <a:lstStyle/>
+          <a:p>
+            <a:pPr>
+              <a:defRPr/>
+            </a:pPr>
+            <a:fld id="{7441CEBD-F7F6-CC42-9711-7EAE0FD68C7F}" type="slidenum">
+              <a:rPr lang="en-US" smtClean="0"/>
+              <a:pPr>
+                <a:defRPr/>
+              </a:pPr>
+              <a:t>13</a:t>
+            </a:fld>
+            <a:endParaRPr lang="en-US"/>
+          </a:p>
+        </p:txBody>
+      </p:sp>
+    </p:spTree>
+    <p:extLst>
+      <p:ext uri="{BB962C8B-B14F-4D97-AF65-F5344CB8AC3E}">
+        <p14:creationId xmlns:p14="http://schemas.microsoft.com/office/powerpoint/2010/main" val="106800600"/>
       </p:ext>
     </p:extLst>
   </p:cSld>
@@ -8451,6 +8542,129 @@
     <p:extLst>
       <p:ext uri="{BB962C8B-B14F-4D97-AF65-F5344CB8AC3E}">
         <p14:creationId xmlns:p14="http://schemas.microsoft.com/office/powerpoint/2010/main" val="2968017538"/>
+      </p:ext>
+    </p:extLst>
+  </p:cSld>
+  <p:clrMapOvr>
+    <a:masterClrMapping/>
+  </p:clrMapOvr>
+</p:sld>
+</file>
+
+<file path=ppt/slides/slide13.xml><?xml version="1.0" encoding="utf-8"?>
+<p:sld xmlns:a="http://schemas.openxmlformats.org/drawingml/2006/main" xmlns:r="http://schemas.openxmlformats.org/officeDocument/2006/relationships" xmlns:p="http://schemas.openxmlformats.org/presentationml/2006/main">
+  <p:cSld>
+    <p:spTree>
+      <p:nvGrpSpPr>
+        <p:cNvPr id="1" name=""/>
+        <p:cNvGrpSpPr/>
+        <p:nvPr/>
+      </p:nvGrpSpPr>
+      <p:grpSpPr>
+        <a:xfrm>
+          <a:off x="0" y="0"/>
+          <a:ext cx="0" cy="0"/>
+          <a:chOff x="0" y="0"/>
+          <a:chExt cx="0" cy="0"/>
+        </a:xfrm>
+      </p:grpSpPr>
+      <p:sp>
+        <p:nvSpPr>
+          <p:cNvPr id="4" name="投影片編號版面配置區 3">
+            <a:extLst>
+              <a:ext uri="{FF2B5EF4-FFF2-40B4-BE49-F238E27FC236}">
+                <a16:creationId xmlns:a16="http://schemas.microsoft.com/office/drawing/2014/main" id="{FB908B0C-D235-B44F-B64F-9EC901F81C96}"/>
+              </a:ext>
+            </a:extLst>
+          </p:cNvPr>
+          <p:cNvSpPr>
+            <a:spLocks noGrp="1"/>
+          </p:cNvSpPr>
+          <p:nvPr>
+            <p:ph type="sldNum" sz="quarter" idx="4"/>
+          </p:nvPr>
+        </p:nvSpPr>
+        <p:spPr/>
+        <p:txBody>
+          <a:bodyPr/>
+          <a:lstStyle/>
+          <a:p>
+            <a:pPr>
+              <a:defRPr/>
+            </a:pPr>
+            <a:fld id="{E8C28225-8C40-1B4C-8782-A48A7246F811}" type="slidenum">
+              <a:rPr lang="en-US" smtClean="0"/>
+              <a:pPr>
+                <a:defRPr/>
+              </a:pPr>
+              <a:t>13</a:t>
+            </a:fld>
+            <a:endParaRPr lang="en-US" dirty="0"/>
+          </a:p>
+        </p:txBody>
+      </p:sp>
+      <p:sp>
+        <p:nvSpPr>
+          <p:cNvPr id="5" name="Title 5">
+            <a:extLst>
+              <a:ext uri="{FF2B5EF4-FFF2-40B4-BE49-F238E27FC236}">
+                <a16:creationId xmlns:a16="http://schemas.microsoft.com/office/drawing/2014/main" id="{D44B7464-B340-2144-8E10-FF9BEF4FEEA2}"/>
+              </a:ext>
+            </a:extLst>
+          </p:cNvPr>
+          <p:cNvSpPr txBox="1">
+            <a:spLocks/>
+          </p:cNvSpPr>
+          <p:nvPr/>
+        </p:nvSpPr>
+        <p:spPr>
+          <a:xfrm>
+            <a:off x="342900" y="1524000"/>
+            <a:ext cx="8458200" cy="2438400"/>
+          </a:xfrm>
+          <a:prstGeom prst="rect">
+            <a:avLst/>
+          </a:prstGeom>
+        </p:spPr>
+        <p:txBody>
+          <a:bodyPr vert="horz" lIns="91440" tIns="45720" rIns="91440" bIns="45720" rtlCol="0" anchor="ctr">
+            <a:noAutofit/>
+          </a:bodyPr>
+          <a:lstStyle>
+            <a:lvl1pPr algn="ctr" defTabSz="457200" rtl="0" eaLnBrk="1" latinLnBrk="0" hangingPunct="1">
+              <a:spcBef>
+                <a:spcPct val="0"/>
+              </a:spcBef>
+              <a:buNone/>
+              <a:defRPr sz="3600" b="0" i="0" kern="1200">
+                <a:solidFill>
+                  <a:schemeClr val="tx1"/>
+                </a:solidFill>
+                <a:latin typeface="Times" pitchFamily="2" charset="0"/>
+                <a:ea typeface="+mj-ea"/>
+                <a:cs typeface="Times" pitchFamily="2" charset="0"/>
+              </a:defRPr>
+            </a:lvl1pPr>
+          </a:lstStyle>
+          <a:p>
+            <a:pPr fontAlgn="auto">
+              <a:spcAft>
+                <a:spcPts val="0"/>
+              </a:spcAft>
+            </a:pPr>
+            <a:r>
+              <a:rPr lang="en-US" sz="4800" dirty="0">
+                <a:cs typeface="Helvetica Neue Medium"/>
+              </a:rPr>
+              <a:t>Thank you!</a:t>
+            </a:r>
+          </a:p>
+        </p:txBody>
+      </p:sp>
+    </p:spTree>
+    <p:extLst>
+      <p:ext uri="{BB962C8B-B14F-4D97-AF65-F5344CB8AC3E}">
+        <p14:creationId xmlns:p14="http://schemas.microsoft.com/office/powerpoint/2010/main" val="409249437"/>
       </p:ext>
     </p:extLst>
   </p:cSld>

--- a/final_project/cheng_hau.pptx
+++ b/final_project/cheng_hau.pptx
@@ -5,7 +5,7 @@
     <p:sldMasterId id="2147484341" r:id="rId1"/>
   </p:sldMasterIdLst>
   <p:notesMasterIdLst>
-    <p:notesMasterId r:id="rId15"/>
+    <p:notesMasterId r:id="rId16"/>
   </p:notesMasterIdLst>
   <p:sldIdLst>
     <p:sldId id="1970" r:id="rId2"/>
@@ -19,8 +19,9 @@
     <p:sldId id="2984" r:id="rId10"/>
     <p:sldId id="2986" r:id="rId11"/>
     <p:sldId id="2988" r:id="rId12"/>
-    <p:sldId id="2987" r:id="rId13"/>
-    <p:sldId id="2576" r:id="rId14"/>
+    <p:sldId id="2990" r:id="rId13"/>
+    <p:sldId id="2987" r:id="rId14"/>
+    <p:sldId id="2576" r:id="rId15"/>
   </p:sldIdLst>
   <p:sldSz cx="9144000" cy="6858000" type="screen4x3"/>
   <p:notesSz cx="6858000" cy="9144000"/>
@@ -4795,7 +4796,7 @@
               <a:pPr>
                 <a:defRPr/>
               </a:pPr>
-              <a:t>13</a:t>
+              <a:t>14</a:t>
             </a:fld>
             <a:endParaRPr lang="en-US"/>
           </a:p>
@@ -7811,8 +7812,8 @@
           <a:lstStyle/>
           <a:p>
             <a:r>
-              <a:rPr kumimoji="1" lang="en" altLang="zh-TW" dirty="0"/>
-              <a:t>Scalability</a:t>
+              <a:rPr kumimoji="1" lang="en" altLang="zh-TW"/>
+              <a:t>Scalability - 1</a:t>
             </a:r>
             <a:endParaRPr kumimoji="1" lang="zh-TW" altLang="en-US" dirty="0"/>
           </a:p>
@@ -7868,7 +7869,7 @@
           <p:nvPr>
             <p:extLst>
               <p:ext uri="{D42A27DB-BD31-4B8C-83A1-F6EECF244321}">
-                <p14:modId xmlns:p14="http://schemas.microsoft.com/office/powerpoint/2010/main" val="933145844"/>
+                <p14:modId xmlns:p14="http://schemas.microsoft.com/office/powerpoint/2010/main" val="2013986031"/>
               </p:ext>
             </p:extLst>
           </p:nvPr>
@@ -7907,6 +7908,765 @@
                 </a:gridCol>
               </a:tblGrid>
               <a:tr h="370840">
+                <a:tc>
+                  <a:txBody>
+                    <a:bodyPr/>
+                    <a:lstStyle/>
+                    <a:p>
+                      <a:pPr algn="ctr"/>
+                      <a:r>
+                        <a:rPr lang="en-US" altLang="zh-TW" sz="1600">
+                          <a:latin typeface="Times" pitchFamily="2" charset="0"/>
+                        </a:rPr>
+                        <a:t>Number of Processors</a:t>
+                      </a:r>
+                      <a:endParaRPr lang="zh-TW" altLang="en-US" sz="1600" dirty="0">
+                        <a:latin typeface="Times" pitchFamily="2" charset="0"/>
+                      </a:endParaRPr>
+                    </a:p>
+                  </a:txBody>
+                  <a:tcPr/>
+                </a:tc>
+                <a:tc>
+                  <a:txBody>
+                    <a:bodyPr/>
+                    <a:lstStyle/>
+                    <a:p>
+                      <a:pPr algn="ctr"/>
+                      <a:r>
+                        <a:rPr lang="en-US" altLang="zh-TW" sz="1600">
+                          <a:latin typeface="Times" pitchFamily="2" charset="0"/>
+                        </a:rPr>
+                        <a:t>Time</a:t>
+                      </a:r>
+                      <a:endParaRPr lang="zh-TW" altLang="en-US" sz="1600" dirty="0">
+                        <a:latin typeface="Times" pitchFamily="2" charset="0"/>
+                      </a:endParaRPr>
+                    </a:p>
+                  </a:txBody>
+                  <a:tcPr/>
+                </a:tc>
+                <a:tc>
+                  <a:txBody>
+                    <a:bodyPr/>
+                    <a:lstStyle/>
+                    <a:p>
+                      <a:pPr algn="ctr"/>
+                      <a:r>
+                        <a:rPr lang="en-US" altLang="zh-TW" sz="1600">
+                          <a:latin typeface="Times" pitchFamily="2" charset="0"/>
+                        </a:rPr>
+                        <a:t>Speedup</a:t>
+                      </a:r>
+                      <a:endParaRPr lang="zh-TW" altLang="en-US" sz="1600" dirty="0">
+                        <a:latin typeface="Times" pitchFamily="2" charset="0"/>
+                      </a:endParaRPr>
+                    </a:p>
+                  </a:txBody>
+                  <a:tcPr/>
+                </a:tc>
+                <a:extLst>
+                  <a:ext uri="{0D108BD9-81ED-4DB2-BD59-A6C34878D82A}">
+                    <a16:rowId xmlns:a16="http://schemas.microsoft.com/office/drawing/2014/main" val="30793373"/>
+                  </a:ext>
+                </a:extLst>
+              </a:tr>
+              <a:tr h="370840">
+                <a:tc>
+                  <a:txBody>
+                    <a:bodyPr/>
+                    <a:lstStyle/>
+                    <a:p>
+                      <a:pPr algn="ctr"/>
+                      <a:r>
+                        <a:rPr lang="en-US" altLang="zh-TW" sz="1600">
+                          <a:latin typeface="Times" pitchFamily="2" charset="0"/>
+                        </a:rPr>
+                        <a:t>1</a:t>
+                      </a:r>
+                      <a:endParaRPr lang="zh-TW" altLang="en-US" sz="1600" dirty="0">
+                        <a:latin typeface="Times" pitchFamily="2" charset="0"/>
+                      </a:endParaRPr>
+                    </a:p>
+                  </a:txBody>
+                  <a:tcPr/>
+                </a:tc>
+                <a:tc>
+                  <a:txBody>
+                    <a:bodyPr/>
+                    <a:lstStyle/>
+                    <a:p>
+                      <a:pPr algn="ctr"/>
+                      <a:r>
+                        <a:rPr lang="en-US" altLang="zh-TW" sz="1600">
+                          <a:latin typeface="Times" pitchFamily="2" charset="0"/>
+                        </a:rPr>
+                        <a:t>0.336 s</a:t>
+                      </a:r>
+                      <a:endParaRPr lang="zh-TW" altLang="en-US" sz="1600" dirty="0">
+                        <a:latin typeface="Times" pitchFamily="2" charset="0"/>
+                      </a:endParaRPr>
+                    </a:p>
+                  </a:txBody>
+                  <a:tcPr/>
+                </a:tc>
+                <a:tc>
+                  <a:txBody>
+                    <a:bodyPr/>
+                    <a:lstStyle/>
+                    <a:p>
+                      <a:pPr algn="ctr"/>
+                      <a:r>
+                        <a:rPr lang="en-US" altLang="zh-TW" sz="1600" dirty="0">
+                          <a:latin typeface="Times" pitchFamily="2" charset="0"/>
+                        </a:rPr>
+                        <a:t>1</a:t>
+                      </a:r>
+                      <a:endParaRPr lang="zh-TW" altLang="en-US" sz="1600" dirty="0">
+                        <a:latin typeface="Times" pitchFamily="2" charset="0"/>
+                      </a:endParaRPr>
+                    </a:p>
+                  </a:txBody>
+                  <a:tcPr/>
+                </a:tc>
+                <a:extLst>
+                  <a:ext uri="{0D108BD9-81ED-4DB2-BD59-A6C34878D82A}">
+                    <a16:rowId xmlns:a16="http://schemas.microsoft.com/office/drawing/2014/main" val="2503649574"/>
+                  </a:ext>
+                </a:extLst>
+              </a:tr>
+              <a:tr h="370840">
+                <a:tc>
+                  <a:txBody>
+                    <a:bodyPr/>
+                    <a:lstStyle/>
+                    <a:p>
+                      <a:pPr algn="ctr"/>
+                      <a:r>
+                        <a:rPr lang="en-US" altLang="zh-TW" sz="1600">
+                          <a:latin typeface="Times" pitchFamily="2" charset="0"/>
+                        </a:rPr>
+                        <a:t>2</a:t>
+                      </a:r>
+                      <a:endParaRPr lang="zh-TW" altLang="en-US" sz="1600" dirty="0">
+                        <a:latin typeface="Times" pitchFamily="2" charset="0"/>
+                      </a:endParaRPr>
+                    </a:p>
+                  </a:txBody>
+                  <a:tcPr/>
+                </a:tc>
+                <a:tc>
+                  <a:txBody>
+                    <a:bodyPr/>
+                    <a:lstStyle/>
+                    <a:p>
+                      <a:pPr algn="ctr"/>
+                      <a:r>
+                        <a:rPr lang="en-US" altLang="zh-TW" sz="1600">
+                          <a:latin typeface="Times" pitchFamily="2" charset="0"/>
+                        </a:rPr>
+                        <a:t>0.0933 s</a:t>
+                      </a:r>
+                      <a:endParaRPr lang="zh-TW" altLang="en-US" sz="1600" dirty="0">
+                        <a:latin typeface="Times" pitchFamily="2" charset="0"/>
+                      </a:endParaRPr>
+                    </a:p>
+                  </a:txBody>
+                  <a:tcPr/>
+                </a:tc>
+                <a:tc>
+                  <a:txBody>
+                    <a:bodyPr/>
+                    <a:lstStyle/>
+                    <a:p>
+                      <a:pPr algn="ctr"/>
+                      <a:r>
+                        <a:rPr lang="en-US" altLang="zh-TW" sz="1600" dirty="0">
+                          <a:latin typeface="Times" pitchFamily="2" charset="0"/>
+                        </a:rPr>
+                        <a:t>3.6</a:t>
+                      </a:r>
+                      <a:endParaRPr lang="zh-TW" altLang="en-US" sz="1600" dirty="0">
+                        <a:latin typeface="Times" pitchFamily="2" charset="0"/>
+                      </a:endParaRPr>
+                    </a:p>
+                  </a:txBody>
+                  <a:tcPr/>
+                </a:tc>
+                <a:extLst>
+                  <a:ext uri="{0D108BD9-81ED-4DB2-BD59-A6C34878D82A}">
+                    <a16:rowId xmlns:a16="http://schemas.microsoft.com/office/drawing/2014/main" val="561278622"/>
+                  </a:ext>
+                </a:extLst>
+              </a:tr>
+              <a:tr h="370840">
+                <a:tc>
+                  <a:txBody>
+                    <a:bodyPr/>
+                    <a:lstStyle/>
+                    <a:p>
+                      <a:pPr algn="ctr"/>
+                      <a:r>
+                        <a:rPr lang="en-US" altLang="zh-TW" sz="1600">
+                          <a:latin typeface="Times" pitchFamily="2" charset="0"/>
+                        </a:rPr>
+                        <a:t>4</a:t>
+                      </a:r>
+                      <a:endParaRPr lang="zh-TW" altLang="en-US" sz="1600" dirty="0">
+                        <a:latin typeface="Times" pitchFamily="2" charset="0"/>
+                      </a:endParaRPr>
+                    </a:p>
+                  </a:txBody>
+                  <a:tcPr/>
+                </a:tc>
+                <a:tc>
+                  <a:txBody>
+                    <a:bodyPr/>
+                    <a:lstStyle/>
+                    <a:p>
+                      <a:pPr algn="ctr"/>
+                      <a:r>
+                        <a:rPr lang="en-US" altLang="zh-TW" sz="1600">
+                          <a:latin typeface="Times" pitchFamily="2" charset="0"/>
+                        </a:rPr>
+                        <a:t>0.0382 s</a:t>
+                      </a:r>
+                      <a:endParaRPr lang="zh-TW" altLang="en-US" sz="1600" dirty="0">
+                        <a:latin typeface="Times" pitchFamily="2" charset="0"/>
+                      </a:endParaRPr>
+                    </a:p>
+                  </a:txBody>
+                  <a:tcPr/>
+                </a:tc>
+                <a:tc>
+                  <a:txBody>
+                    <a:bodyPr/>
+                    <a:lstStyle/>
+                    <a:p>
+                      <a:pPr algn="ctr"/>
+                      <a:r>
+                        <a:rPr lang="en-US" altLang="zh-TW" sz="1600" dirty="0">
+                          <a:latin typeface="Times" pitchFamily="2" charset="0"/>
+                        </a:rPr>
+                        <a:t>8.8</a:t>
+                      </a:r>
+                      <a:endParaRPr lang="zh-TW" altLang="en-US" sz="1600" dirty="0">
+                        <a:latin typeface="Times" pitchFamily="2" charset="0"/>
+                      </a:endParaRPr>
+                    </a:p>
+                  </a:txBody>
+                  <a:tcPr/>
+                </a:tc>
+                <a:extLst>
+                  <a:ext uri="{0D108BD9-81ED-4DB2-BD59-A6C34878D82A}">
+                    <a16:rowId xmlns:a16="http://schemas.microsoft.com/office/drawing/2014/main" val="21372889"/>
+                  </a:ext>
+                </a:extLst>
+              </a:tr>
+              <a:tr h="370840">
+                <a:tc>
+                  <a:txBody>
+                    <a:bodyPr/>
+                    <a:lstStyle/>
+                    <a:p>
+                      <a:pPr algn="ctr"/>
+                      <a:r>
+                        <a:rPr lang="en-US" altLang="zh-TW" sz="1600">
+                          <a:latin typeface="Times" pitchFamily="2" charset="0"/>
+                        </a:rPr>
+                        <a:t>8</a:t>
+                      </a:r>
+                      <a:endParaRPr lang="zh-TW" altLang="en-US" sz="1600" dirty="0">
+                        <a:latin typeface="Times" pitchFamily="2" charset="0"/>
+                      </a:endParaRPr>
+                    </a:p>
+                  </a:txBody>
+                  <a:tcPr/>
+                </a:tc>
+                <a:tc>
+                  <a:txBody>
+                    <a:bodyPr/>
+                    <a:lstStyle/>
+                    <a:p>
+                      <a:pPr algn="ctr"/>
+                      <a:r>
+                        <a:rPr lang="en-US" altLang="zh-TW" sz="1600">
+                          <a:latin typeface="Times" pitchFamily="2" charset="0"/>
+                        </a:rPr>
+                        <a:t>0.0247 s</a:t>
+                      </a:r>
+                      <a:endParaRPr lang="zh-TW" altLang="en-US" sz="1600" dirty="0">
+                        <a:latin typeface="Times" pitchFamily="2" charset="0"/>
+                      </a:endParaRPr>
+                    </a:p>
+                  </a:txBody>
+                  <a:tcPr/>
+                </a:tc>
+                <a:tc>
+                  <a:txBody>
+                    <a:bodyPr/>
+                    <a:lstStyle/>
+                    <a:p>
+                      <a:pPr algn="ctr"/>
+                      <a:r>
+                        <a:rPr lang="en-US" altLang="zh-TW" sz="1600" dirty="0">
+                          <a:latin typeface="Times" pitchFamily="2" charset="0"/>
+                        </a:rPr>
+                        <a:t>13.6</a:t>
+                      </a:r>
+                      <a:endParaRPr lang="zh-TW" altLang="en-US" sz="1600" dirty="0">
+                        <a:latin typeface="Times" pitchFamily="2" charset="0"/>
+                      </a:endParaRPr>
+                    </a:p>
+                  </a:txBody>
+                  <a:tcPr/>
+                </a:tc>
+                <a:extLst>
+                  <a:ext uri="{0D108BD9-81ED-4DB2-BD59-A6C34878D82A}">
+                    <a16:rowId xmlns:a16="http://schemas.microsoft.com/office/drawing/2014/main" val="625896889"/>
+                  </a:ext>
+                </a:extLst>
+              </a:tr>
+              <a:tr h="370840">
+                <a:tc>
+                  <a:txBody>
+                    <a:bodyPr/>
+                    <a:lstStyle/>
+                    <a:p>
+                      <a:pPr algn="ctr"/>
+                      <a:r>
+                        <a:rPr lang="en-US" altLang="zh-TW" sz="1600">
+                          <a:latin typeface="Times" pitchFamily="2" charset="0"/>
+                        </a:rPr>
+                        <a:t>16</a:t>
+                      </a:r>
+                      <a:endParaRPr lang="zh-TW" altLang="en-US" sz="1600" dirty="0">
+                        <a:latin typeface="Times" pitchFamily="2" charset="0"/>
+                      </a:endParaRPr>
+                    </a:p>
+                  </a:txBody>
+                  <a:tcPr/>
+                </a:tc>
+                <a:tc>
+                  <a:txBody>
+                    <a:bodyPr/>
+                    <a:lstStyle/>
+                    <a:p>
+                      <a:pPr algn="ctr"/>
+                      <a:r>
+                        <a:rPr lang="en-US" altLang="zh-TW" sz="1600">
+                          <a:latin typeface="Times" pitchFamily="2" charset="0"/>
+                        </a:rPr>
+                        <a:t>0.0232 s</a:t>
+                      </a:r>
+                      <a:endParaRPr lang="zh-TW" altLang="en-US" sz="1600" dirty="0">
+                        <a:latin typeface="Times" pitchFamily="2" charset="0"/>
+                      </a:endParaRPr>
+                    </a:p>
+                  </a:txBody>
+                  <a:tcPr/>
+                </a:tc>
+                <a:tc>
+                  <a:txBody>
+                    <a:bodyPr/>
+                    <a:lstStyle/>
+                    <a:p>
+                      <a:pPr algn="ctr"/>
+                      <a:r>
+                        <a:rPr lang="en-US" altLang="zh-TW" sz="1600" dirty="0">
+                          <a:latin typeface="Times" pitchFamily="2" charset="0"/>
+                        </a:rPr>
+                        <a:t>14.5</a:t>
+                      </a:r>
+                      <a:endParaRPr lang="zh-TW" altLang="en-US" sz="1600" dirty="0">
+                        <a:latin typeface="Times" pitchFamily="2" charset="0"/>
+                      </a:endParaRPr>
+                    </a:p>
+                  </a:txBody>
+                  <a:tcPr/>
+                </a:tc>
+                <a:extLst>
+                  <a:ext uri="{0D108BD9-81ED-4DB2-BD59-A6C34878D82A}">
+                    <a16:rowId xmlns:a16="http://schemas.microsoft.com/office/drawing/2014/main" val="2385525252"/>
+                  </a:ext>
+                </a:extLst>
+              </a:tr>
+            </a:tbl>
+          </a:graphicData>
+        </a:graphic>
+      </p:graphicFrame>
+      <p:pic>
+        <p:nvPicPr>
+          <p:cNvPr id="15" name="圖片 14" descr="一張含有 文字 的圖片&#10;&#10;自動產生的描述">
+            <a:extLst>
+              <a:ext uri="{FF2B5EF4-FFF2-40B4-BE49-F238E27FC236}">
+                <a16:creationId xmlns:a16="http://schemas.microsoft.com/office/drawing/2014/main" id="{20CA9E4A-980E-F483-F369-30FA7F4AA9F8}"/>
+              </a:ext>
+            </a:extLst>
+          </p:cNvPr>
+          <p:cNvPicPr>
+            <a:picLocks noChangeAspect="1"/>
+          </p:cNvPicPr>
+          <p:nvPr/>
+        </p:nvPicPr>
+        <p:blipFill>
+          <a:blip r:embed="rId2"/>
+          <a:stretch>
+            <a:fillRect/>
+          </a:stretch>
+        </p:blipFill>
+        <p:spPr>
+          <a:xfrm>
+            <a:off x="61153" y="138808"/>
+            <a:ext cx="2055412" cy="716280"/>
+          </a:xfrm>
+          <a:prstGeom prst="rect">
+            <a:avLst/>
+          </a:prstGeom>
+        </p:spPr>
+      </p:pic>
+      <p:sp>
+        <p:nvSpPr>
+          <p:cNvPr id="23" name="文字方塊 22">
+            <a:extLst>
+              <a:ext uri="{FF2B5EF4-FFF2-40B4-BE49-F238E27FC236}">
+                <a16:creationId xmlns:a16="http://schemas.microsoft.com/office/drawing/2014/main" id="{C0F2475D-A176-B1A1-E60C-36AB8C6FF958}"/>
+              </a:ext>
+            </a:extLst>
+          </p:cNvPr>
+          <p:cNvSpPr txBox="1"/>
+          <p:nvPr/>
+        </p:nvSpPr>
+        <p:spPr>
+          <a:xfrm>
+            <a:off x="133148" y="1066800"/>
+            <a:ext cx="1481496" cy="646331"/>
+          </a:xfrm>
+          <a:prstGeom prst="rect">
+            <a:avLst/>
+          </a:prstGeom>
+          <a:noFill/>
+        </p:spPr>
+        <p:txBody>
+          <a:bodyPr wrap="none" rtlCol="0">
+            <a:spAutoFit/>
+          </a:bodyPr>
+          <a:lstStyle/>
+          <a:p>
+            <a:r>
+              <a:rPr kumimoji="1" lang="en-US" altLang="zh-TW">
+                <a:latin typeface="Times" pitchFamily="2" charset="0"/>
+              </a:rPr>
+              <a:t>m = 33</a:t>
+            </a:r>
+          </a:p>
+          <a:p>
+            <a:r>
+              <a:rPr kumimoji="1" lang="en-US" altLang="zh-TW">
+                <a:latin typeface="Times" pitchFamily="2" charset="0"/>
+              </a:rPr>
+              <a:t>Nodes = 1089</a:t>
+            </a:r>
+            <a:endParaRPr kumimoji="1" lang="zh-TW" altLang="en-US" dirty="0">
+              <a:latin typeface="Times" pitchFamily="2" charset="0"/>
+            </a:endParaRPr>
+          </a:p>
+        </p:txBody>
+      </p:sp>
+      <p:pic>
+        <p:nvPicPr>
+          <p:cNvPr id="7" name="圖片 6">
+            <a:extLst>
+              <a:ext uri="{FF2B5EF4-FFF2-40B4-BE49-F238E27FC236}">
+                <a16:creationId xmlns:a16="http://schemas.microsoft.com/office/drawing/2014/main" id="{BCD6E8C0-95E6-3059-26F7-0BD601E73933}"/>
+              </a:ext>
+            </a:extLst>
+          </p:cNvPr>
+          <p:cNvPicPr>
+            <a:picLocks noChangeAspect="1"/>
+          </p:cNvPicPr>
+          <p:nvPr/>
+        </p:nvPicPr>
+        <p:blipFill>
+          <a:blip r:embed="rId3"/>
+          <a:stretch>
+            <a:fillRect/>
+          </a:stretch>
+        </p:blipFill>
+        <p:spPr>
+          <a:xfrm>
+            <a:off x="213360" y="3188614"/>
+            <a:ext cx="3383280" cy="3430458"/>
+          </a:xfrm>
+          <a:prstGeom prst="rect">
+            <a:avLst/>
+          </a:prstGeom>
+        </p:spPr>
+      </p:pic>
+      <p:pic>
+        <p:nvPicPr>
+          <p:cNvPr id="12" name="圖片 11">
+            <a:extLst>
+              <a:ext uri="{FF2B5EF4-FFF2-40B4-BE49-F238E27FC236}">
+                <a16:creationId xmlns:a16="http://schemas.microsoft.com/office/drawing/2014/main" id="{8F12C2C7-B257-6888-0727-4E673B9B7EFC}"/>
+              </a:ext>
+            </a:extLst>
+          </p:cNvPr>
+          <p:cNvPicPr>
+            <a:picLocks noChangeAspect="1"/>
+          </p:cNvPicPr>
+          <p:nvPr/>
+        </p:nvPicPr>
+        <p:blipFill>
+          <a:blip r:embed="rId4"/>
+          <a:stretch>
+            <a:fillRect/>
+          </a:stretch>
+        </p:blipFill>
+        <p:spPr>
+          <a:xfrm>
+            <a:off x="4267200" y="3229480"/>
+            <a:ext cx="4419600" cy="3499566"/>
+          </a:xfrm>
+          <a:prstGeom prst="rect">
+            <a:avLst/>
+          </a:prstGeom>
+        </p:spPr>
+      </p:pic>
+      <p:sp>
+        <p:nvSpPr>
+          <p:cNvPr id="21" name="文字方塊 20">
+            <a:extLst>
+              <a:ext uri="{FF2B5EF4-FFF2-40B4-BE49-F238E27FC236}">
+                <a16:creationId xmlns:a16="http://schemas.microsoft.com/office/drawing/2014/main" id="{24AF6A9A-C709-6E88-35B5-779098BBEA63}"/>
+              </a:ext>
+            </a:extLst>
+          </p:cNvPr>
+          <p:cNvSpPr txBox="1"/>
+          <p:nvPr/>
+        </p:nvSpPr>
+        <p:spPr>
+          <a:xfrm>
+            <a:off x="1848543" y="4686875"/>
+            <a:ext cx="268022" cy="292388"/>
+          </a:xfrm>
+          <a:prstGeom prst="rect">
+            <a:avLst/>
+          </a:prstGeom>
+          <a:noFill/>
+        </p:spPr>
+        <p:txBody>
+          <a:bodyPr wrap="none" rtlCol="0">
+            <a:spAutoFit/>
+          </a:bodyPr>
+          <a:lstStyle/>
+          <a:p>
+            <a:r>
+              <a:rPr kumimoji="1" lang="en-US" altLang="zh-TW" sz="1300" dirty="0">
+                <a:latin typeface="Times" pitchFamily="2" charset="0"/>
+                <a:ea typeface="Tahoma" panose="020B0604030504040204" pitchFamily="34" charset="0"/>
+                <a:cs typeface="Tahoma" panose="020B0604030504040204" pitchFamily="34" charset="0"/>
+              </a:rPr>
+              <a:t>1</a:t>
+            </a:r>
+            <a:endParaRPr kumimoji="1" lang="zh-TW" altLang="en-US" sz="1300" dirty="0">
+              <a:latin typeface="Times" pitchFamily="2" charset="0"/>
+              <a:cs typeface="Tahoma" panose="020B0604030504040204" pitchFamily="34" charset="0"/>
+            </a:endParaRPr>
+          </a:p>
+        </p:txBody>
+      </p:sp>
+      <p:sp>
+        <p:nvSpPr>
+          <p:cNvPr id="22" name="文字方塊 21">
+            <a:extLst>
+              <a:ext uri="{FF2B5EF4-FFF2-40B4-BE49-F238E27FC236}">
+                <a16:creationId xmlns:a16="http://schemas.microsoft.com/office/drawing/2014/main" id="{DB5F5EB3-502A-729A-E55A-F18A99C7EC5E}"/>
+              </a:ext>
+            </a:extLst>
+          </p:cNvPr>
+          <p:cNvSpPr txBox="1"/>
+          <p:nvPr/>
+        </p:nvSpPr>
+        <p:spPr>
+          <a:xfrm>
+            <a:off x="2286000" y="5156876"/>
+            <a:ext cx="268022" cy="292388"/>
+          </a:xfrm>
+          <a:prstGeom prst="rect">
+            <a:avLst/>
+          </a:prstGeom>
+          <a:noFill/>
+        </p:spPr>
+        <p:txBody>
+          <a:bodyPr wrap="none" rtlCol="0">
+            <a:spAutoFit/>
+          </a:bodyPr>
+          <a:lstStyle/>
+          <a:p>
+            <a:r>
+              <a:rPr kumimoji="1" lang="en-US" altLang="zh-TW" sz="1300" dirty="0">
+                <a:latin typeface="Times" pitchFamily="2" charset="0"/>
+                <a:ea typeface="Tahoma" panose="020B0604030504040204" pitchFamily="34" charset="0"/>
+                <a:cs typeface="Tahoma" panose="020B0604030504040204" pitchFamily="34" charset="0"/>
+              </a:rPr>
+              <a:t>1</a:t>
+            </a:r>
+            <a:endParaRPr kumimoji="1" lang="zh-TW" altLang="en-US" sz="1300" dirty="0">
+              <a:latin typeface="Times" pitchFamily="2" charset="0"/>
+              <a:cs typeface="Tahoma" panose="020B0604030504040204" pitchFamily="34" charset="0"/>
+            </a:endParaRPr>
+          </a:p>
+        </p:txBody>
+      </p:sp>
+    </p:spTree>
+    <p:extLst>
+      <p:ext uri="{BB962C8B-B14F-4D97-AF65-F5344CB8AC3E}">
+        <p14:creationId xmlns:p14="http://schemas.microsoft.com/office/powerpoint/2010/main" val="3613713442"/>
+      </p:ext>
+    </p:extLst>
+  </p:cSld>
+  <p:clrMapOvr>
+    <a:masterClrMapping/>
+  </p:clrMapOvr>
+</p:sld>
+</file>
+
+<file path=ppt/slides/slide13.xml><?xml version="1.0" encoding="utf-8"?>
+<p:sld xmlns:a="http://schemas.openxmlformats.org/drawingml/2006/main" xmlns:r="http://schemas.openxmlformats.org/officeDocument/2006/relationships" xmlns:p="http://schemas.openxmlformats.org/presentationml/2006/main">
+  <p:cSld>
+    <p:spTree>
+      <p:nvGrpSpPr>
+        <p:cNvPr id="1" name=""/>
+        <p:cNvGrpSpPr/>
+        <p:nvPr/>
+      </p:nvGrpSpPr>
+      <p:grpSpPr>
+        <a:xfrm>
+          <a:off x="0" y="0"/>
+          <a:ext cx="0" cy="0"/>
+          <a:chOff x="0" y="0"/>
+          <a:chExt cx="0" cy="0"/>
+        </a:xfrm>
+      </p:grpSpPr>
+      <p:sp>
+        <p:nvSpPr>
+          <p:cNvPr id="2" name="標題 1">
+            <a:extLst>
+              <a:ext uri="{FF2B5EF4-FFF2-40B4-BE49-F238E27FC236}">
+                <a16:creationId xmlns:a16="http://schemas.microsoft.com/office/drawing/2014/main" id="{1E0C2133-A9B4-D593-BA21-0F475BE0074A}"/>
+              </a:ext>
+            </a:extLst>
+          </p:cNvPr>
+          <p:cNvSpPr>
+            <a:spLocks noGrp="1"/>
+          </p:cNvSpPr>
+          <p:nvPr>
+            <p:ph type="title"/>
+          </p:nvPr>
+        </p:nvSpPr>
+        <p:spPr/>
+        <p:txBody>
+          <a:bodyPr/>
+          <a:lstStyle/>
+          <a:p>
+            <a:r>
+              <a:rPr kumimoji="1" lang="en" altLang="zh-TW" dirty="0"/>
+              <a:t>Scalability - 2</a:t>
+            </a:r>
+            <a:endParaRPr kumimoji="1" lang="zh-TW" altLang="en-US" dirty="0"/>
+          </a:p>
+        </p:txBody>
+      </p:sp>
+      <p:sp>
+        <p:nvSpPr>
+          <p:cNvPr id="4" name="投影片編號版面配置區 3">
+            <a:extLst>
+              <a:ext uri="{FF2B5EF4-FFF2-40B4-BE49-F238E27FC236}">
+                <a16:creationId xmlns:a16="http://schemas.microsoft.com/office/drawing/2014/main" id="{4812D743-9EA0-2B48-8E13-D949803DABFF}"/>
+              </a:ext>
+            </a:extLst>
+          </p:cNvPr>
+          <p:cNvSpPr>
+            <a:spLocks noGrp="1"/>
+          </p:cNvSpPr>
+          <p:nvPr>
+            <p:ph type="sldNum" sz="quarter" idx="4"/>
+          </p:nvPr>
+        </p:nvSpPr>
+        <p:spPr/>
+        <p:txBody>
+          <a:bodyPr/>
+          <a:lstStyle/>
+          <a:p>
+            <a:pPr>
+              <a:defRPr/>
+            </a:pPr>
+            <a:fld id="{E8C28225-8C40-1B4C-8782-A48A7246F811}" type="slidenum">
+              <a:rPr lang="en-US" smtClean="0"/>
+              <a:pPr>
+                <a:defRPr/>
+              </a:pPr>
+              <a:t>13</a:t>
+            </a:fld>
+            <a:endParaRPr lang="en-US" dirty="0"/>
+          </a:p>
+        </p:txBody>
+      </p:sp>
+      <p:graphicFrame>
+        <p:nvGraphicFramePr>
+          <p:cNvPr id="5" name="表格 5">
+            <a:extLst>
+              <a:ext uri="{FF2B5EF4-FFF2-40B4-BE49-F238E27FC236}">
+                <a16:creationId xmlns:a16="http://schemas.microsoft.com/office/drawing/2014/main" id="{FF4218DC-5A91-2E5F-7112-C80403393138}"/>
+              </a:ext>
+            </a:extLst>
+          </p:cNvPr>
+          <p:cNvGraphicFramePr>
+            <a:graphicFrameLocks noGrp="1"/>
+          </p:cNvGraphicFramePr>
+          <p:nvPr>
+            <p:extLst>
+              <p:ext uri="{D42A27DB-BD31-4B8C-83A1-F6EECF244321}">
+                <p14:modId xmlns:p14="http://schemas.microsoft.com/office/powerpoint/2010/main" val="3635760285"/>
+              </p:ext>
+            </p:extLst>
+          </p:nvPr>
+        </p:nvGraphicFramePr>
+        <p:xfrm>
+          <a:off x="1981200" y="884812"/>
+          <a:ext cx="6172200" cy="2051247"/>
+        </p:xfrm>
+        <a:graphic>
+          <a:graphicData uri="http://schemas.openxmlformats.org/drawingml/2006/table">
+            <a:tbl>
+              <a:tblPr firstRow="1" bandRow="1">
+                <a:tableStyleId>{5940675A-B579-460E-94D1-54222C63F5DA}</a:tableStyleId>
+              </a:tblPr>
+              <a:tblGrid>
+                <a:gridCol w="2057400">
+                  <a:extLst>
+                    <a:ext uri="{9D8B030D-6E8A-4147-A177-3AD203B41FA5}">
+                      <a16:colId xmlns:a16="http://schemas.microsoft.com/office/drawing/2014/main" val="2886871992"/>
+                    </a:ext>
+                  </a:extLst>
+                </a:gridCol>
+                <a:gridCol w="2057400">
+                  <a:extLst>
+                    <a:ext uri="{9D8B030D-6E8A-4147-A177-3AD203B41FA5}">
+                      <a16:colId xmlns:a16="http://schemas.microsoft.com/office/drawing/2014/main" val="2310662193"/>
+                    </a:ext>
+                  </a:extLst>
+                </a:gridCol>
+                <a:gridCol w="2057400">
+                  <a:extLst>
+                    <a:ext uri="{9D8B030D-6E8A-4147-A177-3AD203B41FA5}">
+                      <a16:colId xmlns:a16="http://schemas.microsoft.com/office/drawing/2014/main" val="286285347"/>
+                    </a:ext>
+                  </a:extLst>
+                </a:gridCol>
+              </a:tblGrid>
+              <a:tr h="244139">
                 <a:tc>
                   <a:txBody>
                     <a:bodyPr/>
@@ -7970,7 +8730,7 @@
                   </a:ext>
                 </a:extLst>
               </a:tr>
-              <a:tr h="370840">
+              <a:tr h="244139">
                 <a:tc>
                   <a:txBody>
                     <a:bodyPr/>
@@ -8034,7 +8794,7 @@
                   </a:ext>
                 </a:extLst>
               </a:tr>
-              <a:tr h="370840">
+              <a:tr h="244139">
                 <a:tc>
                   <a:txBody>
                     <a:bodyPr/>
@@ -8098,7 +8858,7 @@
                   </a:ext>
                 </a:extLst>
               </a:tr>
-              <a:tr h="370840">
+              <a:tr h="244139">
                 <a:tc>
                   <a:txBody>
                     <a:bodyPr/>
@@ -8162,7 +8922,7 @@
                   </a:ext>
                 </a:extLst>
               </a:tr>
-              <a:tr h="370840">
+              <a:tr h="374847">
                 <a:tc>
                   <a:txBody>
                     <a:bodyPr/>
@@ -8226,7 +8986,7 @@
                   </a:ext>
                 </a:extLst>
               </a:tr>
-              <a:tr h="370840">
+              <a:tr h="244139">
                 <a:tc>
                   <a:txBody>
                     <a:bodyPr/>
@@ -8403,10 +9163,10 @@
       </p:pic>
       <p:grpSp>
         <p:nvGrpSpPr>
-          <p:cNvPr id="10" name="群組 9">
+          <p:cNvPr id="11" name="群組 10">
             <a:extLst>
               <a:ext uri="{FF2B5EF4-FFF2-40B4-BE49-F238E27FC236}">
-                <a16:creationId xmlns:a16="http://schemas.microsoft.com/office/drawing/2014/main" id="{C9ECB858-CA2B-5473-6254-696CE0700369}"/>
+                <a16:creationId xmlns:a16="http://schemas.microsoft.com/office/drawing/2014/main" id="{08B1EB81-468D-3050-F028-46D16D4B284C}"/>
               </a:ext>
             </a:extLst>
           </p:cNvPr>
@@ -8415,18 +9175,18 @@
         </p:nvGrpSpPr>
         <p:grpSpPr>
           <a:xfrm>
-            <a:off x="408409" y="3194476"/>
-            <a:ext cx="2993182" cy="3600000"/>
-            <a:chOff x="408409" y="3194476"/>
-            <a:chExt cx="2993182" cy="3600000"/>
+            <a:off x="629732" y="3229172"/>
+            <a:ext cx="2799268" cy="3538828"/>
+            <a:chOff x="629732" y="3229172"/>
+            <a:chExt cx="2799268" cy="3538828"/>
           </a:xfrm>
         </p:grpSpPr>
         <p:pic>
           <p:nvPicPr>
-            <p:cNvPr id="8" name="圖片 7">
+            <p:cNvPr id="7" name="圖片 6">
               <a:extLst>
                 <a:ext uri="{FF2B5EF4-FFF2-40B4-BE49-F238E27FC236}">
-                  <a16:creationId xmlns:a16="http://schemas.microsoft.com/office/drawing/2014/main" id="{72B87C6F-9B4F-3DA6-AC38-ABF5FEDCAE87}"/>
+                  <a16:creationId xmlns:a16="http://schemas.microsoft.com/office/drawing/2014/main" id="{14B8F4BD-6938-B483-F4AA-1972A790C2F1}"/>
                 </a:ext>
               </a:extLst>
             </p:cNvPr>
@@ -8436,15 +9196,26 @@
             <p:nvPr/>
           </p:nvPicPr>
           <p:blipFill>
-            <a:blip r:embed="rId4"/>
+            <a:blip r:embed="rId4">
+              <a:clrChange>
+                <a:clrFrom>
+                  <a:srgbClr val="FFFFFF"/>
+                </a:clrFrom>
+                <a:clrTo>
+                  <a:srgbClr val="FFFFFF">
+                    <a:alpha val="0"/>
+                  </a:srgbClr>
+                </a:clrTo>
+              </a:clrChange>
+            </a:blip>
             <a:stretch>
               <a:fillRect/>
             </a:stretch>
           </p:blipFill>
           <p:spPr>
             <a:xfrm>
-              <a:off x="408409" y="3194476"/>
-              <a:ext cx="2993182" cy="3600000"/>
+              <a:off x="629732" y="3229172"/>
+              <a:ext cx="2799268" cy="3538828"/>
             </a:xfrm>
             <a:prstGeom prst="rect">
               <a:avLst/>
@@ -8453,10 +9224,10 @@
         </p:pic>
         <p:sp>
           <p:nvSpPr>
-            <p:cNvPr id="9" name="文字方塊 8">
+            <p:cNvPr id="16" name="文字方塊 15">
               <a:extLst>
                 <a:ext uri="{FF2B5EF4-FFF2-40B4-BE49-F238E27FC236}">
-                  <a16:creationId xmlns:a16="http://schemas.microsoft.com/office/drawing/2014/main" id="{756C3FC0-43AC-F44F-F7F3-08D32B1E9024}"/>
+                  <a16:creationId xmlns:a16="http://schemas.microsoft.com/office/drawing/2014/main" id="{21DF8545-48A1-658C-063F-1C0DADDACDBC}"/>
                 </a:ext>
               </a:extLst>
             </p:cNvPr>
@@ -8465,7 +9236,7 @@
           </p:nvSpPr>
           <p:spPr>
             <a:xfrm>
-              <a:off x="1899745" y="3962400"/>
+              <a:off x="2743200" y="5562600"/>
               <a:ext cx="268022" cy="292388"/>
             </a:xfrm>
             <a:prstGeom prst="rect">
@@ -8474,7 +9245,7 @@
             <a:noFill/>
           </p:spPr>
           <p:txBody>
-            <a:bodyPr wrap="none" rtlCol="0">
+            <a:bodyPr wrap="square" rtlCol="0">
               <a:spAutoFit/>
             </a:bodyPr>
             <a:lstStyle/>
@@ -8496,10 +9267,10 @@
         </p:sp>
         <p:sp>
           <p:nvSpPr>
-            <p:cNvPr id="14" name="文字方塊 13">
+            <p:cNvPr id="17" name="文字方塊 16">
               <a:extLst>
                 <a:ext uri="{FF2B5EF4-FFF2-40B4-BE49-F238E27FC236}">
-                  <a16:creationId xmlns:a16="http://schemas.microsoft.com/office/drawing/2014/main" id="{31EF16D3-4FE9-B83B-C016-517CF0374E8B}"/>
+                  <a16:creationId xmlns:a16="http://schemas.microsoft.com/office/drawing/2014/main" id="{7E490D7F-A709-F150-B5EB-44EEE8517338}"/>
                 </a:ext>
               </a:extLst>
             </p:cNvPr>
@@ -8508,7 +9279,7 @@
           </p:nvSpPr>
           <p:spPr>
             <a:xfrm>
-              <a:off x="2212651" y="4382110"/>
+              <a:off x="3147531" y="5943600"/>
               <a:ext cx="268022" cy="292388"/>
             </a:xfrm>
             <a:prstGeom prst="rect">
@@ -8517,7 +9288,7 @@
             <a:noFill/>
           </p:spPr>
           <p:txBody>
-            <a:bodyPr wrap="none" rtlCol="0">
+            <a:bodyPr wrap="square" rtlCol="0">
               <a:spAutoFit/>
             </a:bodyPr>
             <a:lstStyle/>
@@ -8528,7 +9299,7 @@
                   <a:ea typeface="Tahoma" panose="020B0604030504040204" pitchFamily="34" charset="0"/>
                   <a:cs typeface="Tahoma" panose="020B0604030504040204" pitchFamily="34" charset="0"/>
                 </a:rPr>
-                <a:t>2</a:t>
+                <a:t>1</a:t>
               </a:r>
               <a:endParaRPr kumimoji="1" lang="zh-TW" altLang="en-US" sz="1300" dirty="0">
                 <a:latin typeface="Times" pitchFamily="2" charset="0"/>
@@ -8551,7 +9322,7 @@
 </p:sld>
 </file>
 
-<file path=ppt/slides/slide13.xml><?xml version="1.0" encoding="utf-8"?>
+<file path=ppt/slides/slide14.xml><?xml version="1.0" encoding="utf-8"?>
 <p:sld xmlns:a="http://schemas.openxmlformats.org/drawingml/2006/main" xmlns:r="http://schemas.openxmlformats.org/officeDocument/2006/relationships" xmlns:p="http://schemas.openxmlformats.org/presentationml/2006/main">
   <p:cSld>
     <p:spTree>
@@ -8597,7 +9368,7 @@
               <a:pPr>
                 <a:defRPr/>
               </a:pPr>
-              <a:t>13</a:t>
+              <a:t>14</a:t>
             </a:fld>
             <a:endParaRPr lang="en-US" dirty="0"/>
           </a:p>
@@ -11553,8 +12324,8 @@
           <a:chExt cx="0" cy="0"/>
         </a:xfrm>
       </p:grpSpPr>
-      <mc:AlternateContent xmlns:mc="http://schemas.openxmlformats.org/markup-compatibility/2006" xmlns:a14="http://schemas.microsoft.com/office/drawing/2010/main">
-        <mc:Choice Requires="a14">
+      <mc:AlternateContent xmlns:mc="http://schemas.openxmlformats.org/markup-compatibility/2006">
+        <mc:Choice xmlns:a14="http://schemas.microsoft.com/office/drawing/2010/main" Requires="a14">
           <p:sp>
             <p:nvSpPr>
               <p:cNvPr id="2" name="標題 1">
@@ -11573,11 +12344,13 @@
             </p:nvSpPr>
             <p:spPr/>
             <p:txBody>
-              <a:bodyPr/>
+              <a:bodyPr>
+                <a:normAutofit/>
+              </a:bodyPr>
               <a:lstStyle/>
               <a:p>
                 <a:r>
-                  <a:rPr lang="en-US" altLang="zh-TW" dirty="0">
+                  <a:rPr lang="en-US" altLang="zh-TW" sz="2800" dirty="0">
                     <a:solidFill>
                       <a:srgbClr val="000000"/>
                     </a:solidFill>
@@ -11590,7 +12363,7 @@
                     <m:sSup>
                       <m:sSupPr>
                         <m:ctrlPr>
-                          <a:rPr lang="zh-TW" altLang="zh-TW" i="1">
+                          <a:rPr lang="zh-TW" altLang="zh-TW" sz="2800" i="1">
                             <a:solidFill>
                               <a:srgbClr val="000000"/>
                             </a:solidFill>
@@ -11604,7 +12377,7 @@
                           <m:rPr>
                             <m:sty m:val="p"/>
                           </m:rPr>
-                          <a:rPr lang="en-US" altLang="zh-TW" b="0" i="0" smtClean="0">
+                          <a:rPr lang="en-US" altLang="zh-TW" sz="2800" b="0" i="0" smtClean="0">
                             <a:solidFill>
                               <a:srgbClr val="000000"/>
                             </a:solidFill>
@@ -11619,7 +12392,7 @@
                           <m:rPr>
                             <m:sty m:val="p"/>
                           </m:rPr>
-                          <a:rPr lang="en-US" altLang="zh-TW">
+                          <a:rPr lang="en-US" altLang="zh-TW" sz="2800">
                             <a:solidFill>
                               <a:srgbClr val="000000"/>
                             </a:solidFill>
@@ -11633,20 +12406,20 @@
                   </m:oMath>
                 </a14:m>
                 <a:r>
-                  <a:rPr lang="en-US" altLang="zh-TW" dirty="0">
+                  <a:rPr lang="en-US" altLang="zh-TW" sz="2800" dirty="0">
                     <a:solidFill>
                       <a:srgbClr val="000000"/>
                     </a:solidFill>
                     <a:ea typeface="Times New Roman" panose="02020603050405020304" pitchFamily="18" charset="0"/>
                   </a:rPr>
-                  <a:t>)</a:t>
+                  <a:t>: local stiffness matrix)</a:t>
                 </a:r>
-                <a:endParaRPr kumimoji="1" lang="zh-TW" altLang="en-US" dirty="0"/>
+                <a:endParaRPr kumimoji="1" lang="zh-TW" altLang="en-US" sz="2800" dirty="0"/>
               </a:p>
             </p:txBody>
           </p:sp>
         </mc:Choice>
-        <mc:Fallback xmlns="">
+        <mc:Fallback>
           <p:sp>
             <p:nvSpPr>
               <p:cNvPr id="2" name="標題 1">
@@ -11667,7 +12440,7 @@
               <a:blipFill>
                 <a:blip r:embed="rId2"/>
                 <a:stretch>
-                  <a:fillRect t="-7018" b="-28070"/>
+                  <a:fillRect b="-10526"/>
                 </a:stretch>
               </a:blipFill>
             </p:spPr>
@@ -11686,8 +12459,8 @@
           </p:sp>
         </mc:Fallback>
       </mc:AlternateContent>
-      <mc:AlternateContent xmlns:mc="http://schemas.openxmlformats.org/markup-compatibility/2006" xmlns:a14="http://schemas.microsoft.com/office/drawing/2010/main">
-        <mc:Choice Requires="a14">
+      <mc:AlternateContent xmlns:mc="http://schemas.openxmlformats.org/markup-compatibility/2006">
+        <mc:Choice xmlns:a14="http://schemas.microsoft.com/office/drawing/2010/main" Requires="a14">
           <p:sp>
             <p:nvSpPr>
               <p:cNvPr id="3" name="內容版面配置區 2">
@@ -11764,6 +12537,19 @@
                               <a:latin typeface="Cambria Math" panose="02040503050406030204" pitchFamily="18" charset="0"/>
                               <a:ea typeface="Times New Roman" panose="02020603050405020304" pitchFamily="18" charset="0"/>
                             </a:rPr>
+                            <m:t>∇w</m:t>
+                          </m:r>
+                          <m:r>
+                            <m:rPr>
+                              <m:sty m:val="p"/>
+                            </m:rPr>
+                            <a:rPr lang="en-US" altLang="zh-TW">
+                              <a:solidFill>
+                                <a:srgbClr val="000000"/>
+                              </a:solidFill>
+                              <a:latin typeface="Cambria Math" panose="02040503050406030204" pitchFamily="18" charset="0"/>
+                              <a:ea typeface="Times New Roman" panose="02020603050405020304" pitchFamily="18" charset="0"/>
+                            </a:rPr>
                             <m:t>∇</m:t>
                           </m:r>
                           <m:r>
@@ -11778,29 +12564,6 @@
                               <a:ea typeface="Times New Roman" panose="02020603050405020304" pitchFamily="18" charset="0"/>
                             </a:rPr>
                             <m:t>u</m:t>
-                          </m:r>
-                          <m:r>
-                            <a:rPr lang="en-US" altLang="zh-TW">
-                              <a:solidFill>
-                                <a:srgbClr val="000000"/>
-                              </a:solidFill>
-                              <a:latin typeface="Cambria Math" panose="02040503050406030204" pitchFamily="18" charset="0"/>
-                              <a:ea typeface="Times New Roman" panose="02020603050405020304" pitchFamily="18" charset="0"/>
-                            </a:rPr>
-                            <m:t> </m:t>
-                          </m:r>
-                          <m:r>
-                            <m:rPr>
-                              <m:sty m:val="p"/>
-                            </m:rPr>
-                            <a:rPr lang="en-US" altLang="zh-TW">
-                              <a:solidFill>
-                                <a:srgbClr val="000000"/>
-                              </a:solidFill>
-                              <a:latin typeface="Cambria Math" panose="02040503050406030204" pitchFamily="18" charset="0"/>
-                              <a:ea typeface="Times New Roman" panose="02020603050405020304" pitchFamily="18" charset="0"/>
-                            </a:rPr>
-                            <m:t>∇w</m:t>
                           </m:r>
                           <m:r>
                             <a:rPr lang="en-US" altLang="zh-TW">
@@ -13973,7 +14736,7 @@
             </p:txBody>
           </p:sp>
         </mc:Choice>
-        <mc:Fallback xmlns="">
+        <mc:Fallback>
           <p:sp>
             <p:nvSpPr>
               <p:cNvPr id="3" name="內容版面配置區 2">
@@ -14135,13 +14898,17 @@
           <a:lstStyle/>
           <a:p>
             <a:r>
-              <a:rPr lang="zh-TW" altLang="en-US" sz="1100" dirty="0"/>
+              <a:rPr lang="zh-TW" altLang="en-US" sz="1100" dirty="0">
+                <a:latin typeface="Times" pitchFamily="2" charset="0"/>
+              </a:rPr>
               <a:t>temp_Ke = matrix_mult_transpose(&amp;Be, &amp;Be);</a:t>
             </a:r>
           </a:p>
           <a:p>
             <a:r>
-              <a:rPr lang="zh-TW" altLang="en-US" sz="1100" dirty="0"/>
+              <a:rPr lang="zh-TW" altLang="en-US" sz="1100" dirty="0">
+                <a:latin typeface="Times" pitchFamily="2" charset="0"/>
+              </a:rPr>
               <a:t>Ke = scale_matrix(&amp;temp_Ke, Area);</a:t>
             </a:r>
           </a:p>
@@ -14177,8 +14944,8 @@
           <a:chExt cx="0" cy="0"/>
         </a:xfrm>
       </p:grpSpPr>
-      <mc:AlternateContent xmlns:mc="http://schemas.openxmlformats.org/markup-compatibility/2006" xmlns:a14="http://schemas.microsoft.com/office/drawing/2010/main">
-        <mc:Choice Requires="a14">
+      <mc:AlternateContent xmlns:mc="http://schemas.openxmlformats.org/markup-compatibility/2006">
+        <mc:Choice xmlns:a14="http://schemas.microsoft.com/office/drawing/2010/main" Requires="a14">
           <p:sp>
             <p:nvSpPr>
               <p:cNvPr id="2" name="標題 1">
@@ -14197,7 +14964,9 @@
             </p:nvSpPr>
             <p:spPr/>
             <p:txBody>
-              <a:bodyPr/>
+              <a:bodyPr>
+                <a:normAutofit fontScale="90000"/>
+              </a:bodyPr>
               <a:lstStyle/>
               <a:p>
                 <a:r>
@@ -14263,14 +15032,14 @@
                     </a:solidFill>
                     <a:ea typeface="Times New Roman" panose="02020603050405020304" pitchFamily="18" charset="0"/>
                   </a:rPr>
-                  <a:t>)</a:t>
+                  <a:t>: local force vector)</a:t>
                 </a:r>
                 <a:endParaRPr kumimoji="1" lang="zh-TW" altLang="en-US" dirty="0"/>
               </a:p>
             </p:txBody>
           </p:sp>
         </mc:Choice>
-        <mc:Fallback xmlns="">
+        <mc:Fallback>
           <p:sp>
             <p:nvSpPr>
               <p:cNvPr id="2" name="標題 1">
@@ -14291,7 +15060,7 @@
               <a:blipFill>
                 <a:blip r:embed="rId3"/>
                 <a:stretch>
-                  <a:fillRect t="-7018" b="-28070"/>
+                  <a:fillRect l="-420" t="-1754" r="-420" b="-19298"/>
                 </a:stretch>
               </a:blipFill>
             </p:spPr>
@@ -14310,8 +15079,8 @@
           </p:sp>
         </mc:Fallback>
       </mc:AlternateContent>
-      <mc:AlternateContent xmlns:mc="http://schemas.openxmlformats.org/markup-compatibility/2006" xmlns:a14="http://schemas.microsoft.com/office/drawing/2010/main">
-        <mc:Choice Requires="a14">
+      <mc:AlternateContent xmlns:mc="http://schemas.openxmlformats.org/markup-compatibility/2006">
+        <mc:Choice xmlns:a14="http://schemas.microsoft.com/office/drawing/2010/main" Requires="a14">
           <p:sp>
             <p:nvSpPr>
               <p:cNvPr id="3" name="內容版面配置區 2">
@@ -14331,7 +15100,7 @@
             <p:spPr/>
             <p:txBody>
               <a:bodyPr>
-                <a:normAutofit fontScale="92500"/>
+                <a:normAutofit fontScale="85000" lnSpcReduction="20000"/>
               </a:bodyPr>
               <a:lstStyle/>
               <a:p>
@@ -15085,82 +15854,7 @@
                             <a:ea typeface="MS Mincho" panose="02020609040205080304" pitchFamily="49" charset="-128"/>
                             <a:cs typeface="Times New Roman" panose="02020603050405020304" pitchFamily="18" charset="0"/>
                           </a:rPr>
-                          <m:t>f</m:t>
-                        </m:r>
-                        <m:r>
-                          <a:rPr lang="en-US" altLang="zh-TW" b="0" i="0" smtClean="0">
-                            <a:solidFill>
-                              <a:srgbClr val="000000"/>
-                            </a:solidFill>
-                            <a:latin typeface="Cambria Math" panose="02040503050406030204" pitchFamily="18" charset="0"/>
-                            <a:ea typeface="MS Mincho" panose="02020609040205080304" pitchFamily="49" charset="-128"/>
-                            <a:cs typeface="Times New Roman" panose="02020603050405020304" pitchFamily="18" charset="0"/>
-                          </a:rPr>
-                          <m:t>(</m:t>
-                        </m:r>
-                        <m:r>
-                          <m:rPr>
-                            <m:sty m:val="p"/>
-                          </m:rPr>
-                          <a:rPr lang="en-US" altLang="zh-TW" b="0" i="0" smtClean="0">
-                            <a:solidFill>
-                              <a:srgbClr val="000000"/>
-                            </a:solidFill>
-                            <a:latin typeface="Cambria Math" panose="02040503050406030204" pitchFamily="18" charset="0"/>
-                            <a:ea typeface="MS Mincho" panose="02020609040205080304" pitchFamily="49" charset="-128"/>
-                            <a:cs typeface="Times New Roman" panose="02020603050405020304" pitchFamily="18" charset="0"/>
-                          </a:rPr>
-                          <m:t>xg</m:t>
-                        </m:r>
-                        <m:r>
-                          <a:rPr lang="en-US" altLang="zh-TW" b="0" i="0" smtClean="0">
-                            <a:solidFill>
-                              <a:srgbClr val="000000"/>
-                            </a:solidFill>
-                            <a:latin typeface="Cambria Math" panose="02040503050406030204" pitchFamily="18" charset="0"/>
-                            <a:ea typeface="MS Mincho" panose="02020609040205080304" pitchFamily="49" charset="-128"/>
-                            <a:cs typeface="Times New Roman" panose="02020603050405020304" pitchFamily="18" charset="0"/>
-                          </a:rPr>
-                          <m:t>,</m:t>
-                        </m:r>
-                        <m:r>
-                          <m:rPr>
-                            <m:sty m:val="p"/>
-                          </m:rPr>
-                          <a:rPr lang="en-US" altLang="zh-TW" b="0" i="0" smtClean="0">
-                            <a:solidFill>
-                              <a:srgbClr val="000000"/>
-                            </a:solidFill>
-                            <a:latin typeface="Cambria Math" panose="02040503050406030204" pitchFamily="18" charset="0"/>
-                            <a:ea typeface="MS Mincho" panose="02020609040205080304" pitchFamily="49" charset="-128"/>
-                            <a:cs typeface="Times New Roman" panose="02020603050405020304" pitchFamily="18" charset="0"/>
-                          </a:rPr>
-                          <m:t>yg</m:t>
-                        </m:r>
-                        <m:r>
-                          <a:rPr lang="en-US" altLang="zh-TW" b="0" i="0" smtClean="0">
-                            <a:solidFill>
-                              <a:srgbClr val="000000"/>
-                            </a:solidFill>
-                            <a:latin typeface="Cambria Math" panose="02040503050406030204" pitchFamily="18" charset="0"/>
-                            <a:ea typeface="MS Mincho" panose="02020609040205080304" pitchFamily="49" charset="-128"/>
-                            <a:cs typeface="Times New Roman" panose="02020603050405020304" pitchFamily="18" charset="0"/>
-                          </a:rPr>
-                          <m:t>)</m:t>
-                        </m:r>
-                        <m:r>
-                          <m:rPr>
-                            <m:sty m:val="p"/>
-                          </m:rPr>
-                          <a:rPr lang="en-US" altLang="zh-TW">
-                            <a:solidFill>
-                              <a:srgbClr val="000000"/>
-                            </a:solidFill>
-                            <a:latin typeface="Cambria Math" panose="02040503050406030204" pitchFamily="18" charset="0"/>
-                            <a:ea typeface="MS Mincho" panose="02020609040205080304" pitchFamily="49" charset="-128"/>
-                            <a:cs typeface="Times New Roman" panose="02020603050405020304" pitchFamily="18" charset="0"/>
-                          </a:rPr>
-                          <m:t>dA</m:t>
+                          <m:t>fdA</m:t>
                         </m:r>
                       </m:e>
                     </m:nary>
@@ -15226,159 +15920,422 @@
                   <a:buNone/>
                 </a:pPr>
                 <a14:m>
-                  <m:oMathPara xmlns:m="http://schemas.openxmlformats.org/officeDocument/2006/math">
-                    <m:oMathParaPr>
-                      <m:jc m:val="centerGroup"/>
-                    </m:oMathParaPr>
-                    <m:oMath xmlns:m="http://schemas.openxmlformats.org/officeDocument/2006/math">
-                      <m:r>
-                        <a:rPr lang="en-US" altLang="zh-TW" b="0" i="1" smtClean="0">
-                          <a:solidFill>
-                            <a:srgbClr val="000000"/>
-                          </a:solidFill>
-                          <a:latin typeface="Cambria Math" panose="02040503050406030204" pitchFamily="18" charset="0"/>
-                          <a:ea typeface="Cambria Math" panose="02040503050406030204" pitchFamily="18" charset="0"/>
-                        </a:rPr>
-                        <m:t>−</m:t>
-                      </m:r>
-                      <m:f>
-                        <m:fPr>
-                          <m:ctrlPr>
-                            <a:rPr lang="en-US" altLang="zh-TW" b="0" i="1" smtClean="0">
-                              <a:solidFill>
-                                <a:srgbClr val="000000"/>
-                              </a:solidFill>
-                              <a:latin typeface="Cambria Math" panose="02040503050406030204" pitchFamily="18" charset="0"/>
-                              <a:ea typeface="Cambria Math" panose="02040503050406030204" pitchFamily="18" charset="0"/>
-                            </a:rPr>
-                          </m:ctrlPr>
-                        </m:fPr>
-                        <m:num>
-                          <m:sSup>
-                            <m:sSupPr>
-                              <m:ctrlPr>
-                                <a:rPr lang="zh-TW" altLang="zh-TW" i="1">
-                                  <a:solidFill>
-                                    <a:srgbClr val="000000"/>
-                                  </a:solidFill>
-                                  <a:latin typeface="Cambria Math" panose="02040503050406030204" pitchFamily="18" charset="0"/>
-                                  <a:ea typeface="Cambria Math" panose="02040503050406030204" pitchFamily="18" charset="0"/>
-                                </a:rPr>
-                              </m:ctrlPr>
-                            </m:sSupPr>
-                            <m:e>
-                              <m:r>
-                                <m:rPr>
-                                  <m:sty m:val="p"/>
-                                </m:rPr>
-                                <a:rPr lang="en-US" altLang="zh-TW">
-                                  <a:solidFill>
-                                    <a:srgbClr val="000000"/>
-                                  </a:solidFill>
-                                  <a:latin typeface="Cambria Math" panose="02040503050406030204" pitchFamily="18" charset="0"/>
-                                  <a:ea typeface="Times New Roman" panose="02020603050405020304" pitchFamily="18" charset="0"/>
-                                </a:rPr>
-                                <m:t>A</m:t>
-                              </m:r>
-                            </m:e>
-                            <m:sup>
-                              <m:r>
-                                <m:rPr>
-                                  <m:sty m:val="p"/>
-                                </m:rPr>
-                                <a:rPr lang="en-US" altLang="zh-TW">
-                                  <a:solidFill>
-                                    <a:srgbClr val="000000"/>
-                                  </a:solidFill>
-                                  <a:latin typeface="Cambria Math" panose="02040503050406030204" pitchFamily="18" charset="0"/>
-                                  <a:ea typeface="Times New Roman" panose="02020603050405020304" pitchFamily="18" charset="0"/>
-                                </a:rPr>
-                                <m:t>e</m:t>
-                              </m:r>
-                            </m:sup>
-                          </m:sSup>
-                          <m:r>
-                            <a:rPr lang="en-US" altLang="zh-TW" b="0" i="1" smtClean="0">
-                              <a:solidFill>
-                                <a:srgbClr val="000000"/>
-                              </a:solidFill>
-                              <a:latin typeface="Cambria Math" panose="02040503050406030204" pitchFamily="18" charset="0"/>
-                              <a:ea typeface="Times New Roman" panose="02020603050405020304" pitchFamily="18" charset="0"/>
-                            </a:rPr>
-                            <m:t>𝑓</m:t>
-                          </m:r>
-                          <m:d>
-                            <m:dPr>
-                              <m:ctrlPr>
-                                <a:rPr lang="en-US" altLang="zh-TW" b="0" i="1" smtClean="0">
-                                  <a:solidFill>
-                                    <a:srgbClr val="000000"/>
-                                  </a:solidFill>
-                                  <a:latin typeface="Cambria Math" panose="02040503050406030204" pitchFamily="18" charset="0"/>
-                                  <a:ea typeface="Times New Roman" panose="02020603050405020304" pitchFamily="18" charset="0"/>
-                                </a:rPr>
-                              </m:ctrlPr>
-                            </m:dPr>
-                            <m:e>
-                              <m:r>
-                                <a:rPr lang="en-US" altLang="zh-TW" b="0" i="1" smtClean="0">
-                                  <a:solidFill>
-                                    <a:srgbClr val="000000"/>
-                                  </a:solidFill>
-                                  <a:latin typeface="Cambria Math" panose="02040503050406030204" pitchFamily="18" charset="0"/>
-                                  <a:ea typeface="Times New Roman" panose="02020603050405020304" pitchFamily="18" charset="0"/>
-                                </a:rPr>
-                                <m:t>𝑥𝑔</m:t>
-                              </m:r>
-                              <m:r>
-                                <a:rPr lang="en-US" altLang="zh-TW" b="0" i="1" smtClean="0">
-                                  <a:solidFill>
-                                    <a:srgbClr val="000000"/>
-                                  </a:solidFill>
-                                  <a:latin typeface="Cambria Math" panose="02040503050406030204" pitchFamily="18" charset="0"/>
-                                  <a:ea typeface="Times New Roman" panose="02020603050405020304" pitchFamily="18" charset="0"/>
-                                </a:rPr>
-                                <m:t>,</m:t>
-                              </m:r>
-                              <m:r>
-                                <a:rPr lang="en-US" altLang="zh-TW" b="0" i="1" smtClean="0">
-                                  <a:solidFill>
-                                    <a:srgbClr val="000000"/>
-                                  </a:solidFill>
-                                  <a:latin typeface="Cambria Math" panose="02040503050406030204" pitchFamily="18" charset="0"/>
-                                  <a:ea typeface="Times New Roman" panose="02020603050405020304" pitchFamily="18" charset="0"/>
-                                </a:rPr>
-                                <m:t>𝑦𝑔</m:t>
-                              </m:r>
-                            </m:e>
-                          </m:d>
-                        </m:num>
-                        <m:den>
-                          <m:r>
-                            <a:rPr lang="en-US" altLang="zh-TW" b="0" i="0" smtClean="0">
-                              <a:solidFill>
-                                <a:srgbClr val="000000"/>
-                              </a:solidFill>
-                              <a:latin typeface="Cambria Math" panose="02040503050406030204" pitchFamily="18" charset="0"/>
-                              <a:ea typeface="Times New Roman" panose="02020603050405020304" pitchFamily="18" charset="0"/>
-                            </a:rPr>
-                            <m:t>3</m:t>
-                          </m:r>
-                        </m:den>
-                      </m:f>
-                      <m:r>
-                        <a:rPr lang="en-US" altLang="zh-TW">
-                          <a:solidFill>
-                            <a:srgbClr val="000000"/>
-                          </a:solidFill>
-                          <a:latin typeface="Cambria Math" panose="02040503050406030204" pitchFamily="18" charset="0"/>
-                          <a:ea typeface="Times New Roman" panose="02020603050405020304" pitchFamily="18" charset="0"/>
-                        </a:rPr>
-                        <m:t>.</m:t>
-                      </m:r>
-                    </m:oMath>
-                  </m:oMathPara>
+                  <m:oMath xmlns:m="http://schemas.openxmlformats.org/officeDocument/2006/math">
+                    <m:r>
+                      <a:rPr lang="en-US" altLang="zh-TW" b="0" i="1" smtClean="0">
+                        <a:solidFill>
+                          <a:schemeClr val="tx1"/>
+                        </a:solidFill>
+                        <a:latin typeface="Cambria Math" panose="02040503050406030204" pitchFamily="18" charset="0"/>
+                        <a:ea typeface="Times New Roman" panose="02020603050405020304" pitchFamily="18" charset="0"/>
+                      </a:rPr>
+                      <m:t>− </m:t>
+                    </m:r>
+                    <m:r>
+                      <a:rPr lang="en-US" altLang="zh-TW" i="1">
+                        <a:solidFill>
+                          <a:srgbClr val="FF0000"/>
+                        </a:solidFill>
+                        <a:latin typeface="Cambria Math" panose="02040503050406030204" pitchFamily="18" charset="0"/>
+                        <a:ea typeface="Times New Roman" panose="02020603050405020304" pitchFamily="18" charset="0"/>
+                      </a:rPr>
+                      <m:t>𝑓</m:t>
+                    </m:r>
+                    <m:d>
+                      <m:dPr>
+                        <m:ctrlPr>
+                          <a:rPr lang="en-US" altLang="zh-TW" i="1">
+                            <a:solidFill>
+                              <a:srgbClr val="FF0000"/>
+                            </a:solidFill>
+                            <a:latin typeface="Cambria Math" panose="02040503050406030204" pitchFamily="18" charset="0"/>
+                            <a:ea typeface="Times New Roman" panose="02020603050405020304" pitchFamily="18" charset="0"/>
+                          </a:rPr>
+                        </m:ctrlPr>
+                      </m:dPr>
+                      <m:e>
+                        <m:r>
+                          <a:rPr lang="en-US" altLang="zh-TW" i="1">
+                            <a:solidFill>
+                              <a:srgbClr val="FF0000"/>
+                            </a:solidFill>
+                            <a:latin typeface="Cambria Math" panose="02040503050406030204" pitchFamily="18" charset="0"/>
+                            <a:ea typeface="Times New Roman" panose="02020603050405020304" pitchFamily="18" charset="0"/>
+                          </a:rPr>
+                          <m:t>𝑥𝑔</m:t>
+                        </m:r>
+                        <m:r>
+                          <a:rPr lang="en-US" altLang="zh-TW" i="1">
+                            <a:solidFill>
+                              <a:srgbClr val="FF0000"/>
+                            </a:solidFill>
+                            <a:latin typeface="Cambria Math" panose="02040503050406030204" pitchFamily="18" charset="0"/>
+                            <a:ea typeface="Times New Roman" panose="02020603050405020304" pitchFamily="18" charset="0"/>
+                          </a:rPr>
+                          <m:t>,</m:t>
+                        </m:r>
+                        <m:r>
+                          <a:rPr lang="en-US" altLang="zh-TW" i="1">
+                            <a:solidFill>
+                              <a:srgbClr val="FF0000"/>
+                            </a:solidFill>
+                            <a:latin typeface="Cambria Math" panose="02040503050406030204" pitchFamily="18" charset="0"/>
+                            <a:ea typeface="Times New Roman" panose="02020603050405020304" pitchFamily="18" charset="0"/>
+                          </a:rPr>
+                          <m:t>𝑦𝑔</m:t>
+                        </m:r>
+                      </m:e>
+                    </m:d>
+                    <m:nary>
+                      <m:naryPr>
+                        <m:limLoc m:val="undOvr"/>
+                        <m:subHide m:val="on"/>
+                        <m:supHide m:val="on"/>
+                        <m:ctrlPr>
+                          <a:rPr lang="zh-TW" altLang="zh-TW" i="1">
+                            <a:solidFill>
+                              <a:srgbClr val="000000"/>
+                            </a:solidFill>
+                            <a:latin typeface="Cambria Math" panose="02040503050406030204" pitchFamily="18" charset="0"/>
+                            <a:ea typeface="Cambria Math" panose="02040503050406030204" pitchFamily="18" charset="0"/>
+                            <a:cs typeface="Times New Roman" panose="02020603050405020304" pitchFamily="18" charset="0"/>
+                          </a:rPr>
+                        </m:ctrlPr>
+                      </m:naryPr>
+                      <m:sub/>
+                      <m:sup/>
+                      <m:e>
+                        <m:sSup>
+                          <m:sSupPr>
+                            <m:ctrlPr>
+                              <a:rPr lang="zh-TW" altLang="zh-TW" i="1">
+                                <a:solidFill>
+                                  <a:srgbClr val="000000"/>
+                                </a:solidFill>
+                                <a:latin typeface="Cambria Math" panose="02040503050406030204" pitchFamily="18" charset="0"/>
+                                <a:ea typeface="Cambria Math" panose="02040503050406030204" pitchFamily="18" charset="0"/>
+                                <a:cs typeface="Times New Roman" panose="02020603050405020304" pitchFamily="18" charset="0"/>
+                              </a:rPr>
+                            </m:ctrlPr>
+                          </m:sSupPr>
+                          <m:e>
+                            <m:d>
+                              <m:dPr>
+                                <m:begChr m:val="["/>
+                                <m:endChr m:val="]"/>
+                                <m:ctrlPr>
+                                  <a:rPr lang="en-US" altLang="zh-TW" i="1">
+                                    <a:solidFill>
+                                      <a:srgbClr val="000000"/>
+                                    </a:solidFill>
+                                    <a:latin typeface="Cambria Math" panose="02040503050406030204" pitchFamily="18" charset="0"/>
+                                    <a:ea typeface="MS Mincho" panose="02020609040205080304" pitchFamily="49" charset="-128"/>
+                                    <a:cs typeface="Times New Roman" panose="02020603050405020304" pitchFamily="18" charset="0"/>
+                                  </a:rPr>
+                                </m:ctrlPr>
+                              </m:dPr>
+                              <m:e>
+                                <m:sSup>
+                                  <m:sSupPr>
+                                    <m:ctrlPr>
+                                      <a:rPr lang="zh-TW" altLang="zh-TW" i="1">
+                                        <a:solidFill>
+                                          <a:srgbClr val="000000"/>
+                                        </a:solidFill>
+                                        <a:latin typeface="Cambria Math" panose="02040503050406030204" pitchFamily="18" charset="0"/>
+                                        <a:ea typeface="Cambria Math" panose="02040503050406030204" pitchFamily="18" charset="0"/>
+                                        <a:cs typeface="Times New Roman" panose="02020603050405020304" pitchFamily="18" charset="0"/>
+                                      </a:rPr>
+                                    </m:ctrlPr>
+                                  </m:sSupPr>
+                                  <m:e>
+                                    <m:r>
+                                      <m:rPr>
+                                        <m:sty m:val="p"/>
+                                      </m:rPr>
+                                      <a:rPr lang="en-US" altLang="zh-TW">
+                                        <a:solidFill>
+                                          <a:srgbClr val="000000"/>
+                                        </a:solidFill>
+                                        <a:latin typeface="Cambria Math" panose="02040503050406030204" pitchFamily="18" charset="0"/>
+                                        <a:ea typeface="MS Mincho" panose="02020609040205080304" pitchFamily="49" charset="-128"/>
+                                        <a:cs typeface="Times New Roman" panose="02020603050405020304" pitchFamily="18" charset="0"/>
+                                      </a:rPr>
+                                      <m:t>N</m:t>
+                                    </m:r>
+                                  </m:e>
+                                  <m:sup>
+                                    <m:r>
+                                      <m:rPr>
+                                        <m:sty m:val="p"/>
+                                      </m:rPr>
+                                      <a:rPr lang="en-US" altLang="zh-TW">
+                                        <a:solidFill>
+                                          <a:srgbClr val="000000"/>
+                                        </a:solidFill>
+                                        <a:latin typeface="Cambria Math" panose="02040503050406030204" pitchFamily="18" charset="0"/>
+                                        <a:ea typeface="MS Mincho" panose="02020609040205080304" pitchFamily="49" charset="-128"/>
+                                        <a:cs typeface="Times New Roman" panose="02020603050405020304" pitchFamily="18" charset="0"/>
+                                      </a:rPr>
+                                      <m:t>e</m:t>
+                                    </m:r>
+                                  </m:sup>
+                                </m:sSup>
+                              </m:e>
+                            </m:d>
+                          </m:e>
+                          <m:sup>
+                            <m:r>
+                              <m:rPr>
+                                <m:sty m:val="p"/>
+                              </m:rPr>
+                              <a:rPr lang="en-US" altLang="zh-TW">
+                                <a:solidFill>
+                                  <a:srgbClr val="000000"/>
+                                </a:solidFill>
+                                <a:latin typeface="Cambria Math" panose="02040503050406030204" pitchFamily="18" charset="0"/>
+                                <a:ea typeface="MS Mincho" panose="02020609040205080304" pitchFamily="49" charset="-128"/>
+                                <a:cs typeface="Times New Roman" panose="02020603050405020304" pitchFamily="18" charset="0"/>
+                              </a:rPr>
+                              <m:t>T</m:t>
+                            </m:r>
+                          </m:sup>
+                        </m:sSup>
+                        <m:r>
+                          <m:rPr>
+                            <m:sty m:val="p"/>
+                          </m:rPr>
+                          <a:rPr lang="en-US" altLang="zh-TW">
+                            <a:solidFill>
+                              <a:srgbClr val="000000"/>
+                            </a:solidFill>
+                            <a:latin typeface="Cambria Math" panose="02040503050406030204" pitchFamily="18" charset="0"/>
+                            <a:ea typeface="MS Mincho" panose="02020609040205080304" pitchFamily="49" charset="-128"/>
+                            <a:cs typeface="Times New Roman" panose="02020603050405020304" pitchFamily="18" charset="0"/>
+                          </a:rPr>
+                          <m:t>dA</m:t>
+                        </m:r>
+                      </m:e>
+                    </m:nary>
+                    <m:r>
+                      <a:rPr lang="en-US" altLang="zh-TW" b="0" i="1" smtClean="0">
+                        <a:solidFill>
+                          <a:srgbClr val="000000"/>
+                        </a:solidFill>
+                        <a:latin typeface="Cambria Math" panose="02040503050406030204" pitchFamily="18" charset="0"/>
+                        <a:ea typeface="Cambria Math" panose="02040503050406030204" pitchFamily="18" charset="0"/>
+                      </a:rPr>
+                      <m:t>=</m:t>
+                    </m:r>
+                    <m:r>
+                      <a:rPr lang="en-US" altLang="zh-TW" b="0" i="1" smtClean="0">
+                        <a:solidFill>
+                          <a:srgbClr val="000000"/>
+                        </a:solidFill>
+                        <a:latin typeface="Cambria Math" panose="02040503050406030204" pitchFamily="18" charset="0"/>
+                        <a:ea typeface="Cambria Math" panose="02040503050406030204" pitchFamily="18" charset="0"/>
+                      </a:rPr>
+                      <m:t>−</m:t>
+                    </m:r>
+                    <m:f>
+                      <m:fPr>
+                        <m:ctrlPr>
+                          <a:rPr lang="en-US" altLang="zh-TW" b="0" i="1" smtClean="0">
+                            <a:solidFill>
+                              <a:srgbClr val="000000"/>
+                            </a:solidFill>
+                            <a:latin typeface="Cambria Math" panose="02040503050406030204" pitchFamily="18" charset="0"/>
+                            <a:ea typeface="Cambria Math" panose="02040503050406030204" pitchFamily="18" charset="0"/>
+                          </a:rPr>
+                        </m:ctrlPr>
+                      </m:fPr>
+                      <m:num>
+                        <m:sSup>
+                          <m:sSupPr>
+                            <m:ctrlPr>
+                              <a:rPr lang="zh-TW" altLang="zh-TW" i="1">
+                                <a:solidFill>
+                                  <a:srgbClr val="000000"/>
+                                </a:solidFill>
+                                <a:latin typeface="Cambria Math" panose="02040503050406030204" pitchFamily="18" charset="0"/>
+                                <a:ea typeface="Cambria Math" panose="02040503050406030204" pitchFamily="18" charset="0"/>
+                              </a:rPr>
+                            </m:ctrlPr>
+                          </m:sSupPr>
+                          <m:e>
+                            <m:r>
+                              <m:rPr>
+                                <m:sty m:val="p"/>
+                              </m:rPr>
+                              <a:rPr lang="en-US" altLang="zh-TW">
+                                <a:solidFill>
+                                  <a:srgbClr val="000000"/>
+                                </a:solidFill>
+                                <a:latin typeface="Cambria Math" panose="02040503050406030204" pitchFamily="18" charset="0"/>
+                                <a:ea typeface="Times New Roman" panose="02020603050405020304" pitchFamily="18" charset="0"/>
+                              </a:rPr>
+                              <m:t>A</m:t>
+                            </m:r>
+                          </m:e>
+                          <m:sup>
+                            <m:r>
+                              <m:rPr>
+                                <m:sty m:val="p"/>
+                              </m:rPr>
+                              <a:rPr lang="en-US" altLang="zh-TW">
+                                <a:solidFill>
+                                  <a:srgbClr val="000000"/>
+                                </a:solidFill>
+                                <a:latin typeface="Cambria Math" panose="02040503050406030204" pitchFamily="18" charset="0"/>
+                                <a:ea typeface="Times New Roman" panose="02020603050405020304" pitchFamily="18" charset="0"/>
+                              </a:rPr>
+                              <m:t>e</m:t>
+                            </m:r>
+                          </m:sup>
+                        </m:sSup>
+                        <m:r>
+                          <a:rPr lang="en-US" altLang="zh-TW" b="0" i="1" smtClean="0">
+                            <a:solidFill>
+                              <a:srgbClr val="FF0000"/>
+                            </a:solidFill>
+                            <a:latin typeface="Cambria Math" panose="02040503050406030204" pitchFamily="18" charset="0"/>
+                            <a:ea typeface="Times New Roman" panose="02020603050405020304" pitchFamily="18" charset="0"/>
+                          </a:rPr>
+                          <m:t>𝑓</m:t>
+                        </m:r>
+                        <m:d>
+                          <m:dPr>
+                            <m:ctrlPr>
+                              <a:rPr lang="en-US" altLang="zh-TW" b="0" i="1" smtClean="0">
+                                <a:solidFill>
+                                  <a:srgbClr val="FF0000"/>
+                                </a:solidFill>
+                                <a:latin typeface="Cambria Math" panose="02040503050406030204" pitchFamily="18" charset="0"/>
+                                <a:ea typeface="Times New Roman" panose="02020603050405020304" pitchFamily="18" charset="0"/>
+                              </a:rPr>
+                            </m:ctrlPr>
+                          </m:dPr>
+                          <m:e>
+                            <m:r>
+                              <a:rPr lang="en-US" altLang="zh-TW" b="0" i="1" smtClean="0">
+                                <a:solidFill>
+                                  <a:srgbClr val="FF0000"/>
+                                </a:solidFill>
+                                <a:latin typeface="Cambria Math" panose="02040503050406030204" pitchFamily="18" charset="0"/>
+                                <a:ea typeface="Times New Roman" panose="02020603050405020304" pitchFamily="18" charset="0"/>
+                              </a:rPr>
+                              <m:t>𝑥𝑔</m:t>
+                            </m:r>
+                            <m:r>
+                              <a:rPr lang="en-US" altLang="zh-TW" b="0" i="1" smtClean="0">
+                                <a:solidFill>
+                                  <a:srgbClr val="FF0000"/>
+                                </a:solidFill>
+                                <a:latin typeface="Cambria Math" panose="02040503050406030204" pitchFamily="18" charset="0"/>
+                                <a:ea typeface="Times New Roman" panose="02020603050405020304" pitchFamily="18" charset="0"/>
+                              </a:rPr>
+                              <m:t>,</m:t>
+                            </m:r>
+                            <m:r>
+                              <a:rPr lang="en-US" altLang="zh-TW" b="0" i="1" smtClean="0">
+                                <a:solidFill>
+                                  <a:srgbClr val="FF0000"/>
+                                </a:solidFill>
+                                <a:latin typeface="Cambria Math" panose="02040503050406030204" pitchFamily="18" charset="0"/>
+                                <a:ea typeface="Times New Roman" panose="02020603050405020304" pitchFamily="18" charset="0"/>
+                              </a:rPr>
+                              <m:t>𝑦𝑔</m:t>
+                            </m:r>
+                          </m:e>
+                        </m:d>
+                      </m:num>
+                      <m:den>
+                        <m:r>
+                          <a:rPr lang="en-US" altLang="zh-TW" b="0" i="0" smtClean="0">
+                            <a:solidFill>
+                              <a:srgbClr val="000000"/>
+                            </a:solidFill>
+                            <a:latin typeface="Cambria Math" panose="02040503050406030204" pitchFamily="18" charset="0"/>
+                            <a:ea typeface="Times New Roman" panose="02020603050405020304" pitchFamily="18" charset="0"/>
+                          </a:rPr>
+                          <m:t>3</m:t>
+                        </m:r>
+                      </m:den>
+                    </m:f>
+                    <m:d>
+                      <m:dPr>
+                        <m:begChr m:val="["/>
+                        <m:endChr m:val="]"/>
+                        <m:ctrlPr>
+                          <a:rPr lang="en-US" altLang="zh-TW" b="0" i="1" smtClean="0">
+                            <a:solidFill>
+                              <a:srgbClr val="000000"/>
+                            </a:solidFill>
+                            <a:latin typeface="Cambria Math" panose="02040503050406030204" pitchFamily="18" charset="0"/>
+                          </a:rPr>
+                        </m:ctrlPr>
+                      </m:dPr>
+                      <m:e>
+                        <m:eqArr>
+                          <m:eqArrPr>
+                            <m:ctrlPr>
+                              <a:rPr lang="en-US" altLang="zh-TW" b="0" i="1" smtClean="0">
+                                <a:solidFill>
+                                  <a:srgbClr val="000000"/>
+                                </a:solidFill>
+                                <a:latin typeface="Cambria Math" panose="02040503050406030204" pitchFamily="18" charset="0"/>
+                              </a:rPr>
+                            </m:ctrlPr>
+                          </m:eqArrPr>
+                          <m:e>
+                            <m:r>
+                              <a:rPr lang="en-US" altLang="zh-TW" b="0" i="1" smtClean="0">
+                                <a:solidFill>
+                                  <a:srgbClr val="000000"/>
+                                </a:solidFill>
+                                <a:latin typeface="Cambria Math" panose="02040503050406030204" pitchFamily="18" charset="0"/>
+                              </a:rPr>
+                              <m:t>1</m:t>
+                            </m:r>
+                          </m:e>
+                          <m:e>
+                            <m:r>
+                              <a:rPr lang="en-US" altLang="zh-TW" b="0" i="1" smtClean="0">
+                                <a:latin typeface="Cambria Math" panose="02040503050406030204" pitchFamily="18" charset="0"/>
+                              </a:rPr>
+                              <m:t>1</m:t>
+                            </m:r>
+                          </m:e>
+                          <m:e>
+                            <m:r>
+                              <a:rPr lang="en-US" altLang="zh-TW" b="0" i="1" smtClean="0">
+                                <a:latin typeface="Cambria Math" panose="02040503050406030204" pitchFamily="18" charset="0"/>
+                              </a:rPr>
+                              <m:t>1</m:t>
+                            </m:r>
+                          </m:e>
+                        </m:eqArr>
+                      </m:e>
+                    </m:d>
+                    <m:r>
+                      <a:rPr lang="en-US" altLang="zh-TW">
+                        <a:solidFill>
+                          <a:srgbClr val="000000"/>
+                        </a:solidFill>
+                        <a:latin typeface="Cambria Math" panose="02040503050406030204" pitchFamily="18" charset="0"/>
+                        <a:ea typeface="Times New Roman" panose="02020603050405020304" pitchFamily="18" charset="0"/>
+                      </a:rPr>
+                      <m:t>.</m:t>
+                    </m:r>
+                  </m:oMath>
                 </a14:m>
+                <a:r>
+                  <a:rPr lang="en-US" altLang="zh-TW" dirty="0">
+                    <a:latin typeface="Times New Roman" panose="02020603050405020304" pitchFamily="18" charset="0"/>
+                    <a:ea typeface="Times New Roman" panose="02020603050405020304" pitchFamily="18" charset="0"/>
+                  </a:rPr>
+                  <a:t> </a:t>
+                </a:r>
                 <a:endParaRPr lang="zh-TW" altLang="zh-TW" dirty="0">
                   <a:latin typeface="Times New Roman" panose="02020603050405020304" pitchFamily="18" charset="0"/>
                   <a:ea typeface="Times New Roman" panose="02020603050405020304" pitchFamily="18" charset="0"/>
@@ -15587,6 +16544,61 @@
                         </m:r>
                       </m:den>
                     </m:f>
+                    <m:d>
+                      <m:dPr>
+                        <m:begChr m:val="["/>
+                        <m:endChr m:val="]"/>
+                        <m:ctrlPr>
+                          <a:rPr lang="en-US" altLang="zh-TW" i="1">
+                            <a:solidFill>
+                              <a:srgbClr val="000000"/>
+                            </a:solidFill>
+                            <a:latin typeface="Cambria Math" panose="02040503050406030204" pitchFamily="18" charset="0"/>
+                          </a:rPr>
+                        </m:ctrlPr>
+                      </m:dPr>
+                      <m:e>
+                        <m:eqArr>
+                          <m:eqArrPr>
+                            <m:ctrlPr>
+                              <a:rPr lang="en-US" altLang="zh-TW" i="1">
+                                <a:solidFill>
+                                  <a:srgbClr val="000000"/>
+                                </a:solidFill>
+                                <a:latin typeface="Cambria Math" panose="02040503050406030204" pitchFamily="18" charset="0"/>
+                              </a:rPr>
+                            </m:ctrlPr>
+                          </m:eqArrPr>
+                          <m:e>
+                            <m:r>
+                              <a:rPr lang="en-US" altLang="zh-TW" i="1">
+                                <a:solidFill>
+                                  <a:srgbClr val="000000"/>
+                                </a:solidFill>
+                                <a:latin typeface="Cambria Math" panose="02040503050406030204" pitchFamily="18" charset="0"/>
+                              </a:rPr>
+                              <m:t>1</m:t>
+                            </m:r>
+                          </m:e>
+                          <m:e>
+                            <m:r>
+                              <a:rPr lang="en-US" altLang="zh-TW" i="1">
+                                <a:latin typeface="Cambria Math" panose="02040503050406030204" pitchFamily="18" charset="0"/>
+                              </a:rPr>
+                              <m:t>1</m:t>
+                            </m:r>
+                          </m:e>
+                          <m:e>
+                            <m:r>
+                              <a:rPr lang="en-US" altLang="zh-TW" i="1">
+                                <a:latin typeface="Cambria Math" panose="02040503050406030204" pitchFamily="18" charset="0"/>
+                              </a:rPr>
+                              <m:t>1</m:t>
+                            </m:r>
+                          </m:e>
+                        </m:eqArr>
+                      </m:e>
+                    </m:d>
                     <m:r>
                       <a:rPr lang="en-US" altLang="zh-TW" b="0" i="0" smtClean="0">
                         <a:solidFill>
@@ -15595,7 +16607,7 @@
                         <a:latin typeface="Cambria Math" panose="02040503050406030204" pitchFamily="18" charset="0"/>
                         <a:ea typeface="Times New Roman" panose="02020603050405020304" pitchFamily="18" charset="0"/>
                       </a:rPr>
-                      <m:t>  .</m:t>
+                      <m:t>.</m:t>
                     </m:r>
                   </m:oMath>
                 </a14:m>
@@ -15830,16 +16842,61 @@
                         </m:r>
                       </m:den>
                     </m:f>
-                    <m:r>
-                      <a:rPr lang="en-US" altLang="zh-TW">
-                        <a:solidFill>
-                          <a:srgbClr val="000000"/>
-                        </a:solidFill>
-                        <a:latin typeface="Cambria Math" panose="02040503050406030204" pitchFamily="18" charset="0"/>
-                        <a:ea typeface="Times New Roman" panose="02020603050405020304" pitchFamily="18" charset="0"/>
-                      </a:rPr>
-                      <m:t> </m:t>
-                    </m:r>
+                    <m:d>
+                      <m:dPr>
+                        <m:begChr m:val="["/>
+                        <m:endChr m:val="]"/>
+                        <m:ctrlPr>
+                          <a:rPr lang="en-US" altLang="zh-TW" i="1">
+                            <a:solidFill>
+                              <a:srgbClr val="000000"/>
+                            </a:solidFill>
+                            <a:latin typeface="Cambria Math" panose="02040503050406030204" pitchFamily="18" charset="0"/>
+                          </a:rPr>
+                        </m:ctrlPr>
+                      </m:dPr>
+                      <m:e>
+                        <m:eqArr>
+                          <m:eqArrPr>
+                            <m:ctrlPr>
+                              <a:rPr lang="en-US" altLang="zh-TW" i="1">
+                                <a:solidFill>
+                                  <a:srgbClr val="000000"/>
+                                </a:solidFill>
+                                <a:latin typeface="Cambria Math" panose="02040503050406030204" pitchFamily="18" charset="0"/>
+                              </a:rPr>
+                            </m:ctrlPr>
+                          </m:eqArrPr>
+                          <m:e>
+                            <m:r>
+                              <a:rPr lang="en-US" altLang="zh-TW" i="1">
+                                <a:solidFill>
+                                  <a:srgbClr val="000000"/>
+                                </a:solidFill>
+                                <a:latin typeface="Cambria Math" panose="02040503050406030204" pitchFamily="18" charset="0"/>
+                              </a:rPr>
+                              <m:t>1</m:t>
+                            </m:r>
+                          </m:e>
+                          <m:e>
+                            <m:r>
+                              <a:rPr lang="en-US" altLang="zh-TW" i="1">
+                                <a:latin typeface="Cambria Math" panose="02040503050406030204" pitchFamily="18" charset="0"/>
+                              </a:rPr>
+                              <m:t>1</m:t>
+                            </m:r>
+                          </m:e>
+                          <m:e>
+                            <m:r>
+                              <a:rPr lang="en-US" altLang="zh-TW" i="1">
+                                <a:latin typeface="Cambria Math" panose="02040503050406030204" pitchFamily="18" charset="0"/>
+                              </a:rPr>
+                              <m:t>1</m:t>
+                            </m:r>
+                          </m:e>
+                        </m:eqArr>
+                      </m:e>
+                    </m:d>
                     <m:r>
                       <a:rPr lang="en-US" altLang="zh-TW" b="0" i="0" smtClean="0">
                         <a:solidFill>
@@ -15848,7 +16905,7 @@
                         <a:latin typeface="Cambria Math" panose="02040503050406030204" pitchFamily="18" charset="0"/>
                         <a:ea typeface="Times New Roman" panose="02020603050405020304" pitchFamily="18" charset="0"/>
                       </a:rPr>
-                      <m:t>   .</m:t>
+                      <m:t>.</m:t>
                     </m:r>
                   </m:oMath>
                 </a14:m>
@@ -15863,7 +16920,7 @@
             </p:txBody>
           </p:sp>
         </mc:Choice>
-        <mc:Fallback xmlns="">
+        <mc:Fallback>
           <p:sp>
             <p:nvSpPr>
               <p:cNvPr id="3" name="內容版面配置區 2">
@@ -15884,7 +16941,7 @@
               <a:blipFill>
                 <a:blip r:embed="rId4"/>
                 <a:stretch>
-                  <a:fillRect l="-867" t="-16916" b="-214"/>
+                  <a:fillRect l="-723" t="-16488"/>
                 </a:stretch>
               </a:blipFill>
             </p:spPr>
@@ -16027,7 +17084,7 @@
         </p:blipFill>
         <p:spPr>
           <a:xfrm>
-            <a:off x="5105401" y="3272840"/>
+            <a:off x="5242560" y="2690335"/>
             <a:ext cx="4038600" cy="2109767"/>
           </a:xfrm>
           <a:prstGeom prst="rect">
@@ -16049,7 +17106,7 @@
         </p:nvSpPr>
         <p:spPr>
           <a:xfrm>
-            <a:off x="5793567" y="5522741"/>
+            <a:off x="5821680" y="4899887"/>
             <a:ext cx="3048000" cy="738664"/>
           </a:xfrm>
           <a:prstGeom prst="rect">
@@ -16109,7 +17166,7 @@
         <p:spPr>
           <a:xfrm>
             <a:off x="5671221" y="925578"/>
-            <a:ext cx="3292692" cy="2169825"/>
+            <a:ext cx="3292692" cy="1892826"/>
           </a:xfrm>
           <a:prstGeom prst="rect">
             <a:avLst/>
@@ -16125,46 +17182,62 @@
           <a:lstStyle/>
           <a:p>
             <a:r>
-              <a:rPr lang="zh-TW" altLang="en-US" sz="900" dirty="0"/>
+              <a:rPr lang="zh-TW" altLang="en-US" sz="900" dirty="0">
+                <a:latin typeface="Times" pitchFamily="2" charset="0"/>
+              </a:rPr>
               <a:t> double xg = (mget(Global_Coords, (int)vget(tri_nodes_number, 1), 1) + mget(Global_Coords, (int)vget(tri_nodes_number, 2), 1) + mget(Global_Coords, (int)vget(tri_nodes_number, 3), 1)) / 3;</a:t>
             </a:r>
           </a:p>
           <a:p>
             <a:r>
-              <a:rPr lang="zh-TW" altLang="en-US" sz="900" dirty="0"/>
+              <a:rPr lang="zh-TW" altLang="en-US" sz="900" dirty="0">
+                <a:latin typeface="Times" pitchFamily="2" charset="0"/>
+              </a:rPr>
               <a:t>    double yg = (mget(Global_Coords, (int)vget(tri_nodes_number, 1), 2) + mget(Global_Coords, (int)vget(tri_nodes_number, 2), 2) + mget(Global_Coords, (int)vget(tri_nodes_number, 3), 2)) / 3;</a:t>
             </a:r>
           </a:p>
           <a:p>
             <a:r>
-              <a:rPr lang="zh-TW" altLang="en-US" sz="900" dirty="0"/>
+              <a:rPr lang="zh-TW" altLang="en-US" sz="900" dirty="0">
+                <a:latin typeface="Times" pitchFamily="2" charset="0"/>
+              </a:rPr>
               <a:t>    double eval_f = 2 * M_PI * M_PI * sin(M_PI * xg) * sin(M_PI * yg);</a:t>
             </a:r>
           </a:p>
           <a:p>
-            <a:endParaRPr lang="zh-TW" altLang="en-US" sz="900" dirty="0"/>
+            <a:endParaRPr lang="zh-TW" altLang="en-US" sz="900" dirty="0">
+              <a:latin typeface="Times" pitchFamily="2" charset="0"/>
+            </a:endParaRPr>
           </a:p>
           <a:p>
             <a:r>
-              <a:rPr lang="zh-TW" altLang="en-US" sz="900" dirty="0"/>
+              <a:rPr lang="zh-TW" altLang="en-US" sz="900" dirty="0">
+                <a:latin typeface="Times" pitchFamily="2" charset="0"/>
+              </a:rPr>
               <a:t>    for (int i = 1; i &lt;= 3; i++)</a:t>
             </a:r>
           </a:p>
           <a:p>
             <a:r>
-              <a:rPr lang="zh-TW" altLang="en-US" sz="900" dirty="0"/>
+              <a:rPr lang="zh-TW" altLang="en-US" sz="900" dirty="0">
+                <a:latin typeface="Times" pitchFamily="2" charset="0"/>
+              </a:rPr>
               <a:t>    {</a:t>
             </a:r>
           </a:p>
           <a:p>
             <a:r>
-              <a:rPr lang="zh-TW" altLang="en-US" sz="900" dirty="0"/>
+              <a:rPr lang="zh-TW" altLang="en-US" sz="900" dirty="0">
+                <a:latin typeface="Times" pitchFamily="2" charset="0"/>
+              </a:rPr>
               <a:t>      vget(Fe, i) = Area * eval_f / 3;</a:t>
             </a:r>
           </a:p>
           <a:p>
             <a:r>
-              <a:rPr lang="zh-TW" altLang="en-US" sz="900" dirty="0"/>
+              <a:rPr lang="zh-TW" altLang="en-US" sz="900" dirty="0">
+                <a:latin typeface="Times" pitchFamily="2" charset="0"/>
+              </a:rPr>
               <a:t>    }</a:t>
             </a:r>
           </a:p>
@@ -17457,8 +18530,8 @@
         </p:blipFill>
         <p:spPr bwMode="auto">
           <a:xfrm>
-            <a:off x="381000" y="868680"/>
-            <a:ext cx="3276600" cy="3276600"/>
+            <a:off x="457200" y="798751"/>
+            <a:ext cx="3124200" cy="3124200"/>
           </a:xfrm>
           <a:prstGeom prst="rect">
             <a:avLst/>
@@ -17892,7 +18965,7 @@
         </p:nvGrpSpPr>
         <p:grpSpPr>
           <a:xfrm>
-            <a:off x="800100" y="4306789"/>
+            <a:off x="800100" y="5067800"/>
             <a:ext cx="2438400" cy="1716219"/>
             <a:chOff x="762000" y="4495800"/>
             <a:chExt cx="2438400" cy="1716219"/>
@@ -18403,6 +19476,74 @@
           </p:cxnSp>
         </p:grpSp>
       </p:grpSp>
+      <p:sp>
+        <p:nvSpPr>
+          <p:cNvPr id="14" name="Rectangle 6">
+            <a:extLst>
+              <a:ext uri="{FF2B5EF4-FFF2-40B4-BE49-F238E27FC236}">
+                <a16:creationId xmlns:a16="http://schemas.microsoft.com/office/drawing/2014/main" id="{C69FA2E9-1162-5278-8719-6CBF4206A80D}"/>
+              </a:ext>
+            </a:extLst>
+          </p:cNvPr>
+          <p:cNvSpPr/>
+          <p:nvPr/>
+        </p:nvSpPr>
+        <p:spPr>
+          <a:xfrm>
+            <a:off x="457200" y="4225250"/>
+            <a:ext cx="3348202" cy="369332"/>
+          </a:xfrm>
+          <a:prstGeom prst="rect">
+            <a:avLst/>
+          </a:prstGeom>
+          <a:solidFill>
+            <a:schemeClr val="bg1">
+              <a:lumMod val="95000"/>
+            </a:schemeClr>
+          </a:solidFill>
+        </p:spPr>
+        <p:txBody>
+          <a:bodyPr wrap="square" lIns="45720" tIns="0" rIns="45720" bIns="0">
+            <a:spAutoFit/>
+          </a:bodyPr>
+          <a:lstStyle/>
+          <a:p>
+            <a:r>
+              <a:rPr lang="en" altLang="zh-TW" sz="1200" dirty="0">
+                <a:latin typeface="Times" pitchFamily="2" charset="0"/>
+              </a:rPr>
+              <a:t>J. </a:t>
+            </a:r>
+            <a:r>
+              <a:rPr lang="en" altLang="zh-TW" sz="1200" dirty="0" err="1">
+                <a:latin typeface="Times" pitchFamily="2" charset="0"/>
+              </a:rPr>
+              <a:t>Rossmanith</a:t>
+            </a:r>
+            <a:r>
+              <a:rPr lang="en" altLang="zh-TW" sz="1200" dirty="0">
+                <a:latin typeface="Times" pitchFamily="2" charset="0"/>
+              </a:rPr>
+              <a:t>, </a:t>
+            </a:r>
+            <a:r>
+              <a:rPr lang="en" altLang="zh-TW" sz="1200" b="1" dirty="0">
+                <a:latin typeface="Times" pitchFamily="2" charset="0"/>
+              </a:rPr>
+              <a:t>Lecture 23: Some MPI Examples</a:t>
+            </a:r>
+            <a:r>
+              <a:rPr lang="en" altLang="zh-TW" sz="1200" dirty="0">
+                <a:latin typeface="Times" pitchFamily="2" charset="0"/>
+              </a:rPr>
+              <a:t>, High-Performance Computing   </a:t>
+            </a:r>
+            <a:endParaRPr lang="en-US" sz="1200" dirty="0">
+              <a:latin typeface="Times" pitchFamily="2" charset="0"/>
+            </a:endParaRPr>
+          </a:p>
+        </p:txBody>
+      </p:sp>
     </p:spTree>
     <p:extLst>
       <p:ext uri="{BB962C8B-B14F-4D97-AF65-F5344CB8AC3E}">

--- a/final_project/cheng_hau.pptx
+++ b/final_project/cheng_hau.pptx
@@ -7607,121 +7607,165 @@
           <a:lstStyle/>
           <a:p>
             <a:r>
-              <a:rPr lang="zh-TW" altLang="en-US" sz="1000" dirty="0"/>
+              <a:rPr lang="zh-TW" altLang="en-US" sz="1000" dirty="0">
+                <a:latin typeface="Times" pitchFamily="2" charset="0"/>
+              </a:rPr>
               <a:t> /// calculate L2 norm</a:t>
             </a:r>
           </a:p>
           <a:p>
             <a:r>
-              <a:rPr lang="zh-TW" altLang="en-US" sz="1000" dirty="0"/>
+              <a:rPr lang="zh-TW" altLang="en-US" sz="1000" dirty="0">
+                <a:latin typeface="Times" pitchFamily="2" charset="0"/>
+              </a:rPr>
               <a:t>  double global_error;</a:t>
             </a:r>
           </a:p>
           <a:p>
             <a:r>
-              <a:rPr lang="zh-TW" altLang="en-US" sz="1000" dirty="0"/>
+              <a:rPr lang="zh-TW" altLang="en-US" sz="1000" dirty="0">
+                <a:latin typeface="Times" pitchFamily="2" charset="0"/>
+              </a:rPr>
               <a:t>  double local_error = 0;</a:t>
             </a:r>
           </a:p>
           <a:p>
             <a:r>
-              <a:rPr lang="zh-TW" altLang="en-US" sz="1000" dirty="0"/>
+              <a:rPr lang="zh-TW" altLang="en-US" sz="1000" dirty="0">
+                <a:latin typeface="Times" pitchFamily="2" charset="0"/>
+              </a:rPr>
               <a:t>  for (int e = 1; e &lt;= Local_Nele; e++)</a:t>
             </a:r>
           </a:p>
           <a:p>
             <a:r>
-              <a:rPr lang="zh-TW" altLang="en-US" sz="1000" dirty="0"/>
+              <a:rPr lang="zh-TW" altLang="en-US" sz="1000" dirty="0">
+                <a:latin typeface="Times" pitchFamily="2" charset="0"/>
+              </a:rPr>
               <a:t>  { // Loop over element</a:t>
             </a:r>
           </a:p>
           <a:p>
-            <a:endParaRPr lang="zh-TW" altLang="en-US" sz="1000" dirty="0"/>
+            <a:endParaRPr lang="zh-TW" altLang="en-US" sz="1000" dirty="0">
+              <a:latin typeface="Times" pitchFamily="2" charset="0"/>
+            </a:endParaRPr>
           </a:p>
           <a:p>
             <a:r>
-              <a:rPr lang="zh-TW" altLang="en-US" sz="1000" dirty="0"/>
+              <a:rPr lang="zh-TW" altLang="en-US" sz="1000" dirty="0">
+                <a:latin typeface="Times" pitchFamily="2" charset="0"/>
+              </a:rPr>
               <a:t>    // center point</a:t>
             </a:r>
           </a:p>
           <a:p>
             <a:r>
-              <a:rPr lang="zh-TW" altLang="en-US" sz="1000" dirty="0"/>
+              <a:rPr lang="zh-TW" altLang="en-US" sz="1000" dirty="0">
+                <a:latin typeface="Times" pitchFamily="2" charset="0"/>
+              </a:rPr>
               <a:t>    double xg = (mget(Global_Coords, (int)mget(Local_NodesNum, e, 1), 1) </a:t>
             </a:r>
           </a:p>
           <a:p>
             <a:r>
-              <a:rPr lang="zh-TW" altLang="en-US" sz="1000" dirty="0"/>
+              <a:rPr lang="zh-TW" altLang="en-US" sz="1000" dirty="0">
+                <a:latin typeface="Times" pitchFamily="2" charset="0"/>
+              </a:rPr>
               <a:t>    + mget(Global_Coords, (int)mget(Local_NodesNum, e, 2), 1) </a:t>
             </a:r>
           </a:p>
           <a:p>
             <a:r>
-              <a:rPr lang="zh-TW" altLang="en-US" sz="1000" dirty="0"/>
+              <a:rPr lang="zh-TW" altLang="en-US" sz="1000" dirty="0">
+                <a:latin typeface="Times" pitchFamily="2" charset="0"/>
+              </a:rPr>
               <a:t>    + mget(Global_Coords, (int)mget(Local_NodesNum, e, 3), 1)) / 3;</a:t>
             </a:r>
           </a:p>
           <a:p>
-            <a:endParaRPr lang="zh-TW" altLang="en-US" sz="1000" dirty="0"/>
+            <a:endParaRPr lang="zh-TW" altLang="en-US" sz="1000" dirty="0">
+              <a:latin typeface="Times" pitchFamily="2" charset="0"/>
+            </a:endParaRPr>
           </a:p>
           <a:p>
             <a:r>
-              <a:rPr lang="zh-TW" altLang="en-US" sz="1000" dirty="0"/>
+              <a:rPr lang="zh-TW" altLang="en-US" sz="1000" dirty="0">
+                <a:latin typeface="Times" pitchFamily="2" charset="0"/>
+              </a:rPr>
               <a:t>    double yg = (mget(Global_Coords, (int)mget(Local_NodesNum, e, 1), 2) </a:t>
             </a:r>
           </a:p>
           <a:p>
             <a:r>
-              <a:rPr lang="zh-TW" altLang="en-US" sz="1000" dirty="0"/>
+              <a:rPr lang="zh-TW" altLang="en-US" sz="1000" dirty="0">
+                <a:latin typeface="Times" pitchFamily="2" charset="0"/>
+              </a:rPr>
               <a:t>    + mget(Global_Coords, (int)mget(Local_NodesNum, e, 2), 2) </a:t>
             </a:r>
           </a:p>
           <a:p>
             <a:r>
-              <a:rPr lang="zh-TW" altLang="en-US" sz="1000" dirty="0"/>
+              <a:rPr lang="zh-TW" altLang="en-US" sz="1000" dirty="0">
+                <a:latin typeface="Times" pitchFamily="2" charset="0"/>
+              </a:rPr>
               <a:t>    + mget(Global_Coords, (int)mget(Local_NodesNum, e, 3), 2)) / 3;</a:t>
             </a:r>
           </a:p>
           <a:p>
-            <a:endParaRPr lang="zh-TW" altLang="en-US" sz="1000" dirty="0"/>
+            <a:endParaRPr lang="zh-TW" altLang="en-US" sz="1000" dirty="0">
+              <a:latin typeface="Times" pitchFamily="2" charset="0"/>
+            </a:endParaRPr>
           </a:p>
           <a:p>
             <a:r>
-              <a:rPr lang="zh-TW" altLang="en-US" sz="1000" dirty="0"/>
+              <a:rPr lang="zh-TW" altLang="en-US" sz="1000" dirty="0">
+                <a:latin typeface="Times" pitchFamily="2" charset="0"/>
+              </a:rPr>
               <a:t>    double u_exact = sin(M_PI * xg) * sin(M_PI * yg);</a:t>
             </a:r>
           </a:p>
           <a:p>
-            <a:endParaRPr lang="zh-TW" altLang="en-US" sz="1000" dirty="0"/>
+            <a:endParaRPr lang="zh-TW" altLang="en-US" sz="1000" dirty="0">
+              <a:latin typeface="Times" pitchFamily="2" charset="0"/>
+            </a:endParaRPr>
           </a:p>
           <a:p>
             <a:r>
-              <a:rPr lang="zh-TW" altLang="en-US" sz="1000" dirty="0"/>
+              <a:rPr lang="zh-TW" altLang="en-US" sz="1000" dirty="0">
+                <a:latin typeface="Times" pitchFamily="2" charset="0"/>
+              </a:rPr>
               <a:t>    double u_numerical=(u_all[(int)mget(Local_NodesNum, e, 1)-1] </a:t>
             </a:r>
           </a:p>
           <a:p>
             <a:r>
-              <a:rPr lang="zh-TW" altLang="en-US" sz="1000" dirty="0"/>
+              <a:rPr lang="zh-TW" altLang="en-US" sz="1000" dirty="0">
+                <a:latin typeface="Times" pitchFamily="2" charset="0"/>
+              </a:rPr>
               <a:t>    + u_all[(int)mget(Local_NodesNum, e, 2)-1] </a:t>
             </a:r>
           </a:p>
           <a:p>
             <a:r>
-              <a:rPr lang="zh-TW" altLang="en-US" sz="1000" dirty="0"/>
+              <a:rPr lang="zh-TW" altLang="en-US" sz="1000" dirty="0">
+                <a:latin typeface="Times" pitchFamily="2" charset="0"/>
+              </a:rPr>
               <a:t>    + u_all[(int)mget(Local_NodesNum, e, 3)-1])/3;</a:t>
             </a:r>
           </a:p>
           <a:p>
             <a:r>
-              <a:rPr lang="zh-TW" altLang="en-US" sz="1000" dirty="0"/>
+              <a:rPr lang="zh-TW" altLang="en-US" sz="1000" dirty="0">
+                <a:latin typeface="Times" pitchFamily="2" charset="0"/>
+              </a:rPr>
               <a:t>    </a:t>
             </a:r>
           </a:p>
           <a:p>
             <a:r>
-              <a:rPr lang="zh-TW" altLang="en-US" sz="1000" dirty="0"/>
+              <a:rPr lang="zh-TW" altLang="en-US" sz="1000" dirty="0">
+                <a:latin typeface="Times" pitchFamily="2" charset="0"/>
+              </a:rPr>
               <a:t>    double Area = 1 / ((double)m-1) / ((double)m-1) /2;</a:t>
             </a:r>
           </a:p>
@@ -7731,22 +7775,29 @@
                 <a:solidFill>
                   <a:srgbClr val="FF0000"/>
                 </a:solidFill>
+                <a:latin typeface="Times" pitchFamily="2" charset="0"/>
               </a:rPr>
               <a:t>    local_error += Area* (u_exact-u_numerical)*(u_exact-u_numerical);</a:t>
             </a:r>
           </a:p>
           <a:p>
             <a:r>
-              <a:rPr lang="zh-TW" altLang="en-US" sz="1000" dirty="0"/>
+              <a:rPr lang="zh-TW" altLang="en-US" sz="1000" dirty="0">
+                <a:latin typeface="Times" pitchFamily="2" charset="0"/>
+              </a:rPr>
               <a:t>  }</a:t>
             </a:r>
           </a:p>
           <a:p>
-            <a:endParaRPr lang="zh-TW" altLang="en-US" sz="1000" dirty="0"/>
+            <a:endParaRPr lang="zh-TW" altLang="en-US" sz="1000" dirty="0">
+              <a:latin typeface="Times" pitchFamily="2" charset="0"/>
+            </a:endParaRPr>
           </a:p>
           <a:p>
             <a:r>
-              <a:rPr lang="zh-TW" altLang="en-US" sz="1000" dirty="0"/>
+              <a:rPr lang="zh-TW" altLang="en-US" sz="1000" dirty="0">
+                <a:latin typeface="Times" pitchFamily="2" charset="0"/>
+              </a:rPr>
               <a:t>  </a:t>
             </a:r>
             <a:r>
@@ -7754,6 +7805,7 @@
                 <a:solidFill>
                   <a:srgbClr val="FF0000"/>
                 </a:solidFill>
+                <a:latin typeface="Times" pitchFamily="2" charset="0"/>
               </a:rPr>
               <a:t>MPI_Reduce(&amp;local_error,&amp;global_error,1,MPI_DOUBLE,MPI_SUM,0,MPI_COMM_WORLD);</a:t>
             </a:r>
@@ -12324,8 +12376,8 @@
           <a:chExt cx="0" cy="0"/>
         </a:xfrm>
       </p:grpSpPr>
-      <mc:AlternateContent xmlns:mc="http://schemas.openxmlformats.org/markup-compatibility/2006">
-        <mc:Choice xmlns:a14="http://schemas.microsoft.com/office/drawing/2010/main" Requires="a14">
+      <mc:AlternateContent xmlns:mc="http://schemas.openxmlformats.org/markup-compatibility/2006" xmlns:a14="http://schemas.microsoft.com/office/drawing/2010/main">
+        <mc:Choice Requires="a14">
           <p:sp>
             <p:nvSpPr>
               <p:cNvPr id="2" name="標題 1">
@@ -12419,7 +12471,7 @@
             </p:txBody>
           </p:sp>
         </mc:Choice>
-        <mc:Fallback>
+        <mc:Fallback xmlns="">
           <p:sp>
             <p:nvSpPr>
               <p:cNvPr id="2" name="標題 1">
@@ -12459,8 +12511,8 @@
           </p:sp>
         </mc:Fallback>
       </mc:AlternateContent>
-      <mc:AlternateContent xmlns:mc="http://schemas.openxmlformats.org/markup-compatibility/2006">
-        <mc:Choice xmlns:a14="http://schemas.microsoft.com/office/drawing/2010/main" Requires="a14">
+      <mc:AlternateContent xmlns:mc="http://schemas.openxmlformats.org/markup-compatibility/2006" xmlns:a14="http://schemas.microsoft.com/office/drawing/2010/main">
+        <mc:Choice Requires="a14">
           <p:sp>
             <p:nvSpPr>
               <p:cNvPr id="3" name="內容版面配置區 2">
@@ -12537,20 +12589,7 @@
                               <a:latin typeface="Cambria Math" panose="02040503050406030204" pitchFamily="18" charset="0"/>
                               <a:ea typeface="Times New Roman" panose="02020603050405020304" pitchFamily="18" charset="0"/>
                             </a:rPr>
-                            <m:t>∇w</m:t>
-                          </m:r>
-                          <m:r>
-                            <m:rPr>
-                              <m:sty m:val="p"/>
-                            </m:rPr>
-                            <a:rPr lang="en-US" altLang="zh-TW">
-                              <a:solidFill>
-                                <a:srgbClr val="000000"/>
-                              </a:solidFill>
-                              <a:latin typeface="Cambria Math" panose="02040503050406030204" pitchFamily="18" charset="0"/>
-                              <a:ea typeface="Times New Roman" panose="02020603050405020304" pitchFamily="18" charset="0"/>
-                            </a:rPr>
-                            <m:t>∇</m:t>
+                            <m:t>∇w∇</m:t>
                           </m:r>
                           <m:r>
                             <m:rPr>
@@ -14736,7 +14775,7 @@
             </p:txBody>
           </p:sp>
         </mc:Choice>
-        <mc:Fallback>
+        <mc:Fallback xmlns="">
           <p:sp>
             <p:nvSpPr>
               <p:cNvPr id="3" name="內容版面配置區 2">
@@ -14944,8 +14983,8 @@
           <a:chExt cx="0" cy="0"/>
         </a:xfrm>
       </p:grpSpPr>
-      <mc:AlternateContent xmlns:mc="http://schemas.openxmlformats.org/markup-compatibility/2006">
-        <mc:Choice xmlns:a14="http://schemas.microsoft.com/office/drawing/2010/main" Requires="a14">
+      <mc:AlternateContent xmlns:mc="http://schemas.openxmlformats.org/markup-compatibility/2006" xmlns:a14="http://schemas.microsoft.com/office/drawing/2010/main">
+        <mc:Choice Requires="a14">
           <p:sp>
             <p:nvSpPr>
               <p:cNvPr id="2" name="標題 1">
@@ -15039,7 +15078,7 @@
             </p:txBody>
           </p:sp>
         </mc:Choice>
-        <mc:Fallback>
+        <mc:Fallback xmlns="">
           <p:sp>
             <p:nvSpPr>
               <p:cNvPr id="2" name="標題 1">
@@ -15079,8 +15118,8 @@
           </p:sp>
         </mc:Fallback>
       </mc:AlternateContent>
-      <mc:AlternateContent xmlns:mc="http://schemas.openxmlformats.org/markup-compatibility/2006">
-        <mc:Choice xmlns:a14="http://schemas.microsoft.com/office/drawing/2010/main" Requires="a14">
+      <mc:AlternateContent xmlns:mc="http://schemas.openxmlformats.org/markup-compatibility/2006" xmlns:a14="http://schemas.microsoft.com/office/drawing/2010/main">
+        <mc:Choice Requires="a14">
           <p:sp>
             <p:nvSpPr>
               <p:cNvPr id="3" name="內容版面配置區 2">
@@ -16125,17 +16164,7 @@
                         <a:latin typeface="Cambria Math" panose="02040503050406030204" pitchFamily="18" charset="0"/>
                         <a:ea typeface="Cambria Math" panose="02040503050406030204" pitchFamily="18" charset="0"/>
                       </a:rPr>
-                      <m:t>=</m:t>
-                    </m:r>
-                    <m:r>
-                      <a:rPr lang="en-US" altLang="zh-TW" b="0" i="1" smtClean="0">
-                        <a:solidFill>
-                          <a:srgbClr val="000000"/>
-                        </a:solidFill>
-                        <a:latin typeface="Cambria Math" panose="02040503050406030204" pitchFamily="18" charset="0"/>
-                        <a:ea typeface="Cambria Math" panose="02040503050406030204" pitchFamily="18" charset="0"/>
-                      </a:rPr>
-                      <m:t>−</m:t>
+                      <m:t>=−</m:t>
                     </m:r>
                     <m:f>
                       <m:fPr>
@@ -16920,7 +16949,7 @@
             </p:txBody>
           </p:sp>
         </mc:Choice>
-        <mc:Fallback>
+        <mc:Fallback xmlns="">
           <p:sp>
             <p:nvSpPr>
               <p:cNvPr id="3" name="內容版面配置區 2">
@@ -19669,19 +19698,25 @@
           <a:lstStyle/>
           <a:p>
             <a:r>
-              <a:rPr lang="zh-TW" altLang="en-US" sz="1000" dirty="0"/>
+              <a:rPr lang="zh-TW" altLang="en-US" sz="1000" dirty="0">
+                <a:latin typeface="Times" pitchFamily="2" charset="0"/>
+              </a:rPr>
               <a:t> /// Output Tecplot</a:t>
             </a:r>
           </a:p>
           <a:p>
             <a:r>
-              <a:rPr lang="zh-TW" altLang="en-US" sz="1000" dirty="0"/>
+              <a:rPr lang="zh-TW" altLang="en-US" sz="1000" dirty="0">
+                <a:latin typeface="Times" pitchFamily="2" charset="0"/>
+              </a:rPr>
               <a:t>  FILE *outfiletec = NULL;</a:t>
             </a:r>
           </a:p>
           <a:p>
             <a:r>
-              <a:rPr lang="zh-TW" altLang="en-US" sz="1000" dirty="0"/>
+              <a:rPr lang="zh-TW" altLang="en-US" sz="1000" dirty="0">
+                <a:latin typeface="Times" pitchFamily="2" charset="0"/>
+              </a:rPr>
               <a:t>  char filenametec[256];</a:t>
             </a:r>
           </a:p>
@@ -19691,19 +19726,24 @@
                 <a:solidFill>
                   <a:srgbClr val="FF0000"/>
                 </a:solidFill>
+                <a:latin typeface="Times" pitchFamily="2" charset="0"/>
               </a:rPr>
               <a:t>  sprintf(filenametec, "%s_%d_%d.tec", "output", my_rank, comm_sz);</a:t>
             </a:r>
           </a:p>
           <a:p>
             <a:r>
-              <a:rPr lang="zh-TW" altLang="en-US" sz="1000" dirty="0"/>
+              <a:rPr lang="zh-TW" altLang="en-US" sz="1000" dirty="0">
+                <a:latin typeface="Times" pitchFamily="2" charset="0"/>
+              </a:rPr>
               <a:t>  outfiletec = fopen(filenametec, "w");</a:t>
             </a:r>
           </a:p>
           <a:p>
             <a:r>
-              <a:rPr lang="zh-TW" altLang="en-US" sz="1000" dirty="0"/>
+              <a:rPr lang="zh-TW" altLang="en-US" sz="1000" dirty="0">
+                <a:latin typeface="Times" pitchFamily="2" charset="0"/>
+              </a:rPr>
               <a:t>  fprintf(outfiletec, "%s \n", "Titile = 'Poisson' ");</a:t>
             </a:r>
           </a:p>
@@ -19713,57 +19753,78 @@
                 <a:solidFill>
                   <a:srgbClr val="FF0000"/>
                 </a:solidFill>
+                <a:latin typeface="Times" pitchFamily="2" charset="0"/>
               </a:rPr>
               <a:t>  fprintf(outfiletec, "%s \n", "VARIABLES = X, Y, U, Error, Rank");</a:t>
             </a:r>
           </a:p>
           <a:p>
             <a:r>
-              <a:rPr lang="zh-TW" altLang="en-US" sz="1000" dirty="0"/>
+              <a:rPr lang="zh-TW" altLang="en-US" sz="1000" dirty="0">
+                <a:latin typeface="Times" pitchFamily="2" charset="0"/>
+              </a:rPr>
               <a:t>  fprintf(outfiletec, "zone N= %d, E = %d", NodesPerProc, Local_Nele);</a:t>
             </a:r>
           </a:p>
           <a:p>
             <a:r>
-              <a:rPr lang="zh-TW" altLang="en-US" sz="1000" dirty="0"/>
+              <a:rPr lang="zh-TW" altLang="en-US" sz="1000" dirty="0">
+                <a:latin typeface="Times" pitchFamily="2" charset="0"/>
+              </a:rPr>
               <a:t>  fprintf(outfiletec, "\n");</a:t>
             </a:r>
           </a:p>
           <a:p>
             <a:r>
-              <a:rPr lang="zh-TW" altLang="en-US" sz="1000" dirty="0"/>
+              <a:rPr lang="zh-TW" altLang="en-US" sz="1000" dirty="0">
+                <a:latin typeface="Times" pitchFamily="2" charset="0"/>
+              </a:rPr>
               <a:t>  fprintf(outfiletec, "DATAPACKING=POINT, ZONETYPE=FETRIANGLE");</a:t>
             </a:r>
           </a:p>
           <a:p>
             <a:r>
-              <a:rPr lang="zh-TW" altLang="en-US" sz="1000" dirty="0"/>
+              <a:rPr lang="zh-TW" altLang="en-US" sz="1000" dirty="0">
+                <a:latin typeface="Times" pitchFamily="2" charset="0"/>
+              </a:rPr>
               <a:t>  fprintf(outfiletec, "\n");</a:t>
             </a:r>
           </a:p>
           <a:p>
-            <a:endParaRPr lang="zh-TW" altLang="en-US" sz="1000" dirty="0"/>
+            <a:endParaRPr lang="zh-TW" altLang="en-US" sz="1000" dirty="0">
+              <a:latin typeface="Times" pitchFamily="2" charset="0"/>
+            </a:endParaRPr>
           </a:p>
           <a:p>
             <a:r>
-              <a:rPr lang="zh-TW" altLang="en-US" sz="1000" dirty="0"/>
+              <a:rPr lang="zh-TW" altLang="en-US" sz="1000" dirty="0">
+                <a:latin typeface="Times" pitchFamily="2" charset="0"/>
+              </a:rPr>
               <a:t>  for (int i = 1 + NodesAddPerProc * my_rank; i &lt;= NodesAddPerProc * my_rank + NodesPerProc; i++)</a:t>
             </a:r>
           </a:p>
           <a:p>
             <a:r>
-              <a:rPr lang="zh-TW" altLang="en-US" sz="1000" dirty="0"/>
+              <a:rPr lang="zh-TW" altLang="en-US" sz="1000" dirty="0">
+                <a:latin typeface="Times" pitchFamily="2" charset="0"/>
+              </a:rPr>
               <a:t>  {</a:t>
             </a:r>
-            <a:endParaRPr lang="en-US" altLang="zh-TW" sz="1000" dirty="0"/>
+            <a:endParaRPr lang="en-US" altLang="zh-TW" sz="1000" dirty="0">
+              <a:latin typeface="Times" pitchFamily="2" charset="0"/>
+            </a:endParaRPr>
           </a:p>
           <a:p>
             <a:r>
-              <a:rPr lang="en-US" altLang="zh-TW" sz="1000" dirty="0"/>
+              <a:rPr lang="en-US" altLang="zh-TW" sz="1000" dirty="0">
+                <a:latin typeface="Times" pitchFamily="2" charset="0"/>
+              </a:rPr>
               <a:t>    </a:t>
             </a:r>
             <a:r>
-              <a:rPr lang="zh-TW" altLang="en-US" sz="1000" dirty="0"/>
+              <a:rPr lang="zh-TW" altLang="en-US" sz="1000" dirty="0">
+                <a:latin typeface="Times" pitchFamily="2" charset="0"/>
+              </a:rPr>
               <a:t>double Exact = sin(M_PI * mget(Global_Coords, i, 1)) * sin(M_PI * mget(Global_Coords, i, 2));</a:t>
             </a:r>
           </a:p>
@@ -19773,88 +19834,119 @@
                 <a:solidFill>
                   <a:srgbClr val="FF0000"/>
                 </a:solidFill>
+                <a:latin typeface="Times" pitchFamily="2" charset="0"/>
               </a:rPr>
               <a:t>    fprintf(outfiletec, "%25.20e  %25.20e  %25.20e  %25.20e %d\n", mget(Global_Coords, i, 1), mget(Global_Coords, i, 2), u_all[i - 1], fabs(Exact - u_all[i - 1]), my_rank);</a:t>
             </a:r>
           </a:p>
           <a:p>
             <a:r>
-              <a:rPr lang="zh-TW" altLang="en-US" sz="1000" dirty="0"/>
+              <a:rPr lang="zh-TW" altLang="en-US" sz="1000" dirty="0">
+                <a:latin typeface="Times" pitchFamily="2" charset="0"/>
+              </a:rPr>
               <a:t>  }</a:t>
             </a:r>
           </a:p>
           <a:p>
-            <a:endParaRPr lang="zh-TW" altLang="en-US" sz="1000" dirty="0"/>
+            <a:endParaRPr lang="zh-TW" altLang="en-US" sz="1000" dirty="0">
+              <a:latin typeface="Times" pitchFamily="2" charset="0"/>
+            </a:endParaRPr>
           </a:p>
           <a:p>
             <a:r>
-              <a:rPr lang="zh-TW" altLang="en-US" sz="1000" dirty="0"/>
+              <a:rPr lang="zh-TW" altLang="en-US" sz="1000" dirty="0">
+                <a:latin typeface="Times" pitchFamily="2" charset="0"/>
+              </a:rPr>
               <a:t>  int find_min_matrix(const matrix *A);</a:t>
             </a:r>
           </a:p>
           <a:p>
-            <a:endParaRPr lang="zh-TW" altLang="en-US" sz="1000" dirty="0"/>
+            <a:endParaRPr lang="zh-TW" altLang="en-US" sz="1000" dirty="0">
+              <a:latin typeface="Times" pitchFamily="2" charset="0"/>
+            </a:endParaRPr>
           </a:p>
           <a:p>
             <a:r>
-              <a:rPr lang="zh-TW" altLang="en-US" sz="1000" dirty="0"/>
+              <a:rPr lang="zh-TW" altLang="en-US" sz="1000" dirty="0">
+                <a:latin typeface="Times" pitchFamily="2" charset="0"/>
+              </a:rPr>
               <a:t>  for (int i = 1; i &lt;= Local_Nele; i++)</a:t>
             </a:r>
           </a:p>
           <a:p>
             <a:r>
-              <a:rPr lang="zh-TW" altLang="en-US" sz="1000" dirty="0"/>
+              <a:rPr lang="zh-TW" altLang="en-US" sz="1000" dirty="0">
+                <a:latin typeface="Times" pitchFamily="2" charset="0"/>
+              </a:rPr>
               <a:t>  {</a:t>
             </a:r>
           </a:p>
           <a:p>
             <a:r>
-              <a:rPr lang="zh-TW" altLang="en-US" sz="1000" dirty="0"/>
+              <a:rPr lang="zh-TW" altLang="en-US" sz="1000" dirty="0">
+                <a:latin typeface="Times" pitchFamily="2" charset="0"/>
+              </a:rPr>
               <a:t>    fprintf(outfiletec, "%d  %d  %d", (int)mget(Local_NodesNum, i, 1) - find_min_matrix(&amp;Local_NodesNum) + 1,</a:t>
             </a:r>
           </a:p>
           <a:p>
             <a:r>
-              <a:rPr lang="zh-TW" altLang="en-US" sz="1000" dirty="0"/>
+              <a:rPr lang="zh-TW" altLang="en-US" sz="1000" dirty="0">
+                <a:latin typeface="Times" pitchFamily="2" charset="0"/>
+              </a:rPr>
               <a:t>            (int)mget(Local_NodesNum, i, 2) - find_min_matrix(&amp;Local_NodesNum) + 1, (int)mget(Local_NodesNum, i, 3) - find_min_matrix(&amp;Local_NodesNum) + 1);</a:t>
             </a:r>
           </a:p>
           <a:p>
             <a:r>
-              <a:rPr lang="zh-TW" altLang="en-US" sz="1000" dirty="0"/>
+              <a:rPr lang="zh-TW" altLang="en-US" sz="1000" dirty="0">
+                <a:latin typeface="Times" pitchFamily="2" charset="0"/>
+              </a:rPr>
               <a:t>    if (i != Local_Nele)</a:t>
             </a:r>
           </a:p>
           <a:p>
             <a:r>
-              <a:rPr lang="zh-TW" altLang="en-US" sz="1000" dirty="0"/>
+              <a:rPr lang="zh-TW" altLang="en-US" sz="1000" dirty="0">
+                <a:latin typeface="Times" pitchFamily="2" charset="0"/>
+              </a:rPr>
               <a:t>    {</a:t>
             </a:r>
           </a:p>
           <a:p>
             <a:r>
-              <a:rPr lang="zh-TW" altLang="en-US" sz="1000" dirty="0"/>
+              <a:rPr lang="zh-TW" altLang="en-US" sz="1000" dirty="0">
+                <a:latin typeface="Times" pitchFamily="2" charset="0"/>
+              </a:rPr>
               <a:t>      fprintf(outfiletec, "\n");</a:t>
             </a:r>
           </a:p>
           <a:p>
             <a:r>
-              <a:rPr lang="zh-TW" altLang="en-US" sz="1000" dirty="0"/>
+              <a:rPr lang="zh-TW" altLang="en-US" sz="1000" dirty="0">
+                <a:latin typeface="Times" pitchFamily="2" charset="0"/>
+              </a:rPr>
               <a:t>    }</a:t>
             </a:r>
           </a:p>
           <a:p>
             <a:r>
-              <a:rPr lang="zh-TW" altLang="en-US" sz="1000" dirty="0"/>
+              <a:rPr lang="zh-TW" altLang="en-US" sz="1000" dirty="0">
+                <a:latin typeface="Times" pitchFamily="2" charset="0"/>
+              </a:rPr>
               <a:t>  }</a:t>
             </a:r>
           </a:p>
           <a:p>
-            <a:endParaRPr lang="zh-TW" altLang="en-US" sz="1000" dirty="0"/>
+            <a:endParaRPr lang="zh-TW" altLang="en-US" sz="1000" dirty="0">
+              <a:latin typeface="Times" pitchFamily="2" charset="0"/>
+            </a:endParaRPr>
           </a:p>
           <a:p>
             <a:r>
-              <a:rPr lang="zh-TW" altLang="en-US" sz="1000" dirty="0"/>
+              <a:rPr lang="zh-TW" altLang="en-US" sz="1000" dirty="0">
+                <a:latin typeface="Times" pitchFamily="2" charset="0"/>
+              </a:rPr>
               <a:t>  fclose(outfiletec);</a:t>
             </a:r>
           </a:p>

--- a/final_project/cheng_hau.pptx
+++ b/final_project/cheng_hau.pptx
@@ -4216,7 +4216,7 @@
               <a:pPr>
                 <a:defRPr/>
               </a:pPr>
-              <a:t>5/4/22</a:t>
+              <a:t>5/5/22</a:t>
             </a:fld>
             <a:endParaRPr lang="en-US"/>
           </a:p>
@@ -7053,14 +7053,14 @@
           <p:nvPr>
             <p:extLst>
               <p:ext uri="{D42A27DB-BD31-4B8C-83A1-F6EECF244321}">
-                <p14:modId xmlns:p14="http://schemas.microsoft.com/office/powerpoint/2010/main" val="1922729301"/>
+                <p14:modId xmlns:p14="http://schemas.microsoft.com/office/powerpoint/2010/main" val="3695884522"/>
               </p:ext>
             </p:extLst>
           </p:nvPr>
         </p:nvGraphicFramePr>
         <p:xfrm>
           <a:off x="3828102" y="1040725"/>
-          <a:ext cx="4778832" cy="1097280"/>
+          <a:ext cx="4778830" cy="1097280"/>
         </p:xfrm>
         <a:graphic>
           <a:graphicData uri="http://schemas.openxmlformats.org/drawingml/2006/table">
@@ -7069,42 +7069,49 @@
                 <a:tableStyleId>{5940675A-B579-460E-94D1-54222C63F5DA}</a:tableStyleId>
               </a:tblPr>
               <a:tblGrid>
-                <a:gridCol w="796472">
+                <a:gridCol w="972498">
+                  <a:extLst>
+                    <a:ext uri="{9D8B030D-6E8A-4147-A177-3AD203B41FA5}">
+                      <a16:colId xmlns:a16="http://schemas.microsoft.com/office/drawing/2014/main" val="2442383988"/>
+                    </a:ext>
+                  </a:extLst>
+                </a:gridCol>
+                <a:gridCol w="392882">
                   <a:extLst>
                     <a:ext uri="{9D8B030D-6E8A-4147-A177-3AD203B41FA5}">
                       <a16:colId xmlns:a16="http://schemas.microsoft.com/office/drawing/2014/main" val="3194083271"/>
                     </a:ext>
                   </a:extLst>
                 </a:gridCol>
-                <a:gridCol w="796472">
+                <a:gridCol w="682690">
                   <a:extLst>
                     <a:ext uri="{9D8B030D-6E8A-4147-A177-3AD203B41FA5}">
                       <a16:colId xmlns:a16="http://schemas.microsoft.com/office/drawing/2014/main" val="2657976205"/>
                     </a:ext>
                   </a:extLst>
                 </a:gridCol>
-                <a:gridCol w="796472">
+                <a:gridCol w="682690">
                   <a:extLst>
                     <a:ext uri="{9D8B030D-6E8A-4147-A177-3AD203B41FA5}">
                       <a16:colId xmlns:a16="http://schemas.microsoft.com/office/drawing/2014/main" val="417941251"/>
                     </a:ext>
                   </a:extLst>
                 </a:gridCol>
-                <a:gridCol w="796472">
+                <a:gridCol w="682690">
                   <a:extLst>
                     <a:ext uri="{9D8B030D-6E8A-4147-A177-3AD203B41FA5}">
                       <a16:colId xmlns:a16="http://schemas.microsoft.com/office/drawing/2014/main" val="944192595"/>
                     </a:ext>
                   </a:extLst>
                 </a:gridCol>
-                <a:gridCol w="796472">
+                <a:gridCol w="682690">
                   <a:extLst>
                     <a:ext uri="{9D8B030D-6E8A-4147-A177-3AD203B41FA5}">
                       <a16:colId xmlns:a16="http://schemas.microsoft.com/office/drawing/2014/main" val="3386139157"/>
                     </a:ext>
                   </a:extLst>
                 </a:gridCol>
-                <a:gridCol w="796472">
+                <a:gridCol w="682690">
                   <a:extLst>
                     <a:ext uri="{9D8B030D-6E8A-4147-A177-3AD203B41FA5}">
                       <a16:colId xmlns:a16="http://schemas.microsoft.com/office/drawing/2014/main" val="2490236310"/>
@@ -7113,7 +7120,26 @@
                 </a:gridCol>
               </a:tblGrid>
               <a:tr h="266700">
-                <a:tc>
+                <a:tc gridSpan="2">
+                  <a:txBody>
+                    <a:bodyPr/>
+                    <a:lstStyle/>
+                    <a:p>
+                      <a:pPr algn="ctr"/>
+                      <a:r>
+                        <a:rPr lang="en-US" altLang="zh-TW" sz="1200" dirty="0">
+                          <a:latin typeface="Times" pitchFamily="2" charset="0"/>
+                        </a:rPr>
+                        <a:t>h</a:t>
+                      </a:r>
+                      <a:endParaRPr lang="zh-TW" altLang="en-US" sz="1200" dirty="0">
+                        <a:latin typeface="Times" pitchFamily="2" charset="0"/>
+                      </a:endParaRPr>
+                    </a:p>
+                  </a:txBody>
+                  <a:tcPr/>
+                </a:tc>
+                <a:tc hMerge="1">
                   <a:txBody>
                     <a:bodyPr/>
                     <a:lstStyle/>
@@ -7136,6 +7162,7 @@
                     <a:bodyPr/>
                     <a:lstStyle/>
                     <a:p>
+                      <a:pPr algn="ctr"/>
                       <a:r>
                         <a:rPr lang="en-US" altLang="zh-TW" sz="1200" dirty="0">
                           <a:latin typeface="Times" pitchFamily="2" charset="0"/>
@@ -7154,6 +7181,7 @@
                     <a:bodyPr/>
                     <a:lstStyle/>
                     <a:p>
+                      <a:pPr algn="ctr"/>
                       <a:r>
                         <a:rPr lang="en-US" altLang="zh-TW" sz="1200" dirty="0">
                           <a:latin typeface="Times" pitchFamily="2" charset="0"/>
@@ -7172,6 +7200,7 @@
                     <a:bodyPr/>
                     <a:lstStyle/>
                     <a:p>
+                      <a:pPr algn="ctr"/>
                       <a:r>
                         <a:rPr lang="en-US" altLang="zh-TW" sz="1200" dirty="0">
                           <a:latin typeface="Times" pitchFamily="2" charset="0"/>
@@ -7190,6 +7219,7 @@
                     <a:bodyPr/>
                     <a:lstStyle/>
                     <a:p>
+                      <a:pPr algn="ctr"/>
                       <a:r>
                         <a:rPr lang="en-US" altLang="zh-TW" sz="1200" dirty="0">
                           <a:latin typeface="Times" pitchFamily="2" charset="0"/>
@@ -7208,6 +7238,7 @@
                     <a:bodyPr/>
                     <a:lstStyle/>
                     <a:p>
+                      <a:pPr algn="ctr"/>
                       <a:r>
                         <a:rPr lang="en-US" altLang="zh-TW" sz="1200" dirty="0">
                           <a:latin typeface="Times" pitchFamily="2" charset="0"/>
@@ -7228,11 +7259,37 @@
                 </a:extLst>
               </a:tr>
               <a:tr h="266700">
+                <a:tc rowSpan="3">
+                  <a:txBody>
+                    <a:bodyPr/>
+                    <a:lstStyle/>
+                    <a:p>
+                      <a:pPr algn="ctr"/>
+                      <a:r>
+                        <a:rPr lang="en-US" altLang="zh-TW" sz="1200" dirty="0">
+                          <a:latin typeface="Times" pitchFamily="2" charset="0"/>
+                        </a:rPr>
+                        <a:t>Number of</a:t>
+                      </a:r>
+                    </a:p>
+                    <a:p>
+                      <a:pPr algn="ctr"/>
+                      <a:r>
+                        <a:rPr lang="en-US" altLang="zh-TW" sz="1200" dirty="0">
+                          <a:latin typeface="Times" pitchFamily="2" charset="0"/>
+                        </a:rPr>
+                        <a:t>Processor</a:t>
+                      </a:r>
+                    </a:p>
+                  </a:txBody>
+                  <a:tcPr/>
+                </a:tc>
                 <a:tc>
                   <a:txBody>
                     <a:bodyPr/>
                     <a:lstStyle/>
                     <a:p>
+                      <a:pPr algn="ctr"/>
                       <a:r>
                         <a:rPr lang="en-US" altLang="zh-TW" sz="1200" dirty="0">
                           <a:latin typeface="Times" pitchFamily="2" charset="0"/>
@@ -7251,6 +7308,7 @@
                     <a:bodyPr/>
                     <a:lstStyle/>
                     <a:p>
+                      <a:pPr algn="ctr"/>
                       <a:r>
                         <a:rPr lang="en-US" altLang="zh-TW" sz="1200" dirty="0">
                           <a:latin typeface="Times" pitchFamily="2" charset="0"/>
@@ -7269,6 +7327,7 @@
                     <a:bodyPr/>
                     <a:lstStyle/>
                     <a:p>
+                      <a:pPr algn="ctr"/>
                       <a:r>
                         <a:rPr lang="en-US" altLang="zh-TW" sz="1200" dirty="0">
                           <a:latin typeface="Times" pitchFamily="2" charset="0"/>
@@ -7287,6 +7346,7 @@
                     <a:bodyPr/>
                     <a:lstStyle/>
                     <a:p>
+                      <a:pPr algn="ctr"/>
                       <a:r>
                         <a:rPr lang="en-US" altLang="zh-TW" sz="1200" dirty="0">
                           <a:latin typeface="Times" pitchFamily="2" charset="0"/>
@@ -7305,6 +7365,7 @@
                     <a:bodyPr/>
                     <a:lstStyle/>
                     <a:p>
+                      <a:pPr algn="ctr"/>
                       <a:r>
                         <a:rPr lang="en-US" altLang="zh-TW" sz="1200" dirty="0">
                           <a:latin typeface="Times" pitchFamily="2" charset="0"/>
@@ -7323,6 +7384,7 @@
                     <a:bodyPr/>
                     <a:lstStyle/>
                     <a:p>
+                      <a:pPr algn="ctr"/>
                       <a:r>
                         <a:rPr lang="en-US" altLang="zh-TW" sz="1200" dirty="0">
                           <a:latin typeface="Times" pitchFamily="2" charset="0"/>
@@ -7343,11 +7405,24 @@
                 </a:extLst>
               </a:tr>
               <a:tr h="266700">
+                <a:tc vMerge="1">
+                  <a:txBody>
+                    <a:bodyPr/>
+                    <a:lstStyle/>
+                    <a:p>
+                      <a:endParaRPr lang="zh-TW" altLang="en-US" sz="1200" dirty="0">
+                        <a:latin typeface="Times" pitchFamily="2" charset="0"/>
+                      </a:endParaRPr>
+                    </a:p>
+                  </a:txBody>
+                  <a:tcPr/>
+                </a:tc>
                 <a:tc>
                   <a:txBody>
                     <a:bodyPr/>
                     <a:lstStyle/>
                     <a:p>
+                      <a:pPr algn="ctr"/>
                       <a:r>
                         <a:rPr lang="en-US" altLang="zh-TW" sz="1200" dirty="0">
                           <a:latin typeface="Times" pitchFamily="2" charset="0"/>
@@ -7366,6 +7441,7 @@
                     <a:bodyPr/>
                     <a:lstStyle/>
                     <a:p>
+                      <a:pPr algn="ctr"/>
                       <a:r>
                         <a:rPr lang="en-US" altLang="zh-TW" sz="1200" dirty="0">
                           <a:latin typeface="Times" pitchFamily="2" charset="0"/>
@@ -7384,6 +7460,7 @@
                     <a:bodyPr/>
                     <a:lstStyle/>
                     <a:p>
+                      <a:pPr algn="ctr"/>
                       <a:r>
                         <a:rPr lang="en-US" altLang="zh-TW" sz="1200" dirty="0">
                           <a:latin typeface="Times" pitchFamily="2" charset="0"/>
@@ -7402,6 +7479,7 @@
                     <a:bodyPr/>
                     <a:lstStyle/>
                     <a:p>
+                      <a:pPr algn="ctr"/>
                       <a:r>
                         <a:rPr lang="en-US" altLang="zh-TW" sz="1200" dirty="0">
                           <a:latin typeface="Times" pitchFamily="2" charset="0"/>
@@ -7420,6 +7498,7 @@
                     <a:bodyPr/>
                     <a:lstStyle/>
                     <a:p>
+                      <a:pPr algn="ctr"/>
                       <a:r>
                         <a:rPr lang="en-US" altLang="zh-TW" sz="1200" dirty="0">
                           <a:latin typeface="Times" pitchFamily="2" charset="0"/>
@@ -7438,6 +7517,7 @@
                     <a:bodyPr/>
                     <a:lstStyle/>
                     <a:p>
+                      <a:pPr algn="ctr"/>
                       <a:r>
                         <a:rPr lang="en-US" altLang="zh-TW" sz="1200" dirty="0">
                           <a:latin typeface="Times" pitchFamily="2" charset="0"/>
@@ -7458,11 +7538,24 @@
                 </a:extLst>
               </a:tr>
               <a:tr h="266700">
+                <a:tc vMerge="1">
+                  <a:txBody>
+                    <a:bodyPr/>
+                    <a:lstStyle/>
+                    <a:p>
+                      <a:endParaRPr lang="zh-TW" altLang="en-US" sz="1200" dirty="0">
+                        <a:latin typeface="Times" pitchFamily="2" charset="0"/>
+                      </a:endParaRPr>
+                    </a:p>
+                  </a:txBody>
+                  <a:tcPr/>
+                </a:tc>
                 <a:tc>
                   <a:txBody>
                     <a:bodyPr/>
                     <a:lstStyle/>
                     <a:p>
+                      <a:pPr algn="ctr"/>
                       <a:r>
                         <a:rPr lang="en-US" altLang="zh-TW" sz="1200" dirty="0">
                           <a:latin typeface="Times" pitchFamily="2" charset="0"/>
@@ -7481,6 +7574,7 @@
                     <a:bodyPr/>
                     <a:lstStyle/>
                     <a:p>
+                      <a:pPr algn="ctr"/>
                       <a:r>
                         <a:rPr lang="en-US" altLang="zh-TW" sz="1200" dirty="0">
                           <a:latin typeface="Times" pitchFamily="2" charset="0"/>
@@ -7499,6 +7593,7 @@
                     <a:bodyPr/>
                     <a:lstStyle/>
                     <a:p>
+                      <a:pPr algn="ctr"/>
                       <a:r>
                         <a:rPr lang="en-US" altLang="zh-TW" sz="1200" dirty="0">
                           <a:latin typeface="Times" pitchFamily="2" charset="0"/>
@@ -7517,6 +7612,7 @@
                     <a:bodyPr/>
                     <a:lstStyle/>
                     <a:p>
+                      <a:pPr algn="ctr"/>
                       <a:r>
                         <a:rPr lang="en-US" altLang="zh-TW" sz="1200" dirty="0">
                           <a:latin typeface="Times" pitchFamily="2" charset="0"/>
@@ -7535,6 +7631,7 @@
                     <a:bodyPr/>
                     <a:lstStyle/>
                     <a:p>
+                      <a:pPr algn="ctr"/>
                       <a:r>
                         <a:rPr lang="en-US" altLang="zh-TW" sz="1200" dirty="0">
                           <a:latin typeface="Times" pitchFamily="2" charset="0"/>
@@ -7553,6 +7650,7 @@
                     <a:bodyPr/>
                     <a:lstStyle/>
                     <a:p>
+                      <a:pPr algn="ctr"/>
                       <a:r>
                         <a:rPr lang="en-US" altLang="zh-TW" sz="1200" dirty="0">
                           <a:latin typeface="Times" pitchFamily="2" charset="0"/>
@@ -18834,7 +18932,22 @@
               <a:rPr lang="zh-TW" altLang="en-US" sz="1000" dirty="0">
                 <a:latin typeface="Times" pitchFamily="2" charset="0"/>
               </a:rPr>
-              <a:t>    MPI_Send(&amp;Utop[0], Utop.size(), MPI_DOUBLE, 1, 999, MPI_COMM_WORLD);</a:t>
+              <a:t>    MPI_Send(&amp;</a:t>
+            </a:r>
+            <a:r>
+              <a:rPr lang="zh-TW" altLang="en-US" sz="1000" dirty="0">
+                <a:solidFill>
+                  <a:srgbClr val="FF0000"/>
+                </a:solidFill>
+                <a:latin typeface="Times" pitchFamily="2" charset="0"/>
+              </a:rPr>
+              <a:t>Utop</a:t>
+            </a:r>
+            <a:r>
+              <a:rPr lang="zh-TW" altLang="en-US" sz="1000" dirty="0">
+                <a:latin typeface="Times" pitchFamily="2" charset="0"/>
+              </a:rPr>
+              <a:t>[0], Utop.size(), MPI_DOUBLE, 1, 999, MPI_COMM_WORLD);</a:t>
             </a:r>
           </a:p>
           <a:p>
@@ -18874,7 +18987,22 @@
               <a:rPr lang="zh-TW" altLang="en-US" sz="1000" dirty="0">
                 <a:latin typeface="Times" pitchFamily="2" charset="0"/>
               </a:rPr>
-              <a:t>    MPI_Send(&amp;Ubot[0], Ubot.size(), MPI_DOUBLE, last_rank - 1, 999,</a:t>
+              <a:t>    MPI_Send(&amp;</a:t>
+            </a:r>
+            <a:r>
+              <a:rPr lang="zh-TW" altLang="en-US" sz="1000" dirty="0">
+                <a:solidFill>
+                  <a:srgbClr val="FF0000"/>
+                </a:solidFill>
+                <a:latin typeface="Times" pitchFamily="2" charset="0"/>
+              </a:rPr>
+              <a:t>Ubot</a:t>
+            </a:r>
+            <a:r>
+              <a:rPr lang="zh-TW" altLang="en-US" sz="1000" dirty="0">
+                <a:latin typeface="Times" pitchFamily="2" charset="0"/>
+              </a:rPr>
+              <a:t>[0], Ubot.size(), MPI_DOUBLE, last_rank - 1, 999,</a:t>
             </a:r>
           </a:p>
           <a:p>
@@ -18935,7 +19063,22 @@
               <a:rPr lang="zh-TW" altLang="en-US" sz="1000" dirty="0">
                 <a:latin typeface="Times" pitchFamily="2" charset="0"/>
               </a:rPr>
-              <a:t>    MPI_Send(&amp;Ubot[0], Ubot.size(), MPI_DOUBLE, my_rank - 1, 999,</a:t>
+              <a:t>    MPI_Send(&amp;</a:t>
+            </a:r>
+            <a:r>
+              <a:rPr lang="zh-TW" altLang="en-US" sz="1000" dirty="0">
+                <a:solidFill>
+                  <a:srgbClr val="FF0000"/>
+                </a:solidFill>
+                <a:latin typeface="Times" pitchFamily="2" charset="0"/>
+              </a:rPr>
+              <a:t>Ubot</a:t>
+            </a:r>
+            <a:r>
+              <a:rPr lang="zh-TW" altLang="en-US" sz="1000" dirty="0">
+                <a:latin typeface="Times" pitchFamily="2" charset="0"/>
+              </a:rPr>
+              <a:t>[0], Ubot.size(), MPI_DOUBLE, my_rank - 1, 999,</a:t>
             </a:r>
           </a:p>
           <a:p>
@@ -18951,7 +19094,22 @@
               <a:rPr lang="zh-TW" altLang="en-US" sz="1000" dirty="0">
                 <a:latin typeface="Times" pitchFamily="2" charset="0"/>
               </a:rPr>
-              <a:t>    MPI_Send(&amp;Utop[0], Utop.size(), MPI_DOUBLE, my_rank + 1, 999,</a:t>
+              <a:t>    MPI_Send(&amp;</a:t>
+            </a:r>
+            <a:r>
+              <a:rPr lang="zh-TW" altLang="en-US" sz="1000" dirty="0">
+                <a:solidFill>
+                  <a:srgbClr val="FF0000"/>
+                </a:solidFill>
+                <a:latin typeface="Times" pitchFamily="2" charset="0"/>
+              </a:rPr>
+              <a:t>Utop</a:t>
+            </a:r>
+            <a:r>
+              <a:rPr lang="zh-TW" altLang="en-US" sz="1000" dirty="0">
+                <a:latin typeface="Times" pitchFamily="2" charset="0"/>
+              </a:rPr>
+              <a:t>[0], Utop.size(), MPI_DOUBLE, my_rank + 1, 999,</a:t>
             </a:r>
           </a:p>
           <a:p>

--- a/final_project/cheng_hau.pptx
+++ b/final_project/cheng_hau.pptx
@@ -19,8 +19,8 @@
     <p:sldId id="2984" r:id="rId10"/>
     <p:sldId id="2986" r:id="rId11"/>
     <p:sldId id="2988" r:id="rId12"/>
-    <p:sldId id="2990" r:id="rId13"/>
-    <p:sldId id="2987" r:id="rId14"/>
+    <p:sldId id="2992" r:id="rId13"/>
+    <p:sldId id="2991" r:id="rId14"/>
     <p:sldId id="2576" r:id="rId15"/>
   </p:sldIdLst>
   <p:sldSz cx="9144000" cy="6858000" type="screen4x3"/>
@@ -4216,7 +4216,7 @@
               <a:pPr>
                 <a:defRPr/>
               </a:pPr>
-              <a:t>5/5/22</a:t>
+              <a:t>5/6/22</a:t>
             </a:fld>
             <a:endParaRPr lang="en-US"/>
           </a:p>
@@ -8019,7 +8019,7 @@
           <p:nvPr>
             <p:extLst>
               <p:ext uri="{D42A27DB-BD31-4B8C-83A1-F6EECF244321}">
-                <p14:modId xmlns:p14="http://schemas.microsoft.com/office/powerpoint/2010/main" val="2013986031"/>
+                <p14:modId xmlns:p14="http://schemas.microsoft.com/office/powerpoint/2010/main" val="1869588219"/>
               </p:ext>
             </p:extLst>
           </p:nvPr>
@@ -8103,7 +8103,7 @@
                     <a:p>
                       <a:pPr algn="ctr"/>
                       <a:r>
-                        <a:rPr lang="en-US" altLang="zh-TW" sz="1600">
+                        <a:rPr lang="en-US" altLang="zh-TW" sz="1600" dirty="0">
                           <a:latin typeface="Times" pitchFamily="2" charset="0"/>
                         </a:rPr>
                         <a:t>Speedup</a:t>
@@ -8148,10 +8148,10 @@
                     <a:p>
                       <a:pPr algn="ctr"/>
                       <a:r>
-                        <a:rPr lang="en-US" altLang="zh-TW" sz="1600">
+                        <a:rPr lang="en-US" altLang="zh-TW" sz="1600" dirty="0">
                           <a:latin typeface="Times" pitchFamily="2" charset="0"/>
                         </a:rPr>
-                        <a:t>0.336 s</a:t>
+                        <a:t>0.085 s</a:t>
                       </a:r>
                       <a:endParaRPr lang="zh-TW" altLang="en-US" sz="1600" dirty="0">
                         <a:latin typeface="Times" pitchFamily="2" charset="0"/>
@@ -8212,10 +8212,10 @@
                     <a:p>
                       <a:pPr algn="ctr"/>
                       <a:r>
-                        <a:rPr lang="en-US" altLang="zh-TW" sz="1600">
+                        <a:rPr lang="en-US" altLang="zh-TW" sz="1600" dirty="0">
                           <a:latin typeface="Times" pitchFamily="2" charset="0"/>
                         </a:rPr>
-                        <a:t>0.0933 s</a:t>
+                        <a:t>0.0467 s</a:t>
                       </a:r>
                       <a:endParaRPr lang="zh-TW" altLang="en-US" sz="1600" dirty="0">
                         <a:latin typeface="Times" pitchFamily="2" charset="0"/>
@@ -8234,7 +8234,7 @@
                         <a:rPr lang="en-US" altLang="zh-TW" sz="1600" dirty="0">
                           <a:latin typeface="Times" pitchFamily="2" charset="0"/>
                         </a:rPr>
-                        <a:t>3.6</a:t>
+                        <a:t>1.82</a:t>
                       </a:r>
                       <a:endParaRPr lang="zh-TW" altLang="en-US" sz="1600" dirty="0">
                         <a:latin typeface="Times" pitchFamily="2" charset="0"/>
@@ -8257,7 +8257,7 @@
                     <a:p>
                       <a:pPr algn="ctr"/>
                       <a:r>
-                        <a:rPr lang="en-US" altLang="zh-TW" sz="1600">
+                        <a:rPr lang="en-US" altLang="zh-TW" sz="1600" dirty="0">
                           <a:latin typeface="Times" pitchFamily="2" charset="0"/>
                         </a:rPr>
                         <a:t>4</a:t>
@@ -8276,10 +8276,10 @@
                     <a:p>
                       <a:pPr algn="ctr"/>
                       <a:r>
-                        <a:rPr lang="en-US" altLang="zh-TW" sz="1600">
+                        <a:rPr lang="en-US" altLang="zh-TW" sz="1600" dirty="0">
                           <a:latin typeface="Times" pitchFamily="2" charset="0"/>
                         </a:rPr>
-                        <a:t>0.0382 s</a:t>
+                        <a:t>0.0254 s</a:t>
                       </a:r>
                       <a:endParaRPr lang="zh-TW" altLang="en-US" sz="1600" dirty="0">
                         <a:latin typeface="Times" pitchFamily="2" charset="0"/>
@@ -8298,7 +8298,7 @@
                         <a:rPr lang="en-US" altLang="zh-TW" sz="1600" dirty="0">
                           <a:latin typeface="Times" pitchFamily="2" charset="0"/>
                         </a:rPr>
-                        <a:t>8.8</a:t>
+                        <a:t>3.35</a:t>
                       </a:r>
                       <a:endParaRPr lang="zh-TW" altLang="en-US" sz="1600" dirty="0">
                         <a:latin typeface="Times" pitchFamily="2" charset="0"/>
@@ -8321,7 +8321,7 @@
                     <a:p>
                       <a:pPr algn="ctr"/>
                       <a:r>
-                        <a:rPr lang="en-US" altLang="zh-TW" sz="1600">
+                        <a:rPr lang="en-US" altLang="zh-TW" sz="1600" dirty="0">
                           <a:latin typeface="Times" pitchFamily="2" charset="0"/>
                         </a:rPr>
                         <a:t>8</a:t>
@@ -8340,10 +8340,10 @@
                     <a:p>
                       <a:pPr algn="ctr"/>
                       <a:r>
-                        <a:rPr lang="en-US" altLang="zh-TW" sz="1600">
+                        <a:rPr lang="en-US" altLang="zh-TW" sz="1600" dirty="0">
                           <a:latin typeface="Times" pitchFamily="2" charset="0"/>
                         </a:rPr>
-                        <a:t>0.0247 s</a:t>
+                        <a:t>0.0221 s</a:t>
                       </a:r>
                       <a:endParaRPr lang="zh-TW" altLang="en-US" sz="1600" dirty="0">
                         <a:latin typeface="Times" pitchFamily="2" charset="0"/>
@@ -8362,7 +8362,7 @@
                         <a:rPr lang="en-US" altLang="zh-TW" sz="1600" dirty="0">
                           <a:latin typeface="Times" pitchFamily="2" charset="0"/>
                         </a:rPr>
-                        <a:t>13.6</a:t>
+                        <a:t>3.85</a:t>
                       </a:r>
                       <a:endParaRPr lang="zh-TW" altLang="en-US" sz="1600" dirty="0">
                         <a:latin typeface="Times" pitchFamily="2" charset="0"/>
@@ -8385,7 +8385,7 @@
                     <a:p>
                       <a:pPr algn="ctr"/>
                       <a:r>
-                        <a:rPr lang="en-US" altLang="zh-TW" sz="1600">
+                        <a:rPr lang="en-US" altLang="zh-TW" sz="1600" dirty="0">
                           <a:latin typeface="Times" pitchFamily="2" charset="0"/>
                         </a:rPr>
                         <a:t>16</a:t>
@@ -8404,10 +8404,10 @@
                     <a:p>
                       <a:pPr algn="ctr"/>
                       <a:r>
-                        <a:rPr lang="en-US" altLang="zh-TW" sz="1600">
+                        <a:rPr lang="en-US" altLang="zh-TW" sz="1600" dirty="0">
                           <a:latin typeface="Times" pitchFamily="2" charset="0"/>
                         </a:rPr>
-                        <a:t>0.0232 s</a:t>
+                        <a:t>0.02 s</a:t>
                       </a:r>
                       <a:endParaRPr lang="zh-TW" altLang="en-US" sz="1600" dirty="0">
                         <a:latin typeface="Times" pitchFamily="2" charset="0"/>
@@ -8426,7 +8426,7 @@
                         <a:rPr lang="en-US" altLang="zh-TW" sz="1600" dirty="0">
                           <a:latin typeface="Times" pitchFamily="2" charset="0"/>
                         </a:rPr>
-                        <a:t>14.5</a:t>
+                        <a:t>4.25</a:t>
                       </a:r>
                       <a:endParaRPr lang="zh-TW" altLang="en-US" sz="1600" dirty="0">
                         <a:latin typeface="Times" pitchFamily="2" charset="0"/>
@@ -8437,7 +8437,7 @@
                 </a:tc>
                 <a:extLst>
                   <a:ext uri="{0D108BD9-81ED-4DB2-BD59-A6C34878D82A}">
-                    <a16:rowId xmlns:a16="http://schemas.microsoft.com/office/drawing/2014/main" val="2385525252"/>
+                    <a16:rowId xmlns:a16="http://schemas.microsoft.com/office/drawing/2014/main" val="3681549"/>
                   </a:ext>
                 </a:extLst>
               </a:tr>
@@ -8504,15 +8504,15 @@
           <a:lstStyle/>
           <a:p>
             <a:r>
-              <a:rPr kumimoji="1" lang="en-US" altLang="zh-TW">
+              <a:rPr kumimoji="1" lang="en-US" altLang="zh-TW" dirty="0">
                 <a:latin typeface="Times" pitchFamily="2" charset="0"/>
               </a:rPr>
-              <a:t>m = 33</a:t>
+              <a:t>m = 17</a:t>
             </a:r>
           </a:p>
           <a:p>
             <a:r>
-              <a:rPr kumimoji="1" lang="en-US" altLang="zh-TW">
+              <a:rPr kumimoji="1" lang="en-US" altLang="zh-TW" dirty="0">
                 <a:latin typeface="Times" pitchFamily="2" charset="0"/>
               </a:rPr>
               <a:t>Nodes = 1089</a:t>
@@ -8523,42 +8523,160 @@
           </a:p>
         </p:txBody>
       </p:sp>
-      <p:pic>
-        <p:nvPicPr>
-          <p:cNvPr id="7" name="圖片 6">
+      <p:grpSp>
+        <p:nvGrpSpPr>
+          <p:cNvPr id="8" name="群組 7">
             <a:extLst>
               <a:ext uri="{FF2B5EF4-FFF2-40B4-BE49-F238E27FC236}">
-                <a16:creationId xmlns:a16="http://schemas.microsoft.com/office/drawing/2014/main" id="{BCD6E8C0-95E6-3059-26F7-0BD601E73933}"/>
+                <a16:creationId xmlns:a16="http://schemas.microsoft.com/office/drawing/2014/main" id="{775B2A1E-10D3-1753-F044-700046DE7CD2}"/>
               </a:ext>
             </a:extLst>
           </p:cNvPr>
-          <p:cNvPicPr>
-            <a:picLocks noChangeAspect="1"/>
-          </p:cNvPicPr>
+          <p:cNvGrpSpPr/>
           <p:nvPr/>
-        </p:nvPicPr>
-        <p:blipFill>
-          <a:blip r:embed="rId3"/>
-          <a:stretch>
-            <a:fillRect/>
-          </a:stretch>
-        </p:blipFill>
-        <p:spPr>
+        </p:nvGrpSpPr>
+        <p:grpSpPr>
           <a:xfrm>
-            <a:off x="213360" y="3188614"/>
-            <a:ext cx="3383280" cy="3430458"/>
+            <a:off x="61153" y="3581400"/>
+            <a:ext cx="4448469" cy="2642276"/>
+            <a:chOff x="20053" y="4030579"/>
+            <a:chExt cx="4448469" cy="2642276"/>
           </a:xfrm>
-          <a:prstGeom prst="rect">
-            <a:avLst/>
-          </a:prstGeom>
-        </p:spPr>
-      </p:pic>
+        </p:grpSpPr>
+        <p:pic>
+          <p:nvPicPr>
+            <p:cNvPr id="6" name="圖片 5">
+              <a:extLst>
+                <a:ext uri="{FF2B5EF4-FFF2-40B4-BE49-F238E27FC236}">
+                  <a16:creationId xmlns:a16="http://schemas.microsoft.com/office/drawing/2014/main" id="{978C312F-C10E-FA00-32AD-CA6BD90662F2}"/>
+                </a:ext>
+              </a:extLst>
+            </p:cNvPr>
+            <p:cNvPicPr>
+              <a:picLocks noChangeAspect="1"/>
+            </p:cNvPicPr>
+            <p:nvPr/>
+          </p:nvPicPr>
+          <p:blipFill>
+            <a:blip r:embed="rId3">
+              <a:clrChange>
+                <a:clrFrom>
+                  <a:srgbClr val="FFFFFF"/>
+                </a:clrFrom>
+                <a:clrTo>
+                  <a:srgbClr val="FFFFFF">
+                    <a:alpha val="0"/>
+                  </a:srgbClr>
+                </a:clrTo>
+              </a:clrChange>
+            </a:blip>
+            <a:stretch>
+              <a:fillRect/>
+            </a:stretch>
+          </p:blipFill>
+          <p:spPr>
+            <a:xfrm>
+              <a:off x="20053" y="4030579"/>
+              <a:ext cx="4448469" cy="2642276"/>
+            </a:xfrm>
+            <a:prstGeom prst="rect">
+              <a:avLst/>
+            </a:prstGeom>
+          </p:spPr>
+        </p:pic>
+        <p:sp>
+          <p:nvSpPr>
+            <p:cNvPr id="21" name="文字方塊 20">
+              <a:extLst>
+                <a:ext uri="{FF2B5EF4-FFF2-40B4-BE49-F238E27FC236}">
+                  <a16:creationId xmlns:a16="http://schemas.microsoft.com/office/drawing/2014/main" id="{24AF6A9A-C709-6E88-35B5-779098BBEA63}"/>
+                </a:ext>
+              </a:extLst>
+            </p:cNvPr>
+            <p:cNvSpPr txBox="1"/>
+            <p:nvPr/>
+          </p:nvSpPr>
+          <p:spPr>
+            <a:xfrm>
+              <a:off x="1636978" y="4419600"/>
+              <a:ext cx="268022" cy="292388"/>
+            </a:xfrm>
+            <a:prstGeom prst="rect">
+              <a:avLst/>
+            </a:prstGeom>
+            <a:noFill/>
+          </p:spPr>
+          <p:txBody>
+            <a:bodyPr wrap="none" rtlCol="0">
+              <a:spAutoFit/>
+            </a:bodyPr>
+            <a:lstStyle/>
+            <a:p>
+              <a:r>
+                <a:rPr kumimoji="1" lang="en-US" altLang="zh-TW" sz="1300" dirty="0">
+                  <a:latin typeface="Times" pitchFamily="2" charset="0"/>
+                  <a:ea typeface="Tahoma" panose="020B0604030504040204" pitchFamily="34" charset="0"/>
+                  <a:cs typeface="Tahoma" panose="020B0604030504040204" pitchFamily="34" charset="0"/>
+                </a:rPr>
+                <a:t>1</a:t>
+              </a:r>
+              <a:endParaRPr kumimoji="1" lang="zh-TW" altLang="en-US" sz="1300" dirty="0">
+                <a:latin typeface="Times" pitchFamily="2" charset="0"/>
+                <a:cs typeface="Tahoma" panose="020B0604030504040204" pitchFamily="34" charset="0"/>
+              </a:endParaRPr>
+            </a:p>
+          </p:txBody>
+        </p:sp>
+        <p:sp>
+          <p:nvSpPr>
+            <p:cNvPr id="22" name="文字方塊 21">
+              <a:extLst>
+                <a:ext uri="{FF2B5EF4-FFF2-40B4-BE49-F238E27FC236}">
+                  <a16:creationId xmlns:a16="http://schemas.microsoft.com/office/drawing/2014/main" id="{DB5F5EB3-502A-729A-E55A-F18A99C7EC5E}"/>
+                </a:ext>
+              </a:extLst>
+            </p:cNvPr>
+            <p:cNvSpPr txBox="1"/>
+            <p:nvPr/>
+          </p:nvSpPr>
+          <p:spPr>
+            <a:xfrm>
+              <a:off x="1976265" y="4800600"/>
+              <a:ext cx="268022" cy="292388"/>
+            </a:xfrm>
+            <a:prstGeom prst="rect">
+              <a:avLst/>
+            </a:prstGeom>
+            <a:noFill/>
+          </p:spPr>
+          <p:txBody>
+            <a:bodyPr wrap="none" rtlCol="0">
+              <a:spAutoFit/>
+            </a:bodyPr>
+            <a:lstStyle/>
+            <a:p>
+              <a:r>
+                <a:rPr kumimoji="1" lang="en-US" altLang="zh-TW" sz="1300" dirty="0">
+                  <a:latin typeface="Times" pitchFamily="2" charset="0"/>
+                  <a:ea typeface="Tahoma" panose="020B0604030504040204" pitchFamily="34" charset="0"/>
+                  <a:cs typeface="Tahoma" panose="020B0604030504040204" pitchFamily="34" charset="0"/>
+                </a:rPr>
+                <a:t>1</a:t>
+              </a:r>
+              <a:endParaRPr kumimoji="1" lang="zh-TW" altLang="en-US" sz="1300" dirty="0">
+                <a:latin typeface="Times" pitchFamily="2" charset="0"/>
+                <a:cs typeface="Tahoma" panose="020B0604030504040204" pitchFamily="34" charset="0"/>
+              </a:endParaRPr>
+            </a:p>
+          </p:txBody>
+        </p:sp>
+      </p:grpSp>
       <p:pic>
         <p:nvPicPr>
-          <p:cNvPr id="12" name="圖片 11">
+          <p:cNvPr id="10" name="圖片 9">
             <a:extLst>
               <a:ext uri="{FF2B5EF4-FFF2-40B4-BE49-F238E27FC236}">
-                <a16:creationId xmlns:a16="http://schemas.microsoft.com/office/drawing/2014/main" id="{8F12C2C7-B257-6888-0727-4E673B9B7EFC}"/>
+                <a16:creationId xmlns:a16="http://schemas.microsoft.com/office/drawing/2014/main" id="{1F955C62-1D16-1C47-BA3C-F599B927D468}"/>
               </a:ext>
             </a:extLst>
           </p:cNvPr>
@@ -8575,104 +8693,18 @@
         </p:blipFill>
         <p:spPr>
           <a:xfrm>
-            <a:off x="4267200" y="3229480"/>
-            <a:ext cx="4419600" cy="3499566"/>
+            <a:off x="4634380" y="3429000"/>
+            <a:ext cx="3621082" cy="2892581"/>
           </a:xfrm>
           <a:prstGeom prst="rect">
             <a:avLst/>
           </a:prstGeom>
         </p:spPr>
       </p:pic>
-      <p:sp>
-        <p:nvSpPr>
-          <p:cNvPr id="21" name="文字方塊 20">
-            <a:extLst>
-              <a:ext uri="{FF2B5EF4-FFF2-40B4-BE49-F238E27FC236}">
-                <a16:creationId xmlns:a16="http://schemas.microsoft.com/office/drawing/2014/main" id="{24AF6A9A-C709-6E88-35B5-779098BBEA63}"/>
-              </a:ext>
-            </a:extLst>
-          </p:cNvPr>
-          <p:cNvSpPr txBox="1"/>
-          <p:nvPr/>
-        </p:nvSpPr>
-        <p:spPr>
-          <a:xfrm>
-            <a:off x="1848543" y="4686875"/>
-            <a:ext cx="268022" cy="292388"/>
-          </a:xfrm>
-          <a:prstGeom prst="rect">
-            <a:avLst/>
-          </a:prstGeom>
-          <a:noFill/>
-        </p:spPr>
-        <p:txBody>
-          <a:bodyPr wrap="none" rtlCol="0">
-            <a:spAutoFit/>
-          </a:bodyPr>
-          <a:lstStyle/>
-          <a:p>
-            <a:r>
-              <a:rPr kumimoji="1" lang="en-US" altLang="zh-TW" sz="1300" dirty="0">
-                <a:latin typeface="Times" pitchFamily="2" charset="0"/>
-                <a:ea typeface="Tahoma" panose="020B0604030504040204" pitchFamily="34" charset="0"/>
-                <a:cs typeface="Tahoma" panose="020B0604030504040204" pitchFamily="34" charset="0"/>
-              </a:rPr>
-              <a:t>1</a:t>
-            </a:r>
-            <a:endParaRPr kumimoji="1" lang="zh-TW" altLang="en-US" sz="1300" dirty="0">
-              <a:latin typeface="Times" pitchFamily="2" charset="0"/>
-              <a:cs typeface="Tahoma" panose="020B0604030504040204" pitchFamily="34" charset="0"/>
-            </a:endParaRPr>
-          </a:p>
-        </p:txBody>
-      </p:sp>
-      <p:sp>
-        <p:nvSpPr>
-          <p:cNvPr id="22" name="文字方塊 21">
-            <a:extLst>
-              <a:ext uri="{FF2B5EF4-FFF2-40B4-BE49-F238E27FC236}">
-                <a16:creationId xmlns:a16="http://schemas.microsoft.com/office/drawing/2014/main" id="{DB5F5EB3-502A-729A-E55A-F18A99C7EC5E}"/>
-              </a:ext>
-            </a:extLst>
-          </p:cNvPr>
-          <p:cNvSpPr txBox="1"/>
-          <p:nvPr/>
-        </p:nvSpPr>
-        <p:spPr>
-          <a:xfrm>
-            <a:off x="2286000" y="5156876"/>
-            <a:ext cx="268022" cy="292388"/>
-          </a:xfrm>
-          <a:prstGeom prst="rect">
-            <a:avLst/>
-          </a:prstGeom>
-          <a:noFill/>
-        </p:spPr>
-        <p:txBody>
-          <a:bodyPr wrap="none" rtlCol="0">
-            <a:spAutoFit/>
-          </a:bodyPr>
-          <a:lstStyle/>
-          <a:p>
-            <a:r>
-              <a:rPr kumimoji="1" lang="en-US" altLang="zh-TW" sz="1300" dirty="0">
-                <a:latin typeface="Times" pitchFamily="2" charset="0"/>
-                <a:ea typeface="Tahoma" panose="020B0604030504040204" pitchFamily="34" charset="0"/>
-                <a:cs typeface="Tahoma" panose="020B0604030504040204" pitchFamily="34" charset="0"/>
-              </a:rPr>
-              <a:t>1</a:t>
-            </a:r>
-            <a:endParaRPr kumimoji="1" lang="zh-TW" altLang="en-US" sz="1300" dirty="0">
-              <a:latin typeface="Times" pitchFamily="2" charset="0"/>
-              <a:cs typeface="Tahoma" panose="020B0604030504040204" pitchFamily="34" charset="0"/>
-            </a:endParaRPr>
-          </a:p>
-        </p:txBody>
-      </p:sp>
     </p:spTree>
     <p:extLst>
       <p:ext uri="{BB962C8B-B14F-4D97-AF65-F5344CB8AC3E}">
-        <p14:creationId xmlns:p14="http://schemas.microsoft.com/office/powerpoint/2010/main" val="3613713442"/>
+        <p14:creationId xmlns:p14="http://schemas.microsoft.com/office/powerpoint/2010/main" val="3343501390"/>
       </p:ext>
     </p:extLst>
   </p:cSld>
@@ -8778,14 +8810,14 @@
           <p:nvPr>
             <p:extLst>
               <p:ext uri="{D42A27DB-BD31-4B8C-83A1-F6EECF244321}">
-                <p14:modId xmlns:p14="http://schemas.microsoft.com/office/powerpoint/2010/main" val="3635760285"/>
+                <p14:modId xmlns:p14="http://schemas.microsoft.com/office/powerpoint/2010/main" val="3887155017"/>
               </p:ext>
             </p:extLst>
           </p:nvPr>
         </p:nvGraphicFramePr>
         <p:xfrm>
-          <a:off x="1981200" y="884812"/>
-          <a:ext cx="6172200" cy="2051247"/>
+          <a:off x="2438400" y="891540"/>
+          <a:ext cx="4267200" cy="1854200"/>
         </p:xfrm>
         <a:graphic>
           <a:graphicData uri="http://schemas.openxmlformats.org/drawingml/2006/table">
@@ -8794,29 +8826,22 @@
                 <a:tableStyleId>{5940675A-B579-460E-94D1-54222C63F5DA}</a:tableStyleId>
               </a:tblPr>
               <a:tblGrid>
-                <a:gridCol w="2057400">
+                <a:gridCol w="2133600">
                   <a:extLst>
                     <a:ext uri="{9D8B030D-6E8A-4147-A177-3AD203B41FA5}">
                       <a16:colId xmlns:a16="http://schemas.microsoft.com/office/drawing/2014/main" val="2886871992"/>
                     </a:ext>
                   </a:extLst>
                 </a:gridCol>
-                <a:gridCol w="2057400">
+                <a:gridCol w="2133600">
                   <a:extLst>
                     <a:ext uri="{9D8B030D-6E8A-4147-A177-3AD203B41FA5}">
                       <a16:colId xmlns:a16="http://schemas.microsoft.com/office/drawing/2014/main" val="2310662193"/>
                     </a:ext>
                   </a:extLst>
                 </a:gridCol>
-                <a:gridCol w="2057400">
-                  <a:extLst>
-                    <a:ext uri="{9D8B030D-6E8A-4147-A177-3AD203B41FA5}">
-                      <a16:colId xmlns:a16="http://schemas.microsoft.com/office/drawing/2014/main" val="286285347"/>
-                    </a:ext>
-                  </a:extLst>
-                </a:gridCol>
               </a:tblGrid>
-              <a:tr h="244139">
+              <a:tr h="370840">
                 <a:tc>
                   <a:txBody>
                     <a:bodyPr/>
@@ -8824,7 +8849,7 @@
                     <a:p>
                       <a:pPr algn="ctr"/>
                       <a:r>
-                        <a:rPr lang="en-US" altLang="zh-TW" sz="1600" dirty="0">
+                        <a:rPr lang="en-US" altLang="zh-TW" sz="1600">
                           <a:latin typeface="Times" pitchFamily="2" charset="0"/>
                         </a:rPr>
                         <a:t>Number of Processors</a:t>
@@ -8855,6 +8880,13 @@
                   </a:txBody>
                   <a:tcPr/>
                 </a:tc>
+                <a:extLst>
+                  <a:ext uri="{0D108BD9-81ED-4DB2-BD59-A6C34878D82A}">
+                    <a16:rowId xmlns:a16="http://schemas.microsoft.com/office/drawing/2014/main" val="30793373"/>
+                  </a:ext>
+                </a:extLst>
+              </a:tr>
+              <a:tr h="370840">
                 <a:tc>
                   <a:txBody>
                     <a:bodyPr/>
@@ -8862,97 +8894,7 @@
                     <a:p>
                       <a:pPr algn="ctr"/>
                       <a:r>
-                        <a:rPr lang="en-US" altLang="zh-TW" sz="1600" dirty="0">
-                          <a:latin typeface="Times" pitchFamily="2" charset="0"/>
-                        </a:rPr>
-                        <a:t>Speedup</a:t>
-                      </a:r>
-                      <a:endParaRPr lang="zh-TW" altLang="en-US" sz="1600" dirty="0">
-                        <a:latin typeface="Times" pitchFamily="2" charset="0"/>
-                      </a:endParaRPr>
-                    </a:p>
-                  </a:txBody>
-                  <a:tcPr/>
-                </a:tc>
-                <a:extLst>
-                  <a:ext uri="{0D108BD9-81ED-4DB2-BD59-A6C34878D82A}">
-                    <a16:rowId xmlns:a16="http://schemas.microsoft.com/office/drawing/2014/main" val="30793373"/>
-                  </a:ext>
-                </a:extLst>
-              </a:tr>
-              <a:tr h="244139">
-                <a:tc>
-                  <a:txBody>
-                    <a:bodyPr/>
-                    <a:lstStyle/>
-                    <a:p>
-                      <a:pPr algn="ctr"/>
-                      <a:r>
-                        <a:rPr lang="en-US" altLang="zh-TW" sz="1600" dirty="0">
-                          <a:latin typeface="Times" pitchFamily="2" charset="0"/>
-                        </a:rPr>
-                        <a:t>1</a:t>
-                      </a:r>
-                      <a:endParaRPr lang="zh-TW" altLang="en-US" sz="1600" dirty="0">
-                        <a:latin typeface="Times" pitchFamily="2" charset="0"/>
-                      </a:endParaRPr>
-                    </a:p>
-                  </a:txBody>
-                  <a:tcPr/>
-                </a:tc>
-                <a:tc>
-                  <a:txBody>
-                    <a:bodyPr/>
-                    <a:lstStyle/>
-                    <a:p>
-                      <a:pPr algn="ctr"/>
-                      <a:r>
-                        <a:rPr lang="en-US" altLang="zh-TW" sz="1600" dirty="0">
-                          <a:latin typeface="Times" pitchFamily="2" charset="0"/>
-                        </a:rPr>
-                        <a:t>20.6 s</a:t>
-                      </a:r>
-                      <a:endParaRPr lang="zh-TW" altLang="en-US" sz="1600" dirty="0">
-                        <a:latin typeface="Times" pitchFamily="2" charset="0"/>
-                      </a:endParaRPr>
-                    </a:p>
-                  </a:txBody>
-                  <a:tcPr/>
-                </a:tc>
-                <a:tc>
-                  <a:txBody>
-                    <a:bodyPr/>
-                    <a:lstStyle/>
-                    <a:p>
-                      <a:pPr algn="ctr"/>
-                      <a:r>
-                        <a:rPr lang="en-US" altLang="zh-TW" sz="1600" dirty="0">
-                          <a:latin typeface="Times" pitchFamily="2" charset="0"/>
-                        </a:rPr>
-                        <a:t>1</a:t>
-                      </a:r>
-                      <a:endParaRPr lang="zh-TW" altLang="en-US" sz="1600" dirty="0">
-                        <a:latin typeface="Times" pitchFamily="2" charset="0"/>
-                      </a:endParaRPr>
-                    </a:p>
-                  </a:txBody>
-                  <a:tcPr/>
-                </a:tc>
-                <a:extLst>
-                  <a:ext uri="{0D108BD9-81ED-4DB2-BD59-A6C34878D82A}">
-                    <a16:rowId xmlns:a16="http://schemas.microsoft.com/office/drawing/2014/main" val="2503649574"/>
-                  </a:ext>
-                </a:extLst>
-              </a:tr>
-              <a:tr h="244139">
-                <a:tc>
-                  <a:txBody>
-                    <a:bodyPr/>
-                    <a:lstStyle/>
-                    <a:p>
-                      <a:pPr algn="ctr"/>
-                      <a:r>
-                        <a:rPr lang="en-US" altLang="zh-TW" sz="1600" dirty="0">
+                        <a:rPr lang="en-US" altLang="zh-TW" sz="1600">
                           <a:latin typeface="Times" pitchFamily="2" charset="0"/>
                         </a:rPr>
                         <a:t>2</a:t>
@@ -8974,26 +8916,7 @@
                         <a:rPr lang="en-US" altLang="zh-TW" sz="1600" dirty="0">
                           <a:latin typeface="Times" pitchFamily="2" charset="0"/>
                         </a:rPr>
-                        <a:t>5.54 s</a:t>
-                      </a:r>
-                      <a:endParaRPr lang="zh-TW" altLang="en-US" sz="1600" dirty="0">
-                        <a:latin typeface="Times" pitchFamily="2" charset="0"/>
-                      </a:endParaRPr>
-                    </a:p>
-                  </a:txBody>
-                  <a:tcPr/>
-                </a:tc>
-                <a:tc>
-                  <a:txBody>
-                    <a:bodyPr/>
-                    <a:lstStyle/>
-                    <a:p>
-                      <a:pPr algn="ctr"/>
-                      <a:r>
-                        <a:rPr lang="en-US" altLang="zh-TW" sz="1600" dirty="0">
-                          <a:latin typeface="Times" pitchFamily="2" charset="0"/>
-                        </a:rPr>
-                        <a:t>3.71</a:t>
+                        <a:t>0.396 s</a:t>
                       </a:r>
                       <a:endParaRPr lang="zh-TW" altLang="en-US" sz="1600" dirty="0">
                         <a:latin typeface="Times" pitchFamily="2" charset="0"/>
@@ -9008,7 +8931,7 @@
                   </a:ext>
                 </a:extLst>
               </a:tr>
-              <a:tr h="244139">
+              <a:tr h="370840">
                 <a:tc>
                   <a:txBody>
                     <a:bodyPr/>
@@ -9038,26 +8961,7 @@
                         <a:rPr lang="en-US" altLang="zh-TW" sz="1600" dirty="0">
                           <a:latin typeface="Times" pitchFamily="2" charset="0"/>
                         </a:rPr>
-                        <a:t>1.75 s</a:t>
-                      </a:r>
-                      <a:endParaRPr lang="zh-TW" altLang="en-US" sz="1600" dirty="0">
-                        <a:latin typeface="Times" pitchFamily="2" charset="0"/>
-                      </a:endParaRPr>
-                    </a:p>
-                  </a:txBody>
-                  <a:tcPr/>
-                </a:tc>
-                <a:tc>
-                  <a:txBody>
-                    <a:bodyPr/>
-                    <a:lstStyle/>
-                    <a:p>
-                      <a:pPr algn="ctr"/>
-                      <a:r>
-                        <a:rPr lang="en-US" altLang="zh-TW" sz="1600" dirty="0">
-                          <a:latin typeface="Times" pitchFamily="2" charset="0"/>
-                        </a:rPr>
-                        <a:t>11.77</a:t>
+                        <a:t>0.201 s</a:t>
                       </a:r>
                       <a:endParaRPr lang="zh-TW" altLang="en-US" sz="1600" dirty="0">
                         <a:latin typeface="Times" pitchFamily="2" charset="0"/>
@@ -9072,7 +8976,7 @@
                   </a:ext>
                 </a:extLst>
               </a:tr>
-              <a:tr h="374847">
+              <a:tr h="370840">
                 <a:tc>
                   <a:txBody>
                     <a:bodyPr/>
@@ -9080,7 +8984,7 @@
                     <a:p>
                       <a:pPr algn="ctr"/>
                       <a:r>
-                        <a:rPr lang="en-US" altLang="zh-TW" sz="1600" dirty="0">
+                        <a:rPr lang="en-US" altLang="zh-TW" sz="1600">
                           <a:latin typeface="Times" pitchFamily="2" charset="0"/>
                         </a:rPr>
                         <a:t>8</a:t>
@@ -9102,26 +9006,7 @@
                         <a:rPr lang="en-US" altLang="zh-TW" sz="1600" dirty="0">
                           <a:latin typeface="Times" pitchFamily="2" charset="0"/>
                         </a:rPr>
-                        <a:t>0.74 s</a:t>
-                      </a:r>
-                      <a:endParaRPr lang="zh-TW" altLang="en-US" sz="1600" dirty="0">
-                        <a:latin typeface="Times" pitchFamily="2" charset="0"/>
-                      </a:endParaRPr>
-                    </a:p>
-                  </a:txBody>
-                  <a:tcPr/>
-                </a:tc>
-                <a:tc>
-                  <a:txBody>
-                    <a:bodyPr/>
-                    <a:lstStyle/>
-                    <a:p>
-                      <a:pPr algn="ctr"/>
-                      <a:r>
-                        <a:rPr lang="en-US" altLang="zh-TW" sz="1600" dirty="0">
-                          <a:latin typeface="Times" pitchFamily="2" charset="0"/>
-                        </a:rPr>
-                        <a:t>27.84</a:t>
+                        <a:t>0.105 s</a:t>
                       </a:r>
                       <a:endParaRPr lang="zh-TW" altLang="en-US" sz="1600" dirty="0">
                         <a:latin typeface="Times" pitchFamily="2" charset="0"/>
@@ -9136,7 +9021,7 @@
                   </a:ext>
                 </a:extLst>
               </a:tr>
-              <a:tr h="244139">
+              <a:tr h="370840">
                 <a:tc>
                   <a:txBody>
                     <a:bodyPr/>
@@ -9144,7 +9029,7 @@
                     <a:p>
                       <a:pPr algn="ctr"/>
                       <a:r>
-                        <a:rPr lang="en-US" altLang="zh-TW" sz="1600" dirty="0">
+                        <a:rPr lang="en-US" altLang="zh-TW" sz="1600">
                           <a:latin typeface="Times" pitchFamily="2" charset="0"/>
                         </a:rPr>
                         <a:t>16</a:t>
@@ -9166,26 +9051,7 @@
                         <a:rPr lang="en-US" altLang="zh-TW" sz="1600" dirty="0">
                           <a:latin typeface="Times" pitchFamily="2" charset="0"/>
                         </a:rPr>
-                        <a:t>0.42 s</a:t>
-                      </a:r>
-                      <a:endParaRPr lang="zh-TW" altLang="en-US" sz="1600" dirty="0">
-                        <a:latin typeface="Times" pitchFamily="2" charset="0"/>
-                      </a:endParaRPr>
-                    </a:p>
-                  </a:txBody>
-                  <a:tcPr/>
-                </a:tc>
-                <a:tc>
-                  <a:txBody>
-                    <a:bodyPr/>
-                    <a:lstStyle/>
-                    <a:p>
-                      <a:pPr algn="ctr"/>
-                      <a:r>
-                        <a:rPr lang="en-US" altLang="zh-TW" sz="1600" dirty="0">
-                          <a:latin typeface="Times" pitchFamily="2" charset="0"/>
-                        </a:rPr>
-                        <a:t>49.05</a:t>
+                        <a:t>0.0552 s</a:t>
                       </a:r>
                       <a:endParaRPr lang="zh-TW" altLang="en-US" sz="1600" dirty="0">
                         <a:latin typeface="Times" pitchFamily="2" charset="0"/>
@@ -9263,18 +9129,18 @@
           <a:lstStyle/>
           <a:p>
             <a:r>
-              <a:rPr kumimoji="1" lang="en-US" altLang="zh-TW" dirty="0">
+              <a:rPr kumimoji="1" lang="en-US" altLang="zh-TW">
                 <a:latin typeface="Times" pitchFamily="2" charset="0"/>
               </a:rPr>
-              <a:t>m = 81</a:t>
+              <a:t>m = 33</a:t>
             </a:r>
           </a:p>
           <a:p>
             <a:r>
-              <a:rPr kumimoji="1" lang="en-US" altLang="zh-TW" dirty="0">
+              <a:rPr kumimoji="1" lang="en-US" altLang="zh-TW">
                 <a:latin typeface="Times" pitchFamily="2" charset="0"/>
               </a:rPr>
-              <a:t>Nodes = 6561</a:t>
+              <a:t>Nodes = 1089</a:t>
             </a:r>
             <a:endParaRPr kumimoji="1" lang="zh-TW" altLang="en-US" dirty="0">
               <a:latin typeface="Times" pitchFamily="2" charset="0"/>
@@ -9282,12 +9148,44 @@
           </a:p>
         </p:txBody>
       </p:sp>
+      <p:sp>
+        <p:nvSpPr>
+          <p:cNvPr id="6" name="文字方塊 5">
+            <a:extLst>
+              <a:ext uri="{FF2B5EF4-FFF2-40B4-BE49-F238E27FC236}">
+                <a16:creationId xmlns:a16="http://schemas.microsoft.com/office/drawing/2014/main" id="{A9576922-B026-A4E1-C2CC-529FCC4C497D}"/>
+              </a:ext>
+            </a:extLst>
+          </p:cNvPr>
+          <p:cNvSpPr txBox="1"/>
+          <p:nvPr/>
+        </p:nvSpPr>
+        <p:spPr>
+          <a:xfrm>
+            <a:off x="5016500" y="4686300"/>
+            <a:ext cx="184731" cy="369332"/>
+          </a:xfrm>
+          <a:prstGeom prst="rect">
+            <a:avLst/>
+          </a:prstGeom>
+          <a:noFill/>
+        </p:spPr>
+        <p:txBody>
+          <a:bodyPr wrap="none" rtlCol="0">
+            <a:spAutoFit/>
+          </a:bodyPr>
+          <a:lstStyle/>
+          <a:p>
+            <a:endParaRPr kumimoji="1" lang="zh-TW" altLang="en-US" dirty="0"/>
+          </a:p>
+        </p:txBody>
+      </p:sp>
       <p:pic>
         <p:nvPicPr>
-          <p:cNvPr id="6" name="圖片 5">
+          <p:cNvPr id="9" name="圖片 8">
             <a:extLst>
               <a:ext uri="{FF2B5EF4-FFF2-40B4-BE49-F238E27FC236}">
-                <a16:creationId xmlns:a16="http://schemas.microsoft.com/office/drawing/2014/main" id="{AC869EBF-62E1-87A5-ACA0-C4F1FEC2752C}"/>
+                <a16:creationId xmlns:a16="http://schemas.microsoft.com/office/drawing/2014/main" id="{F5583345-53A7-EC48-8297-95D3D16F5D6A}"/>
               </a:ext>
             </a:extLst>
           </p:cNvPr>
@@ -9296,173 +9194,112 @@
           </p:cNvPicPr>
           <p:nvPr/>
         </p:nvPicPr>
-        <p:blipFill rotWithShape="1">
+        <p:blipFill>
           <a:blip r:embed="rId3"/>
-          <a:srcRect b="843"/>
-          <a:stretch/>
+          <a:stretch>
+            <a:fillRect/>
+          </a:stretch>
         </p:blipFill>
         <p:spPr>
           <a:xfrm>
-            <a:off x="4038600" y="3194476"/>
-            <a:ext cx="4343400" cy="3470503"/>
+            <a:off x="2414984" y="2831905"/>
+            <a:ext cx="4314031" cy="3822895"/>
           </a:xfrm>
           <a:prstGeom prst="rect">
             <a:avLst/>
           </a:prstGeom>
         </p:spPr>
       </p:pic>
-      <p:grpSp>
-        <p:nvGrpSpPr>
-          <p:cNvPr id="11" name="群組 10">
+      <p:sp>
+        <p:nvSpPr>
+          <p:cNvPr id="16" name="文字方塊 15">
             <a:extLst>
               <a:ext uri="{FF2B5EF4-FFF2-40B4-BE49-F238E27FC236}">
-                <a16:creationId xmlns:a16="http://schemas.microsoft.com/office/drawing/2014/main" id="{08B1EB81-468D-3050-F028-46D16D4B284C}"/>
+                <a16:creationId xmlns:a16="http://schemas.microsoft.com/office/drawing/2014/main" id="{802636FD-8D89-8B53-6CAE-95079E4AF86B}"/>
               </a:ext>
             </a:extLst>
           </p:cNvPr>
-          <p:cNvGrpSpPr/>
+          <p:cNvSpPr txBox="1"/>
           <p:nvPr/>
-        </p:nvGrpSpPr>
-        <p:grpSpPr>
+        </p:nvSpPr>
+        <p:spPr>
           <a:xfrm>
-            <a:off x="629732" y="3229172"/>
-            <a:ext cx="2799268" cy="3538828"/>
-            <a:chOff x="629732" y="3229172"/>
-            <a:chExt cx="2799268" cy="3538828"/>
+            <a:off x="4098702" y="3200400"/>
+            <a:ext cx="268022" cy="292388"/>
           </a:xfrm>
-        </p:grpSpPr>
-        <p:pic>
-          <p:nvPicPr>
-            <p:cNvPr id="7" name="圖片 6">
-              <a:extLst>
-                <a:ext uri="{FF2B5EF4-FFF2-40B4-BE49-F238E27FC236}">
-                  <a16:creationId xmlns:a16="http://schemas.microsoft.com/office/drawing/2014/main" id="{14B8F4BD-6938-B483-F4AA-1972A790C2F1}"/>
-                </a:ext>
-              </a:extLst>
-            </p:cNvPr>
-            <p:cNvPicPr>
-              <a:picLocks noChangeAspect="1"/>
-            </p:cNvPicPr>
-            <p:nvPr/>
-          </p:nvPicPr>
-          <p:blipFill>
-            <a:blip r:embed="rId4">
-              <a:clrChange>
-                <a:clrFrom>
-                  <a:srgbClr val="FFFFFF"/>
-                </a:clrFrom>
-                <a:clrTo>
-                  <a:srgbClr val="FFFFFF">
-                    <a:alpha val="0"/>
-                  </a:srgbClr>
-                </a:clrTo>
-              </a:clrChange>
-            </a:blip>
-            <a:stretch>
-              <a:fillRect/>
-            </a:stretch>
-          </p:blipFill>
-          <p:spPr>
-            <a:xfrm>
-              <a:off x="629732" y="3229172"/>
-              <a:ext cx="2799268" cy="3538828"/>
-            </a:xfrm>
-            <a:prstGeom prst="rect">
-              <a:avLst/>
-            </a:prstGeom>
-          </p:spPr>
-        </p:pic>
-        <p:sp>
-          <p:nvSpPr>
-            <p:cNvPr id="16" name="文字方塊 15">
-              <a:extLst>
-                <a:ext uri="{FF2B5EF4-FFF2-40B4-BE49-F238E27FC236}">
-                  <a16:creationId xmlns:a16="http://schemas.microsoft.com/office/drawing/2014/main" id="{21DF8545-48A1-658C-063F-1C0DADDACDBC}"/>
-                </a:ext>
-              </a:extLst>
-            </p:cNvPr>
-            <p:cNvSpPr txBox="1"/>
-            <p:nvPr/>
-          </p:nvSpPr>
-          <p:spPr>
-            <a:xfrm>
-              <a:off x="2743200" y="5562600"/>
-              <a:ext cx="268022" cy="292388"/>
-            </a:xfrm>
-            <a:prstGeom prst="rect">
-              <a:avLst/>
-            </a:prstGeom>
-            <a:noFill/>
-          </p:spPr>
-          <p:txBody>
-            <a:bodyPr wrap="square" rtlCol="0">
-              <a:spAutoFit/>
-            </a:bodyPr>
-            <a:lstStyle/>
-            <a:p>
-              <a:r>
-                <a:rPr kumimoji="1" lang="en-US" altLang="zh-TW" sz="1300" dirty="0">
-                  <a:latin typeface="Times" pitchFamily="2" charset="0"/>
-                  <a:ea typeface="Tahoma" panose="020B0604030504040204" pitchFamily="34" charset="0"/>
-                  <a:cs typeface="Tahoma" panose="020B0604030504040204" pitchFamily="34" charset="0"/>
-                </a:rPr>
-                <a:t>1</a:t>
-              </a:r>
-              <a:endParaRPr kumimoji="1" lang="zh-TW" altLang="en-US" sz="1300" dirty="0">
+          <a:prstGeom prst="rect">
+            <a:avLst/>
+          </a:prstGeom>
+          <a:noFill/>
+        </p:spPr>
+        <p:txBody>
+          <a:bodyPr wrap="none" rtlCol="0">
+            <a:spAutoFit/>
+          </a:bodyPr>
+          <a:lstStyle/>
+          <a:p>
+            <a:r>
+              <a:rPr kumimoji="1" lang="en-US" altLang="zh-TW" sz="1300" dirty="0">
                 <a:latin typeface="Times" pitchFamily="2" charset="0"/>
+                <a:ea typeface="Tahoma" panose="020B0604030504040204" pitchFamily="34" charset="0"/>
                 <a:cs typeface="Tahoma" panose="020B0604030504040204" pitchFamily="34" charset="0"/>
-              </a:endParaRPr>
-            </a:p>
-          </p:txBody>
-        </p:sp>
-        <p:sp>
-          <p:nvSpPr>
-            <p:cNvPr id="17" name="文字方塊 16">
-              <a:extLst>
-                <a:ext uri="{FF2B5EF4-FFF2-40B4-BE49-F238E27FC236}">
-                  <a16:creationId xmlns:a16="http://schemas.microsoft.com/office/drawing/2014/main" id="{7E490D7F-A709-F150-B5EB-44EEE8517338}"/>
-                </a:ext>
-              </a:extLst>
-            </p:cNvPr>
-            <p:cNvSpPr txBox="1"/>
-            <p:nvPr/>
-          </p:nvSpPr>
-          <p:spPr>
-            <a:xfrm>
-              <a:off x="3147531" y="5943600"/>
-              <a:ext cx="268022" cy="292388"/>
-            </a:xfrm>
-            <a:prstGeom prst="rect">
-              <a:avLst/>
-            </a:prstGeom>
-            <a:noFill/>
-          </p:spPr>
-          <p:txBody>
-            <a:bodyPr wrap="square" rtlCol="0">
-              <a:spAutoFit/>
-            </a:bodyPr>
-            <a:lstStyle/>
-            <a:p>
-              <a:r>
-                <a:rPr kumimoji="1" lang="en-US" altLang="zh-TW" sz="1300" dirty="0">
-                  <a:latin typeface="Times" pitchFamily="2" charset="0"/>
-                  <a:ea typeface="Tahoma" panose="020B0604030504040204" pitchFamily="34" charset="0"/>
-                  <a:cs typeface="Tahoma" panose="020B0604030504040204" pitchFamily="34" charset="0"/>
-                </a:rPr>
-                <a:t>1</a:t>
-              </a:r>
-              <a:endParaRPr kumimoji="1" lang="zh-TW" altLang="en-US" sz="1300" dirty="0">
+              </a:rPr>
+              <a:t>1</a:t>
+            </a:r>
+            <a:endParaRPr kumimoji="1" lang="zh-TW" altLang="en-US" sz="1300" dirty="0">
+              <a:latin typeface="Times" pitchFamily="2" charset="0"/>
+              <a:cs typeface="Tahoma" panose="020B0604030504040204" pitchFamily="34" charset="0"/>
+            </a:endParaRPr>
+          </a:p>
+        </p:txBody>
+      </p:sp>
+      <p:sp>
+        <p:nvSpPr>
+          <p:cNvPr id="17" name="文字方塊 16">
+            <a:extLst>
+              <a:ext uri="{FF2B5EF4-FFF2-40B4-BE49-F238E27FC236}">
+                <a16:creationId xmlns:a16="http://schemas.microsoft.com/office/drawing/2014/main" id="{0B0F7D68-4AE3-9431-A999-D95CDE454B96}"/>
+              </a:ext>
+            </a:extLst>
+          </p:cNvPr>
+          <p:cNvSpPr txBox="1"/>
+          <p:nvPr/>
+        </p:nvSpPr>
+        <p:spPr>
+          <a:xfrm>
+            <a:off x="4437989" y="3581400"/>
+            <a:ext cx="268022" cy="292388"/>
+          </a:xfrm>
+          <a:prstGeom prst="rect">
+            <a:avLst/>
+          </a:prstGeom>
+          <a:noFill/>
+        </p:spPr>
+        <p:txBody>
+          <a:bodyPr wrap="none" rtlCol="0">
+            <a:spAutoFit/>
+          </a:bodyPr>
+          <a:lstStyle/>
+          <a:p>
+            <a:r>
+              <a:rPr kumimoji="1" lang="en-US" altLang="zh-TW" sz="1300" dirty="0">
                 <a:latin typeface="Times" pitchFamily="2" charset="0"/>
+                <a:ea typeface="Tahoma" panose="020B0604030504040204" pitchFamily="34" charset="0"/>
                 <a:cs typeface="Tahoma" panose="020B0604030504040204" pitchFamily="34" charset="0"/>
-              </a:endParaRPr>
-            </a:p>
-          </p:txBody>
-        </p:sp>
-      </p:grpSp>
+              </a:rPr>
+              <a:t>1</a:t>
+            </a:r>
+            <a:endParaRPr kumimoji="1" lang="zh-TW" altLang="en-US" sz="1300" dirty="0">
+              <a:latin typeface="Times" pitchFamily="2" charset="0"/>
+              <a:cs typeface="Tahoma" panose="020B0604030504040204" pitchFamily="34" charset="0"/>
+            </a:endParaRPr>
+          </a:p>
+        </p:txBody>
+      </p:sp>
     </p:spTree>
     <p:extLst>
       <p:ext uri="{BB962C8B-B14F-4D97-AF65-F5344CB8AC3E}">
-        <p14:creationId xmlns:p14="http://schemas.microsoft.com/office/powerpoint/2010/main" val="2968017538"/>
+        <p14:creationId xmlns:p14="http://schemas.microsoft.com/office/powerpoint/2010/main" val="3723278983"/>
       </p:ext>
     </p:extLst>
   </p:cSld>
